--- a/Lectures/Lesson 02 - Built-In Classes.pptx
+++ b/Lectures/Lesson 02 - Built-In Classes.pptx
@@ -2661,11 +2661,7 @@
             </a:r>
             <a:r>
               <a:rPr lang="en-US" dirty="0" smtClean="0"/>
-              <a:t> since java </a:t>
-            </a:r>
-            <a:r>
-              <a:rPr lang="en-US" dirty="0" smtClean="0"/>
-              <a:t>9</a:t>
+              <a:t> since java 9</a:t>
             </a:r>
           </a:p>
           <a:p>
@@ -22897,7 +22893,31 @@
               <a:rPr lang="en-US" altLang="en-US" sz="2000" dirty="0" smtClean="0">
                 <a:latin typeface="Calibri (Body)"/>
               </a:rPr>
-              <a:t>Implement the program for change the input string register. Read string from command line in runtime and do: </a:t>
+              <a:t>Implement the program for change the input string register. Read string from command line </a:t>
+            </a:r>
+            <a:r>
+              <a:rPr lang="en-US" altLang="en-US" sz="2000" dirty="0" smtClean="0">
+                <a:latin typeface="Calibri (Body)"/>
+              </a:rPr>
+              <a:t>argument during program </a:t>
+            </a:r>
+            <a:r>
+              <a:rPr lang="en-US" altLang="en-US" sz="2000" dirty="0" err="1" smtClean="0">
+                <a:latin typeface="Calibri (Body)"/>
+              </a:rPr>
+              <a:t>srartup</a:t>
+            </a:r>
+            <a:r>
+              <a:rPr lang="en-US" altLang="en-US" sz="2000" smtClean="0">
+                <a:latin typeface="Calibri (Body)"/>
+              </a:rPr>
+              <a:t> and </a:t>
+            </a:r>
+            <a:r>
+              <a:rPr lang="en-US" altLang="en-US" sz="2000" dirty="0" smtClean="0">
+                <a:latin typeface="Calibri (Body)"/>
+              </a:rPr>
+              <a:t>do: </a:t>
             </a:r>
           </a:p>
           <a:p>
@@ -22983,13 +23003,7 @@
               <a:rPr lang="en-US" altLang="en-US" sz="2000" dirty="0" smtClean="0">
                 <a:latin typeface="Calibri (Body)"/>
               </a:rPr>
-              <a:t> </a:t>
-            </a:r>
-            <a:r>
-              <a:rPr lang="en-US" altLang="en-US" sz="2000" dirty="0" smtClean="0">
-                <a:latin typeface="Calibri (Body)"/>
-              </a:rPr>
-              <a:t>should pass successfully.</a:t>
+              <a:t> should pass successfully.</a:t>
             </a:r>
             <a:endParaRPr lang="en-US" altLang="en-US" sz="2000" dirty="0">
               <a:latin typeface="Calibri (Body)"/>
@@ -23312,13 +23326,7 @@
               <a:rPr lang="en-US" altLang="en-US" sz="2000" dirty="0" smtClean="0">
                 <a:latin typeface="Calibri (Body)"/>
               </a:rPr>
-              <a:t> </a:t>
-            </a:r>
-            <a:r>
-              <a:rPr lang="en-US" altLang="en-US" sz="2000" dirty="0" smtClean="0">
-                <a:latin typeface="Calibri (Body)"/>
-              </a:rPr>
-              <a:t>should pass successfully</a:t>
+              <a:t> should pass successfully</a:t>
             </a:r>
           </a:p>
         </p:txBody>
@@ -23770,8 +23778,8 @@
           </a:p>
         </p:txBody>
       </p:sp>
-      <mc:AlternateContent xmlns:mc="http://schemas.openxmlformats.org/markup-compatibility/2006">
-        <mc:Choice xmlns:a14="http://schemas.microsoft.com/office/drawing/2010/main" Requires="a14">
+      <mc:AlternateContent xmlns:mc="http://schemas.openxmlformats.org/markup-compatibility/2006" xmlns:a14="http://schemas.microsoft.com/office/drawing/2010/main">
+        <mc:Choice Requires="a14">
           <p:sp>
             <p:nvSpPr>
               <p:cNvPr id="3" name="Объект 2"/>
@@ -23991,7 +23999,7 @@
             </p:txBody>
           </p:sp>
         </mc:Choice>
-        <mc:Fallback>
+        <mc:Fallback xmlns="">
           <p:sp>
             <p:nvSpPr>
               <p:cNvPr id="3" name="Объект 2"/>

--- a/Lectures/Lesson 02 - Built-In Classes.pptx
+++ b/Lectures/Lesson 02 - Built-In Classes.pptx
@@ -231,7 +231,7 @@
           <a:p>
             <a:fld id="{E02A8A83-6CB5-4597-88C8-473182A1D80C}" type="datetimeFigureOut">
               <a:rPr lang="en-US" smtClean="0"/>
-              <a:t>10/15/2018</a:t>
+              <a:t>20-Oct-18</a:t>
             </a:fld>
             <a:endParaRPr lang="en-US"/>
           </a:p>
@@ -3260,7 +3260,7 @@
           <a:p>
             <a:fld id="{EEB28C23-52B7-4DED-9EA2-9F92B91AC614}" type="datetimeFigureOut">
               <a:rPr lang="en-US" smtClean="0"/>
-              <a:t>10/15/2018</a:t>
+              <a:t>20-Oct-18</a:t>
             </a:fld>
             <a:endParaRPr lang="en-US"/>
           </a:p>
@@ -3430,7 +3430,7 @@
           <a:p>
             <a:fld id="{EEB28C23-52B7-4DED-9EA2-9F92B91AC614}" type="datetimeFigureOut">
               <a:rPr lang="en-US" smtClean="0"/>
-              <a:t>10/15/2018</a:t>
+              <a:t>20-Oct-18</a:t>
             </a:fld>
             <a:endParaRPr lang="en-US"/>
           </a:p>
@@ -3610,7 +3610,7 @@
           <a:p>
             <a:fld id="{EEB28C23-52B7-4DED-9EA2-9F92B91AC614}" type="datetimeFigureOut">
               <a:rPr lang="en-US" smtClean="0"/>
-              <a:t>10/15/2018</a:t>
+              <a:t>20-Oct-18</a:t>
             </a:fld>
             <a:endParaRPr lang="en-US"/>
           </a:p>
@@ -3780,7 +3780,7 @@
           <a:p>
             <a:fld id="{EEB28C23-52B7-4DED-9EA2-9F92B91AC614}" type="datetimeFigureOut">
               <a:rPr lang="en-US" smtClean="0"/>
-              <a:t>10/15/2018</a:t>
+              <a:t>20-Oct-18</a:t>
             </a:fld>
             <a:endParaRPr lang="en-US"/>
           </a:p>
@@ -4026,7 +4026,7 @@
           <a:p>
             <a:fld id="{EEB28C23-52B7-4DED-9EA2-9F92B91AC614}" type="datetimeFigureOut">
               <a:rPr lang="en-US" smtClean="0"/>
-              <a:t>10/15/2018</a:t>
+              <a:t>20-Oct-18</a:t>
             </a:fld>
             <a:endParaRPr lang="en-US"/>
           </a:p>
@@ -4258,7 +4258,7 @@
           <a:p>
             <a:fld id="{EEB28C23-52B7-4DED-9EA2-9F92B91AC614}" type="datetimeFigureOut">
               <a:rPr lang="en-US" smtClean="0"/>
-              <a:t>10/15/2018</a:t>
+              <a:t>20-Oct-18</a:t>
             </a:fld>
             <a:endParaRPr lang="en-US"/>
           </a:p>
@@ -4625,7 +4625,7 @@
           <a:p>
             <a:fld id="{EEB28C23-52B7-4DED-9EA2-9F92B91AC614}" type="datetimeFigureOut">
               <a:rPr lang="en-US" smtClean="0"/>
-              <a:t>10/15/2018</a:t>
+              <a:t>20-Oct-18</a:t>
             </a:fld>
             <a:endParaRPr lang="en-US"/>
           </a:p>
@@ -4743,7 +4743,7 @@
           <a:p>
             <a:fld id="{EEB28C23-52B7-4DED-9EA2-9F92B91AC614}" type="datetimeFigureOut">
               <a:rPr lang="en-US" smtClean="0"/>
-              <a:t>10/15/2018</a:t>
+              <a:t>20-Oct-18</a:t>
             </a:fld>
             <a:endParaRPr lang="en-US"/>
           </a:p>
@@ -4838,7 +4838,7 @@
           <a:p>
             <a:fld id="{EEB28C23-52B7-4DED-9EA2-9F92B91AC614}" type="datetimeFigureOut">
               <a:rPr lang="en-US" smtClean="0"/>
-              <a:t>10/15/2018</a:t>
+              <a:t>20-Oct-18</a:t>
             </a:fld>
             <a:endParaRPr lang="en-US"/>
           </a:p>
@@ -5115,7 +5115,7 @@
           <a:p>
             <a:fld id="{EEB28C23-52B7-4DED-9EA2-9F92B91AC614}" type="datetimeFigureOut">
               <a:rPr lang="en-US" smtClean="0"/>
-              <a:t>10/15/2018</a:t>
+              <a:t>20-Oct-18</a:t>
             </a:fld>
             <a:endParaRPr lang="en-US"/>
           </a:p>
@@ -5368,7 +5368,7 @@
           <a:p>
             <a:fld id="{EEB28C23-52B7-4DED-9EA2-9F92B91AC614}" type="datetimeFigureOut">
               <a:rPr lang="en-US" smtClean="0"/>
-              <a:t>10/15/2018</a:t>
+              <a:t>20-Oct-18</a:t>
             </a:fld>
             <a:endParaRPr lang="en-US"/>
           </a:p>
@@ -5581,7 +5581,7 @@
           <a:p>
             <a:fld id="{EEB28C23-52B7-4DED-9EA2-9F92B91AC614}" type="datetimeFigureOut">
               <a:rPr lang="en-US" smtClean="0"/>
-              <a:t>10/15/2018</a:t>
+              <a:t>20-Oct-18</a:t>
             </a:fld>
             <a:endParaRPr lang="en-US"/>
           </a:p>
@@ -6095,7 +6095,7 @@
           <p:cNvPr id="4" name="Rectangle 1">
             <a:extLst>
               <a:ext uri="{FF2B5EF4-FFF2-40B4-BE49-F238E27FC236}">
-                <a16:creationId xmlns:a16="http://schemas.microsoft.com/office/drawing/2014/main" id="{49FA7502-C7F3-4D88-90B1-11FA533A3F80}"/>
+                <a16:creationId xmlns:a16="http://schemas.microsoft.com/office/drawing/2014/main" xmlns="" id="{49FA7502-C7F3-4D88-90B1-11FA533A3F80}"/>
               </a:ext>
             </a:extLst>
           </p:cNvPr>
@@ -6184,7 +6184,7 @@
           <p:cNvPr id="5" name="Rectangle 1">
             <a:extLst>
               <a:ext uri="{FF2B5EF4-FFF2-40B4-BE49-F238E27FC236}">
-                <a16:creationId xmlns:a16="http://schemas.microsoft.com/office/drawing/2014/main" id="{C177939B-D70B-47A3-A4A9-6AF0F29F2F0B}"/>
+                <a16:creationId xmlns:a16="http://schemas.microsoft.com/office/drawing/2014/main" xmlns="" id="{C177939B-D70B-47A3-A4A9-6AF0F29F2F0B}"/>
               </a:ext>
             </a:extLst>
           </p:cNvPr>
@@ -6273,7 +6273,7 @@
           <p:cNvPr id="6" name="Rectangle 1">
             <a:extLst>
               <a:ext uri="{FF2B5EF4-FFF2-40B4-BE49-F238E27FC236}">
-                <a16:creationId xmlns:a16="http://schemas.microsoft.com/office/drawing/2014/main" id="{7681AF85-EE99-42E3-9B45-F88BCD1E401F}"/>
+                <a16:creationId xmlns:a16="http://schemas.microsoft.com/office/drawing/2014/main" xmlns="" id="{7681AF85-EE99-42E3-9B45-F88BCD1E401F}"/>
               </a:ext>
             </a:extLst>
           </p:cNvPr>
@@ -6464,7 +6464,7 @@
           <p:cNvPr id="4" name="Rectangle 1">
             <a:extLst>
               <a:ext uri="{FF2B5EF4-FFF2-40B4-BE49-F238E27FC236}">
-                <a16:creationId xmlns:a16="http://schemas.microsoft.com/office/drawing/2014/main" id="{49FA7502-C7F3-4D88-90B1-11FA533A3F80}"/>
+                <a16:creationId xmlns:a16="http://schemas.microsoft.com/office/drawing/2014/main" xmlns="" id="{49FA7502-C7F3-4D88-90B1-11FA533A3F80}"/>
               </a:ext>
             </a:extLst>
           </p:cNvPr>
@@ -6553,7 +6553,7 @@
           <p:cNvPr id="5" name="Rectangle 1">
             <a:extLst>
               <a:ext uri="{FF2B5EF4-FFF2-40B4-BE49-F238E27FC236}">
-                <a16:creationId xmlns:a16="http://schemas.microsoft.com/office/drawing/2014/main" id="{C177939B-D70B-47A3-A4A9-6AF0F29F2F0B}"/>
+                <a16:creationId xmlns:a16="http://schemas.microsoft.com/office/drawing/2014/main" xmlns="" id="{C177939B-D70B-47A3-A4A9-6AF0F29F2F0B}"/>
               </a:ext>
             </a:extLst>
           </p:cNvPr>
@@ -6642,7 +6642,7 @@
           <p:cNvPr id="6" name="Rectangle 1">
             <a:extLst>
               <a:ext uri="{FF2B5EF4-FFF2-40B4-BE49-F238E27FC236}">
-                <a16:creationId xmlns:a16="http://schemas.microsoft.com/office/drawing/2014/main" id="{7681AF85-EE99-42E3-9B45-F88BCD1E401F}"/>
+                <a16:creationId xmlns:a16="http://schemas.microsoft.com/office/drawing/2014/main" xmlns="" id="{7681AF85-EE99-42E3-9B45-F88BCD1E401F}"/>
               </a:ext>
             </a:extLst>
           </p:cNvPr>
@@ -6731,7 +6731,7 @@
           <p:cNvPr id="4098" name="Picture 2" descr="Картинки по запросу java wrapper classes">
             <a:extLst>
               <a:ext uri="{FF2B5EF4-FFF2-40B4-BE49-F238E27FC236}">
-                <a16:creationId xmlns:a16="http://schemas.microsoft.com/office/drawing/2014/main" id="{BB194607-FF31-48F4-9F5D-5F577D30A8E4}"/>
+                <a16:creationId xmlns:a16="http://schemas.microsoft.com/office/drawing/2014/main" xmlns="" id="{BB194607-FF31-48F4-9F5D-5F577D30A8E4}"/>
               </a:ext>
             </a:extLst>
           </p:cNvPr>
@@ -6841,7 +6841,7 @@
           <p:cNvPr id="4" name="Rectangle 1">
             <a:extLst>
               <a:ext uri="{FF2B5EF4-FFF2-40B4-BE49-F238E27FC236}">
-                <a16:creationId xmlns:a16="http://schemas.microsoft.com/office/drawing/2014/main" id="{49FA7502-C7F3-4D88-90B1-11FA533A3F80}"/>
+                <a16:creationId xmlns:a16="http://schemas.microsoft.com/office/drawing/2014/main" xmlns="" id="{49FA7502-C7F3-4D88-90B1-11FA533A3F80}"/>
               </a:ext>
             </a:extLst>
           </p:cNvPr>
@@ -6930,7 +6930,7 @@
           <p:cNvPr id="5" name="Rectangle 1">
             <a:extLst>
               <a:ext uri="{FF2B5EF4-FFF2-40B4-BE49-F238E27FC236}">
-                <a16:creationId xmlns:a16="http://schemas.microsoft.com/office/drawing/2014/main" id="{C177939B-D70B-47A3-A4A9-6AF0F29F2F0B}"/>
+                <a16:creationId xmlns:a16="http://schemas.microsoft.com/office/drawing/2014/main" xmlns="" id="{C177939B-D70B-47A3-A4A9-6AF0F29F2F0B}"/>
               </a:ext>
             </a:extLst>
           </p:cNvPr>
@@ -7019,7 +7019,7 @@
           <p:cNvPr id="6" name="Rectangle 1">
             <a:extLst>
               <a:ext uri="{FF2B5EF4-FFF2-40B4-BE49-F238E27FC236}">
-                <a16:creationId xmlns:a16="http://schemas.microsoft.com/office/drawing/2014/main" id="{7681AF85-EE99-42E3-9B45-F88BCD1E401F}"/>
+                <a16:creationId xmlns:a16="http://schemas.microsoft.com/office/drawing/2014/main" xmlns="" id="{7681AF85-EE99-42E3-9B45-F88BCD1E401F}"/>
               </a:ext>
             </a:extLst>
           </p:cNvPr>
@@ -7108,7 +7108,7 @@
           <p:cNvPr id="7" name="Місце для вмісту 6">
             <a:extLst>
               <a:ext uri="{FF2B5EF4-FFF2-40B4-BE49-F238E27FC236}">
-                <a16:creationId xmlns:a16="http://schemas.microsoft.com/office/drawing/2014/main" id="{34542A16-4DE8-4573-AD11-B774BE766351}"/>
+                <a16:creationId xmlns:a16="http://schemas.microsoft.com/office/drawing/2014/main" xmlns="" id="{34542A16-4DE8-4573-AD11-B774BE766351}"/>
               </a:ext>
             </a:extLst>
           </p:cNvPr>
@@ -7790,7 +7790,7 @@
           <p:cNvPr id="8" name="Rectangle 1">
             <a:extLst>
               <a:ext uri="{FF2B5EF4-FFF2-40B4-BE49-F238E27FC236}">
-                <a16:creationId xmlns:a16="http://schemas.microsoft.com/office/drawing/2014/main" id="{827D7488-B4AC-4BE5-BA99-AFD01D3D8B4D}"/>
+                <a16:creationId xmlns:a16="http://schemas.microsoft.com/office/drawing/2014/main" xmlns="" id="{827D7488-B4AC-4BE5-BA99-AFD01D3D8B4D}"/>
               </a:ext>
             </a:extLst>
           </p:cNvPr>
@@ -7879,7 +7879,7 @@
           <p:cNvPr id="5123" name="Picture 3" descr="Картинки по запросу java wrapper memes">
             <a:extLst>
               <a:ext uri="{FF2B5EF4-FFF2-40B4-BE49-F238E27FC236}">
-                <a16:creationId xmlns:a16="http://schemas.microsoft.com/office/drawing/2014/main" id="{9D633EF4-96C9-4BF5-A04D-326D598892A8}"/>
+                <a16:creationId xmlns:a16="http://schemas.microsoft.com/office/drawing/2014/main" xmlns="" id="{9D633EF4-96C9-4BF5-A04D-326D598892A8}"/>
               </a:ext>
             </a:extLst>
           </p:cNvPr>
@@ -7956,7 +7956,7 @@
           <p:cNvPr id="2" name="Заголовок 1">
             <a:extLst>
               <a:ext uri="{FF2B5EF4-FFF2-40B4-BE49-F238E27FC236}">
-                <a16:creationId xmlns:a16="http://schemas.microsoft.com/office/drawing/2014/main" id="{C17FB865-FF61-4BD1-8F86-3CE702DA9F0A}"/>
+                <a16:creationId xmlns:a16="http://schemas.microsoft.com/office/drawing/2014/main" xmlns="" id="{C17FB865-FF61-4BD1-8F86-3CE702DA9F0A}"/>
               </a:ext>
             </a:extLst>
           </p:cNvPr>
@@ -7984,7 +7984,7 @@
           <p:cNvPr id="3" name="Місце для вмісту 2">
             <a:extLst>
               <a:ext uri="{FF2B5EF4-FFF2-40B4-BE49-F238E27FC236}">
-                <a16:creationId xmlns:a16="http://schemas.microsoft.com/office/drawing/2014/main" id="{79C6C776-25C2-4C04-B815-5F0950131910}"/>
+                <a16:creationId xmlns:a16="http://schemas.microsoft.com/office/drawing/2014/main" xmlns="" id="{79C6C776-25C2-4C04-B815-5F0950131910}"/>
               </a:ext>
             </a:extLst>
           </p:cNvPr>
@@ -8561,7 +8561,7 @@
           <p:cNvPr id="4" name="Rectangle 1">
             <a:extLst>
               <a:ext uri="{FF2B5EF4-FFF2-40B4-BE49-F238E27FC236}">
-                <a16:creationId xmlns:a16="http://schemas.microsoft.com/office/drawing/2014/main" id="{979D964C-1828-4D2F-9501-23DD2C8AAAE4}"/>
+                <a16:creationId xmlns:a16="http://schemas.microsoft.com/office/drawing/2014/main" xmlns="" id="{979D964C-1828-4D2F-9501-23DD2C8AAAE4}"/>
               </a:ext>
             </a:extLst>
           </p:cNvPr>
@@ -8703,7 +8703,7 @@
           <p:cNvPr id="4" name="Rectangle 1">
             <a:extLst>
               <a:ext uri="{FF2B5EF4-FFF2-40B4-BE49-F238E27FC236}">
-                <a16:creationId xmlns:a16="http://schemas.microsoft.com/office/drawing/2014/main" id="{BC6BEE82-5395-46C7-9E23-FBD96DC09ADE}"/>
+                <a16:creationId xmlns:a16="http://schemas.microsoft.com/office/drawing/2014/main" xmlns="" id="{BC6BEE82-5395-46C7-9E23-FBD96DC09ADE}"/>
               </a:ext>
             </a:extLst>
           </p:cNvPr>
@@ -8792,7 +8792,7 @@
           <p:cNvPr id="5" name="Rectangle 2">
             <a:extLst>
               <a:ext uri="{FF2B5EF4-FFF2-40B4-BE49-F238E27FC236}">
-                <a16:creationId xmlns:a16="http://schemas.microsoft.com/office/drawing/2014/main" id="{C95426CD-B93A-41D0-AABA-159297A13705}"/>
+                <a16:creationId xmlns:a16="http://schemas.microsoft.com/office/drawing/2014/main" xmlns="" id="{C95426CD-B93A-41D0-AABA-159297A13705}"/>
               </a:ext>
             </a:extLst>
           </p:cNvPr>
@@ -8881,7 +8881,7 @@
           <p:cNvPr id="6" name="Rectangle 3">
             <a:extLst>
               <a:ext uri="{FF2B5EF4-FFF2-40B4-BE49-F238E27FC236}">
-                <a16:creationId xmlns:a16="http://schemas.microsoft.com/office/drawing/2014/main" id="{FBA5966C-1116-4EB7-9790-D214684405CE}"/>
+                <a16:creationId xmlns:a16="http://schemas.microsoft.com/office/drawing/2014/main" xmlns="" id="{FBA5966C-1116-4EB7-9790-D214684405CE}"/>
               </a:ext>
             </a:extLst>
           </p:cNvPr>
@@ -8970,7 +8970,7 @@
           <p:cNvPr id="7" name="Rectangle 4">
             <a:extLst>
               <a:ext uri="{FF2B5EF4-FFF2-40B4-BE49-F238E27FC236}">
-                <a16:creationId xmlns:a16="http://schemas.microsoft.com/office/drawing/2014/main" id="{C2D019D7-251B-49EB-A684-579033DE36FD}"/>
+                <a16:creationId xmlns:a16="http://schemas.microsoft.com/office/drawing/2014/main" xmlns="" id="{C2D019D7-251B-49EB-A684-579033DE36FD}"/>
               </a:ext>
             </a:extLst>
           </p:cNvPr>
@@ -9779,7 +9779,7 @@
           <p:cNvPr id="4" name="Rectangle 1">
             <a:extLst>
               <a:ext uri="{FF2B5EF4-FFF2-40B4-BE49-F238E27FC236}">
-                <a16:creationId xmlns:a16="http://schemas.microsoft.com/office/drawing/2014/main" id="{BC6BEE82-5395-46C7-9E23-FBD96DC09ADE}"/>
+                <a16:creationId xmlns:a16="http://schemas.microsoft.com/office/drawing/2014/main" xmlns="" id="{BC6BEE82-5395-46C7-9E23-FBD96DC09ADE}"/>
               </a:ext>
             </a:extLst>
           </p:cNvPr>
@@ -9868,7 +9868,7 @@
           <p:cNvPr id="5" name="Rectangle 2">
             <a:extLst>
               <a:ext uri="{FF2B5EF4-FFF2-40B4-BE49-F238E27FC236}">
-                <a16:creationId xmlns:a16="http://schemas.microsoft.com/office/drawing/2014/main" id="{C95426CD-B93A-41D0-AABA-159297A13705}"/>
+                <a16:creationId xmlns:a16="http://schemas.microsoft.com/office/drawing/2014/main" xmlns="" id="{C95426CD-B93A-41D0-AABA-159297A13705}"/>
               </a:ext>
             </a:extLst>
           </p:cNvPr>
@@ -9957,7 +9957,7 @@
           <p:cNvPr id="6" name="Rectangle 3">
             <a:extLst>
               <a:ext uri="{FF2B5EF4-FFF2-40B4-BE49-F238E27FC236}">
-                <a16:creationId xmlns:a16="http://schemas.microsoft.com/office/drawing/2014/main" id="{FBA5966C-1116-4EB7-9790-D214684405CE}"/>
+                <a16:creationId xmlns:a16="http://schemas.microsoft.com/office/drawing/2014/main" xmlns="" id="{FBA5966C-1116-4EB7-9790-D214684405CE}"/>
               </a:ext>
             </a:extLst>
           </p:cNvPr>
@@ -10046,7 +10046,7 @@
           <p:cNvPr id="7" name="Rectangle 4">
             <a:extLst>
               <a:ext uri="{FF2B5EF4-FFF2-40B4-BE49-F238E27FC236}">
-                <a16:creationId xmlns:a16="http://schemas.microsoft.com/office/drawing/2014/main" id="{C2D019D7-251B-49EB-A684-579033DE36FD}"/>
+                <a16:creationId xmlns:a16="http://schemas.microsoft.com/office/drawing/2014/main" xmlns="" id="{C2D019D7-251B-49EB-A684-579033DE36FD}"/>
               </a:ext>
             </a:extLst>
           </p:cNvPr>
@@ -10135,7 +10135,7 @@
           <p:cNvPr id="8" name="Rectangle 5">
             <a:extLst>
               <a:ext uri="{FF2B5EF4-FFF2-40B4-BE49-F238E27FC236}">
-                <a16:creationId xmlns:a16="http://schemas.microsoft.com/office/drawing/2014/main" id="{7C76EB3B-6948-413E-86A3-D2C8C27463F1}"/>
+                <a16:creationId xmlns:a16="http://schemas.microsoft.com/office/drawing/2014/main" xmlns="" id="{7C76EB3B-6948-413E-86A3-D2C8C27463F1}"/>
               </a:ext>
             </a:extLst>
           </p:cNvPr>
@@ -12049,7 +12049,7 @@
           <p:cNvPr id="4" name="Rectangle 1">
             <a:extLst>
               <a:ext uri="{FF2B5EF4-FFF2-40B4-BE49-F238E27FC236}">
-                <a16:creationId xmlns:a16="http://schemas.microsoft.com/office/drawing/2014/main" id="{49FA7502-C7F3-4D88-90B1-11FA533A3F80}"/>
+                <a16:creationId xmlns:a16="http://schemas.microsoft.com/office/drawing/2014/main" xmlns="" id="{49FA7502-C7F3-4D88-90B1-11FA533A3F80}"/>
               </a:ext>
             </a:extLst>
           </p:cNvPr>
@@ -13633,7 +13633,7 @@
           <p:cNvPr id="4" name="Rectangle 1">
             <a:extLst>
               <a:ext uri="{FF2B5EF4-FFF2-40B4-BE49-F238E27FC236}">
-                <a16:creationId xmlns:a16="http://schemas.microsoft.com/office/drawing/2014/main" id="{49FA7502-C7F3-4D88-90B1-11FA533A3F80}"/>
+                <a16:creationId xmlns:a16="http://schemas.microsoft.com/office/drawing/2014/main" xmlns="" id="{49FA7502-C7F3-4D88-90B1-11FA533A3F80}"/>
               </a:ext>
             </a:extLst>
           </p:cNvPr>
@@ -13722,7 +13722,7 @@
           <p:cNvPr id="5" name="Rectangle 1">
             <a:extLst>
               <a:ext uri="{FF2B5EF4-FFF2-40B4-BE49-F238E27FC236}">
-                <a16:creationId xmlns:a16="http://schemas.microsoft.com/office/drawing/2014/main" id="{C177939B-D70B-47A3-A4A9-6AF0F29F2F0B}"/>
+                <a16:creationId xmlns:a16="http://schemas.microsoft.com/office/drawing/2014/main" xmlns="" id="{C177939B-D70B-47A3-A4A9-6AF0F29F2F0B}"/>
               </a:ext>
             </a:extLst>
           </p:cNvPr>
@@ -13811,7 +13811,7 @@
           <p:cNvPr id="6" name="Rectangle 1">
             <a:extLst>
               <a:ext uri="{FF2B5EF4-FFF2-40B4-BE49-F238E27FC236}">
-                <a16:creationId xmlns:a16="http://schemas.microsoft.com/office/drawing/2014/main" id="{7681AF85-EE99-42E3-9B45-F88BCD1E401F}"/>
+                <a16:creationId xmlns:a16="http://schemas.microsoft.com/office/drawing/2014/main" xmlns="" id="{7681AF85-EE99-42E3-9B45-F88BCD1E401F}"/>
               </a:ext>
             </a:extLst>
           </p:cNvPr>
@@ -13900,7 +13900,7 @@
           <p:cNvPr id="7" name="Місце для вмісту 6">
             <a:extLst>
               <a:ext uri="{FF2B5EF4-FFF2-40B4-BE49-F238E27FC236}">
-                <a16:creationId xmlns:a16="http://schemas.microsoft.com/office/drawing/2014/main" id="{34542A16-4DE8-4573-AD11-B774BE766351}"/>
+                <a16:creationId xmlns:a16="http://schemas.microsoft.com/office/drawing/2014/main" xmlns="" id="{34542A16-4DE8-4573-AD11-B774BE766351}"/>
               </a:ext>
             </a:extLst>
           </p:cNvPr>
@@ -14668,7 +14668,7 @@
           <p:cNvPr id="8" name="Rectangle 1">
             <a:extLst>
               <a:ext uri="{FF2B5EF4-FFF2-40B4-BE49-F238E27FC236}">
-                <a16:creationId xmlns:a16="http://schemas.microsoft.com/office/drawing/2014/main" id="{827D7488-B4AC-4BE5-BA99-AFD01D3D8B4D}"/>
+                <a16:creationId xmlns:a16="http://schemas.microsoft.com/office/drawing/2014/main" xmlns="" id="{827D7488-B4AC-4BE5-BA99-AFD01D3D8B4D}"/>
               </a:ext>
             </a:extLst>
           </p:cNvPr>
@@ -14757,7 +14757,7 @@
           <p:cNvPr id="3" name="Rectangle 1">
             <a:extLst>
               <a:ext uri="{FF2B5EF4-FFF2-40B4-BE49-F238E27FC236}">
-                <a16:creationId xmlns:a16="http://schemas.microsoft.com/office/drawing/2014/main" id="{08D55DE2-58D1-45FB-8721-9777487B8420}"/>
+                <a16:creationId xmlns:a16="http://schemas.microsoft.com/office/drawing/2014/main" xmlns="" id="{08D55DE2-58D1-45FB-8721-9777487B8420}"/>
               </a:ext>
             </a:extLst>
           </p:cNvPr>
@@ -14899,7 +14899,7 @@
           <p:cNvPr id="4" name="Rectangle 1">
             <a:extLst>
               <a:ext uri="{FF2B5EF4-FFF2-40B4-BE49-F238E27FC236}">
-                <a16:creationId xmlns:a16="http://schemas.microsoft.com/office/drawing/2014/main" id="{49FA7502-C7F3-4D88-90B1-11FA533A3F80}"/>
+                <a16:creationId xmlns:a16="http://schemas.microsoft.com/office/drawing/2014/main" xmlns="" id="{49FA7502-C7F3-4D88-90B1-11FA533A3F80}"/>
               </a:ext>
             </a:extLst>
           </p:cNvPr>
@@ -14988,7 +14988,7 @@
           <p:cNvPr id="5" name="Rectangle 1">
             <a:extLst>
               <a:ext uri="{FF2B5EF4-FFF2-40B4-BE49-F238E27FC236}">
-                <a16:creationId xmlns:a16="http://schemas.microsoft.com/office/drawing/2014/main" id="{C177939B-D70B-47A3-A4A9-6AF0F29F2F0B}"/>
+                <a16:creationId xmlns:a16="http://schemas.microsoft.com/office/drawing/2014/main" xmlns="" id="{C177939B-D70B-47A3-A4A9-6AF0F29F2F0B}"/>
               </a:ext>
             </a:extLst>
           </p:cNvPr>
@@ -15077,7 +15077,7 @@
           <p:cNvPr id="6" name="Rectangle 1">
             <a:extLst>
               <a:ext uri="{FF2B5EF4-FFF2-40B4-BE49-F238E27FC236}">
-                <a16:creationId xmlns:a16="http://schemas.microsoft.com/office/drawing/2014/main" id="{7681AF85-EE99-42E3-9B45-F88BCD1E401F}"/>
+                <a16:creationId xmlns:a16="http://schemas.microsoft.com/office/drawing/2014/main" xmlns="" id="{7681AF85-EE99-42E3-9B45-F88BCD1E401F}"/>
               </a:ext>
             </a:extLst>
           </p:cNvPr>
@@ -15166,7 +15166,7 @@
           <p:cNvPr id="7" name="Місце для вмісту 6">
             <a:extLst>
               <a:ext uri="{FF2B5EF4-FFF2-40B4-BE49-F238E27FC236}">
-                <a16:creationId xmlns:a16="http://schemas.microsoft.com/office/drawing/2014/main" id="{34542A16-4DE8-4573-AD11-B774BE766351}"/>
+                <a16:creationId xmlns:a16="http://schemas.microsoft.com/office/drawing/2014/main" xmlns="" id="{34542A16-4DE8-4573-AD11-B774BE766351}"/>
               </a:ext>
             </a:extLst>
           </p:cNvPr>
@@ -15502,7 +15502,7 @@
           <p:cNvPr id="8" name="Rectangle 1">
             <a:extLst>
               <a:ext uri="{FF2B5EF4-FFF2-40B4-BE49-F238E27FC236}">
-                <a16:creationId xmlns:a16="http://schemas.microsoft.com/office/drawing/2014/main" id="{827D7488-B4AC-4BE5-BA99-AFD01D3D8B4D}"/>
+                <a16:creationId xmlns:a16="http://schemas.microsoft.com/office/drawing/2014/main" xmlns="" id="{827D7488-B4AC-4BE5-BA99-AFD01D3D8B4D}"/>
               </a:ext>
             </a:extLst>
           </p:cNvPr>
@@ -15591,7 +15591,7 @@
           <p:cNvPr id="3" name="Rectangle 1">
             <a:extLst>
               <a:ext uri="{FF2B5EF4-FFF2-40B4-BE49-F238E27FC236}">
-                <a16:creationId xmlns:a16="http://schemas.microsoft.com/office/drawing/2014/main" id="{08D55DE2-58D1-45FB-8721-9777487B8420}"/>
+                <a16:creationId xmlns:a16="http://schemas.microsoft.com/office/drawing/2014/main" xmlns="" id="{08D55DE2-58D1-45FB-8721-9777487B8420}"/>
               </a:ext>
             </a:extLst>
           </p:cNvPr>
@@ -15680,7 +15680,7 @@
           <p:cNvPr id="9" name="Rectangle 1">
             <a:extLst>
               <a:ext uri="{FF2B5EF4-FFF2-40B4-BE49-F238E27FC236}">
-                <a16:creationId xmlns:a16="http://schemas.microsoft.com/office/drawing/2014/main" id="{A68C7CDE-4209-421D-814E-AB48E60FD77D}"/>
+                <a16:creationId xmlns:a16="http://schemas.microsoft.com/office/drawing/2014/main" xmlns="" id="{A68C7CDE-4209-421D-814E-AB48E60FD77D}"/>
               </a:ext>
             </a:extLst>
           </p:cNvPr>
@@ -15769,7 +15769,7 @@
           <p:cNvPr id="10" name="Rectangle 2">
             <a:extLst>
               <a:ext uri="{FF2B5EF4-FFF2-40B4-BE49-F238E27FC236}">
-                <a16:creationId xmlns:a16="http://schemas.microsoft.com/office/drawing/2014/main" id="{1A8B725B-464A-4776-8F4B-5A31438C16BC}"/>
+                <a16:creationId xmlns:a16="http://schemas.microsoft.com/office/drawing/2014/main" xmlns="" id="{1A8B725B-464A-4776-8F4B-5A31438C16BC}"/>
               </a:ext>
             </a:extLst>
           </p:cNvPr>
@@ -16035,7 +16035,7 @@
               </a:rPr>
               <a:t>.**</a:t>
             </a:r>
-            <a:endParaRPr lang="ru-UA" altLang="en-US" sz="2400" i="1" dirty="0" smtClean="0">
+            <a:endParaRPr lang="aa-ET" altLang="en-US" sz="2400" i="1" dirty="0" smtClean="0">
               <a:latin typeface="Calibri" panose="020F0502020204030204" pitchFamily="34" charset="0"/>
             </a:endParaRPr>
           </a:p>
@@ -16177,7 +16177,7 @@
           <p:cNvPr id="2" name="Заголовок 1">
             <a:extLst>
               <a:ext uri="{FF2B5EF4-FFF2-40B4-BE49-F238E27FC236}">
-                <a16:creationId xmlns:a16="http://schemas.microsoft.com/office/drawing/2014/main" id="{2C13FF26-F891-42AE-A892-93985C6AC536}"/>
+                <a16:creationId xmlns:a16="http://schemas.microsoft.com/office/drawing/2014/main" xmlns="" id="{2C13FF26-F891-42AE-A892-93985C6AC536}"/>
               </a:ext>
             </a:extLst>
           </p:cNvPr>
@@ -16210,7 +16210,7 @@
           <p:cNvPr id="3" name="Місце для вмісту 2">
             <a:extLst>
               <a:ext uri="{FF2B5EF4-FFF2-40B4-BE49-F238E27FC236}">
-                <a16:creationId xmlns:a16="http://schemas.microsoft.com/office/drawing/2014/main" id="{AE270C6D-62D5-4CD6-84E0-A7F3C617A592}"/>
+                <a16:creationId xmlns:a16="http://schemas.microsoft.com/office/drawing/2014/main" xmlns="" id="{AE270C6D-62D5-4CD6-84E0-A7F3C617A592}"/>
               </a:ext>
             </a:extLst>
           </p:cNvPr>
@@ -16486,7 +16486,7 @@
           <p:cNvPr id="4" name="Rectangle 1">
             <a:extLst>
               <a:ext uri="{FF2B5EF4-FFF2-40B4-BE49-F238E27FC236}">
-                <a16:creationId xmlns:a16="http://schemas.microsoft.com/office/drawing/2014/main" id="{A34A229F-8A26-4FEE-8029-53F7F5A4AFDA}"/>
+                <a16:creationId xmlns:a16="http://schemas.microsoft.com/office/drawing/2014/main" xmlns="" id="{A34A229F-8A26-4FEE-8029-53F7F5A4AFDA}"/>
               </a:ext>
             </a:extLst>
           </p:cNvPr>
@@ -16575,7 +16575,7 @@
           <p:cNvPr id="5" name="Rectangle 2">
             <a:extLst>
               <a:ext uri="{FF2B5EF4-FFF2-40B4-BE49-F238E27FC236}">
-                <a16:creationId xmlns:a16="http://schemas.microsoft.com/office/drawing/2014/main" id="{56B627E6-BABF-4BC2-9AED-D1FE87BA64E9}"/>
+                <a16:creationId xmlns:a16="http://schemas.microsoft.com/office/drawing/2014/main" xmlns="" id="{56B627E6-BABF-4BC2-9AED-D1FE87BA64E9}"/>
               </a:ext>
             </a:extLst>
           </p:cNvPr>
@@ -16664,7 +16664,7 @@
           <p:cNvPr id="6" name="Rectangle 3">
             <a:extLst>
               <a:ext uri="{FF2B5EF4-FFF2-40B4-BE49-F238E27FC236}">
-                <a16:creationId xmlns:a16="http://schemas.microsoft.com/office/drawing/2014/main" id="{BE84B0EA-B423-4F49-917B-38DAFF806F4E}"/>
+                <a16:creationId xmlns:a16="http://schemas.microsoft.com/office/drawing/2014/main" xmlns="" id="{BE84B0EA-B423-4F49-917B-38DAFF806F4E}"/>
               </a:ext>
             </a:extLst>
           </p:cNvPr>
@@ -22893,31 +22893,25 @@
               <a:rPr lang="en-US" altLang="en-US" sz="2000" dirty="0" smtClean="0">
                 <a:latin typeface="Calibri (Body)"/>
               </a:rPr>
-              <a:t>Implement the program for change the input string register. Read string from command line </a:t>
+              <a:t>Implement the program for change the input string register. Read string from command line argument during </a:t>
+            </a:r>
+            <a:r>
+              <a:rPr lang="en-US" altLang="en-US" sz="2000" smtClean="0">
+                <a:latin typeface="Calibri (Body)"/>
+              </a:rPr>
+              <a:t>program </a:t>
+            </a:r>
+            <a:r>
+              <a:rPr lang="en-US" altLang="en-US" sz="2000" smtClean="0">
+                <a:latin typeface="Calibri (Body)"/>
+              </a:rPr>
+              <a:t>start-up </a:t>
             </a:r>
             <a:r>
               <a:rPr lang="en-US" altLang="en-US" sz="2000" dirty="0" smtClean="0">
                 <a:latin typeface="Calibri (Body)"/>
               </a:rPr>
-              <a:t>argument during program </a:t>
-            </a:r>
-            <a:r>
-              <a:rPr lang="en-US" altLang="en-US" sz="2000" dirty="0" err="1" smtClean="0">
-                <a:latin typeface="Calibri (Body)"/>
-              </a:rPr>
-              <a:t>srartup</a:t>
-            </a:r>
-            <a:r>
-              <a:rPr lang="en-US" altLang="en-US" sz="2000" smtClean="0">
-                <a:latin typeface="Calibri (Body)"/>
-              </a:rPr>
-              <a:t> and </a:t>
-            </a:r>
-            <a:r>
-              <a:rPr lang="en-US" altLang="en-US" sz="2000" dirty="0" smtClean="0">
-                <a:latin typeface="Calibri (Body)"/>
-              </a:rPr>
-              <a:t>do: </a:t>
+              <a:t>and do: </a:t>
             </a:r>
           </a:p>
           <a:p>
@@ -24379,7 +24373,7 @@
           <p:cNvPr id="4" name="Rectangle 1">
             <a:extLst>
               <a:ext uri="{FF2B5EF4-FFF2-40B4-BE49-F238E27FC236}">
-                <a16:creationId xmlns:a16="http://schemas.microsoft.com/office/drawing/2014/main" id="{9F88C462-7FB5-495A-A08E-BBB23A368CF4}"/>
+                <a16:creationId xmlns:a16="http://schemas.microsoft.com/office/drawing/2014/main" xmlns="" id="{9F88C462-7FB5-495A-A08E-BBB23A368CF4}"/>
               </a:ext>
             </a:extLst>
           </p:cNvPr>
@@ -24942,7 +24936,7 @@
           <p:cNvPr id="4" name="Rectangle 1">
             <a:extLst>
               <a:ext uri="{FF2B5EF4-FFF2-40B4-BE49-F238E27FC236}">
-                <a16:creationId xmlns:a16="http://schemas.microsoft.com/office/drawing/2014/main" id="{49FA7502-C7F3-4D88-90B1-11FA533A3F80}"/>
+                <a16:creationId xmlns:a16="http://schemas.microsoft.com/office/drawing/2014/main" xmlns="" id="{49FA7502-C7F3-4D88-90B1-11FA533A3F80}"/>
               </a:ext>
             </a:extLst>
           </p:cNvPr>
@@ -25031,7 +25025,7 @@
           <p:cNvPr id="5" name="Rectangle 1">
             <a:extLst>
               <a:ext uri="{FF2B5EF4-FFF2-40B4-BE49-F238E27FC236}">
-                <a16:creationId xmlns:a16="http://schemas.microsoft.com/office/drawing/2014/main" id="{C177939B-D70B-47A3-A4A9-6AF0F29F2F0B}"/>
+                <a16:creationId xmlns:a16="http://schemas.microsoft.com/office/drawing/2014/main" xmlns="" id="{C177939B-D70B-47A3-A4A9-6AF0F29F2F0B}"/>
               </a:ext>
             </a:extLst>
           </p:cNvPr>
@@ -25271,7 +25265,7 @@
               </a:rPr>
               <a:t>();</a:t>
             </a:r>
-            <a:endParaRPr lang="ru-UA" altLang="en-US" sz="1600" dirty="0" smtClean="0">
+            <a:endParaRPr lang="aa-ET" altLang="en-US" sz="1600" dirty="0" smtClean="0">
               <a:solidFill>
                 <a:srgbClr val="000000"/>
               </a:solidFill>
@@ -25313,7 +25307,7 @@
               <a:t>isBlank</a:t>
             </a:r>
             <a:r>
-              <a:rPr lang="ru-UA" altLang="en-US" sz="1600" dirty="0" smtClean="0">
+              <a:rPr lang="aa-ET" altLang="en-US" sz="1600" dirty="0" smtClean="0">
                 <a:solidFill>
                   <a:srgbClr val="000000"/>
                 </a:solidFill>
@@ -26200,7 +26194,7 @@
           <p:cNvPr id="4" name="Rectangle 1">
             <a:extLst>
               <a:ext uri="{FF2B5EF4-FFF2-40B4-BE49-F238E27FC236}">
-                <a16:creationId xmlns:a16="http://schemas.microsoft.com/office/drawing/2014/main" id="{49FA7502-C7F3-4D88-90B1-11FA533A3F80}"/>
+                <a16:creationId xmlns:a16="http://schemas.microsoft.com/office/drawing/2014/main" xmlns="" id="{49FA7502-C7F3-4D88-90B1-11FA533A3F80}"/>
               </a:ext>
             </a:extLst>
           </p:cNvPr>
@@ -26289,7 +26283,7 @@
           <p:cNvPr id="5" name="Rectangle 1">
             <a:extLst>
               <a:ext uri="{FF2B5EF4-FFF2-40B4-BE49-F238E27FC236}">
-                <a16:creationId xmlns:a16="http://schemas.microsoft.com/office/drawing/2014/main" id="{C177939B-D70B-47A3-A4A9-6AF0F29F2F0B}"/>
+                <a16:creationId xmlns:a16="http://schemas.microsoft.com/office/drawing/2014/main" xmlns="" id="{C177939B-D70B-47A3-A4A9-6AF0F29F2F0B}"/>
               </a:ext>
             </a:extLst>
           </p:cNvPr>
@@ -26378,7 +26372,7 @@
           <p:cNvPr id="6" name="Rectangle 1">
             <a:extLst>
               <a:ext uri="{FF2B5EF4-FFF2-40B4-BE49-F238E27FC236}">
-                <a16:creationId xmlns:a16="http://schemas.microsoft.com/office/drawing/2014/main" id="{7681AF85-EE99-42E3-9B45-F88BCD1E401F}"/>
+                <a16:creationId xmlns:a16="http://schemas.microsoft.com/office/drawing/2014/main" xmlns="" id="{7681AF85-EE99-42E3-9B45-F88BCD1E401F}"/>
               </a:ext>
             </a:extLst>
           </p:cNvPr>
@@ -27656,7 +27650,7 @@
           <p:cNvPr id="4" name="Rectangle 1">
             <a:extLst>
               <a:ext uri="{FF2B5EF4-FFF2-40B4-BE49-F238E27FC236}">
-                <a16:creationId xmlns:a16="http://schemas.microsoft.com/office/drawing/2014/main" id="{49FA7502-C7F3-4D88-90B1-11FA533A3F80}"/>
+                <a16:creationId xmlns:a16="http://schemas.microsoft.com/office/drawing/2014/main" xmlns="" id="{49FA7502-C7F3-4D88-90B1-11FA533A3F80}"/>
               </a:ext>
             </a:extLst>
           </p:cNvPr>
@@ -27745,7 +27739,7 @@
           <p:cNvPr id="5" name="Rectangle 1">
             <a:extLst>
               <a:ext uri="{FF2B5EF4-FFF2-40B4-BE49-F238E27FC236}">
-                <a16:creationId xmlns:a16="http://schemas.microsoft.com/office/drawing/2014/main" id="{C177939B-D70B-47A3-A4A9-6AF0F29F2F0B}"/>
+                <a16:creationId xmlns:a16="http://schemas.microsoft.com/office/drawing/2014/main" xmlns="" id="{C177939B-D70B-47A3-A4A9-6AF0F29F2F0B}"/>
               </a:ext>
             </a:extLst>
           </p:cNvPr>
@@ -27834,7 +27828,7 @@
           <p:cNvPr id="6" name="Rectangle 1">
             <a:extLst>
               <a:ext uri="{FF2B5EF4-FFF2-40B4-BE49-F238E27FC236}">
-                <a16:creationId xmlns:a16="http://schemas.microsoft.com/office/drawing/2014/main" id="{7681AF85-EE99-42E3-9B45-F88BCD1E401F}"/>
+                <a16:creationId xmlns:a16="http://schemas.microsoft.com/office/drawing/2014/main" xmlns="" id="{7681AF85-EE99-42E3-9B45-F88BCD1E401F}"/>
               </a:ext>
             </a:extLst>
           </p:cNvPr>
@@ -27923,7 +27917,7 @@
           <p:cNvPr id="7" name="Rectangle 1">
             <a:extLst>
               <a:ext uri="{FF2B5EF4-FFF2-40B4-BE49-F238E27FC236}">
-                <a16:creationId xmlns:a16="http://schemas.microsoft.com/office/drawing/2014/main" id="{5FFAA8C0-C8AD-4F0B-A1C7-F01A3053241E}"/>
+                <a16:creationId xmlns:a16="http://schemas.microsoft.com/office/drawing/2014/main" xmlns="" id="{5FFAA8C0-C8AD-4F0B-A1C7-F01A3053241E}"/>
               </a:ext>
             </a:extLst>
           </p:cNvPr>
@@ -28081,7 +28075,7 @@
           <p:cNvPr id="4" name="Rectangle 1">
             <a:extLst>
               <a:ext uri="{FF2B5EF4-FFF2-40B4-BE49-F238E27FC236}">
-                <a16:creationId xmlns:a16="http://schemas.microsoft.com/office/drawing/2014/main" id="{49FA7502-C7F3-4D88-90B1-11FA533A3F80}"/>
+                <a16:creationId xmlns:a16="http://schemas.microsoft.com/office/drawing/2014/main" xmlns="" id="{49FA7502-C7F3-4D88-90B1-11FA533A3F80}"/>
               </a:ext>
             </a:extLst>
           </p:cNvPr>
@@ -28170,7 +28164,7 @@
           <p:cNvPr id="5" name="Rectangle 1">
             <a:extLst>
               <a:ext uri="{FF2B5EF4-FFF2-40B4-BE49-F238E27FC236}">
-                <a16:creationId xmlns:a16="http://schemas.microsoft.com/office/drawing/2014/main" id="{C177939B-D70B-47A3-A4A9-6AF0F29F2F0B}"/>
+                <a16:creationId xmlns:a16="http://schemas.microsoft.com/office/drawing/2014/main" xmlns="" id="{C177939B-D70B-47A3-A4A9-6AF0F29F2F0B}"/>
               </a:ext>
             </a:extLst>
           </p:cNvPr>
@@ -28259,7 +28253,7 @@
           <p:cNvPr id="6" name="Rectangle 1">
             <a:extLst>
               <a:ext uri="{FF2B5EF4-FFF2-40B4-BE49-F238E27FC236}">
-                <a16:creationId xmlns:a16="http://schemas.microsoft.com/office/drawing/2014/main" id="{7681AF85-EE99-42E3-9B45-F88BCD1E401F}"/>
+                <a16:creationId xmlns:a16="http://schemas.microsoft.com/office/drawing/2014/main" xmlns="" id="{7681AF85-EE99-42E3-9B45-F88BCD1E401F}"/>
               </a:ext>
             </a:extLst>
           </p:cNvPr>
@@ -28348,7 +28342,7 @@
           <p:cNvPr id="16386" name="Picture 2" descr="Картинки по запросу string vs stringbuilder vs stringbuffer java">
             <a:extLst>
               <a:ext uri="{FF2B5EF4-FFF2-40B4-BE49-F238E27FC236}">
-                <a16:creationId xmlns:a16="http://schemas.microsoft.com/office/drawing/2014/main" id="{DD815080-F001-4623-9682-64E1BF9D2F13}"/>
+                <a16:creationId xmlns:a16="http://schemas.microsoft.com/office/drawing/2014/main" xmlns="" id="{DD815080-F001-4623-9682-64E1BF9D2F13}"/>
               </a:ext>
             </a:extLst>
           </p:cNvPr>
@@ -28464,7 +28458,7 @@
           <p:cNvPr id="4" name="Rectangle 1">
             <a:extLst>
               <a:ext uri="{FF2B5EF4-FFF2-40B4-BE49-F238E27FC236}">
-                <a16:creationId xmlns:a16="http://schemas.microsoft.com/office/drawing/2014/main" id="{49FA7502-C7F3-4D88-90B1-11FA533A3F80}"/>
+                <a16:creationId xmlns:a16="http://schemas.microsoft.com/office/drawing/2014/main" xmlns="" id="{49FA7502-C7F3-4D88-90B1-11FA533A3F80}"/>
               </a:ext>
             </a:extLst>
           </p:cNvPr>
@@ -28553,7 +28547,7 @@
           <p:cNvPr id="5" name="Rectangle 1">
             <a:extLst>
               <a:ext uri="{FF2B5EF4-FFF2-40B4-BE49-F238E27FC236}">
-                <a16:creationId xmlns:a16="http://schemas.microsoft.com/office/drawing/2014/main" id="{C177939B-D70B-47A3-A4A9-6AF0F29F2F0B}"/>
+                <a16:creationId xmlns:a16="http://schemas.microsoft.com/office/drawing/2014/main" xmlns="" id="{C177939B-D70B-47A3-A4A9-6AF0F29F2F0B}"/>
               </a:ext>
             </a:extLst>
           </p:cNvPr>
@@ -28642,7 +28636,7 @@
           <p:cNvPr id="6" name="Rectangle 1">
             <a:extLst>
               <a:ext uri="{FF2B5EF4-FFF2-40B4-BE49-F238E27FC236}">
-                <a16:creationId xmlns:a16="http://schemas.microsoft.com/office/drawing/2014/main" id="{7681AF85-EE99-42E3-9B45-F88BCD1E401F}"/>
+                <a16:creationId xmlns:a16="http://schemas.microsoft.com/office/drawing/2014/main" xmlns="" id="{7681AF85-EE99-42E3-9B45-F88BCD1E401F}"/>
               </a:ext>
             </a:extLst>
           </p:cNvPr>
@@ -28731,7 +28725,7 @@
           <p:cNvPr id="9" name="Таблиця 8">
             <a:extLst>
               <a:ext uri="{FF2B5EF4-FFF2-40B4-BE49-F238E27FC236}">
-                <a16:creationId xmlns:a16="http://schemas.microsoft.com/office/drawing/2014/main" id="{34AE852B-75AB-4692-BD18-44216962BC39}"/>
+                <a16:creationId xmlns:a16="http://schemas.microsoft.com/office/drawing/2014/main" xmlns="" id="{34AE852B-75AB-4692-BD18-44216962BC39}"/>
               </a:ext>
             </a:extLst>
           </p:cNvPr>
@@ -28760,28 +28754,28 @@
                 <a:gridCol w="2286000">
                   <a:extLst>
                     <a:ext uri="{9D8B030D-6E8A-4147-A177-3AD203B41FA5}">
-                      <a16:colId xmlns:a16="http://schemas.microsoft.com/office/drawing/2014/main" val="6845744"/>
+                      <a16:colId xmlns:a16="http://schemas.microsoft.com/office/drawing/2014/main" xmlns="" val="6845744"/>
                     </a:ext>
                   </a:extLst>
                 </a:gridCol>
                 <a:gridCol w="2286000">
                   <a:extLst>
                     <a:ext uri="{9D8B030D-6E8A-4147-A177-3AD203B41FA5}">
-                      <a16:colId xmlns:a16="http://schemas.microsoft.com/office/drawing/2014/main" val="3388244049"/>
+                      <a16:colId xmlns:a16="http://schemas.microsoft.com/office/drawing/2014/main" xmlns="" val="3388244049"/>
                     </a:ext>
                   </a:extLst>
                 </a:gridCol>
                 <a:gridCol w="2286000">
                   <a:extLst>
                     <a:ext uri="{9D8B030D-6E8A-4147-A177-3AD203B41FA5}">
-                      <a16:colId xmlns:a16="http://schemas.microsoft.com/office/drawing/2014/main" val="928790593"/>
+                      <a16:colId xmlns:a16="http://schemas.microsoft.com/office/drawing/2014/main" xmlns="" val="928790593"/>
                     </a:ext>
                   </a:extLst>
                 </a:gridCol>
                 <a:gridCol w="2286000">
                   <a:extLst>
                     <a:ext uri="{9D8B030D-6E8A-4147-A177-3AD203B41FA5}">
-                      <a16:colId xmlns:a16="http://schemas.microsoft.com/office/drawing/2014/main" val="2994235315"/>
+                      <a16:colId xmlns:a16="http://schemas.microsoft.com/office/drawing/2014/main" xmlns="" val="2994235315"/>
                     </a:ext>
                   </a:extLst>
                 </a:gridCol>
@@ -28873,7 +28867,7 @@
                 </a:tc>
                 <a:extLst>
                   <a:ext uri="{0D108BD9-81ED-4DB2-BD59-A6C34878D82A}">
-                    <a16:rowId xmlns:a16="http://schemas.microsoft.com/office/drawing/2014/main" val="1521795023"/>
+                    <a16:rowId xmlns:a16="http://schemas.microsoft.com/office/drawing/2014/main" xmlns="" val="1521795023"/>
                   </a:ext>
                 </a:extLst>
               </a:tr>
@@ -28944,7 +28938,7 @@
                 </a:tc>
                 <a:extLst>
                   <a:ext uri="{0D108BD9-81ED-4DB2-BD59-A6C34878D82A}">
-                    <a16:rowId xmlns:a16="http://schemas.microsoft.com/office/drawing/2014/main" val="3279341362"/>
+                    <a16:rowId xmlns:a16="http://schemas.microsoft.com/office/drawing/2014/main" xmlns="" val="3279341362"/>
                   </a:ext>
                 </a:extLst>
               </a:tr>
@@ -29042,7 +29036,7 @@
                 </a:tc>
                 <a:extLst>
                   <a:ext uri="{0D108BD9-81ED-4DB2-BD59-A6C34878D82A}">
-                    <a16:rowId xmlns:a16="http://schemas.microsoft.com/office/drawing/2014/main" val="3582882400"/>
+                    <a16:rowId xmlns:a16="http://schemas.microsoft.com/office/drawing/2014/main" xmlns="" val="3582882400"/>
                   </a:ext>
                 </a:extLst>
               </a:tr>
@@ -29127,7 +29121,7 @@
                 </a:tc>
                 <a:extLst>
                   <a:ext uri="{0D108BD9-81ED-4DB2-BD59-A6C34878D82A}">
-                    <a16:rowId xmlns:a16="http://schemas.microsoft.com/office/drawing/2014/main" val="683457254"/>
+                    <a16:rowId xmlns:a16="http://schemas.microsoft.com/office/drawing/2014/main" xmlns="" val="683457254"/>
                   </a:ext>
                 </a:extLst>
               </a:tr>
@@ -29258,7 +29252,7 @@
                 </a:tc>
                 <a:extLst>
                   <a:ext uri="{0D108BD9-81ED-4DB2-BD59-A6C34878D82A}">
-                    <a16:rowId xmlns:a16="http://schemas.microsoft.com/office/drawing/2014/main" val="1969611214"/>
+                    <a16:rowId xmlns:a16="http://schemas.microsoft.com/office/drawing/2014/main" xmlns="" val="1969611214"/>
                   </a:ext>
                 </a:extLst>
               </a:tr>
@@ -29357,7 +29351,7 @@
                 </a:tc>
                 <a:extLst>
                   <a:ext uri="{0D108BD9-81ED-4DB2-BD59-A6C34878D82A}">
-                    <a16:rowId xmlns:a16="http://schemas.microsoft.com/office/drawing/2014/main" val="1684209653"/>
+                    <a16:rowId xmlns:a16="http://schemas.microsoft.com/office/drawing/2014/main" xmlns="" val="1684209653"/>
                   </a:ext>
                 </a:extLst>
               </a:tr>
@@ -29424,7 +29418,7 @@
                 </a:tc>
                 <a:extLst>
                   <a:ext uri="{0D108BD9-81ED-4DB2-BD59-A6C34878D82A}">
-                    <a16:rowId xmlns:a16="http://schemas.microsoft.com/office/drawing/2014/main" val="199399117"/>
+                    <a16:rowId xmlns:a16="http://schemas.microsoft.com/office/drawing/2014/main" xmlns="" val="199399117"/>
                   </a:ext>
                 </a:extLst>
               </a:tr>

--- a/Lectures/Lesson 02 - Built-In Classes.pptx
+++ b/Lectures/Lesson 02 - Built-In Classes.pptx
@@ -231,7 +231,7 @@
           <a:p>
             <a:fld id="{E02A8A83-6CB5-4597-88C8-473182A1D80C}" type="datetimeFigureOut">
               <a:rPr lang="en-US" smtClean="0"/>
-              <a:t>20-Oct-18</a:t>
+              <a:t>30-Oct-18</a:t>
             </a:fld>
             <a:endParaRPr lang="en-US"/>
           </a:p>
@@ -295,38 +295,37 @@
           <a:p>
             <a:pPr lvl="0"/>
             <a:r>
-              <a:rPr lang="en-US" smtClean="0"/>
+              <a:rPr lang="en-US"/>
               <a:t>Edit Master text styles</a:t>
             </a:r>
           </a:p>
           <a:p>
             <a:pPr lvl="1"/>
             <a:r>
-              <a:rPr lang="en-US" smtClean="0"/>
+              <a:rPr lang="en-US"/>
               <a:t>Second level</a:t>
             </a:r>
           </a:p>
           <a:p>
             <a:pPr lvl="2"/>
             <a:r>
-              <a:rPr lang="en-US" smtClean="0"/>
+              <a:rPr lang="en-US"/>
               <a:t>Third level</a:t>
             </a:r>
           </a:p>
           <a:p>
             <a:pPr lvl="3"/>
             <a:r>
-              <a:rPr lang="en-US" smtClean="0"/>
+              <a:rPr lang="en-US"/>
               <a:t>Fourth level</a:t>
             </a:r>
           </a:p>
           <a:p>
             <a:pPr lvl="4"/>
             <a:r>
-              <a:rPr lang="en-US" smtClean="0"/>
+              <a:rPr lang="en-US"/>
               <a:t>Fifth level</a:t>
             </a:r>
-            <a:endParaRPr lang="en-US"/>
           </a:p>
         </p:txBody>
       </p:sp>
@@ -390,7 +389,7 @@
           <a:p>
             <a:fld id="{A2894658-6FB3-43D6-804A-F306B9C561BF}" type="slidenum">
               <a:rPr lang="en-US" smtClean="0"/>
-              <a:t>‹#›</a:t>
+              <a:t>‹№›</a:t>
             </a:fld>
             <a:endParaRPr lang="en-US"/>
           </a:p>
@@ -813,19 +812,19 @@
               <a:defRPr/>
             </a:pPr>
             <a:r>
-              <a:rPr lang="en-US" sz="1200" dirty="0" err="1" smtClean="0"/>
+              <a:rPr lang="en-US" sz="1200" dirty="0" err="1"/>
               <a:t>Autoboxing</a:t>
             </a:r>
             <a:r>
-              <a:rPr lang="en-US" sz="1200" dirty="0" smtClean="0"/>
+              <a:rPr lang="en-US" sz="1200" dirty="0"/>
               <a:t> is an automatic conversion of a primitive type to his wrapper. For example double in Double, </a:t>
             </a:r>
             <a:r>
-              <a:rPr lang="en-US" sz="1200" dirty="0" err="1" smtClean="0"/>
+              <a:rPr lang="en-US" sz="1200" dirty="0" err="1"/>
               <a:t>int</a:t>
             </a:r>
             <a:r>
-              <a:rPr lang="en-US" sz="1200" dirty="0" smtClean="0"/>
+              <a:rPr lang="en-US" sz="1200" dirty="0"/>
               <a:t> in Integer, etc. Unboxing - opposite action</a:t>
             </a:r>
           </a:p>
@@ -1352,7 +1351,7 @@
               <a:defRPr/>
             </a:pPr>
             <a:r>
-              <a:rPr lang="en-US" altLang="en-US" sz="1200" dirty="0" smtClean="0"/>
+              <a:rPr lang="en-US" altLang="en-US" sz="1200" dirty="0"/>
               <a:t>Static methods for operations with system. </a:t>
             </a:r>
           </a:p>
@@ -1375,7 +1374,7 @@
               <a:defRPr/>
             </a:pPr>
             <a:r>
-              <a:rPr lang="en-US" altLang="en-US" sz="1200" dirty="0" smtClean="0"/>
+              <a:rPr lang="en-US" altLang="en-US" sz="1200" dirty="0"/>
               <a:t>Contains "useful" fields and methods. </a:t>
             </a:r>
           </a:p>
@@ -1398,7 +1397,7 @@
               <a:defRPr/>
             </a:pPr>
             <a:r>
-              <a:rPr lang="en-US" altLang="en-US" sz="1200" dirty="0" smtClean="0"/>
+              <a:rPr lang="en-US" altLang="en-US" sz="1200" dirty="0"/>
               <a:t>Constructor not available. </a:t>
             </a:r>
           </a:p>
@@ -1421,7 +1420,7 @@
               <a:defRPr/>
             </a:pPr>
             <a:r>
-              <a:rPr lang="en-US" altLang="en-US" sz="1200" dirty="0" smtClean="0"/>
+              <a:rPr lang="en-US" altLang="en-US" sz="1200" dirty="0"/>
               <a:t>All fields and methods are static. </a:t>
             </a:r>
           </a:p>
@@ -1444,7 +1443,7 @@
               <a:defRPr/>
             </a:pPr>
             <a:r>
-              <a:rPr lang="en-US" altLang="en-US" sz="1200" dirty="0" smtClean="0"/>
+              <a:rPr lang="en-US" altLang="en-US" sz="1200" dirty="0"/>
               <a:t>The class provides access to threads in (input stream), out (output stream), err (error output stream), access methods to properties and others</a:t>
             </a:r>
           </a:p>
@@ -1551,7 +1550,7 @@
               <a:defRPr/>
             </a:pPr>
             <a:r>
-              <a:rPr lang="en-US" sz="1200" dirty="0" smtClean="0"/>
+              <a:rPr lang="en-US" sz="1200" dirty="0"/>
               <a:t>Allows you to access the "environment" and run independent processes. </a:t>
             </a:r>
           </a:p>
@@ -1574,7 +1573,7 @@
               <a:defRPr/>
             </a:pPr>
             <a:r>
-              <a:rPr lang="en-US" sz="1200" dirty="0" smtClean="0"/>
+              <a:rPr lang="en-US" sz="1200" dirty="0"/>
               <a:t>At run time, there is only one instance of the Runtime in the JVM. </a:t>
             </a:r>
           </a:p>
@@ -1597,7 +1596,7 @@
               <a:defRPr/>
             </a:pPr>
             <a:r>
-              <a:rPr lang="en-US" sz="1200" dirty="0" smtClean="0"/>
+              <a:rPr lang="en-US" sz="1200" dirty="0"/>
               <a:t>The  constructor of this class is not available, but (in contrast to System) there are non-static methods.</a:t>
             </a:r>
           </a:p>
@@ -1861,7 +1860,7 @@
               <a:buNone/>
             </a:pPr>
             <a:r>
-              <a:rPr lang="en-US" dirty="0" smtClean="0"/>
+              <a:rPr lang="en-US" dirty="0"/>
               <a:t>A container object which may or may not contain a non-null value.</a:t>
             </a:r>
           </a:p>
@@ -1873,7 +1872,7 @@
               <a:buNone/>
             </a:pPr>
             <a:r>
-              <a:rPr lang="en-US" dirty="0" smtClean="0"/>
+              <a:rPr lang="en-US" dirty="0"/>
               <a:t>Additional methods that depend on the presence or absence of a contained value are provided</a:t>
             </a:r>
           </a:p>
@@ -1962,56 +1961,11 @@
           <a:bodyPr/>
           <a:lstStyle/>
           <a:p>
-            <a:pPr marL="171450" indent="-171450">
+            <a:pPr marL="0" indent="0">
               <a:buFontTx/>
-              <a:buChar char="-"/>
+              <a:buNone/>
             </a:pPr>
-            <a:r>
-              <a:rPr lang="en-US" dirty="0" smtClean="0"/>
-              <a:t>Use</a:t>
-            </a:r>
-            <a:r>
-              <a:rPr lang="en-US" baseline="0" dirty="0" smtClean="0"/>
-              <a:t> optional for local variables</a:t>
-            </a:r>
-          </a:p>
-          <a:p>
-            <a:pPr marL="171450" indent="-171450">
-              <a:buFontTx/>
-              <a:buChar char="-"/>
-            </a:pPr>
-            <a:r>
-              <a:rPr lang="en-US" baseline="0" dirty="0" smtClean="0"/>
-              <a:t>Use optional in return statement</a:t>
-            </a:r>
-          </a:p>
-          <a:p>
-            <a:pPr marL="171450" indent="-171450">
-              <a:buFontTx/>
-              <a:buChar char="-"/>
-            </a:pPr>
-            <a:r>
-              <a:rPr lang="en-US" dirty="0" smtClean="0"/>
-              <a:t>Do not use</a:t>
-            </a:r>
-            <a:r>
-              <a:rPr lang="en-US" baseline="0" dirty="0" smtClean="0"/>
-              <a:t> optional for class fields</a:t>
-            </a:r>
-          </a:p>
-          <a:p>
-            <a:pPr marL="171450" indent="-171450">
-              <a:buFontTx/>
-              <a:buChar char="-"/>
-            </a:pPr>
-            <a:r>
-              <a:rPr lang="en-US" dirty="0" smtClean="0"/>
-              <a:t>Do not use</a:t>
-            </a:r>
-            <a:r>
-              <a:rPr lang="en-US" baseline="0" dirty="0" smtClean="0"/>
-              <a:t> optional for method/constructor arguments</a:t>
-            </a:r>
+            <a:endParaRPr lang="en-US" baseline="0" dirty="0"/>
           </a:p>
         </p:txBody>
       </p:sp>
@@ -2533,7 +2487,7 @@
               <a:defRPr/>
             </a:pPr>
             <a:r>
-              <a:rPr lang="en-US" altLang="en-US" sz="1200" dirty="0" smtClean="0"/>
+              <a:rPr lang="en-US" altLang="en-US" sz="1200" dirty="0"/>
               <a:t>The "basic" methods of the Object class</a:t>
             </a:r>
           </a:p>
@@ -2620,19 +2574,19 @@
           <a:lstStyle/>
           <a:p>
             <a:r>
-              <a:rPr lang="en-US" dirty="0" smtClean="0"/>
+              <a:rPr lang="en-US" dirty="0"/>
               <a:t>Stored</a:t>
             </a:r>
             <a:r>
-              <a:rPr lang="en-US" baseline="0" dirty="0" smtClean="0"/>
+              <a:rPr lang="en-US" baseline="0" dirty="0"/>
               <a:t> in</a:t>
             </a:r>
             <a:r>
-              <a:rPr lang="en-US" dirty="0" smtClean="0"/>
+              <a:rPr lang="en-US" dirty="0"/>
               <a:t> </a:t>
             </a:r>
             <a:r>
-              <a:rPr lang="en-US" sz="1200" b="1" kern="1200" dirty="0" smtClean="0">
+              <a:rPr lang="en-US" sz="1200" b="1" kern="1200" dirty="0">
                 <a:solidFill>
                   <a:schemeClr val="tx1"/>
                 </a:solidFill>
@@ -2644,11 +2598,11 @@
               <a:t>byte</a:t>
             </a:r>
             <a:r>
-              <a:rPr lang="en-US" dirty="0" smtClean="0"/>
+              <a:rPr lang="en-US" dirty="0"/>
               <a:t>[] </a:t>
             </a:r>
             <a:r>
-              <a:rPr lang="en-US" sz="1200" b="1" kern="1200" dirty="0" smtClean="0">
+              <a:rPr lang="en-US" sz="1200" b="1" kern="1200" dirty="0">
                 <a:solidFill>
                   <a:schemeClr val="tx1"/>
                 </a:solidFill>
@@ -2660,13 +2614,13 @@
               <a:t>value</a:t>
             </a:r>
             <a:r>
-              <a:rPr lang="en-US" dirty="0" smtClean="0"/>
+              <a:rPr lang="en-US" dirty="0"/>
               <a:t> since java 9</a:t>
             </a:r>
           </a:p>
           <a:p>
             <a:r>
-              <a:rPr lang="en-US" dirty="0" smtClean="0"/>
+              <a:rPr lang="en-US" dirty="0"/>
               <a:t>String pool</a:t>
             </a:r>
             <a:endParaRPr lang="ru-RU" dirty="0"/>
@@ -3171,10 +3125,9 @@
           </a:lstStyle>
           <a:p>
             <a:r>
-              <a:rPr lang="en-US" smtClean="0"/>
+              <a:rPr lang="en-US"/>
               <a:t>Click to edit Master title style</a:t>
             </a:r>
-            <a:endParaRPr lang="en-US"/>
           </a:p>
         </p:txBody>
       </p:sp>
@@ -3236,10 +3189,9 @@
           </a:lstStyle>
           <a:p>
             <a:r>
-              <a:rPr lang="en-US" smtClean="0"/>
+              <a:rPr lang="en-US"/>
               <a:t>Click to edit Master subtitle style</a:t>
             </a:r>
-            <a:endParaRPr lang="en-US"/>
           </a:p>
         </p:txBody>
       </p:sp>
@@ -3260,7 +3212,7 @@
           <a:p>
             <a:fld id="{EEB28C23-52B7-4DED-9EA2-9F92B91AC614}" type="datetimeFigureOut">
               <a:rPr lang="en-US" smtClean="0"/>
-              <a:t>20-Oct-18</a:t>
+              <a:t>30-Oct-18</a:t>
             </a:fld>
             <a:endParaRPr lang="en-US"/>
           </a:p>
@@ -3302,7 +3254,7 @@
           <a:p>
             <a:fld id="{FD3F9752-28EF-4474-AF58-DD23A8EE3509}" type="slidenum">
               <a:rPr lang="en-US" smtClean="0"/>
-              <a:t>‹#›</a:t>
+              <a:t>‹№›</a:t>
             </a:fld>
             <a:endParaRPr lang="en-US"/>
           </a:p>
@@ -3354,10 +3306,9 @@
           <a:lstStyle/>
           <a:p>
             <a:r>
-              <a:rPr lang="en-US" smtClean="0"/>
+              <a:rPr lang="en-US"/>
               <a:t>Click to edit Master title style</a:t>
             </a:r>
-            <a:endParaRPr lang="en-US"/>
           </a:p>
         </p:txBody>
       </p:sp>
@@ -3378,38 +3329,37 @@
           <a:p>
             <a:pPr lvl="0"/>
             <a:r>
-              <a:rPr lang="en-US" smtClean="0"/>
+              <a:rPr lang="en-US"/>
               <a:t>Edit Master text styles</a:t>
             </a:r>
           </a:p>
           <a:p>
             <a:pPr lvl="1"/>
             <a:r>
-              <a:rPr lang="en-US" smtClean="0"/>
+              <a:rPr lang="en-US"/>
               <a:t>Second level</a:t>
             </a:r>
           </a:p>
           <a:p>
             <a:pPr lvl="2"/>
             <a:r>
-              <a:rPr lang="en-US" smtClean="0"/>
+              <a:rPr lang="en-US"/>
               <a:t>Third level</a:t>
             </a:r>
           </a:p>
           <a:p>
             <a:pPr lvl="3"/>
             <a:r>
-              <a:rPr lang="en-US" smtClean="0"/>
+              <a:rPr lang="en-US"/>
               <a:t>Fourth level</a:t>
             </a:r>
           </a:p>
           <a:p>
             <a:pPr lvl="4"/>
             <a:r>
-              <a:rPr lang="en-US" smtClean="0"/>
+              <a:rPr lang="en-US"/>
               <a:t>Fifth level</a:t>
             </a:r>
-            <a:endParaRPr lang="en-US"/>
           </a:p>
         </p:txBody>
       </p:sp>
@@ -3430,7 +3380,7 @@
           <a:p>
             <a:fld id="{EEB28C23-52B7-4DED-9EA2-9F92B91AC614}" type="datetimeFigureOut">
               <a:rPr lang="en-US" smtClean="0"/>
-              <a:t>20-Oct-18</a:t>
+              <a:t>30-Oct-18</a:t>
             </a:fld>
             <a:endParaRPr lang="en-US"/>
           </a:p>
@@ -3472,7 +3422,7 @@
           <a:p>
             <a:fld id="{FD3F9752-28EF-4474-AF58-DD23A8EE3509}" type="slidenum">
               <a:rPr lang="en-US" smtClean="0"/>
-              <a:t>‹#›</a:t>
+              <a:t>‹№›</a:t>
             </a:fld>
             <a:endParaRPr lang="en-US"/>
           </a:p>
@@ -3529,10 +3479,9 @@
           <a:lstStyle/>
           <a:p>
             <a:r>
-              <a:rPr lang="en-US" smtClean="0"/>
+              <a:rPr lang="en-US"/>
               <a:t>Click to edit Master title style</a:t>
             </a:r>
-            <a:endParaRPr lang="en-US"/>
           </a:p>
         </p:txBody>
       </p:sp>
@@ -3558,38 +3507,37 @@
           <a:p>
             <a:pPr lvl="0"/>
             <a:r>
-              <a:rPr lang="en-US" smtClean="0"/>
+              <a:rPr lang="en-US"/>
               <a:t>Edit Master text styles</a:t>
             </a:r>
           </a:p>
           <a:p>
             <a:pPr lvl="1"/>
             <a:r>
-              <a:rPr lang="en-US" smtClean="0"/>
+              <a:rPr lang="en-US"/>
               <a:t>Second level</a:t>
             </a:r>
           </a:p>
           <a:p>
             <a:pPr lvl="2"/>
             <a:r>
-              <a:rPr lang="en-US" smtClean="0"/>
+              <a:rPr lang="en-US"/>
               <a:t>Third level</a:t>
             </a:r>
           </a:p>
           <a:p>
             <a:pPr lvl="3"/>
             <a:r>
-              <a:rPr lang="en-US" smtClean="0"/>
+              <a:rPr lang="en-US"/>
               <a:t>Fourth level</a:t>
             </a:r>
           </a:p>
           <a:p>
             <a:pPr lvl="4"/>
             <a:r>
-              <a:rPr lang="en-US" smtClean="0"/>
+              <a:rPr lang="en-US"/>
               <a:t>Fifth level</a:t>
             </a:r>
-            <a:endParaRPr lang="en-US"/>
           </a:p>
         </p:txBody>
       </p:sp>
@@ -3610,7 +3558,7 @@
           <a:p>
             <a:fld id="{EEB28C23-52B7-4DED-9EA2-9F92B91AC614}" type="datetimeFigureOut">
               <a:rPr lang="en-US" smtClean="0"/>
-              <a:t>20-Oct-18</a:t>
+              <a:t>30-Oct-18</a:t>
             </a:fld>
             <a:endParaRPr lang="en-US"/>
           </a:p>
@@ -3652,7 +3600,7 @@
           <a:p>
             <a:fld id="{FD3F9752-28EF-4474-AF58-DD23A8EE3509}" type="slidenum">
               <a:rPr lang="en-US" smtClean="0"/>
-              <a:t>‹#›</a:t>
+              <a:t>‹№›</a:t>
             </a:fld>
             <a:endParaRPr lang="en-US"/>
           </a:p>
@@ -3704,10 +3652,9 @@
           <a:lstStyle/>
           <a:p>
             <a:r>
-              <a:rPr lang="en-US" smtClean="0"/>
+              <a:rPr lang="en-US"/>
               <a:t>Click to edit Master title style</a:t>
             </a:r>
-            <a:endParaRPr lang="en-US"/>
           </a:p>
         </p:txBody>
       </p:sp>
@@ -3728,38 +3675,37 @@
           <a:p>
             <a:pPr lvl="0"/>
             <a:r>
-              <a:rPr lang="en-US" smtClean="0"/>
+              <a:rPr lang="en-US"/>
               <a:t>Edit Master text styles</a:t>
             </a:r>
           </a:p>
           <a:p>
             <a:pPr lvl="1"/>
             <a:r>
-              <a:rPr lang="en-US" smtClean="0"/>
+              <a:rPr lang="en-US"/>
               <a:t>Second level</a:t>
             </a:r>
           </a:p>
           <a:p>
             <a:pPr lvl="2"/>
             <a:r>
-              <a:rPr lang="en-US" smtClean="0"/>
+              <a:rPr lang="en-US"/>
               <a:t>Third level</a:t>
             </a:r>
           </a:p>
           <a:p>
             <a:pPr lvl="3"/>
             <a:r>
-              <a:rPr lang="en-US" smtClean="0"/>
+              <a:rPr lang="en-US"/>
               <a:t>Fourth level</a:t>
             </a:r>
           </a:p>
           <a:p>
             <a:pPr lvl="4"/>
             <a:r>
-              <a:rPr lang="en-US" smtClean="0"/>
+              <a:rPr lang="en-US"/>
               <a:t>Fifth level</a:t>
             </a:r>
-            <a:endParaRPr lang="en-US"/>
           </a:p>
         </p:txBody>
       </p:sp>
@@ -3780,7 +3726,7 @@
           <a:p>
             <a:fld id="{EEB28C23-52B7-4DED-9EA2-9F92B91AC614}" type="datetimeFigureOut">
               <a:rPr lang="en-US" smtClean="0"/>
-              <a:t>20-Oct-18</a:t>
+              <a:t>30-Oct-18</a:t>
             </a:fld>
             <a:endParaRPr lang="en-US"/>
           </a:p>
@@ -3822,7 +3768,7 @@
           <a:p>
             <a:fld id="{FD3F9752-28EF-4474-AF58-DD23A8EE3509}" type="slidenum">
               <a:rPr lang="en-US" smtClean="0"/>
-              <a:t>‹#›</a:t>
+              <a:t>‹№›</a:t>
             </a:fld>
             <a:endParaRPr lang="en-US"/>
           </a:p>
@@ -3883,10 +3829,9 @@
           </a:lstStyle>
           <a:p>
             <a:r>
-              <a:rPr lang="en-US" smtClean="0"/>
+              <a:rPr lang="en-US"/>
               <a:t>Click to edit Master title style</a:t>
             </a:r>
-            <a:endParaRPr lang="en-US"/>
           </a:p>
         </p:txBody>
       </p:sp>
@@ -4003,7 +3948,7 @@
           <a:p>
             <a:pPr lvl="0"/>
             <a:r>
-              <a:rPr lang="en-US" smtClean="0"/>
+              <a:rPr lang="en-US"/>
               <a:t>Edit Master text styles</a:t>
             </a:r>
           </a:p>
@@ -4026,7 +3971,7 @@
           <a:p>
             <a:fld id="{EEB28C23-52B7-4DED-9EA2-9F92B91AC614}" type="datetimeFigureOut">
               <a:rPr lang="en-US" smtClean="0"/>
-              <a:t>20-Oct-18</a:t>
+              <a:t>30-Oct-18</a:t>
             </a:fld>
             <a:endParaRPr lang="en-US"/>
           </a:p>
@@ -4068,7 +4013,7 @@
           <a:p>
             <a:fld id="{FD3F9752-28EF-4474-AF58-DD23A8EE3509}" type="slidenum">
               <a:rPr lang="en-US" smtClean="0"/>
-              <a:t>‹#›</a:t>
+              <a:t>‹№›</a:t>
             </a:fld>
             <a:endParaRPr lang="en-US"/>
           </a:p>
@@ -4120,10 +4065,9 @@
           <a:lstStyle/>
           <a:p>
             <a:r>
-              <a:rPr lang="en-US" smtClean="0"/>
+              <a:rPr lang="en-US"/>
               <a:t>Click to edit Master title style</a:t>
             </a:r>
-            <a:endParaRPr lang="en-US"/>
           </a:p>
         </p:txBody>
       </p:sp>
@@ -4149,38 +4093,37 @@
           <a:p>
             <a:pPr lvl="0"/>
             <a:r>
-              <a:rPr lang="en-US" smtClean="0"/>
+              <a:rPr lang="en-US"/>
               <a:t>Edit Master text styles</a:t>
             </a:r>
           </a:p>
           <a:p>
             <a:pPr lvl="1"/>
             <a:r>
-              <a:rPr lang="en-US" smtClean="0"/>
+              <a:rPr lang="en-US"/>
               <a:t>Second level</a:t>
             </a:r>
           </a:p>
           <a:p>
             <a:pPr lvl="2"/>
             <a:r>
-              <a:rPr lang="en-US" smtClean="0"/>
+              <a:rPr lang="en-US"/>
               <a:t>Third level</a:t>
             </a:r>
           </a:p>
           <a:p>
             <a:pPr lvl="3"/>
             <a:r>
-              <a:rPr lang="en-US" smtClean="0"/>
+              <a:rPr lang="en-US"/>
               <a:t>Fourth level</a:t>
             </a:r>
           </a:p>
           <a:p>
             <a:pPr lvl="4"/>
             <a:r>
-              <a:rPr lang="en-US" smtClean="0"/>
+              <a:rPr lang="en-US"/>
               <a:t>Fifth level</a:t>
             </a:r>
-            <a:endParaRPr lang="en-US"/>
           </a:p>
         </p:txBody>
       </p:sp>
@@ -4206,38 +4149,37 @@
           <a:p>
             <a:pPr lvl="0"/>
             <a:r>
-              <a:rPr lang="en-US" smtClean="0"/>
+              <a:rPr lang="en-US"/>
               <a:t>Edit Master text styles</a:t>
             </a:r>
           </a:p>
           <a:p>
             <a:pPr lvl="1"/>
             <a:r>
-              <a:rPr lang="en-US" smtClean="0"/>
+              <a:rPr lang="en-US"/>
               <a:t>Second level</a:t>
             </a:r>
           </a:p>
           <a:p>
             <a:pPr lvl="2"/>
             <a:r>
-              <a:rPr lang="en-US" smtClean="0"/>
+              <a:rPr lang="en-US"/>
               <a:t>Third level</a:t>
             </a:r>
           </a:p>
           <a:p>
             <a:pPr lvl="3"/>
             <a:r>
-              <a:rPr lang="en-US" smtClean="0"/>
+              <a:rPr lang="en-US"/>
               <a:t>Fourth level</a:t>
             </a:r>
           </a:p>
           <a:p>
             <a:pPr lvl="4"/>
             <a:r>
-              <a:rPr lang="en-US" smtClean="0"/>
+              <a:rPr lang="en-US"/>
               <a:t>Fifth level</a:t>
             </a:r>
-            <a:endParaRPr lang="en-US"/>
           </a:p>
         </p:txBody>
       </p:sp>
@@ -4258,7 +4200,7 @@
           <a:p>
             <a:fld id="{EEB28C23-52B7-4DED-9EA2-9F92B91AC614}" type="datetimeFigureOut">
               <a:rPr lang="en-US" smtClean="0"/>
-              <a:t>20-Oct-18</a:t>
+              <a:t>30-Oct-18</a:t>
             </a:fld>
             <a:endParaRPr lang="en-US"/>
           </a:p>
@@ -4300,7 +4242,7 @@
           <a:p>
             <a:fld id="{FD3F9752-28EF-4474-AF58-DD23A8EE3509}" type="slidenum">
               <a:rPr lang="en-US" smtClean="0"/>
-              <a:t>‹#›</a:t>
+              <a:t>‹№›</a:t>
             </a:fld>
             <a:endParaRPr lang="en-US"/>
           </a:p>
@@ -4357,10 +4299,9 @@
           <a:lstStyle/>
           <a:p>
             <a:r>
-              <a:rPr lang="en-US" smtClean="0"/>
+              <a:rPr lang="en-US"/>
               <a:t>Click to edit Master title style</a:t>
             </a:r>
-            <a:endParaRPr lang="en-US"/>
           </a:p>
         </p:txBody>
       </p:sp>
@@ -4423,7 +4364,7 @@
           <a:p>
             <a:pPr lvl="0"/>
             <a:r>
-              <a:rPr lang="en-US" smtClean="0"/>
+              <a:rPr lang="en-US"/>
               <a:t>Edit Master text styles</a:t>
             </a:r>
           </a:p>
@@ -4451,38 +4392,37 @@
           <a:p>
             <a:pPr lvl="0"/>
             <a:r>
-              <a:rPr lang="en-US" smtClean="0"/>
+              <a:rPr lang="en-US"/>
               <a:t>Edit Master text styles</a:t>
             </a:r>
           </a:p>
           <a:p>
             <a:pPr lvl="1"/>
             <a:r>
-              <a:rPr lang="en-US" smtClean="0"/>
+              <a:rPr lang="en-US"/>
               <a:t>Second level</a:t>
             </a:r>
           </a:p>
           <a:p>
             <a:pPr lvl="2"/>
             <a:r>
-              <a:rPr lang="en-US" smtClean="0"/>
+              <a:rPr lang="en-US"/>
               <a:t>Third level</a:t>
             </a:r>
           </a:p>
           <a:p>
             <a:pPr lvl="3"/>
             <a:r>
-              <a:rPr lang="en-US" smtClean="0"/>
+              <a:rPr lang="en-US"/>
               <a:t>Fourth level</a:t>
             </a:r>
           </a:p>
           <a:p>
             <a:pPr lvl="4"/>
             <a:r>
-              <a:rPr lang="en-US" smtClean="0"/>
+              <a:rPr lang="en-US"/>
               <a:t>Fifth level</a:t>
             </a:r>
-            <a:endParaRPr lang="en-US"/>
           </a:p>
         </p:txBody>
       </p:sp>
@@ -4545,7 +4485,7 @@
           <a:p>
             <a:pPr lvl="0"/>
             <a:r>
-              <a:rPr lang="en-US" smtClean="0"/>
+              <a:rPr lang="en-US"/>
               <a:t>Edit Master text styles</a:t>
             </a:r>
           </a:p>
@@ -4573,38 +4513,37 @@
           <a:p>
             <a:pPr lvl="0"/>
             <a:r>
-              <a:rPr lang="en-US" smtClean="0"/>
+              <a:rPr lang="en-US"/>
               <a:t>Edit Master text styles</a:t>
             </a:r>
           </a:p>
           <a:p>
             <a:pPr lvl="1"/>
             <a:r>
-              <a:rPr lang="en-US" smtClean="0"/>
+              <a:rPr lang="en-US"/>
               <a:t>Second level</a:t>
             </a:r>
           </a:p>
           <a:p>
             <a:pPr lvl="2"/>
             <a:r>
-              <a:rPr lang="en-US" smtClean="0"/>
+              <a:rPr lang="en-US"/>
               <a:t>Third level</a:t>
             </a:r>
           </a:p>
           <a:p>
             <a:pPr lvl="3"/>
             <a:r>
-              <a:rPr lang="en-US" smtClean="0"/>
+              <a:rPr lang="en-US"/>
               <a:t>Fourth level</a:t>
             </a:r>
           </a:p>
           <a:p>
             <a:pPr lvl="4"/>
             <a:r>
-              <a:rPr lang="en-US" smtClean="0"/>
+              <a:rPr lang="en-US"/>
               <a:t>Fifth level</a:t>
             </a:r>
-            <a:endParaRPr lang="en-US"/>
           </a:p>
         </p:txBody>
       </p:sp>
@@ -4625,7 +4564,7 @@
           <a:p>
             <a:fld id="{EEB28C23-52B7-4DED-9EA2-9F92B91AC614}" type="datetimeFigureOut">
               <a:rPr lang="en-US" smtClean="0"/>
-              <a:t>20-Oct-18</a:t>
+              <a:t>30-Oct-18</a:t>
             </a:fld>
             <a:endParaRPr lang="en-US"/>
           </a:p>
@@ -4667,7 +4606,7 @@
           <a:p>
             <a:fld id="{FD3F9752-28EF-4474-AF58-DD23A8EE3509}" type="slidenum">
               <a:rPr lang="en-US" smtClean="0"/>
-              <a:t>‹#›</a:t>
+              <a:t>‹№›</a:t>
             </a:fld>
             <a:endParaRPr lang="en-US"/>
           </a:p>
@@ -4719,10 +4658,9 @@
           <a:lstStyle/>
           <a:p>
             <a:r>
-              <a:rPr lang="en-US" smtClean="0"/>
+              <a:rPr lang="en-US"/>
               <a:t>Click to edit Master title style</a:t>
             </a:r>
-            <a:endParaRPr lang="en-US"/>
           </a:p>
         </p:txBody>
       </p:sp>
@@ -4743,7 +4681,7 @@
           <a:p>
             <a:fld id="{EEB28C23-52B7-4DED-9EA2-9F92B91AC614}" type="datetimeFigureOut">
               <a:rPr lang="en-US" smtClean="0"/>
-              <a:t>20-Oct-18</a:t>
+              <a:t>30-Oct-18</a:t>
             </a:fld>
             <a:endParaRPr lang="en-US"/>
           </a:p>
@@ -4785,7 +4723,7 @@
           <a:p>
             <a:fld id="{FD3F9752-28EF-4474-AF58-DD23A8EE3509}" type="slidenum">
               <a:rPr lang="en-US" smtClean="0"/>
-              <a:t>‹#›</a:t>
+              <a:t>‹№›</a:t>
             </a:fld>
             <a:endParaRPr lang="en-US"/>
           </a:p>
@@ -4838,7 +4776,7 @@
           <a:p>
             <a:fld id="{EEB28C23-52B7-4DED-9EA2-9F92B91AC614}" type="datetimeFigureOut">
               <a:rPr lang="en-US" smtClean="0"/>
-              <a:t>20-Oct-18</a:t>
+              <a:t>30-Oct-18</a:t>
             </a:fld>
             <a:endParaRPr lang="en-US"/>
           </a:p>
@@ -4880,7 +4818,7 @@
           <a:p>
             <a:fld id="{FD3F9752-28EF-4474-AF58-DD23A8EE3509}" type="slidenum">
               <a:rPr lang="en-US" smtClean="0"/>
-              <a:t>‹#›</a:t>
+              <a:t>‹№›</a:t>
             </a:fld>
             <a:endParaRPr lang="en-US"/>
           </a:p>
@@ -4941,10 +4879,9 @@
           </a:lstStyle>
           <a:p>
             <a:r>
-              <a:rPr lang="en-US" smtClean="0"/>
+              <a:rPr lang="en-US"/>
               <a:t>Click to edit Master title style</a:t>
             </a:r>
-            <a:endParaRPr lang="en-US"/>
           </a:p>
         </p:txBody>
       </p:sp>
@@ -4998,38 +4935,37 @@
           <a:p>
             <a:pPr lvl="0"/>
             <a:r>
-              <a:rPr lang="en-US" smtClean="0"/>
+              <a:rPr lang="en-US"/>
               <a:t>Edit Master text styles</a:t>
             </a:r>
           </a:p>
           <a:p>
             <a:pPr lvl="1"/>
             <a:r>
-              <a:rPr lang="en-US" smtClean="0"/>
+              <a:rPr lang="en-US"/>
               <a:t>Second level</a:t>
             </a:r>
           </a:p>
           <a:p>
             <a:pPr lvl="2"/>
             <a:r>
-              <a:rPr lang="en-US" smtClean="0"/>
+              <a:rPr lang="en-US"/>
               <a:t>Third level</a:t>
             </a:r>
           </a:p>
           <a:p>
             <a:pPr lvl="3"/>
             <a:r>
-              <a:rPr lang="en-US" smtClean="0"/>
+              <a:rPr lang="en-US"/>
               <a:t>Fourth level</a:t>
             </a:r>
           </a:p>
           <a:p>
             <a:pPr lvl="4"/>
             <a:r>
-              <a:rPr lang="en-US" smtClean="0"/>
+              <a:rPr lang="en-US"/>
               <a:t>Fifth level</a:t>
             </a:r>
-            <a:endParaRPr lang="en-US"/>
           </a:p>
         </p:txBody>
       </p:sp>
@@ -5092,7 +5028,7 @@
           <a:p>
             <a:pPr lvl="0"/>
             <a:r>
-              <a:rPr lang="en-US" smtClean="0"/>
+              <a:rPr lang="en-US"/>
               <a:t>Edit Master text styles</a:t>
             </a:r>
           </a:p>
@@ -5115,7 +5051,7 @@
           <a:p>
             <a:fld id="{EEB28C23-52B7-4DED-9EA2-9F92B91AC614}" type="datetimeFigureOut">
               <a:rPr lang="en-US" smtClean="0"/>
-              <a:t>20-Oct-18</a:t>
+              <a:t>30-Oct-18</a:t>
             </a:fld>
             <a:endParaRPr lang="en-US"/>
           </a:p>
@@ -5157,7 +5093,7 @@
           <a:p>
             <a:fld id="{FD3F9752-28EF-4474-AF58-DD23A8EE3509}" type="slidenum">
               <a:rPr lang="en-US" smtClean="0"/>
-              <a:t>‹#›</a:t>
+              <a:t>‹№›</a:t>
             </a:fld>
             <a:endParaRPr lang="en-US"/>
           </a:p>
@@ -5218,10 +5154,9 @@
           </a:lstStyle>
           <a:p>
             <a:r>
-              <a:rPr lang="en-US" smtClean="0"/>
+              <a:rPr lang="en-US"/>
               <a:t>Click to edit Master title style</a:t>
             </a:r>
-            <a:endParaRPr lang="en-US"/>
           </a:p>
         </p:txBody>
       </p:sp>
@@ -5345,7 +5280,7 @@
           <a:p>
             <a:pPr lvl="0"/>
             <a:r>
-              <a:rPr lang="en-US" smtClean="0"/>
+              <a:rPr lang="en-US"/>
               <a:t>Edit Master text styles</a:t>
             </a:r>
           </a:p>
@@ -5368,7 +5303,7 @@
           <a:p>
             <a:fld id="{EEB28C23-52B7-4DED-9EA2-9F92B91AC614}" type="datetimeFigureOut">
               <a:rPr lang="en-US" smtClean="0"/>
-              <a:t>20-Oct-18</a:t>
+              <a:t>30-Oct-18</a:t>
             </a:fld>
             <a:endParaRPr lang="en-US"/>
           </a:p>
@@ -5410,7 +5345,7 @@
           <a:p>
             <a:fld id="{FD3F9752-28EF-4474-AF58-DD23A8EE3509}" type="slidenum">
               <a:rPr lang="en-US" smtClean="0"/>
-              <a:t>‹#›</a:t>
+              <a:t>‹№›</a:t>
             </a:fld>
             <a:endParaRPr lang="en-US"/>
           </a:p>
@@ -5477,10 +5412,9 @@
           <a:lstStyle/>
           <a:p>
             <a:r>
-              <a:rPr lang="en-US" smtClean="0"/>
+              <a:rPr lang="en-US"/>
               <a:t>Click to edit Master title style</a:t>
             </a:r>
-            <a:endParaRPr lang="en-US"/>
           </a:p>
         </p:txBody>
       </p:sp>
@@ -5511,38 +5445,37 @@
           <a:p>
             <a:pPr lvl="0"/>
             <a:r>
-              <a:rPr lang="en-US" smtClean="0"/>
+              <a:rPr lang="en-US"/>
               <a:t>Edit Master text styles</a:t>
             </a:r>
           </a:p>
           <a:p>
             <a:pPr lvl="1"/>
             <a:r>
-              <a:rPr lang="en-US" smtClean="0"/>
+              <a:rPr lang="en-US"/>
               <a:t>Second level</a:t>
             </a:r>
           </a:p>
           <a:p>
             <a:pPr lvl="2"/>
             <a:r>
-              <a:rPr lang="en-US" smtClean="0"/>
+              <a:rPr lang="en-US"/>
               <a:t>Third level</a:t>
             </a:r>
           </a:p>
           <a:p>
             <a:pPr lvl="3"/>
             <a:r>
-              <a:rPr lang="en-US" smtClean="0"/>
+              <a:rPr lang="en-US"/>
               <a:t>Fourth level</a:t>
             </a:r>
           </a:p>
           <a:p>
             <a:pPr lvl="4"/>
             <a:r>
-              <a:rPr lang="en-US" smtClean="0"/>
+              <a:rPr lang="en-US"/>
               <a:t>Fifth level</a:t>
             </a:r>
-            <a:endParaRPr lang="en-US"/>
           </a:p>
         </p:txBody>
       </p:sp>
@@ -5581,7 +5514,7 @@
           <a:p>
             <a:fld id="{EEB28C23-52B7-4DED-9EA2-9F92B91AC614}" type="datetimeFigureOut">
               <a:rPr lang="en-US" smtClean="0"/>
-              <a:t>20-Oct-18</a:t>
+              <a:t>30-Oct-18</a:t>
             </a:fld>
             <a:endParaRPr lang="en-US"/>
           </a:p>
@@ -5659,7 +5592,7 @@
           <a:p>
             <a:fld id="{FD3F9752-28EF-4474-AF58-DD23A8EE3509}" type="slidenum">
               <a:rPr lang="en-US" smtClean="0"/>
-              <a:t>‹#›</a:t>
+              <a:t>‹№›</a:t>
             </a:fld>
             <a:endParaRPr lang="en-US"/>
           </a:p>
@@ -6080,11 +6013,7 @@
           <a:p>
             <a:r>
               <a:rPr lang="en-US" dirty="0"/>
-              <a:t>String </a:t>
-            </a:r>
-            <a:r>
-              <a:rPr lang="en-US" dirty="0" smtClean="0"/>
-              <a:t>pool</a:t>
+              <a:t>String pool</a:t>
             </a:r>
             <a:endParaRPr lang="ru-RU" dirty="0"/>
           </a:p>
@@ -6095,7 +6024,7 @@
           <p:cNvPr id="4" name="Rectangle 1">
             <a:extLst>
               <a:ext uri="{FF2B5EF4-FFF2-40B4-BE49-F238E27FC236}">
-                <a16:creationId xmlns:a16="http://schemas.microsoft.com/office/drawing/2014/main" xmlns="" id="{49FA7502-C7F3-4D88-90B1-11FA533A3F80}"/>
+                <a16:creationId xmlns:a16="http://schemas.microsoft.com/office/drawing/2014/main" id="{49FA7502-C7F3-4D88-90B1-11FA533A3F80}"/>
               </a:ext>
             </a:extLst>
           </p:cNvPr>
@@ -6184,7 +6113,7 @@
           <p:cNvPr id="5" name="Rectangle 1">
             <a:extLst>
               <a:ext uri="{FF2B5EF4-FFF2-40B4-BE49-F238E27FC236}">
-                <a16:creationId xmlns:a16="http://schemas.microsoft.com/office/drawing/2014/main" xmlns="" id="{C177939B-D70B-47A3-A4A9-6AF0F29F2F0B}"/>
+                <a16:creationId xmlns:a16="http://schemas.microsoft.com/office/drawing/2014/main" id="{C177939B-D70B-47A3-A4A9-6AF0F29F2F0B}"/>
               </a:ext>
             </a:extLst>
           </p:cNvPr>
@@ -6273,7 +6202,7 @@
           <p:cNvPr id="6" name="Rectangle 1">
             <a:extLst>
               <a:ext uri="{FF2B5EF4-FFF2-40B4-BE49-F238E27FC236}">
-                <a16:creationId xmlns:a16="http://schemas.microsoft.com/office/drawing/2014/main" xmlns="" id="{7681AF85-EE99-42E3-9B45-F88BCD1E401F}"/>
+                <a16:creationId xmlns:a16="http://schemas.microsoft.com/office/drawing/2014/main" id="{7681AF85-EE99-42E3-9B45-F88BCD1E401F}"/>
               </a:ext>
             </a:extLst>
           </p:cNvPr>
@@ -6464,7 +6393,7 @@
           <p:cNvPr id="4" name="Rectangle 1">
             <a:extLst>
               <a:ext uri="{FF2B5EF4-FFF2-40B4-BE49-F238E27FC236}">
-                <a16:creationId xmlns:a16="http://schemas.microsoft.com/office/drawing/2014/main" xmlns="" id="{49FA7502-C7F3-4D88-90B1-11FA533A3F80}"/>
+                <a16:creationId xmlns:a16="http://schemas.microsoft.com/office/drawing/2014/main" id="{49FA7502-C7F3-4D88-90B1-11FA533A3F80}"/>
               </a:ext>
             </a:extLst>
           </p:cNvPr>
@@ -6553,7 +6482,7 @@
           <p:cNvPr id="5" name="Rectangle 1">
             <a:extLst>
               <a:ext uri="{FF2B5EF4-FFF2-40B4-BE49-F238E27FC236}">
-                <a16:creationId xmlns:a16="http://schemas.microsoft.com/office/drawing/2014/main" xmlns="" id="{C177939B-D70B-47A3-A4A9-6AF0F29F2F0B}"/>
+                <a16:creationId xmlns:a16="http://schemas.microsoft.com/office/drawing/2014/main" id="{C177939B-D70B-47A3-A4A9-6AF0F29F2F0B}"/>
               </a:ext>
             </a:extLst>
           </p:cNvPr>
@@ -6642,7 +6571,7 @@
           <p:cNvPr id="6" name="Rectangle 1">
             <a:extLst>
               <a:ext uri="{FF2B5EF4-FFF2-40B4-BE49-F238E27FC236}">
-                <a16:creationId xmlns:a16="http://schemas.microsoft.com/office/drawing/2014/main" xmlns="" id="{7681AF85-EE99-42E3-9B45-F88BCD1E401F}"/>
+                <a16:creationId xmlns:a16="http://schemas.microsoft.com/office/drawing/2014/main" id="{7681AF85-EE99-42E3-9B45-F88BCD1E401F}"/>
               </a:ext>
             </a:extLst>
           </p:cNvPr>
@@ -6731,7 +6660,7 @@
           <p:cNvPr id="4098" name="Picture 2" descr="Картинки по запросу java wrapper classes">
             <a:extLst>
               <a:ext uri="{FF2B5EF4-FFF2-40B4-BE49-F238E27FC236}">
-                <a16:creationId xmlns:a16="http://schemas.microsoft.com/office/drawing/2014/main" xmlns="" id="{BB194607-FF31-48F4-9F5D-5F577D30A8E4}"/>
+                <a16:creationId xmlns:a16="http://schemas.microsoft.com/office/drawing/2014/main" id="{BB194607-FF31-48F4-9F5D-5F577D30A8E4}"/>
               </a:ext>
             </a:extLst>
           </p:cNvPr>
@@ -6841,7 +6770,7 @@
           <p:cNvPr id="4" name="Rectangle 1">
             <a:extLst>
               <a:ext uri="{FF2B5EF4-FFF2-40B4-BE49-F238E27FC236}">
-                <a16:creationId xmlns:a16="http://schemas.microsoft.com/office/drawing/2014/main" xmlns="" id="{49FA7502-C7F3-4D88-90B1-11FA533A3F80}"/>
+                <a16:creationId xmlns:a16="http://schemas.microsoft.com/office/drawing/2014/main" id="{49FA7502-C7F3-4D88-90B1-11FA533A3F80}"/>
               </a:ext>
             </a:extLst>
           </p:cNvPr>
@@ -6930,7 +6859,7 @@
           <p:cNvPr id="5" name="Rectangle 1">
             <a:extLst>
               <a:ext uri="{FF2B5EF4-FFF2-40B4-BE49-F238E27FC236}">
-                <a16:creationId xmlns:a16="http://schemas.microsoft.com/office/drawing/2014/main" xmlns="" id="{C177939B-D70B-47A3-A4A9-6AF0F29F2F0B}"/>
+                <a16:creationId xmlns:a16="http://schemas.microsoft.com/office/drawing/2014/main" id="{C177939B-D70B-47A3-A4A9-6AF0F29F2F0B}"/>
               </a:ext>
             </a:extLst>
           </p:cNvPr>
@@ -7019,7 +6948,7 @@
           <p:cNvPr id="6" name="Rectangle 1">
             <a:extLst>
               <a:ext uri="{FF2B5EF4-FFF2-40B4-BE49-F238E27FC236}">
-                <a16:creationId xmlns:a16="http://schemas.microsoft.com/office/drawing/2014/main" xmlns="" id="{7681AF85-EE99-42E3-9B45-F88BCD1E401F}"/>
+                <a16:creationId xmlns:a16="http://schemas.microsoft.com/office/drawing/2014/main" id="{7681AF85-EE99-42E3-9B45-F88BCD1E401F}"/>
               </a:ext>
             </a:extLst>
           </p:cNvPr>
@@ -7108,7 +7037,7 @@
           <p:cNvPr id="7" name="Місце для вмісту 6">
             <a:extLst>
               <a:ext uri="{FF2B5EF4-FFF2-40B4-BE49-F238E27FC236}">
-                <a16:creationId xmlns:a16="http://schemas.microsoft.com/office/drawing/2014/main" xmlns="" id="{34542A16-4DE8-4573-AD11-B774BE766351}"/>
+                <a16:creationId xmlns:a16="http://schemas.microsoft.com/office/drawing/2014/main" id="{34542A16-4DE8-4573-AD11-B774BE766351}"/>
               </a:ext>
             </a:extLst>
           </p:cNvPr>
@@ -7338,16 +7267,6 @@
                 <a:cs typeface="Courier New" panose="02070309020205020404" pitchFamily="49" charset="0"/>
               </a:rPr>
             </a:br>
-            <a:r>
-              <a:rPr lang="en-US" altLang="en-US" dirty="0">
-                <a:solidFill>
-                  <a:srgbClr val="000000"/>
-                </a:solidFill>
-                <a:latin typeface="Courier New" panose="02070309020205020404" pitchFamily="49" charset="0"/>
-                <a:cs typeface="Courier New" panose="02070309020205020404" pitchFamily="49" charset="0"/>
-              </a:rPr>
-              <a:t/>
-            </a:r>
             <a:br>
               <a:rPr lang="en-US" altLang="en-US" dirty="0">
                 <a:solidFill>
@@ -7790,7 +7709,7 @@
           <p:cNvPr id="8" name="Rectangle 1">
             <a:extLst>
               <a:ext uri="{FF2B5EF4-FFF2-40B4-BE49-F238E27FC236}">
-                <a16:creationId xmlns:a16="http://schemas.microsoft.com/office/drawing/2014/main" xmlns="" id="{827D7488-B4AC-4BE5-BA99-AFD01D3D8B4D}"/>
+                <a16:creationId xmlns:a16="http://schemas.microsoft.com/office/drawing/2014/main" id="{827D7488-B4AC-4BE5-BA99-AFD01D3D8B4D}"/>
               </a:ext>
             </a:extLst>
           </p:cNvPr>
@@ -7879,7 +7798,7 @@
           <p:cNvPr id="5123" name="Picture 3" descr="Картинки по запросу java wrapper memes">
             <a:extLst>
               <a:ext uri="{FF2B5EF4-FFF2-40B4-BE49-F238E27FC236}">
-                <a16:creationId xmlns:a16="http://schemas.microsoft.com/office/drawing/2014/main" xmlns="" id="{9D633EF4-96C9-4BF5-A04D-326D598892A8}"/>
+                <a16:creationId xmlns:a16="http://schemas.microsoft.com/office/drawing/2014/main" id="{9D633EF4-96C9-4BF5-A04D-326D598892A8}"/>
               </a:ext>
             </a:extLst>
           </p:cNvPr>
@@ -7956,7 +7875,7 @@
           <p:cNvPr id="2" name="Заголовок 1">
             <a:extLst>
               <a:ext uri="{FF2B5EF4-FFF2-40B4-BE49-F238E27FC236}">
-                <a16:creationId xmlns:a16="http://schemas.microsoft.com/office/drawing/2014/main" xmlns="" id="{C17FB865-FF61-4BD1-8F86-3CE702DA9F0A}"/>
+                <a16:creationId xmlns:a16="http://schemas.microsoft.com/office/drawing/2014/main" id="{C17FB865-FF61-4BD1-8F86-3CE702DA9F0A}"/>
               </a:ext>
             </a:extLst>
           </p:cNvPr>
@@ -7984,7 +7903,7 @@
           <p:cNvPr id="3" name="Місце для вмісту 2">
             <a:extLst>
               <a:ext uri="{FF2B5EF4-FFF2-40B4-BE49-F238E27FC236}">
-                <a16:creationId xmlns:a16="http://schemas.microsoft.com/office/drawing/2014/main" xmlns="" id="{79C6C776-25C2-4C04-B815-5F0950131910}"/>
+                <a16:creationId xmlns:a16="http://schemas.microsoft.com/office/drawing/2014/main" id="{79C6C776-25C2-4C04-B815-5F0950131910}"/>
               </a:ext>
             </a:extLst>
           </p:cNvPr>
@@ -8009,24 +7928,14 @@
               <a:buNone/>
             </a:pPr>
             <a:r>
-              <a:rPr lang="en-US" altLang="en-US" sz="1700" i="1" dirty="0" smtClean="0">
+              <a:rPr lang="en-US" altLang="en-US" sz="1700" i="1" dirty="0">
                 <a:solidFill>
                   <a:srgbClr val="808080"/>
                 </a:solidFill>
                 <a:latin typeface="Courier New" panose="02070309020205020404" pitchFamily="49" charset="0"/>
                 <a:cs typeface="Courier New" panose="02070309020205020404" pitchFamily="49" charset="0"/>
               </a:rPr>
-              <a:t>//</a:t>
-            </a:r>
-            <a:r>
-              <a:rPr lang="en-US" altLang="en-US" sz="1700" i="1" dirty="0">
-                <a:solidFill>
-                  <a:srgbClr val="808080"/>
-                </a:solidFill>
-                <a:latin typeface="Courier New" panose="02070309020205020404" pitchFamily="49" charset="0"/>
-                <a:cs typeface="Courier New" panose="02070309020205020404" pitchFamily="49" charset="0"/>
-              </a:rPr>
-              <a:t>Autoboxing</a:t>
+              <a:t>//Autoboxing</a:t>
             </a:r>
             <a:br>
               <a:rPr lang="en-US" altLang="en-US" sz="1700" i="1" dirty="0">
@@ -8316,7 +8225,7 @@
               <a:t>2</a:t>
             </a:r>
             <a:r>
-              <a:rPr lang="en-US" altLang="en-US" sz="1700" dirty="0" smtClean="0">
+              <a:rPr lang="en-US" altLang="en-US" sz="1700" dirty="0">
                 <a:solidFill>
                   <a:srgbClr val="000000"/>
                 </a:solidFill>
@@ -8324,16 +8233,6 @@
                 <a:cs typeface="Courier New" panose="02070309020205020404" pitchFamily="49" charset="0"/>
               </a:rPr>
               <a:t>));</a:t>
-            </a:r>
-            <a:r>
-              <a:rPr lang="en-US" altLang="en-US" sz="1700" dirty="0">
-                <a:solidFill>
-                  <a:srgbClr val="000000"/>
-                </a:solidFill>
-                <a:latin typeface="Courier New" panose="02070309020205020404" pitchFamily="49" charset="0"/>
-                <a:cs typeface="Courier New" panose="02070309020205020404" pitchFamily="49" charset="0"/>
-              </a:rPr>
-              <a:t/>
             </a:r>
             <a:br>
               <a:rPr lang="en-US" altLang="en-US" sz="1700" dirty="0">
@@ -8344,16 +8243,6 @@
                 <a:cs typeface="Courier New" panose="02070309020205020404" pitchFamily="49" charset="0"/>
               </a:rPr>
             </a:br>
-            <a:r>
-              <a:rPr lang="en-US" altLang="en-US" sz="1700" dirty="0">
-                <a:solidFill>
-                  <a:srgbClr val="000000"/>
-                </a:solidFill>
-                <a:latin typeface="Courier New" panose="02070309020205020404" pitchFamily="49" charset="0"/>
-                <a:cs typeface="Courier New" panose="02070309020205020404" pitchFamily="49" charset="0"/>
-              </a:rPr>
-              <a:t/>
-            </a:r>
             <a:br>
               <a:rPr lang="en-US" altLang="en-US" sz="1700" dirty="0">
                 <a:solidFill>
@@ -8561,7 +8450,7 @@
           <p:cNvPr id="4" name="Rectangle 1">
             <a:extLst>
               <a:ext uri="{FF2B5EF4-FFF2-40B4-BE49-F238E27FC236}">
-                <a16:creationId xmlns:a16="http://schemas.microsoft.com/office/drawing/2014/main" xmlns="" id="{979D964C-1828-4D2F-9501-23DD2C8AAAE4}"/>
+                <a16:creationId xmlns:a16="http://schemas.microsoft.com/office/drawing/2014/main" id="{979D964C-1828-4D2F-9501-23DD2C8AAAE4}"/>
               </a:ext>
             </a:extLst>
           </p:cNvPr>
@@ -8691,7 +8580,7 @@
           <a:lstStyle/>
           <a:p>
             <a:r>
-              <a:rPr lang="en-US" altLang="en-US" dirty="0" smtClean="0"/>
+              <a:rPr lang="en-US" altLang="en-US" dirty="0"/>
               <a:t>Data types cast</a:t>
             </a:r>
             <a:endParaRPr lang="ru-RU" dirty="0"/>
@@ -8703,7 +8592,7 @@
           <p:cNvPr id="4" name="Rectangle 1">
             <a:extLst>
               <a:ext uri="{FF2B5EF4-FFF2-40B4-BE49-F238E27FC236}">
-                <a16:creationId xmlns:a16="http://schemas.microsoft.com/office/drawing/2014/main" xmlns="" id="{BC6BEE82-5395-46C7-9E23-FBD96DC09ADE}"/>
+                <a16:creationId xmlns:a16="http://schemas.microsoft.com/office/drawing/2014/main" id="{BC6BEE82-5395-46C7-9E23-FBD96DC09ADE}"/>
               </a:ext>
             </a:extLst>
           </p:cNvPr>
@@ -8792,7 +8681,7 @@
           <p:cNvPr id="5" name="Rectangle 2">
             <a:extLst>
               <a:ext uri="{FF2B5EF4-FFF2-40B4-BE49-F238E27FC236}">
-                <a16:creationId xmlns:a16="http://schemas.microsoft.com/office/drawing/2014/main" xmlns="" id="{C95426CD-B93A-41D0-AABA-159297A13705}"/>
+                <a16:creationId xmlns:a16="http://schemas.microsoft.com/office/drawing/2014/main" id="{C95426CD-B93A-41D0-AABA-159297A13705}"/>
               </a:ext>
             </a:extLst>
           </p:cNvPr>
@@ -8881,7 +8770,7 @@
           <p:cNvPr id="6" name="Rectangle 3">
             <a:extLst>
               <a:ext uri="{FF2B5EF4-FFF2-40B4-BE49-F238E27FC236}">
-                <a16:creationId xmlns:a16="http://schemas.microsoft.com/office/drawing/2014/main" xmlns="" id="{FBA5966C-1116-4EB7-9790-D214684405CE}"/>
+                <a16:creationId xmlns:a16="http://schemas.microsoft.com/office/drawing/2014/main" id="{FBA5966C-1116-4EB7-9790-D214684405CE}"/>
               </a:ext>
             </a:extLst>
           </p:cNvPr>
@@ -8970,7 +8859,7 @@
           <p:cNvPr id="7" name="Rectangle 4">
             <a:extLst>
               <a:ext uri="{FF2B5EF4-FFF2-40B4-BE49-F238E27FC236}">
-                <a16:creationId xmlns:a16="http://schemas.microsoft.com/office/drawing/2014/main" xmlns="" id="{C2D019D7-251B-49EB-A684-579033DE36FD}"/>
+                <a16:creationId xmlns:a16="http://schemas.microsoft.com/office/drawing/2014/main" id="{C2D019D7-251B-49EB-A684-579033DE36FD}"/>
               </a:ext>
             </a:extLst>
           </p:cNvPr>
@@ -9252,16 +9141,6 @@
                 <a:cs typeface="Courier New" panose="02070309020205020404" pitchFamily="49" charset="0"/>
               </a:rPr>
             </a:br>
-            <a:r>
-              <a:rPr lang="en-US" altLang="en-US" sz="1200" dirty="0">
-                <a:solidFill>
-                  <a:srgbClr val="000000"/>
-                </a:solidFill>
-                <a:latin typeface="Courier New" panose="02070309020205020404" pitchFamily="49" charset="0"/>
-                <a:cs typeface="Courier New" panose="02070309020205020404" pitchFamily="49" charset="0"/>
-              </a:rPr>
-              <a:t/>
-            </a:r>
             <a:br>
               <a:rPr lang="en-US" altLang="en-US" sz="1200" dirty="0">
                 <a:solidFill>
@@ -9505,16 +9384,6 @@
                 <a:cs typeface="Courier New" panose="02070309020205020404" pitchFamily="49" charset="0"/>
               </a:rPr>
             </a:br>
-            <a:r>
-              <a:rPr lang="en-US" altLang="en-US" sz="1200" dirty="0">
-                <a:solidFill>
-                  <a:srgbClr val="000000"/>
-                </a:solidFill>
-                <a:latin typeface="Courier New" panose="02070309020205020404" pitchFamily="49" charset="0"/>
-                <a:cs typeface="Courier New" panose="02070309020205020404" pitchFamily="49" charset="0"/>
-              </a:rPr>
-              <a:t/>
-            </a:r>
             <a:br>
               <a:rPr lang="en-US" altLang="en-US" sz="1200" dirty="0">
                 <a:solidFill>
@@ -9524,16 +9393,6 @@
                 <a:cs typeface="Courier New" panose="02070309020205020404" pitchFamily="49" charset="0"/>
               </a:rPr>
             </a:br>
-            <a:r>
-              <a:rPr lang="en-US" altLang="en-US" sz="1200" dirty="0">
-                <a:solidFill>
-                  <a:srgbClr val="000000"/>
-                </a:solidFill>
-                <a:latin typeface="Courier New" panose="02070309020205020404" pitchFamily="49" charset="0"/>
-                <a:cs typeface="Courier New" panose="02070309020205020404" pitchFamily="49" charset="0"/>
-              </a:rPr>
-              <a:t/>
-            </a:r>
             <a:br>
               <a:rPr lang="en-US" altLang="en-US" sz="1200" dirty="0">
                 <a:solidFill>
@@ -9779,7 +9638,7 @@
           <p:cNvPr id="4" name="Rectangle 1">
             <a:extLst>
               <a:ext uri="{FF2B5EF4-FFF2-40B4-BE49-F238E27FC236}">
-                <a16:creationId xmlns:a16="http://schemas.microsoft.com/office/drawing/2014/main" xmlns="" id="{BC6BEE82-5395-46C7-9E23-FBD96DC09ADE}"/>
+                <a16:creationId xmlns:a16="http://schemas.microsoft.com/office/drawing/2014/main" id="{BC6BEE82-5395-46C7-9E23-FBD96DC09ADE}"/>
               </a:ext>
             </a:extLst>
           </p:cNvPr>
@@ -9868,7 +9727,7 @@
           <p:cNvPr id="5" name="Rectangle 2">
             <a:extLst>
               <a:ext uri="{FF2B5EF4-FFF2-40B4-BE49-F238E27FC236}">
-                <a16:creationId xmlns:a16="http://schemas.microsoft.com/office/drawing/2014/main" xmlns="" id="{C95426CD-B93A-41D0-AABA-159297A13705}"/>
+                <a16:creationId xmlns:a16="http://schemas.microsoft.com/office/drawing/2014/main" id="{C95426CD-B93A-41D0-AABA-159297A13705}"/>
               </a:ext>
             </a:extLst>
           </p:cNvPr>
@@ -9957,7 +9816,7 @@
           <p:cNvPr id="6" name="Rectangle 3">
             <a:extLst>
               <a:ext uri="{FF2B5EF4-FFF2-40B4-BE49-F238E27FC236}">
-                <a16:creationId xmlns:a16="http://schemas.microsoft.com/office/drawing/2014/main" xmlns="" id="{FBA5966C-1116-4EB7-9790-D214684405CE}"/>
+                <a16:creationId xmlns:a16="http://schemas.microsoft.com/office/drawing/2014/main" id="{FBA5966C-1116-4EB7-9790-D214684405CE}"/>
               </a:ext>
             </a:extLst>
           </p:cNvPr>
@@ -10046,7 +9905,7 @@
           <p:cNvPr id="7" name="Rectangle 4">
             <a:extLst>
               <a:ext uri="{FF2B5EF4-FFF2-40B4-BE49-F238E27FC236}">
-                <a16:creationId xmlns:a16="http://schemas.microsoft.com/office/drawing/2014/main" xmlns="" id="{C2D019D7-251B-49EB-A684-579033DE36FD}"/>
+                <a16:creationId xmlns:a16="http://schemas.microsoft.com/office/drawing/2014/main" id="{C2D019D7-251B-49EB-A684-579033DE36FD}"/>
               </a:ext>
             </a:extLst>
           </p:cNvPr>
@@ -10135,7 +9994,7 @@
           <p:cNvPr id="8" name="Rectangle 5">
             <a:extLst>
               <a:ext uri="{FF2B5EF4-FFF2-40B4-BE49-F238E27FC236}">
-                <a16:creationId xmlns:a16="http://schemas.microsoft.com/office/drawing/2014/main" xmlns="" id="{7C76EB3B-6948-413E-86A3-D2C8C27463F1}"/>
+                <a16:creationId xmlns:a16="http://schemas.microsoft.com/office/drawing/2014/main" id="{7C76EB3B-6948-413E-86A3-D2C8C27463F1}"/>
               </a:ext>
             </a:extLst>
           </p:cNvPr>
@@ -10383,20 +10242,6 @@
               </a:rPr>
               <a:t>//1</a:t>
             </a:r>
-            <a:r>
-              <a:rPr kumimoji="0" lang="en-US" altLang="en-US" sz="1200" b="0" i="0" u="none" strike="noStrike" cap="none" normalizeH="0" baseline="0" dirty="0">
-                <a:ln>
-                  <a:noFill/>
-                </a:ln>
-                <a:solidFill>
-                  <a:srgbClr val="000000"/>
-                </a:solidFill>
-                <a:effectLst/>
-                <a:latin typeface="Courier New" panose="02070309020205020404" pitchFamily="49" charset="0"/>
-                <a:cs typeface="Courier New" panose="02070309020205020404" pitchFamily="49" charset="0"/>
-              </a:rPr>
-              <a:t/>
-            </a:r>
             <a:br>
               <a:rPr kumimoji="0" lang="en-US" altLang="en-US" sz="1200" b="0" i="0" u="none" strike="noStrike" cap="none" normalizeH="0" baseline="0" dirty="0">
                 <a:ln>
@@ -10670,20 +10515,6 @@
               </a:rPr>
               <a:t>//2</a:t>
             </a:r>
-            <a:r>
-              <a:rPr kumimoji="0" lang="en-US" altLang="en-US" sz="1200" b="0" i="1" u="none" strike="noStrike" cap="none" normalizeH="0" baseline="0" dirty="0">
-                <a:ln>
-                  <a:noFill/>
-                </a:ln>
-                <a:solidFill>
-                  <a:srgbClr val="808080"/>
-                </a:solidFill>
-                <a:effectLst/>
-                <a:latin typeface="Courier New" panose="02070309020205020404" pitchFamily="49" charset="0"/>
-                <a:cs typeface="Courier New" panose="02070309020205020404" pitchFamily="49" charset="0"/>
-              </a:rPr>
-              <a:t/>
-            </a:r>
             <a:br>
               <a:rPr kumimoji="0" lang="en-US" altLang="en-US" sz="1200" b="0" i="1" u="none" strike="noStrike" cap="none" normalizeH="0" baseline="0" dirty="0">
                 <a:ln>
@@ -10890,20 +10721,6 @@
                 <a:cs typeface="Courier New" panose="02070309020205020404" pitchFamily="49" charset="0"/>
               </a:rPr>
               <a:t>ClassCastException</a:t>
-            </a:r>
-            <a:r>
-              <a:rPr kumimoji="0" lang="en-US" altLang="en-US" sz="1200" b="0" i="1" u="none" strike="noStrike" cap="none" normalizeH="0" baseline="0" dirty="0">
-                <a:ln>
-                  <a:noFill/>
-                </a:ln>
-                <a:solidFill>
-                  <a:srgbClr val="808080"/>
-                </a:solidFill>
-                <a:effectLst/>
-                <a:latin typeface="Courier New" panose="02070309020205020404" pitchFamily="49" charset="0"/>
-                <a:cs typeface="Courier New" panose="02070309020205020404" pitchFamily="49" charset="0"/>
-              </a:rPr>
-              <a:t/>
             </a:r>
             <a:br>
               <a:rPr kumimoji="0" lang="en-US" altLang="en-US" sz="1200" b="0" i="1" u="none" strike="noStrike" cap="none" normalizeH="0" baseline="0" dirty="0">
@@ -10956,20 +10773,6 @@
                 <a:cs typeface="Courier New" panose="02070309020205020404" pitchFamily="49" charset="0"/>
               </a:rPr>
               <a:t>//3</a:t>
-            </a:r>
-            <a:r>
-              <a:rPr kumimoji="0" lang="en-US" altLang="en-US" sz="1200" b="0" i="1" u="none" strike="noStrike" cap="none" normalizeH="0" baseline="0" dirty="0">
-                <a:ln>
-                  <a:noFill/>
-                </a:ln>
-                <a:solidFill>
-                  <a:srgbClr val="808080"/>
-                </a:solidFill>
-                <a:effectLst/>
-                <a:latin typeface="Courier New" panose="02070309020205020404" pitchFamily="49" charset="0"/>
-                <a:cs typeface="Courier New" panose="02070309020205020404" pitchFamily="49" charset="0"/>
-              </a:rPr>
-              <a:t/>
             </a:r>
             <a:br>
               <a:rPr kumimoji="0" lang="en-US" altLang="en-US" sz="1200" b="0" i="1" u="none" strike="noStrike" cap="none" normalizeH="0" baseline="0" dirty="0">
@@ -11405,16 +11208,6 @@
                 <a:cs typeface="Courier New" panose="02070309020205020404" pitchFamily="49" charset="0"/>
               </a:rPr>
             </a:br>
-            <a:r>
-              <a:rPr lang="en-US" altLang="en-US" sz="2000" i="1" dirty="0">
-                <a:solidFill>
-                  <a:srgbClr val="808080"/>
-                </a:solidFill>
-                <a:latin typeface="Courier New" panose="02070309020205020404" pitchFamily="49" charset="0"/>
-                <a:cs typeface="Courier New" panose="02070309020205020404" pitchFamily="49" charset="0"/>
-              </a:rPr>
-              <a:t/>
-            </a:r>
             <a:br>
               <a:rPr lang="en-US" altLang="en-US" sz="2000" i="1" dirty="0">
                 <a:solidFill>
@@ -11681,16 +11474,6 @@
                 <a:cs typeface="Courier New" panose="02070309020205020404" pitchFamily="49" charset="0"/>
               </a:rPr>
             </a:br>
-            <a:r>
-              <a:rPr lang="en-US" altLang="en-US" sz="2000" i="1" dirty="0">
-                <a:solidFill>
-                  <a:srgbClr val="808080"/>
-                </a:solidFill>
-                <a:latin typeface="Courier New" panose="02070309020205020404" pitchFamily="49" charset="0"/>
-                <a:cs typeface="Courier New" panose="02070309020205020404" pitchFamily="49" charset="0"/>
-              </a:rPr>
-              <a:t/>
-            </a:r>
             <a:br>
               <a:rPr lang="en-US" altLang="en-US" sz="2000" i="1" dirty="0">
                 <a:solidFill>
@@ -12049,7 +11832,7 @@
           <p:cNvPr id="4" name="Rectangle 1">
             <a:extLst>
               <a:ext uri="{FF2B5EF4-FFF2-40B4-BE49-F238E27FC236}">
-                <a16:creationId xmlns:a16="http://schemas.microsoft.com/office/drawing/2014/main" xmlns="" id="{49FA7502-C7F3-4D88-90B1-11FA533A3F80}"/>
+                <a16:creationId xmlns:a16="http://schemas.microsoft.com/office/drawing/2014/main" id="{49FA7502-C7F3-4D88-90B1-11FA533A3F80}"/>
               </a:ext>
             </a:extLst>
           </p:cNvPr>
@@ -13633,7 +13416,7 @@
           <p:cNvPr id="4" name="Rectangle 1">
             <a:extLst>
               <a:ext uri="{FF2B5EF4-FFF2-40B4-BE49-F238E27FC236}">
-                <a16:creationId xmlns:a16="http://schemas.microsoft.com/office/drawing/2014/main" xmlns="" id="{49FA7502-C7F3-4D88-90B1-11FA533A3F80}"/>
+                <a16:creationId xmlns:a16="http://schemas.microsoft.com/office/drawing/2014/main" id="{49FA7502-C7F3-4D88-90B1-11FA533A3F80}"/>
               </a:ext>
             </a:extLst>
           </p:cNvPr>
@@ -13722,7 +13505,7 @@
           <p:cNvPr id="5" name="Rectangle 1">
             <a:extLst>
               <a:ext uri="{FF2B5EF4-FFF2-40B4-BE49-F238E27FC236}">
-                <a16:creationId xmlns:a16="http://schemas.microsoft.com/office/drawing/2014/main" xmlns="" id="{C177939B-D70B-47A3-A4A9-6AF0F29F2F0B}"/>
+                <a16:creationId xmlns:a16="http://schemas.microsoft.com/office/drawing/2014/main" id="{C177939B-D70B-47A3-A4A9-6AF0F29F2F0B}"/>
               </a:ext>
             </a:extLst>
           </p:cNvPr>
@@ -13811,7 +13594,7 @@
           <p:cNvPr id="6" name="Rectangle 1">
             <a:extLst>
               <a:ext uri="{FF2B5EF4-FFF2-40B4-BE49-F238E27FC236}">
-                <a16:creationId xmlns:a16="http://schemas.microsoft.com/office/drawing/2014/main" xmlns="" id="{7681AF85-EE99-42E3-9B45-F88BCD1E401F}"/>
+                <a16:creationId xmlns:a16="http://schemas.microsoft.com/office/drawing/2014/main" id="{7681AF85-EE99-42E3-9B45-F88BCD1E401F}"/>
               </a:ext>
             </a:extLst>
           </p:cNvPr>
@@ -13900,7 +13683,7 @@
           <p:cNvPr id="7" name="Місце для вмісту 6">
             <a:extLst>
               <a:ext uri="{FF2B5EF4-FFF2-40B4-BE49-F238E27FC236}">
-                <a16:creationId xmlns:a16="http://schemas.microsoft.com/office/drawing/2014/main" xmlns="" id="{34542A16-4DE8-4573-AD11-B774BE766351}"/>
+                <a16:creationId xmlns:a16="http://schemas.microsoft.com/office/drawing/2014/main" id="{34542A16-4DE8-4573-AD11-B774BE766351}"/>
               </a:ext>
             </a:extLst>
           </p:cNvPr>
@@ -14668,7 +14451,7 @@
           <p:cNvPr id="8" name="Rectangle 1">
             <a:extLst>
               <a:ext uri="{FF2B5EF4-FFF2-40B4-BE49-F238E27FC236}">
-                <a16:creationId xmlns:a16="http://schemas.microsoft.com/office/drawing/2014/main" xmlns="" id="{827D7488-B4AC-4BE5-BA99-AFD01D3D8B4D}"/>
+                <a16:creationId xmlns:a16="http://schemas.microsoft.com/office/drawing/2014/main" id="{827D7488-B4AC-4BE5-BA99-AFD01D3D8B4D}"/>
               </a:ext>
             </a:extLst>
           </p:cNvPr>
@@ -14757,7 +14540,7 @@
           <p:cNvPr id="3" name="Rectangle 1">
             <a:extLst>
               <a:ext uri="{FF2B5EF4-FFF2-40B4-BE49-F238E27FC236}">
-                <a16:creationId xmlns:a16="http://schemas.microsoft.com/office/drawing/2014/main" xmlns="" id="{08D55DE2-58D1-45FB-8721-9777487B8420}"/>
+                <a16:creationId xmlns:a16="http://schemas.microsoft.com/office/drawing/2014/main" id="{08D55DE2-58D1-45FB-8721-9777487B8420}"/>
               </a:ext>
             </a:extLst>
           </p:cNvPr>
@@ -14899,7 +14682,7 @@
           <p:cNvPr id="4" name="Rectangle 1">
             <a:extLst>
               <a:ext uri="{FF2B5EF4-FFF2-40B4-BE49-F238E27FC236}">
-                <a16:creationId xmlns:a16="http://schemas.microsoft.com/office/drawing/2014/main" xmlns="" id="{49FA7502-C7F3-4D88-90B1-11FA533A3F80}"/>
+                <a16:creationId xmlns:a16="http://schemas.microsoft.com/office/drawing/2014/main" id="{49FA7502-C7F3-4D88-90B1-11FA533A3F80}"/>
               </a:ext>
             </a:extLst>
           </p:cNvPr>
@@ -14988,7 +14771,7 @@
           <p:cNvPr id="5" name="Rectangle 1">
             <a:extLst>
               <a:ext uri="{FF2B5EF4-FFF2-40B4-BE49-F238E27FC236}">
-                <a16:creationId xmlns:a16="http://schemas.microsoft.com/office/drawing/2014/main" xmlns="" id="{C177939B-D70B-47A3-A4A9-6AF0F29F2F0B}"/>
+                <a16:creationId xmlns:a16="http://schemas.microsoft.com/office/drawing/2014/main" id="{C177939B-D70B-47A3-A4A9-6AF0F29F2F0B}"/>
               </a:ext>
             </a:extLst>
           </p:cNvPr>
@@ -15077,7 +14860,7 @@
           <p:cNvPr id="6" name="Rectangle 1">
             <a:extLst>
               <a:ext uri="{FF2B5EF4-FFF2-40B4-BE49-F238E27FC236}">
-                <a16:creationId xmlns:a16="http://schemas.microsoft.com/office/drawing/2014/main" xmlns="" id="{7681AF85-EE99-42E3-9B45-F88BCD1E401F}"/>
+                <a16:creationId xmlns:a16="http://schemas.microsoft.com/office/drawing/2014/main" id="{7681AF85-EE99-42E3-9B45-F88BCD1E401F}"/>
               </a:ext>
             </a:extLst>
           </p:cNvPr>
@@ -15166,7 +14949,7 @@
           <p:cNvPr id="7" name="Місце для вмісту 6">
             <a:extLst>
               <a:ext uri="{FF2B5EF4-FFF2-40B4-BE49-F238E27FC236}">
-                <a16:creationId xmlns:a16="http://schemas.microsoft.com/office/drawing/2014/main" xmlns="" id="{34542A16-4DE8-4573-AD11-B774BE766351}"/>
+                <a16:creationId xmlns:a16="http://schemas.microsoft.com/office/drawing/2014/main" id="{34542A16-4DE8-4573-AD11-B774BE766351}"/>
               </a:ext>
             </a:extLst>
           </p:cNvPr>
@@ -15196,7 +14979,7 @@
               <a:buNone/>
             </a:pPr>
             <a:r>
-              <a:rPr lang="en-US" altLang="en-US" sz="2000" dirty="0" err="1" smtClean="0">
+              <a:rPr lang="en-US" altLang="en-US" sz="2000" dirty="0" err="1">
                 <a:solidFill>
                   <a:srgbClr val="000000"/>
                 </a:solidFill>
@@ -15206,7 +14989,7 @@
               <a:t>System.</a:t>
             </a:r>
             <a:r>
-              <a:rPr lang="en-US" altLang="en-US" sz="2000" b="1" i="1" dirty="0" err="1" smtClean="0">
+              <a:rPr lang="en-US" altLang="en-US" sz="2000" b="1" i="1" dirty="0" err="1">
                 <a:solidFill>
                   <a:srgbClr val="660E7A"/>
                 </a:solidFill>
@@ -15216,7 +14999,7 @@
               <a:t>out</a:t>
             </a:r>
             <a:r>
-              <a:rPr lang="en-US" altLang="en-US" sz="2000" dirty="0" err="1" smtClean="0">
+              <a:rPr lang="en-US" altLang="en-US" sz="2000" dirty="0" err="1">
                 <a:solidFill>
                   <a:srgbClr val="000000"/>
                 </a:solidFill>
@@ -15410,7 +15193,7 @@
               <a:t>path.separator</a:t>
             </a:r>
             <a:r>
-              <a:rPr lang="en-US" altLang="en-US" sz="2000" b="1" dirty="0" smtClean="0">
+              <a:rPr lang="en-US" altLang="en-US" sz="2000" b="1" dirty="0">
                 <a:solidFill>
                   <a:srgbClr val="008000"/>
                 </a:solidFill>
@@ -15420,7 +15203,7 @@
               <a:t>"</a:t>
             </a:r>
             <a:r>
-              <a:rPr lang="en-US" altLang="en-US" sz="2000" dirty="0" smtClean="0">
+              <a:rPr lang="en-US" altLang="en-US" sz="2000" dirty="0">
                 <a:solidFill>
                   <a:srgbClr val="000000"/>
                 </a:solidFill>
@@ -15478,7 +15261,7 @@
               </a:lnSpc>
               <a:buNone/>
             </a:pPr>
-            <a:endParaRPr lang="en-US" altLang="en-US" sz="2000" dirty="0" smtClean="0">
+            <a:endParaRPr lang="en-US" altLang="en-US" sz="2000" dirty="0">
               <a:solidFill>
                 <a:srgbClr val="000000"/>
               </a:solidFill>
@@ -15502,7 +15285,7 @@
           <p:cNvPr id="8" name="Rectangle 1">
             <a:extLst>
               <a:ext uri="{FF2B5EF4-FFF2-40B4-BE49-F238E27FC236}">
-                <a16:creationId xmlns:a16="http://schemas.microsoft.com/office/drawing/2014/main" xmlns="" id="{827D7488-B4AC-4BE5-BA99-AFD01D3D8B4D}"/>
+                <a16:creationId xmlns:a16="http://schemas.microsoft.com/office/drawing/2014/main" id="{827D7488-B4AC-4BE5-BA99-AFD01D3D8B4D}"/>
               </a:ext>
             </a:extLst>
           </p:cNvPr>
@@ -15591,7 +15374,7 @@
           <p:cNvPr id="3" name="Rectangle 1">
             <a:extLst>
               <a:ext uri="{FF2B5EF4-FFF2-40B4-BE49-F238E27FC236}">
-                <a16:creationId xmlns:a16="http://schemas.microsoft.com/office/drawing/2014/main" xmlns="" id="{08D55DE2-58D1-45FB-8721-9777487B8420}"/>
+                <a16:creationId xmlns:a16="http://schemas.microsoft.com/office/drawing/2014/main" id="{08D55DE2-58D1-45FB-8721-9777487B8420}"/>
               </a:ext>
             </a:extLst>
           </p:cNvPr>
@@ -15680,7 +15463,7 @@
           <p:cNvPr id="9" name="Rectangle 1">
             <a:extLst>
               <a:ext uri="{FF2B5EF4-FFF2-40B4-BE49-F238E27FC236}">
-                <a16:creationId xmlns:a16="http://schemas.microsoft.com/office/drawing/2014/main" xmlns="" id="{A68C7CDE-4209-421D-814E-AB48E60FD77D}"/>
+                <a16:creationId xmlns:a16="http://schemas.microsoft.com/office/drawing/2014/main" id="{A68C7CDE-4209-421D-814E-AB48E60FD77D}"/>
               </a:ext>
             </a:extLst>
           </p:cNvPr>
@@ -15769,7 +15552,7 @@
           <p:cNvPr id="10" name="Rectangle 2">
             <a:extLst>
               <a:ext uri="{FF2B5EF4-FFF2-40B4-BE49-F238E27FC236}">
-                <a16:creationId xmlns:a16="http://schemas.microsoft.com/office/drawing/2014/main" xmlns="" id="{1A8B725B-464A-4776-8F4B-5A31438C16BC}"/>
+                <a16:creationId xmlns:a16="http://schemas.microsoft.com/office/drawing/2014/main" id="{1A8B725B-464A-4776-8F4B-5A31438C16BC}"/>
               </a:ext>
             </a:extLst>
           </p:cNvPr>
@@ -15923,7 +15706,7 @@
               <a:buNone/>
               <a:tabLst/>
             </a:pPr>
-            <a:endParaRPr kumimoji="0" lang="en-US" altLang="en-US" sz="1800" b="0" i="0" u="none" strike="noStrike" cap="none" normalizeH="0" baseline="0" dirty="0" smtClean="0">
+            <a:endParaRPr kumimoji="0" lang="en-US" altLang="en-US" sz="1800" b="0" i="0" u="none" strike="noStrike" cap="none" normalizeH="0" baseline="0" dirty="0">
               <a:ln>
                 <a:noFill/>
               </a:ln>
@@ -16024,18 +15807,18 @@
               <a:buSzPct val="45000"/>
             </a:pPr>
             <a:r>
-              <a:rPr lang="en-US" altLang="en-US" sz="2400" i="1" dirty="0" err="1" smtClean="0">
+              <a:rPr lang="en-US" altLang="en-US" sz="2400" i="1" dirty="0" err="1">
                 <a:latin typeface="Calibri" panose="020F0502020204030204" pitchFamily="34" charset="0"/>
               </a:rPr>
               <a:t>java.lang</a:t>
             </a:r>
             <a:r>
-              <a:rPr lang="en-US" altLang="en-US" sz="2400" i="1" dirty="0" smtClean="0">
+              <a:rPr lang="en-US" altLang="en-US" sz="2400" i="1" dirty="0">
                 <a:latin typeface="Calibri" panose="020F0502020204030204" pitchFamily="34" charset="0"/>
               </a:rPr>
               <a:t>.**</a:t>
             </a:r>
-            <a:endParaRPr lang="aa-ET" altLang="en-US" sz="2400" i="1" dirty="0" smtClean="0">
+            <a:endParaRPr lang="aa-ET" altLang="en-US" sz="2400" i="1" dirty="0">
               <a:latin typeface="Calibri" panose="020F0502020204030204" pitchFamily="34" charset="0"/>
             </a:endParaRPr>
           </a:p>
@@ -16053,13 +15836,13 @@
               <a:buSzPct val="45000"/>
             </a:pPr>
             <a:r>
-              <a:rPr lang="en-US" altLang="en-US" sz="2400" i="1" dirty="0" err="1" smtClean="0">
+              <a:rPr lang="en-US" altLang="en-US" sz="2400" i="1" dirty="0" err="1">
                 <a:latin typeface="Calibri" panose="020F0502020204030204" pitchFamily="34" charset="0"/>
               </a:rPr>
               <a:t>java.util</a:t>
             </a:r>
             <a:r>
-              <a:rPr lang="en-US" altLang="en-US" sz="2400" i="1" dirty="0" smtClean="0">
+              <a:rPr lang="en-US" altLang="en-US" sz="2400" i="1" dirty="0">
                 <a:latin typeface="Calibri" panose="020F0502020204030204" pitchFamily="34" charset="0"/>
               </a:rPr>
               <a:t>.**</a:t>
@@ -16079,22 +15862,10 @@
               <a:buSzPct val="45000"/>
             </a:pPr>
             <a:r>
-              <a:rPr lang="en-US" altLang="en-US" sz="2400" dirty="0" smtClean="0">
-                <a:latin typeface="Calibri" panose="020F0502020204030204" pitchFamily="34" charset="0"/>
-              </a:rPr>
-              <a:t>Casting </a:t>
-            </a:r>
-            <a:r>
               <a:rPr lang="en-US" altLang="en-US" sz="2400" dirty="0">
                 <a:latin typeface="Calibri" panose="020F0502020204030204" pitchFamily="34" charset="0"/>
               </a:rPr>
-              <a:t>and checking </a:t>
-            </a:r>
-            <a:r>
-              <a:rPr lang="en-US" altLang="en-US" sz="2400" dirty="0" smtClean="0">
-                <a:latin typeface="Calibri" panose="020F0502020204030204" pitchFamily="34" charset="0"/>
-              </a:rPr>
-              <a:t>types-of </a:t>
+              <a:t>Casting and checking types-of </a:t>
             </a:r>
           </a:p>
           <a:p>
@@ -16111,7 +15882,7 @@
               <a:buSzPct val="45000"/>
             </a:pPr>
             <a:r>
-              <a:rPr lang="en-US" altLang="en-US" sz="2400" dirty="0" smtClean="0">
+              <a:rPr lang="en-US" altLang="en-US" sz="2400" dirty="0">
                 <a:latin typeface="Calibri" panose="020F0502020204030204" pitchFamily="34" charset="0"/>
               </a:rPr>
               <a:t>System info</a:t>
@@ -16131,14 +15902,11 @@
               <a:buSzPct val="45000"/>
             </a:pPr>
             <a:r>
-              <a:rPr lang="en-US" altLang="en-US" sz="2400" dirty="0" smtClean="0">
+              <a:rPr lang="en-US" altLang="en-US" sz="2400" dirty="0">
                 <a:latin typeface="Calibri" panose="020F0502020204030204" pitchFamily="34" charset="0"/>
               </a:rPr>
               <a:t>Optional</a:t>
             </a:r>
-            <a:endParaRPr lang="en-US" altLang="en-US" sz="2400" dirty="0">
-              <a:latin typeface="Calibri" panose="020F0502020204030204" pitchFamily="34" charset="0"/>
-            </a:endParaRPr>
           </a:p>
         </p:txBody>
       </p:sp>
@@ -16177,7 +15945,7 @@
           <p:cNvPr id="2" name="Заголовок 1">
             <a:extLst>
               <a:ext uri="{FF2B5EF4-FFF2-40B4-BE49-F238E27FC236}">
-                <a16:creationId xmlns:a16="http://schemas.microsoft.com/office/drawing/2014/main" xmlns="" id="{2C13FF26-F891-42AE-A892-93985C6AC536}"/>
+                <a16:creationId xmlns:a16="http://schemas.microsoft.com/office/drawing/2014/main" id="{2C13FF26-F891-42AE-A892-93985C6AC536}"/>
               </a:ext>
             </a:extLst>
           </p:cNvPr>
@@ -16210,7 +15978,7 @@
           <p:cNvPr id="3" name="Місце для вмісту 2">
             <a:extLst>
               <a:ext uri="{FF2B5EF4-FFF2-40B4-BE49-F238E27FC236}">
-                <a16:creationId xmlns:a16="http://schemas.microsoft.com/office/drawing/2014/main" xmlns="" id="{AE270C6D-62D5-4CD6-84E0-A7F3C617A592}"/>
+                <a16:creationId xmlns:a16="http://schemas.microsoft.com/office/drawing/2014/main" id="{AE270C6D-62D5-4CD6-84E0-A7F3C617A592}"/>
               </a:ext>
             </a:extLst>
           </p:cNvPr>
@@ -16232,7 +16000,7 @@
               <a:buNone/>
             </a:pPr>
             <a:r>
-              <a:rPr lang="en-US" altLang="en-US" sz="2400" dirty="0" smtClean="0">
+              <a:rPr lang="en-US" altLang="en-US" sz="2400" dirty="0">
                 <a:solidFill>
                   <a:srgbClr val="000000"/>
                 </a:solidFill>
@@ -16319,16 +16087,6 @@
             <a:pPr marL="0" indent="0">
               <a:buNone/>
             </a:pPr>
-            <a:r>
-              <a:rPr lang="en-US" altLang="en-US" sz="2400" dirty="0">
-                <a:solidFill>
-                  <a:srgbClr val="000000"/>
-                </a:solidFill>
-                <a:latin typeface="Courier New" panose="02070309020205020404" pitchFamily="49" charset="0"/>
-                <a:cs typeface="Courier New" panose="02070309020205020404" pitchFamily="49" charset="0"/>
-              </a:rPr>
-              <a:t/>
-            </a:r>
             <a:br>
               <a:rPr lang="en-US" altLang="en-US" sz="2400" dirty="0">
                 <a:solidFill>
@@ -16486,7 +16244,7 @@
           <p:cNvPr id="4" name="Rectangle 1">
             <a:extLst>
               <a:ext uri="{FF2B5EF4-FFF2-40B4-BE49-F238E27FC236}">
-                <a16:creationId xmlns:a16="http://schemas.microsoft.com/office/drawing/2014/main" xmlns="" id="{A34A229F-8A26-4FEE-8029-53F7F5A4AFDA}"/>
+                <a16:creationId xmlns:a16="http://schemas.microsoft.com/office/drawing/2014/main" id="{A34A229F-8A26-4FEE-8029-53F7F5A4AFDA}"/>
               </a:ext>
             </a:extLst>
           </p:cNvPr>
@@ -16575,7 +16333,7 @@
           <p:cNvPr id="5" name="Rectangle 2">
             <a:extLst>
               <a:ext uri="{FF2B5EF4-FFF2-40B4-BE49-F238E27FC236}">
-                <a16:creationId xmlns:a16="http://schemas.microsoft.com/office/drawing/2014/main" xmlns="" id="{56B627E6-BABF-4BC2-9AED-D1FE87BA64E9}"/>
+                <a16:creationId xmlns:a16="http://schemas.microsoft.com/office/drawing/2014/main" id="{56B627E6-BABF-4BC2-9AED-D1FE87BA64E9}"/>
               </a:ext>
             </a:extLst>
           </p:cNvPr>
@@ -16664,7 +16422,7 @@
           <p:cNvPr id="6" name="Rectangle 3">
             <a:extLst>
               <a:ext uri="{FF2B5EF4-FFF2-40B4-BE49-F238E27FC236}">
-                <a16:creationId xmlns:a16="http://schemas.microsoft.com/office/drawing/2014/main" xmlns="" id="{BE84B0EA-B423-4F49-917B-38DAFF806F4E}"/>
+                <a16:creationId xmlns:a16="http://schemas.microsoft.com/office/drawing/2014/main" id="{BE84B0EA-B423-4F49-917B-38DAFF806F4E}"/>
               </a:ext>
             </a:extLst>
           </p:cNvPr>
@@ -16794,12 +16552,8 @@
           <a:lstStyle/>
           <a:p>
             <a:r>
-              <a:rPr lang="en-US" dirty="0" smtClean="0"/>
-              <a:t>Optiona</a:t>
-            </a:r>
-            <a:r>
               <a:rPr lang="en-US" dirty="0"/>
-              <a:t>l</a:t>
+              <a:t>Optional</a:t>
             </a:r>
             <a:endParaRPr lang="ru-RU" dirty="0"/>
           </a:p>
@@ -16900,7 +16654,7 @@
               <a:t>.</a:t>
             </a:r>
             <a:r>
-              <a:rPr lang="en-US" dirty="0" smtClean="0"/>
+              <a:rPr lang="en-US" dirty="0"/>
               <a:t>Optional </a:t>
             </a:r>
             <a:endParaRPr lang="ru-RU" dirty="0"/>
@@ -16923,26 +16677,14 @@
           <a:lstStyle/>
           <a:p>
             <a:r>
-              <a:rPr lang="en-US" dirty="0" smtClean="0"/>
-              <a:t>Optional - “we </a:t>
-            </a:r>
-            <a:r>
               <a:rPr lang="en-US" dirty="0"/>
-              <a:t>don’t know” or “not applicable</a:t>
-            </a:r>
-            <a:r>
-              <a:rPr lang="en-US" dirty="0" smtClean="0"/>
-              <a:t>”</a:t>
+              <a:t>Optional - “we don’t know” or “not applicable”</a:t>
             </a:r>
           </a:p>
           <a:p>
             <a:r>
               <a:rPr lang="en-US" dirty="0"/>
-              <a:t>created using a </a:t>
-            </a:r>
-            <a:r>
-              <a:rPr lang="en-US" dirty="0" smtClean="0"/>
-              <a:t>factory</a:t>
+              <a:t>created using a factory</a:t>
             </a:r>
           </a:p>
           <a:p>
@@ -16953,7 +16695,7 @@
             <a:endParaRPr lang="ru-RU" dirty="0"/>
           </a:p>
           <a:p>
-            <a:endParaRPr lang="en-US" dirty="0" smtClean="0"/>
+            <a:endParaRPr lang="en-US" dirty="0"/>
           </a:p>
           <a:p>
             <a:endParaRPr lang="ru-RU" dirty="0"/>
@@ -17125,11 +16867,7 @@
           <a:p>
             <a:r>
               <a:rPr lang="en-US" dirty="0"/>
-              <a:t>Optional </a:t>
-            </a:r>
-            <a:r>
-              <a:rPr lang="en-US" dirty="0" smtClean="0"/>
-              <a:t>creation</a:t>
+              <a:t>Optional creation</a:t>
             </a:r>
             <a:endParaRPr lang="ru-RU" dirty="0"/>
           </a:p>
@@ -17156,11 +16894,11 @@
               </a:lnSpc>
             </a:pPr>
             <a:r>
-              <a:rPr lang="en-US" dirty="0" err="1" smtClean="0"/>
+              <a:rPr lang="en-US" dirty="0" err="1"/>
               <a:t>Optional.of</a:t>
             </a:r>
             <a:r>
-              <a:rPr lang="en-US" dirty="0" smtClean="0"/>
+              <a:rPr lang="en-US" dirty="0"/>
               <a:t>(…)</a:t>
             </a:r>
           </a:p>
@@ -17171,11 +16909,11 @@
               </a:lnSpc>
             </a:pPr>
             <a:r>
-              <a:rPr lang="en-US" dirty="0" err="1" smtClean="0"/>
+              <a:rPr lang="en-US" dirty="0" err="1"/>
               <a:t>Optional.ofNullable</a:t>
             </a:r>
             <a:r>
-              <a:rPr lang="en-US" dirty="0" smtClean="0"/>
+              <a:rPr lang="en-US" dirty="0"/>
               <a:t>(…)</a:t>
             </a:r>
           </a:p>
@@ -17186,11 +16924,11 @@
               </a:lnSpc>
             </a:pPr>
             <a:r>
-              <a:rPr lang="en-US" dirty="0" err="1" smtClean="0"/>
+              <a:rPr lang="en-US" dirty="0" err="1"/>
               <a:t>Optional.empty</a:t>
             </a:r>
             <a:r>
-              <a:rPr lang="en-US" dirty="0" smtClean="0"/>
+              <a:rPr lang="en-US" dirty="0"/>
               <a:t>()</a:t>
             </a:r>
           </a:p>
@@ -17201,7 +16939,7 @@
               </a:lnSpc>
             </a:pPr>
             <a:r>
-              <a:rPr lang="en-US" dirty="0" smtClean="0"/>
+              <a:rPr lang="en-US" dirty="0"/>
               <a:t>From stream terminal operation</a:t>
             </a:r>
           </a:p>
@@ -17294,7 +17032,7 @@
           <a:lstStyle/>
           <a:p>
             <a:r>
-              <a:rPr lang="en-US" dirty="0" smtClean="0"/>
+              <a:rPr lang="en-US" dirty="0"/>
               <a:t>Optional is immutable</a:t>
             </a:r>
             <a:endParaRPr lang="uk-UA" dirty="0"/>
@@ -17374,7 +17112,7 @@
               <a:tabLst/>
             </a:pPr>
             <a:r>
-              <a:rPr kumimoji="0" lang="uk-UA" altLang="uk-UA" sz="1800" b="0" i="0" u="none" strike="noStrike" cap="none" normalizeH="0" baseline="0" dirty="0" err="1" smtClean="0">
+              <a:rPr kumimoji="0" lang="uk-UA" altLang="uk-UA" sz="1800" b="0" i="0" u="none" strike="noStrike" cap="none" normalizeH="0" baseline="0" dirty="0" err="1">
                 <a:ln>
                   <a:noFill/>
                 </a:ln>
@@ -17388,7 +17126,7 @@
               <a:t>Optional</a:t>
             </a:r>
             <a:r>
-              <a:rPr kumimoji="0" lang="uk-UA" altLang="uk-UA" sz="1800" b="0" i="0" u="none" strike="noStrike" cap="none" normalizeH="0" baseline="0" dirty="0" smtClean="0">
+              <a:rPr kumimoji="0" lang="uk-UA" altLang="uk-UA" sz="1800" b="0" i="0" u="none" strike="noStrike" cap="none" normalizeH="0" baseline="0" dirty="0">
                 <a:ln>
                   <a:noFill/>
                 </a:ln>
@@ -17402,7 +17140,7 @@
               <a:t>&lt;</a:t>
             </a:r>
             <a:r>
-              <a:rPr kumimoji="0" lang="uk-UA" altLang="uk-UA" sz="1800" b="0" i="0" u="none" strike="noStrike" cap="none" normalizeH="0" baseline="0" dirty="0" err="1" smtClean="0">
+              <a:rPr kumimoji="0" lang="uk-UA" altLang="uk-UA" sz="1800" b="0" i="0" u="none" strike="noStrike" cap="none" normalizeH="0" baseline="0" dirty="0" err="1">
                 <a:ln>
                   <a:noFill/>
                 </a:ln>
@@ -17416,7 +17154,7 @@
               <a:t>Integer</a:t>
             </a:r>
             <a:r>
-              <a:rPr kumimoji="0" lang="uk-UA" altLang="uk-UA" sz="1800" b="0" i="0" u="none" strike="noStrike" cap="none" normalizeH="0" baseline="0" dirty="0" smtClean="0">
+              <a:rPr kumimoji="0" lang="uk-UA" altLang="uk-UA" sz="1800" b="0" i="0" u="none" strike="noStrike" cap="none" normalizeH="0" baseline="0" dirty="0">
                 <a:ln>
                   <a:noFill/>
                 </a:ln>
@@ -17430,7 +17168,7 @@
               <a:t>&gt; </a:t>
             </a:r>
             <a:r>
-              <a:rPr kumimoji="0" lang="uk-UA" altLang="uk-UA" sz="1800" b="0" i="0" u="none" strike="noStrike" cap="none" normalizeH="0" baseline="0" dirty="0" err="1" smtClean="0">
+              <a:rPr kumimoji="0" lang="uk-UA" altLang="uk-UA" sz="1800" b="0" i="0" u="none" strike="noStrike" cap="none" normalizeH="0" baseline="0" dirty="0" err="1">
                 <a:ln>
                   <a:noFill/>
                 </a:ln>
@@ -17444,7 +17182,7 @@
               <a:t>integer</a:t>
             </a:r>
             <a:r>
-              <a:rPr kumimoji="0" lang="uk-UA" altLang="uk-UA" sz="1800" b="0" i="0" u="none" strike="noStrike" cap="none" normalizeH="0" baseline="0" dirty="0" smtClean="0">
+              <a:rPr kumimoji="0" lang="uk-UA" altLang="uk-UA" sz="1800" b="0" i="0" u="none" strike="noStrike" cap="none" normalizeH="0" baseline="0" dirty="0">
                 <a:ln>
                   <a:noFill/>
                 </a:ln>
@@ -17458,7 +17196,7 @@
               <a:t> = </a:t>
             </a:r>
             <a:r>
-              <a:rPr kumimoji="0" lang="uk-UA" altLang="uk-UA" sz="1800" b="0" i="0" u="none" strike="noStrike" cap="none" normalizeH="0" baseline="0" dirty="0" err="1" smtClean="0">
+              <a:rPr kumimoji="0" lang="uk-UA" altLang="uk-UA" sz="1800" b="0" i="0" u="none" strike="noStrike" cap="none" normalizeH="0" baseline="0" dirty="0" err="1">
                 <a:ln>
                   <a:noFill/>
                 </a:ln>
@@ -17472,7 +17210,7 @@
               <a:t>Optional.</a:t>
             </a:r>
             <a:r>
-              <a:rPr kumimoji="0" lang="uk-UA" altLang="uk-UA" sz="1800" b="0" i="1" u="none" strike="noStrike" cap="none" normalizeH="0" baseline="0" dirty="0" err="1" smtClean="0">
+              <a:rPr kumimoji="0" lang="uk-UA" altLang="uk-UA" sz="1800" b="0" i="1" u="none" strike="noStrike" cap="none" normalizeH="0" baseline="0" dirty="0" err="1">
                 <a:ln>
                   <a:noFill/>
                 </a:ln>
@@ -17486,7 +17224,7 @@
               <a:t>of</a:t>
             </a:r>
             <a:r>
-              <a:rPr kumimoji="0" lang="uk-UA" altLang="uk-UA" sz="1800" b="0" i="0" u="none" strike="noStrike" cap="none" normalizeH="0" baseline="0" dirty="0" smtClean="0">
+              <a:rPr kumimoji="0" lang="uk-UA" altLang="uk-UA" sz="1800" b="0" i="0" u="none" strike="noStrike" cap="none" normalizeH="0" baseline="0" dirty="0">
                 <a:ln>
                   <a:noFill/>
                 </a:ln>
@@ -17500,7 +17238,7 @@
               <a:t>(</a:t>
             </a:r>
             <a:r>
-              <a:rPr kumimoji="0" lang="uk-UA" altLang="uk-UA" sz="1800" b="0" i="0" u="none" strike="noStrike" cap="none" normalizeH="0" baseline="0" dirty="0" smtClean="0">
+              <a:rPr kumimoji="0" lang="uk-UA" altLang="uk-UA" sz="1800" b="0" i="0" u="none" strike="noStrike" cap="none" normalizeH="0" baseline="0" dirty="0">
                 <a:ln>
                   <a:noFill/>
                 </a:ln>
@@ -17514,7 +17252,7 @@
               <a:t>1</a:t>
             </a:r>
             <a:r>
-              <a:rPr kumimoji="0" lang="uk-UA" altLang="uk-UA" sz="1800" b="0" i="0" u="none" strike="noStrike" cap="none" normalizeH="0" baseline="0" dirty="0" smtClean="0">
+              <a:rPr kumimoji="0" lang="uk-UA" altLang="uk-UA" sz="1800" b="0" i="0" u="none" strike="noStrike" cap="none" normalizeH="0" baseline="0" dirty="0">
                 <a:ln>
                   <a:noFill/>
                 </a:ln>
@@ -17528,7 +17266,7 @@
               <a:t>);</a:t>
             </a:r>
             <a:br>
-              <a:rPr kumimoji="0" lang="uk-UA" altLang="uk-UA" sz="1800" b="0" i="0" u="none" strike="noStrike" cap="none" normalizeH="0" baseline="0" dirty="0" smtClean="0">
+              <a:rPr kumimoji="0" lang="uk-UA" altLang="uk-UA" sz="1800" b="0" i="0" u="none" strike="noStrike" cap="none" normalizeH="0" baseline="0" dirty="0">
                 <a:ln>
                   <a:noFill/>
                 </a:ln>
@@ -17541,7 +17279,7 @@
               </a:rPr>
             </a:br>
             <a:r>
-              <a:rPr kumimoji="0" lang="uk-UA" altLang="uk-UA" sz="1800" b="0" i="0" u="none" strike="noStrike" cap="none" normalizeH="0" baseline="0" dirty="0" err="1" smtClean="0">
+              <a:rPr kumimoji="0" lang="uk-UA" altLang="uk-UA" sz="1800" b="0" i="0" u="none" strike="noStrike" cap="none" normalizeH="0" baseline="0" dirty="0" err="1">
                 <a:ln>
                   <a:noFill/>
                 </a:ln>
@@ -17555,7 +17293,7 @@
               <a:t>integer.map</a:t>
             </a:r>
             <a:r>
-              <a:rPr kumimoji="0" lang="uk-UA" altLang="uk-UA" sz="1800" b="0" i="0" u="none" strike="noStrike" cap="none" normalizeH="0" baseline="0" dirty="0" smtClean="0">
+              <a:rPr kumimoji="0" lang="uk-UA" altLang="uk-UA" sz="1800" b="0" i="0" u="none" strike="noStrike" cap="none" normalizeH="0" baseline="0" dirty="0">
                 <a:ln>
                   <a:noFill/>
                 </a:ln>
@@ -17569,7 +17307,7 @@
               <a:t>(o -&gt; o * </a:t>
             </a:r>
             <a:r>
-              <a:rPr kumimoji="0" lang="uk-UA" altLang="uk-UA" sz="1800" b="0" i="0" u="none" strike="noStrike" cap="none" normalizeH="0" baseline="0" dirty="0" smtClean="0">
+              <a:rPr kumimoji="0" lang="uk-UA" altLang="uk-UA" sz="1800" b="0" i="0" u="none" strike="noStrike" cap="none" normalizeH="0" baseline="0" dirty="0">
                 <a:ln>
                   <a:noFill/>
                 </a:ln>
@@ -17583,7 +17321,7 @@
               <a:t>2</a:t>
             </a:r>
             <a:r>
-              <a:rPr kumimoji="0" lang="uk-UA" altLang="uk-UA" sz="1800" b="0" i="0" u="none" strike="noStrike" cap="none" normalizeH="0" baseline="0" dirty="0" smtClean="0">
+              <a:rPr kumimoji="0" lang="uk-UA" altLang="uk-UA" sz="1800" b="0" i="0" u="none" strike="noStrike" cap="none" normalizeH="0" baseline="0" dirty="0">
                 <a:ln>
                   <a:noFill/>
                 </a:ln>
@@ -17597,7 +17335,7 @@
               <a:t>);</a:t>
             </a:r>
             <a:br>
-              <a:rPr kumimoji="0" lang="uk-UA" altLang="uk-UA" sz="1800" b="0" i="0" u="none" strike="noStrike" cap="none" normalizeH="0" baseline="0" dirty="0" smtClean="0">
+              <a:rPr kumimoji="0" lang="uk-UA" altLang="uk-UA" sz="1800" b="0" i="0" u="none" strike="noStrike" cap="none" normalizeH="0" baseline="0" dirty="0">
                 <a:ln>
                   <a:noFill/>
                 </a:ln>
@@ -17610,7 +17348,7 @@
               </a:rPr>
             </a:br>
             <a:r>
-              <a:rPr kumimoji="0" lang="uk-UA" altLang="uk-UA" sz="1800" b="0" i="0" u="none" strike="noStrike" cap="none" normalizeH="0" baseline="0" dirty="0" err="1" smtClean="0">
+              <a:rPr kumimoji="0" lang="uk-UA" altLang="uk-UA" sz="1800" b="0" i="0" u="none" strike="noStrike" cap="none" normalizeH="0" baseline="0" dirty="0" err="1">
                 <a:ln>
                   <a:noFill/>
                 </a:ln>
@@ -17624,7 +17362,7 @@
               <a:t>System.</a:t>
             </a:r>
             <a:r>
-              <a:rPr kumimoji="0" lang="uk-UA" altLang="uk-UA" sz="1800" b="1" i="1" u="none" strike="noStrike" cap="none" normalizeH="0" baseline="0" dirty="0" err="1" smtClean="0">
+              <a:rPr kumimoji="0" lang="uk-UA" altLang="uk-UA" sz="1800" b="1" i="1" u="none" strike="noStrike" cap="none" normalizeH="0" baseline="0" dirty="0" err="1">
                 <a:ln>
                   <a:noFill/>
                 </a:ln>
@@ -17638,7 +17376,7 @@
               <a:t>out</a:t>
             </a:r>
             <a:r>
-              <a:rPr kumimoji="0" lang="uk-UA" altLang="uk-UA" sz="1800" b="0" i="0" u="none" strike="noStrike" cap="none" normalizeH="0" baseline="0" dirty="0" err="1" smtClean="0">
+              <a:rPr kumimoji="0" lang="uk-UA" altLang="uk-UA" sz="1800" b="0" i="0" u="none" strike="noStrike" cap="none" normalizeH="0" baseline="0" dirty="0" err="1">
                 <a:ln>
                   <a:noFill/>
                 </a:ln>
@@ -17652,7 +17390,7 @@
               <a:t>.println</a:t>
             </a:r>
             <a:r>
-              <a:rPr kumimoji="0" lang="uk-UA" altLang="uk-UA" sz="1800" b="0" i="0" u="none" strike="noStrike" cap="none" normalizeH="0" baseline="0" dirty="0" smtClean="0">
+              <a:rPr kumimoji="0" lang="uk-UA" altLang="uk-UA" sz="1800" b="0" i="0" u="none" strike="noStrike" cap="none" normalizeH="0" baseline="0" dirty="0">
                 <a:ln>
                   <a:noFill/>
                 </a:ln>
@@ -17666,7 +17404,7 @@
               <a:t>(</a:t>
             </a:r>
             <a:r>
-              <a:rPr kumimoji="0" lang="uk-UA" altLang="uk-UA" sz="1800" b="0" i="0" u="none" strike="noStrike" cap="none" normalizeH="0" baseline="0" dirty="0" err="1" smtClean="0">
+              <a:rPr kumimoji="0" lang="uk-UA" altLang="uk-UA" sz="1800" b="0" i="0" u="none" strike="noStrike" cap="none" normalizeH="0" baseline="0" dirty="0" err="1">
                 <a:ln>
                   <a:noFill/>
                 </a:ln>
@@ -17680,7 +17418,7 @@
               <a:t>integer</a:t>
             </a:r>
             <a:r>
-              <a:rPr kumimoji="0" lang="uk-UA" altLang="uk-UA" sz="1800" b="0" i="0" u="none" strike="noStrike" cap="none" normalizeH="0" baseline="0" dirty="0" smtClean="0">
+              <a:rPr kumimoji="0" lang="uk-UA" altLang="uk-UA" sz="1800" b="0" i="0" u="none" strike="noStrike" cap="none" normalizeH="0" baseline="0" dirty="0">
                 <a:ln>
                   <a:noFill/>
                 </a:ln>
@@ -17694,7 +17432,7 @@
               <a:t>); </a:t>
             </a:r>
             <a:r>
-              <a:rPr kumimoji="0" lang="uk-UA" altLang="uk-UA" sz="1800" b="0" i="1" u="none" strike="noStrike" cap="none" normalizeH="0" baseline="0" dirty="0" smtClean="0">
+              <a:rPr kumimoji="0" lang="uk-UA" altLang="uk-UA" sz="1800" b="0" i="1" u="none" strike="noStrike" cap="none" normalizeH="0" baseline="0" dirty="0">
                 <a:ln>
                   <a:noFill/>
                 </a:ln>
@@ -17708,7 +17446,7 @@
               <a:t>// </a:t>
             </a:r>
             <a:r>
-              <a:rPr kumimoji="0" lang="uk-UA" altLang="uk-UA" sz="1800" b="0" i="1" u="none" strike="noStrike" cap="none" normalizeH="0" baseline="0" dirty="0" err="1" smtClean="0">
+              <a:rPr kumimoji="0" lang="uk-UA" altLang="uk-UA" sz="1800" b="0" i="1" u="none" strike="noStrike" cap="none" normalizeH="0" baseline="0" dirty="0" err="1">
                 <a:ln>
                   <a:noFill/>
                 </a:ln>
@@ -17722,7 +17460,7 @@
               <a:t>Optional</a:t>
             </a:r>
             <a:r>
-              <a:rPr kumimoji="0" lang="uk-UA" altLang="uk-UA" sz="1800" b="0" i="1" u="none" strike="noStrike" cap="none" normalizeH="0" baseline="0" dirty="0" smtClean="0">
+              <a:rPr kumimoji="0" lang="uk-UA" altLang="uk-UA" sz="1800" b="0" i="1" u="none" strike="noStrike" cap="none" normalizeH="0" baseline="0" dirty="0">
                 <a:ln>
                   <a:noFill/>
                 </a:ln>
@@ -17735,7 +17473,7 @@
               </a:rPr>
               <a:t>[1]</a:t>
             </a:r>
-            <a:endParaRPr kumimoji="0" lang="uk-UA" altLang="uk-UA" sz="4000" b="0" i="0" u="none" strike="noStrike" cap="none" normalizeH="0" baseline="0" dirty="0" smtClean="0">
+            <a:endParaRPr kumimoji="0" lang="uk-UA" altLang="uk-UA" sz="4000" b="0" i="0" u="none" strike="noStrike" cap="none" normalizeH="0" baseline="0" dirty="0">
               <a:ln>
                 <a:noFill/>
               </a:ln>
@@ -17879,7 +17617,7 @@
           <a:lstStyle/>
           <a:p>
             <a:r>
-              <a:rPr lang="en-US" dirty="0" smtClean="0"/>
+              <a:rPr lang="en-US" dirty="0"/>
               <a:t>Optional usage</a:t>
             </a:r>
             <a:endParaRPr lang="ru-RU" dirty="0"/>
@@ -17959,7 +17697,7 @@
               <a:tabLst/>
             </a:pPr>
             <a:r>
-              <a:rPr kumimoji="0" lang="ru-RU" altLang="ru-RU" sz="1200" b="1" i="0" u="none" strike="noStrike" cap="none" normalizeH="0" baseline="0" dirty="0" err="1" smtClean="0">
+              <a:rPr kumimoji="0" lang="ru-RU" altLang="ru-RU" sz="1200" b="1" i="0" u="none" strike="noStrike" cap="none" normalizeH="0" baseline="0" dirty="0" err="1">
                 <a:ln>
                   <a:noFill/>
                 </a:ln>
@@ -17973,7 +17711,7 @@
               <a:t>static</a:t>
             </a:r>
             <a:r>
-              <a:rPr kumimoji="0" lang="ru-RU" altLang="ru-RU" sz="1200" b="1" i="0" u="none" strike="noStrike" cap="none" normalizeH="0" baseline="0" dirty="0" smtClean="0">
+              <a:rPr kumimoji="0" lang="ru-RU" altLang="ru-RU" sz="1200" b="1" i="0" u="none" strike="noStrike" cap="none" normalizeH="0" baseline="0" dirty="0">
                 <a:ln>
                   <a:noFill/>
                 </a:ln>
@@ -17987,7 +17725,7 @@
               <a:t> </a:t>
             </a:r>
             <a:r>
-              <a:rPr kumimoji="0" lang="ru-RU" altLang="ru-RU" sz="1200" b="0" i="0" u="none" strike="noStrike" cap="none" normalizeH="0" baseline="0" dirty="0" err="1" smtClean="0">
+              <a:rPr kumimoji="0" lang="ru-RU" altLang="ru-RU" sz="1200" b="0" i="0" u="none" strike="noStrike" cap="none" normalizeH="0" baseline="0" dirty="0" err="1">
                 <a:ln>
                   <a:noFill/>
                 </a:ln>
@@ -18001,7 +17739,7 @@
               <a:t>Optional</a:t>
             </a:r>
             <a:r>
-              <a:rPr kumimoji="0" lang="ru-RU" altLang="ru-RU" sz="1200" b="0" i="0" u="none" strike="noStrike" cap="none" normalizeH="0" baseline="0" dirty="0" smtClean="0">
+              <a:rPr kumimoji="0" lang="ru-RU" altLang="ru-RU" sz="1200" b="0" i="0" u="none" strike="noStrike" cap="none" normalizeH="0" baseline="0" dirty="0">
                 <a:ln>
                   <a:noFill/>
                 </a:ln>
@@ -18015,7 +17753,7 @@
               <a:t>&lt;</a:t>
             </a:r>
             <a:r>
-              <a:rPr kumimoji="0" lang="ru-RU" altLang="ru-RU" sz="1200" b="0" i="0" u="none" strike="noStrike" cap="none" normalizeH="0" baseline="0" dirty="0" err="1" smtClean="0">
+              <a:rPr kumimoji="0" lang="ru-RU" altLang="ru-RU" sz="1200" b="0" i="0" u="none" strike="noStrike" cap="none" normalizeH="0" baseline="0" dirty="0" err="1">
                 <a:ln>
                   <a:noFill/>
                 </a:ln>
@@ -18029,7 +17767,7 @@
               <a:t>Double</a:t>
             </a:r>
             <a:r>
-              <a:rPr kumimoji="0" lang="ru-RU" altLang="ru-RU" sz="1200" b="0" i="0" u="none" strike="noStrike" cap="none" normalizeH="0" baseline="0" dirty="0" smtClean="0">
+              <a:rPr kumimoji="0" lang="ru-RU" altLang="ru-RU" sz="1200" b="0" i="0" u="none" strike="noStrike" cap="none" normalizeH="0" baseline="0" dirty="0">
                 <a:ln>
                   <a:noFill/>
                 </a:ln>
@@ -18043,7 +17781,7 @@
               <a:t>&gt; </a:t>
             </a:r>
             <a:r>
-              <a:rPr kumimoji="0" lang="ru-RU" altLang="ru-RU" sz="1200" b="0" i="0" u="none" strike="noStrike" cap="none" normalizeH="0" baseline="0" dirty="0" err="1" smtClean="0">
+              <a:rPr kumimoji="0" lang="ru-RU" altLang="ru-RU" sz="1200" b="0" i="0" u="none" strike="noStrike" cap="none" normalizeH="0" baseline="0" dirty="0" err="1">
                 <a:ln>
                   <a:noFill/>
                 </a:ln>
@@ -18057,7 +17795,7 @@
               <a:t>average</a:t>
             </a:r>
             <a:r>
-              <a:rPr kumimoji="0" lang="ru-RU" altLang="ru-RU" sz="1200" b="0" i="0" u="none" strike="noStrike" cap="none" normalizeH="0" baseline="0" dirty="0" smtClean="0">
+              <a:rPr kumimoji="0" lang="ru-RU" altLang="ru-RU" sz="1200" b="0" i="0" u="none" strike="noStrike" cap="none" normalizeH="0" baseline="0" dirty="0">
                 <a:ln>
                   <a:noFill/>
                 </a:ln>
@@ -18071,7 +17809,7 @@
               <a:t>(</a:t>
             </a:r>
             <a:r>
-              <a:rPr kumimoji="0" lang="ru-RU" altLang="ru-RU" sz="1200" b="1" i="0" u="none" strike="noStrike" cap="none" normalizeH="0" baseline="0" dirty="0" err="1" smtClean="0">
+              <a:rPr kumimoji="0" lang="ru-RU" altLang="ru-RU" sz="1200" b="1" i="0" u="none" strike="noStrike" cap="none" normalizeH="0" baseline="0" dirty="0" err="1">
                 <a:ln>
                   <a:noFill/>
                 </a:ln>
@@ -18085,7 +17823,7 @@
               <a:t>int</a:t>
             </a:r>
             <a:r>
-              <a:rPr kumimoji="0" lang="ru-RU" altLang="ru-RU" sz="1200" b="0" i="0" u="none" strike="noStrike" cap="none" normalizeH="0" baseline="0" dirty="0" smtClean="0">
+              <a:rPr kumimoji="0" lang="ru-RU" altLang="ru-RU" sz="1200" b="0" i="0" u="none" strike="noStrike" cap="none" normalizeH="0" baseline="0" dirty="0">
                 <a:ln>
                   <a:noFill/>
                 </a:ln>
@@ -18099,7 +17837,7 @@
               <a:t>... </a:t>
             </a:r>
             <a:r>
-              <a:rPr kumimoji="0" lang="ru-RU" altLang="ru-RU" sz="1200" b="0" i="0" u="none" strike="noStrike" cap="none" normalizeH="0" baseline="0" dirty="0" err="1" smtClean="0">
+              <a:rPr kumimoji="0" lang="ru-RU" altLang="ru-RU" sz="1200" b="0" i="0" u="none" strike="noStrike" cap="none" normalizeH="0" baseline="0" dirty="0" err="1">
                 <a:ln>
                   <a:noFill/>
                 </a:ln>
@@ -18113,7 +17851,7 @@
               <a:t>scores</a:t>
             </a:r>
             <a:r>
-              <a:rPr kumimoji="0" lang="ru-RU" altLang="ru-RU" sz="1200" b="0" i="0" u="none" strike="noStrike" cap="none" normalizeH="0" baseline="0" dirty="0" smtClean="0">
+              <a:rPr kumimoji="0" lang="ru-RU" altLang="ru-RU" sz="1200" b="0" i="0" u="none" strike="noStrike" cap="none" normalizeH="0" baseline="0" dirty="0">
                 <a:ln>
                   <a:noFill/>
                 </a:ln>
@@ -18127,7 +17865,7 @@
               <a:t>) {</a:t>
             </a:r>
             <a:br>
-              <a:rPr kumimoji="0" lang="ru-RU" altLang="ru-RU" sz="1200" b="0" i="0" u="none" strike="noStrike" cap="none" normalizeH="0" baseline="0" dirty="0" smtClean="0">
+              <a:rPr kumimoji="0" lang="ru-RU" altLang="ru-RU" sz="1200" b="0" i="0" u="none" strike="noStrike" cap="none" normalizeH="0" baseline="0" dirty="0">
                 <a:ln>
                   <a:noFill/>
                 </a:ln>
@@ -18140,7 +17878,7 @@
               </a:rPr>
             </a:br>
             <a:r>
-              <a:rPr kumimoji="0" lang="ru-RU" altLang="ru-RU" sz="1200" b="0" i="0" u="none" strike="noStrike" cap="none" normalizeH="0" baseline="0" dirty="0" smtClean="0">
+              <a:rPr kumimoji="0" lang="ru-RU" altLang="ru-RU" sz="1200" b="0" i="0" u="none" strike="noStrike" cap="none" normalizeH="0" baseline="0" dirty="0">
                 <a:ln>
                   <a:noFill/>
                 </a:ln>
@@ -18154,7 +17892,7 @@
               <a:t>    </a:t>
             </a:r>
             <a:r>
-              <a:rPr kumimoji="0" lang="ru-RU" altLang="ru-RU" sz="1200" b="1" i="0" u="none" strike="noStrike" cap="none" normalizeH="0" baseline="0" dirty="0" err="1" smtClean="0">
+              <a:rPr kumimoji="0" lang="ru-RU" altLang="ru-RU" sz="1200" b="1" i="0" u="none" strike="noStrike" cap="none" normalizeH="0" baseline="0" dirty="0" err="1">
                 <a:ln>
                   <a:noFill/>
                 </a:ln>
@@ -18168,7 +17906,7 @@
               <a:t>if</a:t>
             </a:r>
             <a:r>
-              <a:rPr kumimoji="0" lang="ru-RU" altLang="ru-RU" sz="1200" b="1" i="0" u="none" strike="noStrike" cap="none" normalizeH="0" baseline="0" dirty="0" smtClean="0">
+              <a:rPr kumimoji="0" lang="ru-RU" altLang="ru-RU" sz="1200" b="1" i="0" u="none" strike="noStrike" cap="none" normalizeH="0" baseline="0" dirty="0">
                 <a:ln>
                   <a:noFill/>
                 </a:ln>
@@ -18182,7 +17920,7 @@
               <a:t> </a:t>
             </a:r>
             <a:r>
-              <a:rPr kumimoji="0" lang="ru-RU" altLang="ru-RU" sz="1200" b="0" i="0" u="none" strike="noStrike" cap="none" normalizeH="0" baseline="0" dirty="0" smtClean="0">
+              <a:rPr kumimoji="0" lang="ru-RU" altLang="ru-RU" sz="1200" b="0" i="0" u="none" strike="noStrike" cap="none" normalizeH="0" baseline="0" dirty="0">
                 <a:ln>
                   <a:noFill/>
                 </a:ln>
@@ -18196,7 +17934,7 @@
               <a:t>(</a:t>
             </a:r>
             <a:r>
-              <a:rPr kumimoji="0" lang="ru-RU" altLang="ru-RU" sz="1200" b="0" i="0" u="none" strike="noStrike" cap="none" normalizeH="0" baseline="0" dirty="0" err="1" smtClean="0">
+              <a:rPr kumimoji="0" lang="ru-RU" altLang="ru-RU" sz="1200" b="0" i="0" u="none" strike="noStrike" cap="none" normalizeH="0" baseline="0" dirty="0" err="1">
                 <a:ln>
                   <a:noFill/>
                 </a:ln>
@@ -18210,7 +17948,7 @@
               <a:t>scores.</a:t>
             </a:r>
             <a:r>
-              <a:rPr kumimoji="0" lang="ru-RU" altLang="ru-RU" sz="1200" b="1" i="0" u="none" strike="noStrike" cap="none" normalizeH="0" baseline="0" dirty="0" err="1" smtClean="0">
+              <a:rPr kumimoji="0" lang="ru-RU" altLang="ru-RU" sz="1200" b="1" i="0" u="none" strike="noStrike" cap="none" normalizeH="0" baseline="0" dirty="0" err="1">
                 <a:ln>
                   <a:noFill/>
                 </a:ln>
@@ -18224,7 +17962,7 @@
               <a:t>length</a:t>
             </a:r>
             <a:r>
-              <a:rPr kumimoji="0" lang="ru-RU" altLang="ru-RU" sz="1200" b="1" i="0" u="none" strike="noStrike" cap="none" normalizeH="0" baseline="0" dirty="0" smtClean="0">
+              <a:rPr kumimoji="0" lang="ru-RU" altLang="ru-RU" sz="1200" b="1" i="0" u="none" strike="noStrike" cap="none" normalizeH="0" baseline="0" dirty="0">
                 <a:ln>
                   <a:noFill/>
                 </a:ln>
@@ -18238,7 +17976,7 @@
               <a:t> </a:t>
             </a:r>
             <a:r>
-              <a:rPr kumimoji="0" lang="ru-RU" altLang="ru-RU" sz="1200" b="0" i="0" u="none" strike="noStrike" cap="none" normalizeH="0" baseline="0" dirty="0" smtClean="0">
+              <a:rPr kumimoji="0" lang="ru-RU" altLang="ru-RU" sz="1200" b="0" i="0" u="none" strike="noStrike" cap="none" normalizeH="0" baseline="0" dirty="0">
                 <a:ln>
                   <a:noFill/>
                 </a:ln>
@@ -18252,7 +17990,7 @@
               <a:t>== </a:t>
             </a:r>
             <a:r>
-              <a:rPr kumimoji="0" lang="ru-RU" altLang="ru-RU" sz="1200" b="0" i="0" u="none" strike="noStrike" cap="none" normalizeH="0" baseline="0" dirty="0" smtClean="0">
+              <a:rPr kumimoji="0" lang="ru-RU" altLang="ru-RU" sz="1200" b="0" i="0" u="none" strike="noStrike" cap="none" normalizeH="0" baseline="0" dirty="0">
                 <a:ln>
                   <a:noFill/>
                 </a:ln>
@@ -18266,7 +18004,7 @@
               <a:t>0</a:t>
             </a:r>
             <a:r>
-              <a:rPr kumimoji="0" lang="ru-RU" altLang="ru-RU" sz="1200" b="0" i="0" u="none" strike="noStrike" cap="none" normalizeH="0" baseline="0" dirty="0" smtClean="0">
+              <a:rPr kumimoji="0" lang="ru-RU" altLang="ru-RU" sz="1200" b="0" i="0" u="none" strike="noStrike" cap="none" normalizeH="0" baseline="0" dirty="0">
                 <a:ln>
                   <a:noFill/>
                 </a:ln>
@@ -18280,7 +18018,7 @@
               <a:t>) {</a:t>
             </a:r>
             <a:br>
-              <a:rPr kumimoji="0" lang="ru-RU" altLang="ru-RU" sz="1200" b="0" i="0" u="none" strike="noStrike" cap="none" normalizeH="0" baseline="0" dirty="0" smtClean="0">
+              <a:rPr kumimoji="0" lang="ru-RU" altLang="ru-RU" sz="1200" b="0" i="0" u="none" strike="noStrike" cap="none" normalizeH="0" baseline="0" dirty="0">
                 <a:ln>
                   <a:noFill/>
                 </a:ln>
@@ -18293,7 +18031,7 @@
               </a:rPr>
             </a:br>
             <a:r>
-              <a:rPr kumimoji="0" lang="ru-RU" altLang="ru-RU" sz="1200" b="0" i="0" u="none" strike="noStrike" cap="none" normalizeH="0" baseline="0" dirty="0" smtClean="0">
+              <a:rPr kumimoji="0" lang="ru-RU" altLang="ru-RU" sz="1200" b="0" i="0" u="none" strike="noStrike" cap="none" normalizeH="0" baseline="0" dirty="0">
                 <a:ln>
                   <a:noFill/>
                 </a:ln>
@@ -18307,7 +18045,7 @@
               <a:t>        </a:t>
             </a:r>
             <a:r>
-              <a:rPr kumimoji="0" lang="ru-RU" altLang="ru-RU" sz="1200" b="1" i="0" u="none" strike="noStrike" cap="none" normalizeH="0" baseline="0" dirty="0" err="1" smtClean="0">
+              <a:rPr kumimoji="0" lang="ru-RU" altLang="ru-RU" sz="1200" b="1" i="0" u="none" strike="noStrike" cap="none" normalizeH="0" baseline="0" dirty="0" err="1">
                 <a:ln>
                   <a:noFill/>
                 </a:ln>
@@ -18321,7 +18059,7 @@
               <a:t>return</a:t>
             </a:r>
             <a:r>
-              <a:rPr kumimoji="0" lang="ru-RU" altLang="ru-RU" sz="1200" b="1" i="0" u="none" strike="noStrike" cap="none" normalizeH="0" baseline="0" dirty="0" smtClean="0">
+              <a:rPr kumimoji="0" lang="ru-RU" altLang="ru-RU" sz="1200" b="1" i="0" u="none" strike="noStrike" cap="none" normalizeH="0" baseline="0" dirty="0">
                 <a:ln>
                   <a:noFill/>
                 </a:ln>
@@ -18335,7 +18073,7 @@
               <a:t> </a:t>
             </a:r>
             <a:r>
-              <a:rPr kumimoji="0" lang="ru-RU" altLang="ru-RU" sz="1200" b="0" i="0" u="none" strike="noStrike" cap="none" normalizeH="0" baseline="0" dirty="0" err="1" smtClean="0">
+              <a:rPr kumimoji="0" lang="ru-RU" altLang="ru-RU" sz="1200" b="0" i="0" u="none" strike="noStrike" cap="none" normalizeH="0" baseline="0" dirty="0" err="1">
                 <a:ln>
                   <a:noFill/>
                 </a:ln>
@@ -18349,7 +18087,7 @@
               <a:t>Optional.</a:t>
             </a:r>
             <a:r>
-              <a:rPr kumimoji="0" lang="ru-RU" altLang="ru-RU" sz="1200" b="0" i="1" u="none" strike="noStrike" cap="none" normalizeH="0" baseline="0" dirty="0" err="1" smtClean="0">
+              <a:rPr kumimoji="0" lang="ru-RU" altLang="ru-RU" sz="1200" b="0" i="1" u="none" strike="noStrike" cap="none" normalizeH="0" baseline="0" dirty="0" err="1">
                 <a:ln>
                   <a:noFill/>
                 </a:ln>
@@ -18363,7 +18101,7 @@
               <a:t>empty</a:t>
             </a:r>
             <a:r>
-              <a:rPr kumimoji="0" lang="ru-RU" altLang="ru-RU" sz="1200" b="0" i="0" u="none" strike="noStrike" cap="none" normalizeH="0" baseline="0" dirty="0" smtClean="0">
+              <a:rPr kumimoji="0" lang="ru-RU" altLang="ru-RU" sz="1200" b="0" i="0" u="none" strike="noStrike" cap="none" normalizeH="0" baseline="0" dirty="0">
                 <a:ln>
                   <a:noFill/>
                 </a:ln>
@@ -18377,7 +18115,7 @@
               <a:t>();</a:t>
             </a:r>
             <a:br>
-              <a:rPr kumimoji="0" lang="ru-RU" altLang="ru-RU" sz="1200" b="0" i="0" u="none" strike="noStrike" cap="none" normalizeH="0" baseline="0" dirty="0" smtClean="0">
+              <a:rPr kumimoji="0" lang="ru-RU" altLang="ru-RU" sz="1200" b="0" i="0" u="none" strike="noStrike" cap="none" normalizeH="0" baseline="0" dirty="0">
                 <a:ln>
                   <a:noFill/>
                 </a:ln>
@@ -18390,7 +18128,7 @@
               </a:rPr>
             </a:br>
             <a:r>
-              <a:rPr kumimoji="0" lang="ru-RU" altLang="ru-RU" sz="1200" b="0" i="0" u="none" strike="noStrike" cap="none" normalizeH="0" baseline="0" dirty="0" smtClean="0">
+              <a:rPr kumimoji="0" lang="ru-RU" altLang="ru-RU" sz="1200" b="0" i="0" u="none" strike="noStrike" cap="none" normalizeH="0" baseline="0" dirty="0">
                 <a:ln>
                   <a:noFill/>
                 </a:ln>
@@ -18404,7 +18142,7 @@
               <a:t>    }</a:t>
             </a:r>
             <a:br>
-              <a:rPr kumimoji="0" lang="ru-RU" altLang="ru-RU" sz="1200" b="0" i="0" u="none" strike="noStrike" cap="none" normalizeH="0" baseline="0" dirty="0" smtClean="0">
+              <a:rPr kumimoji="0" lang="ru-RU" altLang="ru-RU" sz="1200" b="0" i="0" u="none" strike="noStrike" cap="none" normalizeH="0" baseline="0" dirty="0">
                 <a:ln>
                   <a:noFill/>
                 </a:ln>
@@ -18416,8 +18154,8 @@
                 <a:cs typeface="Courier New" panose="02070309020205020404" pitchFamily="49" charset="0"/>
               </a:rPr>
             </a:br>
-            <a:r>
-              <a:rPr kumimoji="0" lang="ru-RU" altLang="ru-RU" sz="1200" b="0" i="0" u="none" strike="noStrike" cap="none" normalizeH="0" baseline="0" dirty="0" smtClean="0">
+            <a:br>
+              <a:rPr kumimoji="0" lang="ru-RU" altLang="ru-RU" sz="1200" b="0" i="0" u="none" strike="noStrike" cap="none" normalizeH="0" baseline="0" dirty="0">
                 <a:ln>
                   <a:noFill/>
                 </a:ln>
@@ -18428,10 +18166,9 @@
                 <a:latin typeface="Courier New" panose="02070309020205020404" pitchFamily="49" charset="0"/>
                 <a:cs typeface="Courier New" panose="02070309020205020404" pitchFamily="49" charset="0"/>
               </a:rPr>
-              <a:t/>
-            </a:r>
-            <a:br>
-              <a:rPr kumimoji="0" lang="ru-RU" altLang="ru-RU" sz="1200" b="0" i="0" u="none" strike="noStrike" cap="none" normalizeH="0" baseline="0" dirty="0" smtClean="0">
+            </a:br>
+            <a:r>
+              <a:rPr kumimoji="0" lang="ru-RU" altLang="ru-RU" sz="1200" b="0" i="0" u="none" strike="noStrike" cap="none" normalizeH="0" baseline="0" dirty="0">
                 <a:ln>
                   <a:noFill/>
                 </a:ln>
@@ -18442,23 +18179,24 @@
                 <a:latin typeface="Courier New" panose="02070309020205020404" pitchFamily="49" charset="0"/>
                 <a:cs typeface="Courier New" panose="02070309020205020404" pitchFamily="49" charset="0"/>
               </a:rPr>
-            </a:br>
-            <a:r>
-              <a:rPr kumimoji="0" lang="ru-RU" altLang="ru-RU" sz="1200" b="0" i="0" u="none" strike="noStrike" cap="none" normalizeH="0" baseline="0" dirty="0" smtClean="0">
+              <a:t>    </a:t>
+            </a:r>
+            <a:r>
+              <a:rPr kumimoji="0" lang="ru-RU" altLang="ru-RU" sz="1200" b="1" i="0" u="none" strike="noStrike" cap="none" normalizeH="0" baseline="0" dirty="0" err="1">
                 <a:ln>
                   <a:noFill/>
                 </a:ln>
                 <a:solidFill>
-                  <a:srgbClr val="000000"/>
+                  <a:srgbClr val="000080"/>
                 </a:solidFill>
                 <a:effectLst/>
                 <a:latin typeface="Courier New" panose="02070309020205020404" pitchFamily="49" charset="0"/>
                 <a:cs typeface="Courier New" panose="02070309020205020404" pitchFamily="49" charset="0"/>
               </a:rPr>
-              <a:t>    </a:t>
-            </a:r>
-            <a:r>
-              <a:rPr kumimoji="0" lang="ru-RU" altLang="ru-RU" sz="1200" b="1" i="0" u="none" strike="noStrike" cap="none" normalizeH="0" baseline="0" dirty="0" err="1" smtClean="0">
+              <a:t>int</a:t>
+            </a:r>
+            <a:r>
+              <a:rPr kumimoji="0" lang="ru-RU" altLang="ru-RU" sz="1200" b="1" i="0" u="none" strike="noStrike" cap="none" normalizeH="0" baseline="0" dirty="0">
                 <a:ln>
                   <a:noFill/>
                 </a:ln>
@@ -18469,24 +18207,24 @@
                 <a:latin typeface="Courier New" panose="02070309020205020404" pitchFamily="49" charset="0"/>
                 <a:cs typeface="Courier New" panose="02070309020205020404" pitchFamily="49" charset="0"/>
               </a:rPr>
-              <a:t>int</a:t>
-            </a:r>
-            <a:r>
-              <a:rPr kumimoji="0" lang="ru-RU" altLang="ru-RU" sz="1200" b="1" i="0" u="none" strike="noStrike" cap="none" normalizeH="0" baseline="0" dirty="0" smtClean="0">
+              <a:t> </a:t>
+            </a:r>
+            <a:r>
+              <a:rPr kumimoji="0" lang="ru-RU" altLang="ru-RU" sz="1200" b="0" i="0" u="none" strike="noStrike" cap="none" normalizeH="0" baseline="0" dirty="0" err="1">
                 <a:ln>
                   <a:noFill/>
                 </a:ln>
                 <a:solidFill>
-                  <a:srgbClr val="000080"/>
+                  <a:srgbClr val="000000"/>
                 </a:solidFill>
                 <a:effectLst/>
                 <a:latin typeface="Courier New" panose="02070309020205020404" pitchFamily="49" charset="0"/>
                 <a:cs typeface="Courier New" panose="02070309020205020404" pitchFamily="49" charset="0"/>
               </a:rPr>
-              <a:t> </a:t>
-            </a:r>
-            <a:r>
-              <a:rPr kumimoji="0" lang="ru-RU" altLang="ru-RU" sz="1200" b="0" i="0" u="none" strike="noStrike" cap="none" normalizeH="0" baseline="0" dirty="0" err="1" smtClean="0">
+              <a:t>sum</a:t>
+            </a:r>
+            <a:r>
+              <a:rPr kumimoji="0" lang="ru-RU" altLang="ru-RU" sz="1200" b="0" i="0" u="none" strike="noStrike" cap="none" normalizeH="0" baseline="0" dirty="0">
                 <a:ln>
                   <a:noFill/>
                 </a:ln>
@@ -18497,38 +18235,38 @@
                 <a:latin typeface="Courier New" panose="02070309020205020404" pitchFamily="49" charset="0"/>
                 <a:cs typeface="Courier New" panose="02070309020205020404" pitchFamily="49" charset="0"/>
               </a:rPr>
-              <a:t>sum</a:t>
-            </a:r>
-            <a:r>
-              <a:rPr kumimoji="0" lang="ru-RU" altLang="ru-RU" sz="1200" b="0" i="0" u="none" strike="noStrike" cap="none" normalizeH="0" baseline="0" dirty="0" smtClean="0">
+              <a:t> = </a:t>
+            </a:r>
+            <a:r>
+              <a:rPr kumimoji="0" lang="ru-RU" altLang="ru-RU" sz="1200" b="0" i="0" u="none" strike="noStrike" cap="none" normalizeH="0" baseline="0" dirty="0">
                 <a:ln>
                   <a:noFill/>
                 </a:ln>
                 <a:solidFill>
-                  <a:srgbClr val="000000"/>
+                  <a:srgbClr val="0000FF"/>
                 </a:solidFill>
                 <a:effectLst/>
                 <a:latin typeface="Courier New" panose="02070309020205020404" pitchFamily="49" charset="0"/>
                 <a:cs typeface="Courier New" panose="02070309020205020404" pitchFamily="49" charset="0"/>
               </a:rPr>
-              <a:t> = </a:t>
-            </a:r>
-            <a:r>
-              <a:rPr kumimoji="0" lang="ru-RU" altLang="ru-RU" sz="1200" b="0" i="0" u="none" strike="noStrike" cap="none" normalizeH="0" baseline="0" dirty="0" smtClean="0">
+              <a:t>0</a:t>
+            </a:r>
+            <a:r>
+              <a:rPr kumimoji="0" lang="ru-RU" altLang="ru-RU" sz="1200" b="0" i="0" u="none" strike="noStrike" cap="none" normalizeH="0" baseline="0" dirty="0">
                 <a:ln>
                   <a:noFill/>
                 </a:ln>
                 <a:solidFill>
-                  <a:srgbClr val="0000FF"/>
+                  <a:srgbClr val="000000"/>
                 </a:solidFill>
                 <a:effectLst/>
                 <a:latin typeface="Courier New" panose="02070309020205020404" pitchFamily="49" charset="0"/>
                 <a:cs typeface="Courier New" panose="02070309020205020404" pitchFamily="49" charset="0"/>
               </a:rPr>
-              <a:t>0</a:t>
-            </a:r>
-            <a:r>
-              <a:rPr kumimoji="0" lang="ru-RU" altLang="ru-RU" sz="1200" b="0" i="0" u="none" strike="noStrike" cap="none" normalizeH="0" baseline="0" dirty="0" smtClean="0">
+              <a:t>;</a:t>
+            </a:r>
+            <a:br>
+              <a:rPr kumimoji="0" lang="ru-RU" altLang="ru-RU" sz="1200" b="0" i="0" u="none" strike="noStrike" cap="none" normalizeH="0" baseline="0" dirty="0">
                 <a:ln>
                   <a:noFill/>
                 </a:ln>
@@ -18539,10 +18277,9 @@
                 <a:latin typeface="Courier New" panose="02070309020205020404" pitchFamily="49" charset="0"/>
                 <a:cs typeface="Courier New" panose="02070309020205020404" pitchFamily="49" charset="0"/>
               </a:rPr>
-              <a:t>;</a:t>
-            </a:r>
-            <a:br>
-              <a:rPr kumimoji="0" lang="ru-RU" altLang="ru-RU" sz="1200" b="0" i="0" u="none" strike="noStrike" cap="none" normalizeH="0" baseline="0" dirty="0" smtClean="0">
+            </a:br>
+            <a:r>
+              <a:rPr kumimoji="0" lang="ru-RU" altLang="ru-RU" sz="1200" b="0" i="0" u="none" strike="noStrike" cap="none" normalizeH="0" baseline="0" dirty="0">
                 <a:ln>
                   <a:noFill/>
                 </a:ln>
@@ -18553,23 +18290,24 @@
                 <a:latin typeface="Courier New" panose="02070309020205020404" pitchFamily="49" charset="0"/>
                 <a:cs typeface="Courier New" panose="02070309020205020404" pitchFamily="49" charset="0"/>
               </a:rPr>
-            </a:br>
-            <a:r>
-              <a:rPr kumimoji="0" lang="ru-RU" altLang="ru-RU" sz="1200" b="0" i="0" u="none" strike="noStrike" cap="none" normalizeH="0" baseline="0" dirty="0" smtClean="0">
+              <a:t>    </a:t>
+            </a:r>
+            <a:r>
+              <a:rPr kumimoji="0" lang="ru-RU" altLang="ru-RU" sz="1200" b="1" i="0" u="none" strike="noStrike" cap="none" normalizeH="0" baseline="0" dirty="0" err="1">
                 <a:ln>
                   <a:noFill/>
                 </a:ln>
                 <a:solidFill>
-                  <a:srgbClr val="000000"/>
+                  <a:srgbClr val="000080"/>
                 </a:solidFill>
                 <a:effectLst/>
                 <a:latin typeface="Courier New" panose="02070309020205020404" pitchFamily="49" charset="0"/>
                 <a:cs typeface="Courier New" panose="02070309020205020404" pitchFamily="49" charset="0"/>
               </a:rPr>
-              <a:t>    </a:t>
-            </a:r>
-            <a:r>
-              <a:rPr kumimoji="0" lang="ru-RU" altLang="ru-RU" sz="1200" b="1" i="0" u="none" strike="noStrike" cap="none" normalizeH="0" baseline="0" dirty="0" err="1" smtClean="0">
+              <a:t>for</a:t>
+            </a:r>
+            <a:r>
+              <a:rPr kumimoji="0" lang="ru-RU" altLang="ru-RU" sz="1200" b="1" i="0" u="none" strike="noStrike" cap="none" normalizeH="0" baseline="0" dirty="0">
                 <a:ln>
                   <a:noFill/>
                 </a:ln>
@@ -18580,38 +18318,38 @@
                 <a:latin typeface="Courier New" panose="02070309020205020404" pitchFamily="49" charset="0"/>
                 <a:cs typeface="Courier New" panose="02070309020205020404" pitchFamily="49" charset="0"/>
               </a:rPr>
-              <a:t>for</a:t>
-            </a:r>
-            <a:r>
-              <a:rPr kumimoji="0" lang="ru-RU" altLang="ru-RU" sz="1200" b="1" i="0" u="none" strike="noStrike" cap="none" normalizeH="0" baseline="0" dirty="0" smtClean="0">
+              <a:t> </a:t>
+            </a:r>
+            <a:r>
+              <a:rPr kumimoji="0" lang="ru-RU" altLang="ru-RU" sz="1200" b="0" i="0" u="none" strike="noStrike" cap="none" normalizeH="0" baseline="0" dirty="0">
                 <a:ln>
                   <a:noFill/>
                 </a:ln>
                 <a:solidFill>
-                  <a:srgbClr val="000080"/>
+                  <a:srgbClr val="000000"/>
                 </a:solidFill>
                 <a:effectLst/>
                 <a:latin typeface="Courier New" panose="02070309020205020404" pitchFamily="49" charset="0"/>
                 <a:cs typeface="Courier New" panose="02070309020205020404" pitchFamily="49" charset="0"/>
               </a:rPr>
-              <a:t> </a:t>
-            </a:r>
-            <a:r>
-              <a:rPr kumimoji="0" lang="ru-RU" altLang="ru-RU" sz="1200" b="0" i="0" u="none" strike="noStrike" cap="none" normalizeH="0" baseline="0" dirty="0" smtClean="0">
+              <a:t>(</a:t>
+            </a:r>
+            <a:r>
+              <a:rPr kumimoji="0" lang="ru-RU" altLang="ru-RU" sz="1200" b="1" i="0" u="none" strike="noStrike" cap="none" normalizeH="0" baseline="0" dirty="0" err="1">
                 <a:ln>
                   <a:noFill/>
                 </a:ln>
                 <a:solidFill>
-                  <a:srgbClr val="000000"/>
+                  <a:srgbClr val="000080"/>
                 </a:solidFill>
                 <a:effectLst/>
                 <a:latin typeface="Courier New" panose="02070309020205020404" pitchFamily="49" charset="0"/>
                 <a:cs typeface="Courier New" panose="02070309020205020404" pitchFamily="49" charset="0"/>
               </a:rPr>
-              <a:t>(</a:t>
-            </a:r>
-            <a:r>
-              <a:rPr kumimoji="0" lang="ru-RU" altLang="ru-RU" sz="1200" b="1" i="0" u="none" strike="noStrike" cap="none" normalizeH="0" baseline="0" dirty="0" err="1" smtClean="0">
+              <a:t>int</a:t>
+            </a:r>
+            <a:r>
+              <a:rPr kumimoji="0" lang="ru-RU" altLang="ru-RU" sz="1200" b="1" i="0" u="none" strike="noStrike" cap="none" normalizeH="0" baseline="0" dirty="0">
                 <a:ln>
                   <a:noFill/>
                 </a:ln>
@@ -18622,24 +18360,24 @@
                 <a:latin typeface="Courier New" panose="02070309020205020404" pitchFamily="49" charset="0"/>
                 <a:cs typeface="Courier New" panose="02070309020205020404" pitchFamily="49" charset="0"/>
               </a:rPr>
-              <a:t>int</a:t>
-            </a:r>
-            <a:r>
-              <a:rPr kumimoji="0" lang="ru-RU" altLang="ru-RU" sz="1200" b="1" i="0" u="none" strike="noStrike" cap="none" normalizeH="0" baseline="0" dirty="0" smtClean="0">
+              <a:t> </a:t>
+            </a:r>
+            <a:r>
+              <a:rPr kumimoji="0" lang="ru-RU" altLang="ru-RU" sz="1200" b="0" i="0" u="none" strike="noStrike" cap="none" normalizeH="0" baseline="0" dirty="0" err="1">
                 <a:ln>
                   <a:noFill/>
                 </a:ln>
                 <a:solidFill>
-                  <a:srgbClr val="000080"/>
+                  <a:srgbClr val="000000"/>
                 </a:solidFill>
                 <a:effectLst/>
                 <a:latin typeface="Courier New" panose="02070309020205020404" pitchFamily="49" charset="0"/>
                 <a:cs typeface="Courier New" panose="02070309020205020404" pitchFamily="49" charset="0"/>
               </a:rPr>
-              <a:t> </a:t>
-            </a:r>
-            <a:r>
-              <a:rPr kumimoji="0" lang="ru-RU" altLang="ru-RU" sz="1200" b="0" i="0" u="none" strike="noStrike" cap="none" normalizeH="0" baseline="0" dirty="0" err="1" smtClean="0">
+              <a:t>score</a:t>
+            </a:r>
+            <a:r>
+              <a:rPr kumimoji="0" lang="ru-RU" altLang="ru-RU" sz="1200" b="0" i="0" u="none" strike="noStrike" cap="none" normalizeH="0" baseline="0" dirty="0">
                 <a:ln>
                   <a:noFill/>
                 </a:ln>
@@ -18650,10 +18388,10 @@
                 <a:latin typeface="Courier New" panose="02070309020205020404" pitchFamily="49" charset="0"/>
                 <a:cs typeface="Courier New" panose="02070309020205020404" pitchFamily="49" charset="0"/>
               </a:rPr>
-              <a:t>score</a:t>
-            </a:r>
-            <a:r>
-              <a:rPr kumimoji="0" lang="ru-RU" altLang="ru-RU" sz="1200" b="0" i="0" u="none" strike="noStrike" cap="none" normalizeH="0" baseline="0" dirty="0" smtClean="0">
+              <a:t> : </a:t>
+            </a:r>
+            <a:r>
+              <a:rPr kumimoji="0" lang="ru-RU" altLang="ru-RU" sz="1200" b="0" i="0" u="none" strike="noStrike" cap="none" normalizeH="0" baseline="0" dirty="0" err="1">
                 <a:ln>
                   <a:noFill/>
                 </a:ln>
@@ -18664,10 +18402,10 @@
                 <a:latin typeface="Courier New" panose="02070309020205020404" pitchFamily="49" charset="0"/>
                 <a:cs typeface="Courier New" panose="02070309020205020404" pitchFamily="49" charset="0"/>
               </a:rPr>
-              <a:t> : </a:t>
-            </a:r>
-            <a:r>
-              <a:rPr kumimoji="0" lang="ru-RU" altLang="ru-RU" sz="1200" b="0" i="0" u="none" strike="noStrike" cap="none" normalizeH="0" baseline="0" dirty="0" err="1" smtClean="0">
+              <a:t>scores</a:t>
+            </a:r>
+            <a:r>
+              <a:rPr kumimoji="0" lang="ru-RU" altLang="ru-RU" sz="1200" b="0" i="0" u="none" strike="noStrike" cap="none" normalizeH="0" baseline="0" dirty="0">
                 <a:ln>
                   <a:noFill/>
                 </a:ln>
@@ -18678,10 +18416,10 @@
                 <a:latin typeface="Courier New" panose="02070309020205020404" pitchFamily="49" charset="0"/>
                 <a:cs typeface="Courier New" panose="02070309020205020404" pitchFamily="49" charset="0"/>
               </a:rPr>
-              <a:t>scores</a:t>
-            </a:r>
-            <a:r>
-              <a:rPr kumimoji="0" lang="ru-RU" altLang="ru-RU" sz="1200" b="0" i="0" u="none" strike="noStrike" cap="none" normalizeH="0" baseline="0" dirty="0" smtClean="0">
+              <a:t>) {</a:t>
+            </a:r>
+            <a:br>
+              <a:rPr kumimoji="0" lang="ru-RU" altLang="ru-RU" sz="1200" b="0" i="0" u="none" strike="noStrike" cap="none" normalizeH="0" baseline="0" dirty="0">
                 <a:ln>
                   <a:noFill/>
                 </a:ln>
@@ -18692,10 +18430,9 @@
                 <a:latin typeface="Courier New" panose="02070309020205020404" pitchFamily="49" charset="0"/>
                 <a:cs typeface="Courier New" panose="02070309020205020404" pitchFamily="49" charset="0"/>
               </a:rPr>
-              <a:t>) {</a:t>
-            </a:r>
-            <a:br>
-              <a:rPr kumimoji="0" lang="ru-RU" altLang="ru-RU" sz="1200" b="0" i="0" u="none" strike="noStrike" cap="none" normalizeH="0" baseline="0" dirty="0" smtClean="0">
+            </a:br>
+            <a:r>
+              <a:rPr kumimoji="0" lang="ru-RU" altLang="ru-RU" sz="1200" b="0" i="0" u="none" strike="noStrike" cap="none" normalizeH="0" baseline="0" dirty="0">
                 <a:ln>
                   <a:noFill/>
                 </a:ln>
@@ -18706,9 +18443,10 @@
                 <a:latin typeface="Courier New" panose="02070309020205020404" pitchFamily="49" charset="0"/>
                 <a:cs typeface="Courier New" panose="02070309020205020404" pitchFamily="49" charset="0"/>
               </a:rPr>
-            </a:br>
-            <a:r>
-              <a:rPr kumimoji="0" lang="ru-RU" altLang="ru-RU" sz="1200" b="0" i="0" u="none" strike="noStrike" cap="none" normalizeH="0" baseline="0" dirty="0" smtClean="0">
+              <a:t>        </a:t>
+            </a:r>
+            <a:r>
+              <a:rPr kumimoji="0" lang="ru-RU" altLang="ru-RU" sz="1200" b="0" i="0" u="none" strike="noStrike" cap="none" normalizeH="0" baseline="0" dirty="0" err="1">
                 <a:ln>
                   <a:noFill/>
                 </a:ln>
@@ -18719,10 +18457,10 @@
                 <a:latin typeface="Courier New" panose="02070309020205020404" pitchFamily="49" charset="0"/>
                 <a:cs typeface="Courier New" panose="02070309020205020404" pitchFamily="49" charset="0"/>
               </a:rPr>
-              <a:t>        </a:t>
-            </a:r>
-            <a:r>
-              <a:rPr kumimoji="0" lang="ru-RU" altLang="ru-RU" sz="1200" b="0" i="0" u="none" strike="noStrike" cap="none" normalizeH="0" baseline="0" dirty="0" err="1" smtClean="0">
+              <a:t>sum</a:t>
+            </a:r>
+            <a:r>
+              <a:rPr kumimoji="0" lang="ru-RU" altLang="ru-RU" sz="1200" b="0" i="0" u="none" strike="noStrike" cap="none" normalizeH="0" baseline="0" dirty="0">
                 <a:ln>
                   <a:noFill/>
                 </a:ln>
@@ -18733,10 +18471,10 @@
                 <a:latin typeface="Courier New" panose="02070309020205020404" pitchFamily="49" charset="0"/>
                 <a:cs typeface="Courier New" panose="02070309020205020404" pitchFamily="49" charset="0"/>
               </a:rPr>
-              <a:t>sum</a:t>
-            </a:r>
-            <a:r>
-              <a:rPr kumimoji="0" lang="ru-RU" altLang="ru-RU" sz="1200" b="0" i="0" u="none" strike="noStrike" cap="none" normalizeH="0" baseline="0" dirty="0" smtClean="0">
+              <a:t> += </a:t>
+            </a:r>
+            <a:r>
+              <a:rPr kumimoji="0" lang="ru-RU" altLang="ru-RU" sz="1200" b="0" i="0" u="none" strike="noStrike" cap="none" normalizeH="0" baseline="0" dirty="0" err="1">
                 <a:ln>
                   <a:noFill/>
                 </a:ln>
@@ -18747,10 +18485,10 @@
                 <a:latin typeface="Courier New" panose="02070309020205020404" pitchFamily="49" charset="0"/>
                 <a:cs typeface="Courier New" panose="02070309020205020404" pitchFamily="49" charset="0"/>
               </a:rPr>
-              <a:t> += </a:t>
-            </a:r>
-            <a:r>
-              <a:rPr kumimoji="0" lang="ru-RU" altLang="ru-RU" sz="1200" b="0" i="0" u="none" strike="noStrike" cap="none" normalizeH="0" baseline="0" dirty="0" err="1" smtClean="0">
+              <a:t>score</a:t>
+            </a:r>
+            <a:r>
+              <a:rPr kumimoji="0" lang="ru-RU" altLang="ru-RU" sz="1200" b="0" i="0" u="none" strike="noStrike" cap="none" normalizeH="0" baseline="0" dirty="0">
                 <a:ln>
                   <a:noFill/>
                 </a:ln>
@@ -18761,10 +18499,10 @@
                 <a:latin typeface="Courier New" panose="02070309020205020404" pitchFamily="49" charset="0"/>
                 <a:cs typeface="Courier New" panose="02070309020205020404" pitchFamily="49" charset="0"/>
               </a:rPr>
-              <a:t>score</a:t>
-            </a:r>
-            <a:r>
-              <a:rPr kumimoji="0" lang="ru-RU" altLang="ru-RU" sz="1200" b="0" i="0" u="none" strike="noStrike" cap="none" normalizeH="0" baseline="0" dirty="0" smtClean="0">
+              <a:t>;</a:t>
+            </a:r>
+            <a:br>
+              <a:rPr kumimoji="0" lang="ru-RU" altLang="ru-RU" sz="1200" b="0" i="0" u="none" strike="noStrike" cap="none" normalizeH="0" baseline="0" dirty="0">
                 <a:ln>
                   <a:noFill/>
                 </a:ln>
@@ -18775,10 +18513,9 @@
                 <a:latin typeface="Courier New" panose="02070309020205020404" pitchFamily="49" charset="0"/>
                 <a:cs typeface="Courier New" panose="02070309020205020404" pitchFamily="49" charset="0"/>
               </a:rPr>
-              <a:t>;</a:t>
-            </a:r>
-            <a:br>
-              <a:rPr kumimoji="0" lang="ru-RU" altLang="ru-RU" sz="1200" b="0" i="0" u="none" strike="noStrike" cap="none" normalizeH="0" baseline="0" dirty="0" smtClean="0">
+            </a:br>
+            <a:r>
+              <a:rPr kumimoji="0" lang="ru-RU" altLang="ru-RU" sz="1200" b="0" i="0" u="none" strike="noStrike" cap="none" normalizeH="0" baseline="0" dirty="0">
                 <a:ln>
                   <a:noFill/>
                 </a:ln>
@@ -18789,9 +18526,10 @@
                 <a:latin typeface="Courier New" panose="02070309020205020404" pitchFamily="49" charset="0"/>
                 <a:cs typeface="Courier New" panose="02070309020205020404" pitchFamily="49" charset="0"/>
               </a:rPr>
-            </a:br>
-            <a:r>
-              <a:rPr kumimoji="0" lang="ru-RU" altLang="ru-RU" sz="1200" b="0" i="0" u="none" strike="noStrike" cap="none" normalizeH="0" baseline="0" dirty="0" smtClean="0">
+              <a:t>    }</a:t>
+            </a:r>
+            <a:br>
+              <a:rPr kumimoji="0" lang="ru-RU" altLang="ru-RU" sz="1200" b="0" i="0" u="none" strike="noStrike" cap="none" normalizeH="0" baseline="0" dirty="0">
                 <a:ln>
                   <a:noFill/>
                 </a:ln>
@@ -18802,10 +18540,9 @@
                 <a:latin typeface="Courier New" panose="02070309020205020404" pitchFamily="49" charset="0"/>
                 <a:cs typeface="Courier New" panose="02070309020205020404" pitchFamily="49" charset="0"/>
               </a:rPr>
-              <a:t>    }</a:t>
-            </a:r>
+            </a:br>
             <a:br>
-              <a:rPr kumimoji="0" lang="ru-RU" altLang="ru-RU" sz="1200" b="0" i="0" u="none" strike="noStrike" cap="none" normalizeH="0" baseline="0" dirty="0" smtClean="0">
+              <a:rPr kumimoji="0" lang="ru-RU" altLang="ru-RU" sz="1200" b="0" i="0" u="none" strike="noStrike" cap="none" normalizeH="0" baseline="0" dirty="0">
                 <a:ln>
                   <a:noFill/>
                 </a:ln>
@@ -18818,7 +18555,7 @@
               </a:rPr>
             </a:br>
             <a:r>
-              <a:rPr kumimoji="0" lang="ru-RU" altLang="ru-RU" sz="1200" b="0" i="0" u="none" strike="noStrike" cap="none" normalizeH="0" baseline="0" dirty="0" smtClean="0">
+              <a:rPr kumimoji="0" lang="ru-RU" altLang="ru-RU" sz="1200" b="0" i="0" u="none" strike="noStrike" cap="none" normalizeH="0" baseline="0" dirty="0">
                 <a:ln>
                   <a:noFill/>
                 </a:ln>
@@ -18829,65 +18566,66 @@
                 <a:latin typeface="Courier New" panose="02070309020205020404" pitchFamily="49" charset="0"/>
                 <a:cs typeface="Courier New" panose="02070309020205020404" pitchFamily="49" charset="0"/>
               </a:rPr>
-              <a:t/>
-            </a:r>
-            <a:br>
-              <a:rPr kumimoji="0" lang="ru-RU" altLang="ru-RU" sz="1200" b="0" i="0" u="none" strike="noStrike" cap="none" normalizeH="0" baseline="0" dirty="0" smtClean="0">
+              <a:t>    </a:t>
+            </a:r>
+            <a:r>
+              <a:rPr kumimoji="0" lang="ru-RU" altLang="ru-RU" sz="1200" b="1" i="0" u="none" strike="noStrike" cap="none" normalizeH="0" baseline="0" dirty="0" err="1">
                 <a:ln>
                   <a:noFill/>
                 </a:ln>
                 <a:solidFill>
-                  <a:srgbClr val="000000"/>
+                  <a:srgbClr val="000080"/>
                 </a:solidFill>
                 <a:effectLst/>
                 <a:latin typeface="Courier New" panose="02070309020205020404" pitchFamily="49" charset="0"/>
                 <a:cs typeface="Courier New" panose="02070309020205020404" pitchFamily="49" charset="0"/>
               </a:rPr>
-            </a:br>
-            <a:r>
-              <a:rPr kumimoji="0" lang="ru-RU" altLang="ru-RU" sz="1200" b="0" i="0" u="none" strike="noStrike" cap="none" normalizeH="0" baseline="0" dirty="0" smtClean="0">
+              <a:t>return</a:t>
+            </a:r>
+            <a:r>
+              <a:rPr kumimoji="0" lang="ru-RU" altLang="ru-RU" sz="1200" b="1" i="0" u="none" strike="noStrike" cap="none" normalizeH="0" baseline="0" dirty="0">
                 <a:ln>
                   <a:noFill/>
                 </a:ln>
                 <a:solidFill>
-                  <a:srgbClr val="000000"/>
+                  <a:srgbClr val="000080"/>
                 </a:solidFill>
                 <a:effectLst/>
                 <a:latin typeface="Courier New" panose="02070309020205020404" pitchFamily="49" charset="0"/>
                 <a:cs typeface="Courier New" panose="02070309020205020404" pitchFamily="49" charset="0"/>
               </a:rPr>
-              <a:t>    </a:t>
-            </a:r>
-            <a:r>
-              <a:rPr kumimoji="0" lang="ru-RU" altLang="ru-RU" sz="1200" b="1" i="0" u="none" strike="noStrike" cap="none" normalizeH="0" baseline="0" dirty="0" err="1" smtClean="0">
+              <a:t> </a:t>
+            </a:r>
+            <a:r>
+              <a:rPr kumimoji="0" lang="ru-RU" altLang="ru-RU" sz="1200" b="0" i="0" u="none" strike="noStrike" cap="none" normalizeH="0" baseline="0" dirty="0" err="1">
                 <a:ln>
                   <a:noFill/>
                 </a:ln>
                 <a:solidFill>
-                  <a:srgbClr val="000080"/>
+                  <a:srgbClr val="000000"/>
                 </a:solidFill>
                 <a:effectLst/>
                 <a:latin typeface="Courier New" panose="02070309020205020404" pitchFamily="49" charset="0"/>
                 <a:cs typeface="Courier New" panose="02070309020205020404" pitchFamily="49" charset="0"/>
               </a:rPr>
-              <a:t>return</a:t>
-            </a:r>
-            <a:r>
-              <a:rPr kumimoji="0" lang="ru-RU" altLang="ru-RU" sz="1200" b="1" i="0" u="none" strike="noStrike" cap="none" normalizeH="0" baseline="0" dirty="0" smtClean="0">
+              <a:t>Optional.</a:t>
+            </a:r>
+            <a:r>
+              <a:rPr kumimoji="0" lang="ru-RU" altLang="ru-RU" sz="1200" b="0" i="1" u="none" strike="noStrike" cap="none" normalizeH="0" baseline="0" dirty="0" err="1">
                 <a:ln>
                   <a:noFill/>
                 </a:ln>
                 <a:solidFill>
-                  <a:srgbClr val="000080"/>
+                  <a:srgbClr val="000000"/>
                 </a:solidFill>
                 <a:effectLst/>
                 <a:latin typeface="Courier New" panose="02070309020205020404" pitchFamily="49" charset="0"/>
                 <a:cs typeface="Courier New" panose="02070309020205020404" pitchFamily="49" charset="0"/>
               </a:rPr>
-              <a:t> </a:t>
-            </a:r>
-            <a:r>
-              <a:rPr kumimoji="0" lang="ru-RU" altLang="ru-RU" sz="1200" b="0" i="0" u="none" strike="noStrike" cap="none" normalizeH="0" baseline="0" dirty="0" err="1" smtClean="0">
+              <a:t>of</a:t>
+            </a:r>
+            <a:r>
+              <a:rPr kumimoji="0" lang="ru-RU" altLang="ru-RU" sz="1200" b="0" i="0" u="none" strike="noStrike" cap="none" normalizeH="0" baseline="0" dirty="0">
                 <a:ln>
                   <a:noFill/>
                 </a:ln>
@@ -18898,24 +18636,24 @@
                 <a:latin typeface="Courier New" panose="02070309020205020404" pitchFamily="49" charset="0"/>
                 <a:cs typeface="Courier New" panose="02070309020205020404" pitchFamily="49" charset="0"/>
               </a:rPr>
-              <a:t>Optional.</a:t>
-            </a:r>
-            <a:r>
-              <a:rPr kumimoji="0" lang="ru-RU" altLang="ru-RU" sz="1200" b="0" i="1" u="none" strike="noStrike" cap="none" normalizeH="0" baseline="0" dirty="0" err="1" smtClean="0">
+              <a:t>((</a:t>
+            </a:r>
+            <a:r>
+              <a:rPr kumimoji="0" lang="ru-RU" altLang="ru-RU" sz="1200" b="1" i="0" u="none" strike="noStrike" cap="none" normalizeH="0" baseline="0" dirty="0" err="1">
                 <a:ln>
                   <a:noFill/>
                 </a:ln>
                 <a:solidFill>
-                  <a:srgbClr val="000000"/>
+                  <a:srgbClr val="000080"/>
                 </a:solidFill>
                 <a:effectLst/>
                 <a:latin typeface="Courier New" panose="02070309020205020404" pitchFamily="49" charset="0"/>
                 <a:cs typeface="Courier New" panose="02070309020205020404" pitchFamily="49" charset="0"/>
               </a:rPr>
-              <a:t>of</a:t>
-            </a:r>
-            <a:r>
-              <a:rPr kumimoji="0" lang="ru-RU" altLang="ru-RU" sz="1200" b="0" i="0" u="none" strike="noStrike" cap="none" normalizeH="0" baseline="0" dirty="0" smtClean="0">
+              <a:t>double</a:t>
+            </a:r>
+            <a:r>
+              <a:rPr kumimoji="0" lang="ru-RU" altLang="ru-RU" sz="1200" b="0" i="0" u="none" strike="noStrike" cap="none" normalizeH="0" baseline="0" dirty="0">
                 <a:ln>
                   <a:noFill/>
                 </a:ln>
@@ -18926,24 +18664,24 @@
                 <a:latin typeface="Courier New" panose="02070309020205020404" pitchFamily="49" charset="0"/>
                 <a:cs typeface="Courier New" panose="02070309020205020404" pitchFamily="49" charset="0"/>
               </a:rPr>
-              <a:t>((</a:t>
-            </a:r>
-            <a:r>
-              <a:rPr kumimoji="0" lang="ru-RU" altLang="ru-RU" sz="1200" b="1" i="0" u="none" strike="noStrike" cap="none" normalizeH="0" baseline="0" dirty="0" err="1" smtClean="0">
+              <a:t>) </a:t>
+            </a:r>
+            <a:r>
+              <a:rPr kumimoji="0" lang="ru-RU" altLang="ru-RU" sz="1200" b="0" i="0" u="none" strike="noStrike" cap="none" normalizeH="0" baseline="0" dirty="0" err="1">
                 <a:ln>
                   <a:noFill/>
                 </a:ln>
                 <a:solidFill>
-                  <a:srgbClr val="000080"/>
+                  <a:srgbClr val="000000"/>
                 </a:solidFill>
                 <a:effectLst/>
                 <a:latin typeface="Courier New" panose="02070309020205020404" pitchFamily="49" charset="0"/>
                 <a:cs typeface="Courier New" panose="02070309020205020404" pitchFamily="49" charset="0"/>
               </a:rPr>
-              <a:t>double</a:t>
-            </a:r>
-            <a:r>
-              <a:rPr kumimoji="0" lang="ru-RU" altLang="ru-RU" sz="1200" b="0" i="0" u="none" strike="noStrike" cap="none" normalizeH="0" baseline="0" dirty="0" smtClean="0">
+              <a:t>sum</a:t>
+            </a:r>
+            <a:r>
+              <a:rPr kumimoji="0" lang="ru-RU" altLang="ru-RU" sz="1200" b="0" i="0" u="none" strike="noStrike" cap="none" normalizeH="0" baseline="0" dirty="0">
                 <a:ln>
                   <a:noFill/>
                 </a:ln>
@@ -18954,10 +18692,10 @@
                 <a:latin typeface="Courier New" panose="02070309020205020404" pitchFamily="49" charset="0"/>
                 <a:cs typeface="Courier New" panose="02070309020205020404" pitchFamily="49" charset="0"/>
               </a:rPr>
-              <a:t>) </a:t>
-            </a:r>
-            <a:r>
-              <a:rPr kumimoji="0" lang="ru-RU" altLang="ru-RU" sz="1200" b="0" i="0" u="none" strike="noStrike" cap="none" normalizeH="0" baseline="0" dirty="0" err="1" smtClean="0">
+              <a:t> / </a:t>
+            </a:r>
+            <a:r>
+              <a:rPr kumimoji="0" lang="ru-RU" altLang="ru-RU" sz="1200" b="0" i="0" u="none" strike="noStrike" cap="none" normalizeH="0" baseline="0" dirty="0" err="1">
                 <a:ln>
                   <a:noFill/>
                 </a:ln>
@@ -18968,24 +18706,24 @@
                 <a:latin typeface="Courier New" panose="02070309020205020404" pitchFamily="49" charset="0"/>
                 <a:cs typeface="Courier New" panose="02070309020205020404" pitchFamily="49" charset="0"/>
               </a:rPr>
-              <a:t>sum</a:t>
-            </a:r>
-            <a:r>
-              <a:rPr kumimoji="0" lang="ru-RU" altLang="ru-RU" sz="1200" b="0" i="0" u="none" strike="noStrike" cap="none" normalizeH="0" baseline="0" dirty="0" smtClean="0">
+              <a:t>scores.</a:t>
+            </a:r>
+            <a:r>
+              <a:rPr kumimoji="0" lang="ru-RU" altLang="ru-RU" sz="1200" b="1" i="0" u="none" strike="noStrike" cap="none" normalizeH="0" baseline="0" dirty="0" err="1">
                 <a:ln>
                   <a:noFill/>
                 </a:ln>
                 <a:solidFill>
-                  <a:srgbClr val="000000"/>
+                  <a:srgbClr val="660E7A"/>
                 </a:solidFill>
                 <a:effectLst/>
                 <a:latin typeface="Courier New" panose="02070309020205020404" pitchFamily="49" charset="0"/>
                 <a:cs typeface="Courier New" panose="02070309020205020404" pitchFamily="49" charset="0"/>
               </a:rPr>
-              <a:t> / </a:t>
-            </a:r>
-            <a:r>
-              <a:rPr kumimoji="0" lang="ru-RU" altLang="ru-RU" sz="1200" b="0" i="0" u="none" strike="noStrike" cap="none" normalizeH="0" baseline="0" dirty="0" err="1" smtClean="0">
+              <a:t>length</a:t>
+            </a:r>
+            <a:r>
+              <a:rPr kumimoji="0" lang="ru-RU" altLang="ru-RU" sz="1200" b="0" i="0" u="none" strike="noStrike" cap="none" normalizeH="0" baseline="0" dirty="0">
                 <a:ln>
                   <a:noFill/>
                 </a:ln>
@@ -18996,24 +18734,23 @@
                 <a:latin typeface="Courier New" panose="02070309020205020404" pitchFamily="49" charset="0"/>
                 <a:cs typeface="Courier New" panose="02070309020205020404" pitchFamily="49" charset="0"/>
               </a:rPr>
-              <a:t>scores.</a:t>
-            </a:r>
-            <a:r>
-              <a:rPr kumimoji="0" lang="ru-RU" altLang="ru-RU" sz="1200" b="1" i="0" u="none" strike="noStrike" cap="none" normalizeH="0" baseline="0" dirty="0" err="1" smtClean="0">
+              <a:t>);</a:t>
+            </a:r>
+            <a:br>
+              <a:rPr kumimoji="0" lang="ru-RU" altLang="ru-RU" sz="1200" b="0" i="0" u="none" strike="noStrike" cap="none" normalizeH="0" baseline="0" dirty="0">
                 <a:ln>
                   <a:noFill/>
                 </a:ln>
                 <a:solidFill>
-                  <a:srgbClr val="660E7A"/>
+                  <a:srgbClr val="000000"/>
                 </a:solidFill>
                 <a:effectLst/>
                 <a:latin typeface="Courier New" panose="02070309020205020404" pitchFamily="49" charset="0"/>
                 <a:cs typeface="Courier New" panose="02070309020205020404" pitchFamily="49" charset="0"/>
               </a:rPr>
-              <a:t>length</a:t>
-            </a:r>
-            <a:r>
-              <a:rPr kumimoji="0" lang="ru-RU" altLang="ru-RU" sz="1200" b="0" i="0" u="none" strike="noStrike" cap="none" normalizeH="0" baseline="0" dirty="0" smtClean="0">
+            </a:br>
+            <a:r>
+              <a:rPr kumimoji="0" lang="ru-RU" altLang="ru-RU" sz="1200" b="0" i="0" u="none" strike="noStrike" cap="none" normalizeH="0" baseline="0" dirty="0">
                 <a:ln>
                   <a:noFill/>
                 </a:ln>
@@ -19024,36 +18761,9 @@
                 <a:latin typeface="Courier New" panose="02070309020205020404" pitchFamily="49" charset="0"/>
                 <a:cs typeface="Courier New" panose="02070309020205020404" pitchFamily="49" charset="0"/>
               </a:rPr>
-              <a:t>);</a:t>
-            </a:r>
-            <a:br>
-              <a:rPr kumimoji="0" lang="ru-RU" altLang="ru-RU" sz="1200" b="0" i="0" u="none" strike="noStrike" cap="none" normalizeH="0" baseline="0" dirty="0" smtClean="0">
-                <a:ln>
-                  <a:noFill/>
-                </a:ln>
-                <a:solidFill>
-                  <a:srgbClr val="000000"/>
-                </a:solidFill>
-                <a:effectLst/>
-                <a:latin typeface="Courier New" panose="02070309020205020404" pitchFamily="49" charset="0"/>
-                <a:cs typeface="Courier New" panose="02070309020205020404" pitchFamily="49" charset="0"/>
-              </a:rPr>
-            </a:br>
-            <a:r>
-              <a:rPr kumimoji="0" lang="ru-RU" altLang="ru-RU" sz="1200" b="0" i="0" u="none" strike="noStrike" cap="none" normalizeH="0" baseline="0" dirty="0" smtClean="0">
-                <a:ln>
-                  <a:noFill/>
-                </a:ln>
-                <a:solidFill>
-                  <a:srgbClr val="000000"/>
-                </a:solidFill>
-                <a:effectLst/>
-                <a:latin typeface="Courier New" panose="02070309020205020404" pitchFamily="49" charset="0"/>
-                <a:cs typeface="Courier New" panose="02070309020205020404" pitchFamily="49" charset="0"/>
-              </a:rPr>
               <a:t>}</a:t>
             </a:r>
-            <a:endParaRPr kumimoji="0" lang="ru-RU" altLang="ru-RU" b="0" i="0" u="none" strike="noStrike" cap="none" normalizeH="0" baseline="0" dirty="0" smtClean="0">
+            <a:endParaRPr kumimoji="0" lang="ru-RU" altLang="ru-RU" b="0" i="0" u="none" strike="noStrike" cap="none" normalizeH="0" baseline="0" dirty="0">
               <a:ln>
                 <a:noFill/>
               </a:ln>
@@ -19199,7 +18909,7 @@
               <a:t>average</a:t>
             </a:r>
             <a:r>
-              <a:rPr lang="uk-UA" altLang="uk-UA" sz="1200" dirty="0" smtClean="0">
+              <a:rPr lang="uk-UA" altLang="uk-UA" sz="1200" dirty="0">
                 <a:solidFill>
                   <a:srgbClr val="000000"/>
                 </a:solidFill>
@@ -19208,7 +18918,7 @@
               </a:rPr>
               <a:t>();</a:t>
             </a:r>
-            <a:endParaRPr lang="en-US" altLang="uk-UA" sz="1200" dirty="0" smtClean="0">
+            <a:endParaRPr lang="en-US" altLang="uk-UA" sz="1200" dirty="0">
               <a:solidFill>
                 <a:srgbClr val="000000"/>
               </a:solidFill>
@@ -19225,7 +18935,7 @@
                 <a:spcPct val="0"/>
               </a:spcAft>
             </a:pPr>
-            <a:endParaRPr lang="en-US" altLang="uk-UA" sz="1200" i="1" dirty="0" smtClean="0">
+            <a:endParaRPr lang="en-US" altLang="uk-UA" sz="1200" i="1" dirty="0">
               <a:solidFill>
                 <a:srgbClr val="000000"/>
               </a:solidFill>
@@ -19243,7 +18953,7 @@
               </a:spcAft>
             </a:pPr>
             <a:r>
-              <a:rPr lang="uk-UA" altLang="uk-UA" sz="1200" i="1" dirty="0" err="1" smtClean="0">
+              <a:rPr lang="uk-UA" altLang="uk-UA" sz="1200" i="1" dirty="0" err="1">
                 <a:solidFill>
                   <a:srgbClr val="000000"/>
                 </a:solidFill>
@@ -19253,7 +18963,7 @@
               <a:t>print</a:t>
             </a:r>
             <a:r>
-              <a:rPr lang="uk-UA" altLang="uk-UA" sz="1200" dirty="0" smtClean="0">
+              <a:rPr lang="uk-UA" altLang="uk-UA" sz="1200" dirty="0">
                 <a:solidFill>
                   <a:srgbClr val="000000"/>
                 </a:solidFill>
@@ -19263,7 +18973,7 @@
               <a:t>(</a:t>
             </a:r>
             <a:r>
-              <a:rPr lang="uk-UA" altLang="uk-UA" sz="1200" i="1" dirty="0" err="1" smtClean="0">
+              <a:rPr lang="uk-UA" altLang="uk-UA" sz="1200" i="1" dirty="0" err="1">
                 <a:solidFill>
                   <a:srgbClr val="000000"/>
                 </a:solidFill>
@@ -19273,7 +18983,7 @@
               <a:t>average</a:t>
             </a:r>
             <a:r>
-              <a:rPr lang="uk-UA" altLang="uk-UA" sz="1200" dirty="0" smtClean="0">
+              <a:rPr lang="uk-UA" altLang="uk-UA" sz="1200" dirty="0">
                 <a:solidFill>
                   <a:srgbClr val="000000"/>
                 </a:solidFill>
@@ -19301,16 +19011,6 @@
                 <a:cs typeface="Courier New" panose="02070309020205020404" pitchFamily="49" charset="0"/>
               </a:rPr>
               <a:t>Optional.empty</a:t>
-            </a:r>
-            <a:r>
-              <a:rPr lang="uk-UA" altLang="uk-UA" sz="1200" i="1" dirty="0">
-                <a:solidFill>
-                  <a:srgbClr val="808080"/>
-                </a:solidFill>
-                <a:latin typeface="Courier New" panose="02070309020205020404" pitchFamily="49" charset="0"/>
-                <a:cs typeface="Courier New" panose="02070309020205020404" pitchFamily="49" charset="0"/>
-              </a:rPr>
-              <a:t/>
             </a:r>
             <a:br>
               <a:rPr lang="uk-UA" altLang="uk-UA" sz="1200" i="1" dirty="0">
@@ -19321,16 +19021,6 @@
                 <a:cs typeface="Courier New" panose="02070309020205020404" pitchFamily="49" charset="0"/>
               </a:rPr>
             </a:br>
-            <a:r>
-              <a:rPr lang="uk-UA" altLang="uk-UA" sz="1200" i="1" dirty="0">
-                <a:solidFill>
-                  <a:srgbClr val="808080"/>
-                </a:solidFill>
-                <a:latin typeface="Courier New" panose="02070309020205020404" pitchFamily="49" charset="0"/>
-                <a:cs typeface="Courier New" panose="02070309020205020404" pitchFamily="49" charset="0"/>
-              </a:rPr>
-              <a:t/>
-            </a:r>
             <a:br>
               <a:rPr lang="uk-UA" altLang="uk-UA" sz="1200" i="1" dirty="0">
                 <a:solidFill>
@@ -19341,7 +19031,7 @@
               </a:rPr>
             </a:br>
             <a:r>
-              <a:rPr lang="uk-UA" altLang="uk-UA" sz="1200" i="1" dirty="0" err="1" smtClean="0">
+              <a:rPr lang="uk-UA" altLang="uk-UA" sz="1200" i="1" dirty="0" err="1">
                 <a:solidFill>
                   <a:srgbClr val="000000"/>
                 </a:solidFill>
@@ -19351,7 +19041,7 @@
               <a:t>print</a:t>
             </a:r>
             <a:r>
-              <a:rPr lang="uk-UA" altLang="uk-UA" sz="1200" dirty="0" smtClean="0">
+              <a:rPr lang="uk-UA" altLang="uk-UA" sz="1200" dirty="0">
                 <a:solidFill>
                   <a:srgbClr val="000000"/>
                 </a:solidFill>
@@ -19361,7 +19051,7 @@
               <a:t>(</a:t>
             </a:r>
             <a:r>
-              <a:rPr lang="uk-UA" altLang="uk-UA" sz="1200" i="1" dirty="0" err="1" smtClean="0">
+              <a:rPr lang="uk-UA" altLang="uk-UA" sz="1200" i="1" dirty="0" err="1">
                 <a:solidFill>
                   <a:srgbClr val="000000"/>
                 </a:solidFill>
@@ -19371,7 +19061,7 @@
               <a:t>average</a:t>
             </a:r>
             <a:r>
-              <a:rPr lang="uk-UA" altLang="uk-UA" sz="1200" dirty="0" err="1" smtClean="0">
+              <a:rPr lang="uk-UA" altLang="uk-UA" sz="1200" dirty="0" err="1">
                 <a:solidFill>
                   <a:srgbClr val="000000"/>
                 </a:solidFill>
@@ -19429,16 +19119,6 @@
                 <a:cs typeface="Courier New" panose="02070309020205020404" pitchFamily="49" charset="0"/>
               </a:rPr>
               <a:t>NoSuchElementException</a:t>
-            </a:r>
-            <a:r>
-              <a:rPr lang="uk-UA" altLang="uk-UA" sz="1200" i="1" dirty="0">
-                <a:solidFill>
-                  <a:srgbClr val="808080"/>
-                </a:solidFill>
-                <a:latin typeface="Courier New" panose="02070309020205020404" pitchFamily="49" charset="0"/>
-                <a:cs typeface="Courier New" panose="02070309020205020404" pitchFamily="49" charset="0"/>
-              </a:rPr>
-              <a:t/>
             </a:r>
             <a:br>
               <a:rPr lang="uk-UA" altLang="uk-UA" sz="1200" i="1" dirty="0">
@@ -19449,7 +19129,7 @@
                 <a:cs typeface="Courier New" panose="02070309020205020404" pitchFamily="49" charset="0"/>
               </a:rPr>
             </a:br>
-            <a:endParaRPr lang="en-US" altLang="uk-UA" sz="1200" i="1" dirty="0" smtClean="0">
+            <a:endParaRPr lang="en-US" altLang="uk-UA" sz="1200" i="1" dirty="0">
               <a:solidFill>
                 <a:srgbClr val="808080"/>
               </a:solidFill>
@@ -19467,7 +19147,7 @@
               </a:spcAft>
             </a:pPr>
             <a:r>
-              <a:rPr lang="uk-UA" altLang="uk-UA" sz="1200" i="1" dirty="0" err="1" smtClean="0">
+              <a:rPr lang="uk-UA" altLang="uk-UA" sz="1200" i="1" dirty="0" err="1">
                 <a:solidFill>
                   <a:srgbClr val="000000"/>
                 </a:solidFill>
@@ -19477,7 +19157,7 @@
               <a:t>print</a:t>
             </a:r>
             <a:r>
-              <a:rPr lang="uk-UA" altLang="uk-UA" sz="1200" dirty="0" smtClean="0">
+              <a:rPr lang="uk-UA" altLang="uk-UA" sz="1200" dirty="0">
                 <a:solidFill>
                   <a:srgbClr val="000000"/>
                 </a:solidFill>
@@ -19487,7 +19167,7 @@
               <a:t>(</a:t>
             </a:r>
             <a:r>
-              <a:rPr lang="uk-UA" altLang="uk-UA" sz="1200" i="1" dirty="0" err="1" smtClean="0">
+              <a:rPr lang="uk-UA" altLang="uk-UA" sz="1200" i="1" dirty="0" err="1">
                 <a:solidFill>
                   <a:srgbClr val="000000"/>
                 </a:solidFill>
@@ -19497,7 +19177,7 @@
               <a:t>average</a:t>
             </a:r>
             <a:r>
-              <a:rPr lang="uk-UA" altLang="uk-UA" sz="1200" dirty="0" err="1" smtClean="0">
+              <a:rPr lang="uk-UA" altLang="uk-UA" sz="1200" dirty="0" err="1">
                 <a:solidFill>
                   <a:srgbClr val="000000"/>
                 </a:solidFill>
@@ -19507,7 +19187,7 @@
               <a:t>.orElse</a:t>
             </a:r>
             <a:r>
-              <a:rPr lang="uk-UA" altLang="uk-UA" sz="1200" dirty="0" smtClean="0">
+              <a:rPr lang="uk-UA" altLang="uk-UA" sz="1200" dirty="0">
                 <a:solidFill>
                   <a:srgbClr val="000000"/>
                 </a:solidFill>
@@ -19517,7 +19197,7 @@
               <a:t>(</a:t>
             </a:r>
             <a:r>
-              <a:rPr lang="uk-UA" altLang="uk-UA" sz="1200" b="1" dirty="0" err="1" smtClean="0">
+              <a:rPr lang="uk-UA" altLang="uk-UA" sz="1200" b="1" dirty="0" err="1">
                 <a:solidFill>
                   <a:srgbClr val="000080"/>
                 </a:solidFill>
@@ -19547,7 +19227,7 @@
               <a:t>// </a:t>
             </a:r>
             <a:r>
-              <a:rPr lang="uk-UA" altLang="uk-UA" sz="1200" i="1" dirty="0" err="1" smtClean="0">
+              <a:rPr lang="uk-UA" altLang="uk-UA" sz="1200" i="1" dirty="0" err="1">
                 <a:solidFill>
                   <a:srgbClr val="808080"/>
                 </a:solidFill>
@@ -19556,7 +19236,7 @@
               </a:rPr>
               <a:t>null</a:t>
             </a:r>
-            <a:endParaRPr lang="en-US" altLang="uk-UA" sz="1200" i="1" dirty="0" smtClean="0">
+            <a:endParaRPr lang="en-US" altLang="uk-UA" sz="1200" i="1" dirty="0">
               <a:solidFill>
                 <a:srgbClr val="808080"/>
               </a:solidFill>
@@ -19574,7 +19254,7 @@
               </a:spcAft>
             </a:pPr>
             <a:r>
-              <a:rPr lang="uk-UA" altLang="uk-UA" sz="1200" i="1" dirty="0" err="1" smtClean="0">
+              <a:rPr lang="uk-UA" altLang="uk-UA" sz="1200" i="1" dirty="0" err="1">
                 <a:solidFill>
                   <a:srgbClr val="000000"/>
                 </a:solidFill>
@@ -19584,7 +19264,7 @@
               <a:t>print</a:t>
             </a:r>
             <a:r>
-              <a:rPr lang="uk-UA" altLang="uk-UA" sz="1200" dirty="0" smtClean="0">
+              <a:rPr lang="uk-UA" altLang="uk-UA" sz="1200" dirty="0">
                 <a:solidFill>
                   <a:srgbClr val="000000"/>
                 </a:solidFill>
@@ -19594,7 +19274,7 @@
               <a:t>(</a:t>
             </a:r>
             <a:r>
-              <a:rPr lang="uk-UA" altLang="uk-UA" sz="1200" dirty="0" err="1" smtClean="0">
+              <a:rPr lang="uk-UA" altLang="uk-UA" sz="1200" dirty="0" err="1">
                 <a:solidFill>
                   <a:srgbClr val="000000"/>
                 </a:solidFill>
@@ -19672,16 +19352,6 @@
                 <a:cs typeface="Courier New" panose="02070309020205020404" pitchFamily="49" charset="0"/>
               </a:rPr>
               <a:t>null</a:t>
-            </a:r>
-            <a:r>
-              <a:rPr lang="uk-UA" altLang="uk-UA" sz="1200" i="1" dirty="0">
-                <a:solidFill>
-                  <a:srgbClr val="808080"/>
-                </a:solidFill>
-                <a:latin typeface="Courier New" panose="02070309020205020404" pitchFamily="49" charset="0"/>
-                <a:cs typeface="Courier New" panose="02070309020205020404" pitchFamily="49" charset="0"/>
-              </a:rPr>
-              <a:t/>
             </a:r>
             <a:br>
               <a:rPr lang="uk-UA" altLang="uk-UA" sz="1200" i="1" dirty="0">
@@ -19692,16 +19362,6 @@
                 <a:cs typeface="Courier New" panose="02070309020205020404" pitchFamily="49" charset="0"/>
               </a:rPr>
             </a:br>
-            <a:r>
-              <a:rPr lang="uk-UA" altLang="uk-UA" sz="1200" i="1" dirty="0">
-                <a:solidFill>
-                  <a:srgbClr val="808080"/>
-                </a:solidFill>
-                <a:latin typeface="Courier New" panose="02070309020205020404" pitchFamily="49" charset="0"/>
-                <a:cs typeface="Courier New" panose="02070309020205020404" pitchFamily="49" charset="0"/>
-              </a:rPr>
-              <a:t/>
-            </a:r>
             <a:br>
               <a:rPr lang="uk-UA" altLang="uk-UA" sz="1200" i="1" dirty="0">
                 <a:solidFill>
@@ -19949,16 +19609,6 @@
                 <a:cs typeface="Courier New" panose="02070309020205020404" pitchFamily="49" charset="0"/>
               </a:rPr>
             </a:br>
-            <a:r>
-              <a:rPr lang="uk-UA" altLang="uk-UA" sz="1200" i="1" dirty="0">
-                <a:solidFill>
-                  <a:srgbClr val="808080"/>
-                </a:solidFill>
-                <a:latin typeface="Courier New" panose="02070309020205020404" pitchFamily="49" charset="0"/>
-                <a:cs typeface="Courier New" panose="02070309020205020404" pitchFamily="49" charset="0"/>
-              </a:rPr>
-              <a:t/>
-            </a:r>
             <a:br>
               <a:rPr lang="uk-UA" altLang="uk-UA" sz="1200" i="1" dirty="0">
                 <a:solidFill>
@@ -19969,7 +19619,7 @@
               </a:rPr>
             </a:br>
             <a:r>
-              <a:rPr lang="uk-UA" altLang="uk-UA" sz="1200" i="1" dirty="0" err="1" smtClean="0">
+              <a:rPr lang="uk-UA" altLang="uk-UA" sz="1200" i="1" dirty="0" err="1">
                 <a:solidFill>
                   <a:srgbClr val="000000"/>
                 </a:solidFill>
@@ -20097,16 +19747,6 @@
                 <a:cs typeface="Courier New" panose="02070309020205020404" pitchFamily="49" charset="0"/>
               </a:rPr>
               <a:t>printed</a:t>
-            </a:r>
-            <a:r>
-              <a:rPr lang="uk-UA" altLang="uk-UA" sz="1200" i="1" dirty="0">
-                <a:solidFill>
-                  <a:srgbClr val="808080"/>
-                </a:solidFill>
-                <a:latin typeface="Courier New" panose="02070309020205020404" pitchFamily="49" charset="0"/>
-                <a:cs typeface="Courier New" panose="02070309020205020404" pitchFamily="49" charset="0"/>
-              </a:rPr>
-              <a:t/>
             </a:r>
             <a:br>
               <a:rPr lang="uk-UA" altLang="uk-UA" sz="1200" i="1" dirty="0">
@@ -20118,7 +19758,7 @@
               </a:rPr>
             </a:br>
             <a:r>
-              <a:rPr lang="uk-UA" altLang="uk-UA" sz="1200" i="1" dirty="0" err="1" smtClean="0">
+              <a:rPr lang="uk-UA" altLang="uk-UA" sz="1200" i="1" dirty="0" err="1">
                 <a:solidFill>
                   <a:srgbClr val="000000"/>
                 </a:solidFill>
@@ -20128,7 +19768,7 @@
               <a:t>average</a:t>
             </a:r>
             <a:r>
-              <a:rPr lang="uk-UA" altLang="uk-UA" sz="1200" dirty="0" smtClean="0">
+              <a:rPr lang="uk-UA" altLang="uk-UA" sz="1200" dirty="0">
                 <a:solidFill>
                   <a:srgbClr val="000000"/>
                 </a:solidFill>
@@ -20138,7 +19778,7 @@
               <a:t>(</a:t>
             </a:r>
             <a:r>
-              <a:rPr lang="uk-UA" altLang="uk-UA" sz="1200" dirty="0" smtClean="0">
+              <a:rPr lang="uk-UA" altLang="uk-UA" sz="1200" dirty="0">
                 <a:solidFill>
                   <a:srgbClr val="0000FF"/>
                 </a:solidFill>
@@ -20148,7 +19788,7 @@
               <a:t>1</a:t>
             </a:r>
             <a:r>
-              <a:rPr lang="uk-UA" altLang="uk-UA" sz="1200" dirty="0" smtClean="0">
+              <a:rPr lang="uk-UA" altLang="uk-UA" sz="1200" dirty="0">
                 <a:solidFill>
                   <a:srgbClr val="000000"/>
                 </a:solidFill>
@@ -20158,7 +19798,7 @@
               <a:t>,</a:t>
             </a:r>
             <a:r>
-              <a:rPr lang="uk-UA" altLang="uk-UA" sz="1200" dirty="0" smtClean="0">
+              <a:rPr lang="uk-UA" altLang="uk-UA" sz="1200" dirty="0">
                 <a:solidFill>
                   <a:srgbClr val="0000FF"/>
                 </a:solidFill>
@@ -20363,7 +20003,7 @@
               <a:buNone/>
               <a:tabLst/>
             </a:pPr>
-            <a:endParaRPr kumimoji="0" lang="ru-RU" altLang="ru-RU" sz="1800" b="0" i="0" u="none" strike="noStrike" cap="none" normalizeH="0" baseline="0" dirty="0" smtClean="0">
+            <a:endParaRPr kumimoji="0" lang="ru-RU" altLang="ru-RU" sz="1800" b="0" i="0" u="none" strike="noStrike" cap="none" normalizeH="0" baseline="0" dirty="0">
               <a:ln>
                 <a:noFill/>
               </a:ln>
@@ -20446,7 +20086,7 @@
               <a:buNone/>
               <a:tabLst/>
             </a:pPr>
-            <a:endParaRPr kumimoji="0" lang="ru-RU" altLang="ru-RU" sz="1800" b="0" i="0" u="none" strike="noStrike" cap="none" normalizeH="0" baseline="0" dirty="0" smtClean="0">
+            <a:endParaRPr kumimoji="0" lang="ru-RU" altLang="ru-RU" sz="1800" b="0" i="0" u="none" strike="noStrike" cap="none" normalizeH="0" baseline="0" dirty="0">
               <a:ln>
                 <a:noFill/>
               </a:ln>
@@ -20529,7 +20169,7 @@
               <a:buNone/>
               <a:tabLst/>
             </a:pPr>
-            <a:endParaRPr kumimoji="0" lang="uk-UA" altLang="uk-UA" sz="1800" b="0" i="0" u="none" strike="noStrike" cap="none" normalizeH="0" baseline="0" dirty="0" smtClean="0">
+            <a:endParaRPr kumimoji="0" lang="uk-UA" altLang="uk-UA" sz="1800" b="0" i="0" u="none" strike="noStrike" cap="none" normalizeH="0" baseline="0" dirty="0">
               <a:ln>
                 <a:noFill/>
               </a:ln>
@@ -21461,7 +21101,7 @@
               <a:t> = </a:t>
             </a:r>
             <a:r>
-              <a:rPr lang="en-US" altLang="uk-UA" sz="1600" dirty="0" err="1" smtClean="0">
+              <a:rPr lang="en-US" altLang="uk-UA" sz="1600" dirty="0" err="1">
                 <a:solidFill>
                   <a:srgbClr val="000000"/>
                 </a:solidFill>
@@ -21471,7 +21111,7 @@
               <a:t>Optional.ofNullable</a:t>
             </a:r>
             <a:r>
-              <a:rPr lang="en-US" altLang="uk-UA" sz="1600" dirty="0" smtClean="0">
+              <a:rPr lang="en-US" altLang="uk-UA" sz="1600" dirty="0">
                 <a:solidFill>
                   <a:srgbClr val="000000"/>
                 </a:solidFill>
@@ -21498,20 +21138,10 @@
                 <a:latin typeface="Courier New" panose="02070309020205020404" pitchFamily="49" charset="0"/>
                 <a:cs typeface="Courier New" panose="02070309020205020404" pitchFamily="49" charset="0"/>
               </a:rPr>
-              <a:t> </a:t>
-            </a:r>
-            <a:r>
-              <a:rPr lang="en-US" altLang="uk-UA" sz="1600" dirty="0" smtClean="0">
-                <a:solidFill>
-                  <a:srgbClr val="000000"/>
-                </a:solidFill>
-                <a:latin typeface="Courier New" panose="02070309020205020404" pitchFamily="49" charset="0"/>
-                <a:cs typeface="Courier New" panose="02070309020205020404" pitchFamily="49" charset="0"/>
-              </a:rPr>
-              <a:t>       </a:t>
-            </a:r>
-            <a:r>
-              <a:rPr lang="uk-UA" altLang="uk-UA" sz="1600" dirty="0" smtClean="0">
+              <a:t>        </a:t>
+            </a:r>
+            <a:r>
+              <a:rPr lang="uk-UA" altLang="uk-UA" sz="1600" dirty="0">
                 <a:solidFill>
                   <a:srgbClr val="000000"/>
                 </a:solidFill>
@@ -21521,7 +21151,7 @@
               <a:t>.</a:t>
             </a:r>
             <a:r>
-              <a:rPr lang="uk-UA" altLang="uk-UA" sz="1600" dirty="0" err="1" smtClean="0">
+              <a:rPr lang="uk-UA" altLang="uk-UA" sz="1600" dirty="0" err="1">
                 <a:solidFill>
                   <a:srgbClr val="000000"/>
                 </a:solidFill>
@@ -21531,7 +21161,7 @@
               <a:t>flatMap</a:t>
             </a:r>
             <a:r>
-              <a:rPr lang="uk-UA" altLang="uk-UA" sz="1600" dirty="0" smtClean="0">
+              <a:rPr lang="uk-UA" altLang="uk-UA" sz="1600" dirty="0">
                 <a:solidFill>
                   <a:srgbClr val="000000"/>
                 </a:solidFill>
@@ -21541,7 +21171,7 @@
               <a:t>(</a:t>
             </a:r>
             <a:r>
-              <a:rPr lang="uk-UA" altLang="uk-UA" sz="1600" dirty="0" err="1" smtClean="0">
+              <a:rPr lang="uk-UA" altLang="uk-UA" sz="1600" dirty="0" err="1">
                 <a:solidFill>
                   <a:srgbClr val="000000"/>
                 </a:solidFill>
@@ -21903,7 +21533,7 @@
               <a:buNone/>
               <a:tabLst/>
             </a:pPr>
-            <a:endParaRPr kumimoji="0" lang="ru-RU" altLang="ru-RU" sz="1800" b="0" i="0" u="none" strike="noStrike" cap="none" normalizeH="0" baseline="0" dirty="0" smtClean="0">
+            <a:endParaRPr kumimoji="0" lang="ru-RU" altLang="ru-RU" sz="1800" b="0" i="0" u="none" strike="noStrike" cap="none" normalizeH="0" baseline="0" dirty="0">
               <a:ln>
                 <a:noFill/>
               </a:ln>
@@ -21986,7 +21616,7 @@
               <a:buNone/>
               <a:tabLst/>
             </a:pPr>
-            <a:endParaRPr kumimoji="0" lang="ru-RU" altLang="ru-RU" sz="1800" b="0" i="0" u="none" strike="noStrike" cap="none" normalizeH="0" baseline="0" dirty="0" smtClean="0">
+            <a:endParaRPr kumimoji="0" lang="ru-RU" altLang="ru-RU" sz="1800" b="0" i="0" u="none" strike="noStrike" cap="none" normalizeH="0" baseline="0" dirty="0">
               <a:ln>
                 <a:noFill/>
               </a:ln>
@@ -22069,7 +21699,7 @@
               <a:buNone/>
               <a:tabLst/>
             </a:pPr>
-            <a:endParaRPr kumimoji="0" lang="uk-UA" altLang="uk-UA" sz="1800" b="0" i="0" u="none" strike="noStrike" cap="none" normalizeH="0" baseline="0" dirty="0" smtClean="0">
+            <a:endParaRPr kumimoji="0" lang="uk-UA" altLang="uk-UA" sz="1800" b="0" i="0" u="none" strike="noStrike" cap="none" normalizeH="0" baseline="0" dirty="0">
               <a:ln>
                 <a:noFill/>
               </a:ln>
@@ -22152,7 +21782,7 @@
               <a:buNone/>
               <a:tabLst/>
             </a:pPr>
-            <a:endParaRPr kumimoji="0" lang="uk-UA" altLang="uk-UA" sz="1800" b="0" i="0" u="none" strike="noStrike" cap="none" normalizeH="0" baseline="0" dirty="0" smtClean="0">
+            <a:endParaRPr kumimoji="0" lang="uk-UA" altLang="uk-UA" sz="1800" b="0" i="0" u="none" strike="noStrike" cap="none" normalizeH="0" baseline="0" dirty="0">
               <a:ln>
                 <a:noFill/>
               </a:ln>
@@ -22211,10 +21841,91 @@
           <a:lstStyle/>
           <a:p>
             <a:r>
-              <a:rPr lang="en-US" dirty="0" smtClean="0"/>
+              <a:rPr lang="en-US" dirty="0"/>
               <a:t>Optional usage</a:t>
             </a:r>
             <a:endParaRPr lang="ru-RU" dirty="0"/>
+          </a:p>
+        </p:txBody>
+      </p:sp>
+      <p:sp>
+        <p:nvSpPr>
+          <p:cNvPr id="5" name="Місце для вмісту 4">
+            <a:extLst>
+              <a:ext uri="{FF2B5EF4-FFF2-40B4-BE49-F238E27FC236}">
+                <a16:creationId xmlns:a16="http://schemas.microsoft.com/office/drawing/2014/main" id="{77D411DB-1170-4AFF-B215-8EEB7F3DDC60}"/>
+              </a:ext>
+            </a:extLst>
+          </p:cNvPr>
+          <p:cNvSpPr>
+            <a:spLocks noGrp="1"/>
+          </p:cNvSpPr>
+          <p:nvPr>
+            <p:ph idx="1"/>
+          </p:nvPr>
+        </p:nvSpPr>
+        <p:spPr/>
+        <p:txBody>
+          <a:bodyPr/>
+          <a:lstStyle/>
+          <a:p>
+            <a:pPr>
+              <a:buFont typeface="Calibri" panose="020F0502020204030204" pitchFamily="34" charset="0"/>
+              <a:buChar char="+"/>
+            </a:pPr>
+            <a:r>
+              <a:rPr lang="en-US" dirty="0">
+                <a:solidFill>
+                  <a:srgbClr val="00B050"/>
+                </a:solidFill>
+              </a:rPr>
+              <a:t>Use optional for local variables</a:t>
+            </a:r>
+          </a:p>
+          <a:p>
+            <a:pPr>
+              <a:buFont typeface="Calibri" panose="020F0502020204030204" pitchFamily="34" charset="0"/>
+              <a:buChar char="+"/>
+            </a:pPr>
+            <a:r>
+              <a:rPr lang="en-US" dirty="0">
+                <a:solidFill>
+                  <a:srgbClr val="00B050"/>
+                </a:solidFill>
+              </a:rPr>
+              <a:t>Use optional in return statement</a:t>
+            </a:r>
+          </a:p>
+          <a:p>
+            <a:pPr marL="171450" indent="-171450">
+              <a:buFontTx/>
+              <a:buChar char="-"/>
+            </a:pPr>
+            <a:r>
+              <a:rPr lang="en-US" dirty="0">
+                <a:solidFill>
+                  <a:srgbClr val="FF0000"/>
+                </a:solidFill>
+              </a:rPr>
+              <a:t>Do not use optional for class fields</a:t>
+            </a:r>
+          </a:p>
+          <a:p>
+            <a:pPr marL="171450" indent="-171450">
+              <a:buFontTx/>
+              <a:buChar char="-"/>
+            </a:pPr>
+            <a:r>
+              <a:rPr lang="en-US" dirty="0">
+                <a:solidFill>
+                  <a:srgbClr val="FF0000"/>
+                </a:solidFill>
+              </a:rPr>
+              <a:t>Do not use optional for method/constructor arguments</a:t>
+            </a:r>
+          </a:p>
+          <a:p>
+            <a:endParaRPr lang="en-US" dirty="0"/>
           </a:p>
         </p:txBody>
       </p:sp>
@@ -22288,7 +21999,7 @@
               <a:buNone/>
               <a:tabLst/>
             </a:pPr>
-            <a:endParaRPr kumimoji="0" lang="ru-RU" altLang="ru-RU" sz="1800" b="0" i="0" u="none" strike="noStrike" cap="none" normalizeH="0" baseline="0" dirty="0" smtClean="0">
+            <a:endParaRPr kumimoji="0" lang="ru-RU" altLang="ru-RU" sz="1800" b="0" i="0" u="none" strike="noStrike" cap="none" normalizeH="0" baseline="0" dirty="0">
               <a:ln>
                 <a:noFill/>
               </a:ln>
@@ -22371,7 +22082,7 @@
               <a:buNone/>
               <a:tabLst/>
             </a:pPr>
-            <a:endParaRPr kumimoji="0" lang="ru-RU" altLang="ru-RU" sz="1800" b="0" i="0" u="none" strike="noStrike" cap="none" normalizeH="0" baseline="0" dirty="0" smtClean="0">
+            <a:endParaRPr kumimoji="0" lang="ru-RU" altLang="ru-RU" sz="1800" b="0" i="0" u="none" strike="noStrike" cap="none" normalizeH="0" baseline="0" dirty="0">
               <a:ln>
                 <a:noFill/>
               </a:ln>
@@ -22384,47 +22095,6 @@
           </a:p>
         </p:txBody>
       </p:sp>
-      <p:pic>
-        <p:nvPicPr>
-          <p:cNvPr id="19458" name="Picture 2" descr="Картинки по запросу java 8 optional meme"/>
-          <p:cNvPicPr>
-            <a:picLocks noChangeAspect="1" noChangeArrowheads="1"/>
-          </p:cNvPicPr>
-          <p:nvPr/>
-        </p:nvPicPr>
-        <p:blipFill>
-          <a:blip r:embed="rId3">
-            <a:extLst>
-              <a:ext uri="{28A0092B-C50C-407E-A947-70E740481C1C}">
-                <a14:useLocalDpi xmlns:a14="http://schemas.microsoft.com/office/drawing/2010/main" val="0"/>
-              </a:ext>
-            </a:extLst>
-          </a:blip>
-          <a:srcRect/>
-          <a:stretch>
-            <a:fillRect/>
-          </a:stretch>
-        </p:blipFill>
-        <p:spPr bwMode="auto">
-          <a:xfrm>
-            <a:off x="3143250" y="1786731"/>
-            <a:ext cx="5905500" cy="4429126"/>
-          </a:xfrm>
-          <a:prstGeom prst="rect">
-            <a:avLst/>
-          </a:prstGeom>
-          <a:noFill/>
-          <a:extLst>
-            <a:ext uri="{909E8E84-426E-40DD-AFC4-6F175D3DCCD1}">
-              <a14:hiddenFill xmlns:a14="http://schemas.microsoft.com/office/drawing/2010/main">
-                <a:solidFill>
-                  <a:srgbClr val="FFFFFF"/>
-                </a:solidFill>
-              </a14:hiddenFill>
-            </a:ext>
-          </a:extLst>
-        </p:spPr>
-      </p:pic>
     </p:spTree>
     <p:extLst>
       <p:ext uri="{BB962C8B-B14F-4D97-AF65-F5344CB8AC3E}">
@@ -22728,7 +22398,7 @@
               <a:t> are implemented in </a:t>
             </a:r>
             <a:r>
-              <a:rPr lang="en-US" altLang="en-US" sz="2400" dirty="0" err="1" smtClean="0"/>
+              <a:rPr lang="en-US" altLang="en-US" sz="2400" dirty="0" err="1"/>
               <a:t>java.lang.String</a:t>
             </a:r>
             <a:r>
@@ -22760,15 +22430,7 @@
             </a:pPr>
             <a:r>
               <a:rPr lang="en-US" altLang="en-US" sz="2400" dirty="0"/>
-              <a:t>Look for methods in Math, System, </a:t>
-            </a:r>
-            <a:r>
-              <a:rPr lang="en-US" altLang="en-US" sz="2400" dirty="0" smtClean="0"/>
-              <a:t>Runtime, Optional </a:t>
-            </a:r>
-            <a:r>
-              <a:rPr lang="en-US" altLang="en-US" sz="2400" dirty="0"/>
-              <a:t>classes</a:t>
+              <a:t>Look for methods in Math, System, Runtime, Optional classes</a:t>
             </a:r>
           </a:p>
           <a:p>
@@ -22785,7 +22447,7 @@
           <a:p>
             <a:pPr lvl="1"/>
             <a:r>
-              <a:rPr lang="en-US" dirty="0" smtClean="0">
+              <a:rPr lang="en-US" dirty="0">
                 <a:hlinkClick r:id="rId3"/>
               </a:rPr>
               <a:t>Numbers and Strings</a:t>
@@ -22795,7 +22457,7 @@
           <a:p>
             <a:pPr lvl="1"/>
             <a:r>
-              <a:rPr lang="en-US" dirty="0" smtClean="0">
+              <a:rPr lang="en-US" dirty="0">
                 <a:hlinkClick r:id="rId4"/>
               </a:rPr>
               <a:t>The Platform Environment</a:t>
@@ -22851,11 +22513,7 @@
           <a:p>
             <a:r>
               <a:rPr lang="en-US" dirty="0"/>
-              <a:t>Homework Task </a:t>
-            </a:r>
-            <a:r>
-              <a:rPr lang="en-US" dirty="0" smtClean="0"/>
-              <a:t>1</a:t>
+              <a:t>Homework Task 1</a:t>
             </a:r>
             <a:endParaRPr lang="ru-RU" dirty="0"/>
           </a:p>
@@ -22890,25 +22548,19 @@
               <a:buNone/>
             </a:pPr>
             <a:r>
-              <a:rPr lang="en-US" altLang="en-US" sz="2000" dirty="0" smtClean="0">
+              <a:rPr lang="en-US" altLang="en-US" sz="2000" dirty="0">
                 <a:latin typeface="Calibri (Body)"/>
               </a:rPr>
               <a:t>Implement the program for change the input string register. Read string from command line argument during </a:t>
             </a:r>
             <a:r>
-              <a:rPr lang="en-US" altLang="en-US" sz="2000" smtClean="0">
+              <a:rPr lang="en-US" altLang="en-US" sz="2000">
                 <a:latin typeface="Calibri (Body)"/>
               </a:rPr>
-              <a:t>program </a:t>
-            </a:r>
-            <a:r>
-              <a:rPr lang="en-US" altLang="en-US" sz="2000" smtClean="0">
-                <a:latin typeface="Calibri (Body)"/>
-              </a:rPr>
-              <a:t>start-up </a:t>
-            </a:r>
-            <a:r>
-              <a:rPr lang="en-US" altLang="en-US" sz="2000" dirty="0" smtClean="0">
+              <a:t>program start-up </a:t>
+            </a:r>
+            <a:r>
+              <a:rPr lang="en-US" altLang="en-US" sz="2000" dirty="0">
                 <a:latin typeface="Calibri (Body)"/>
               </a:rPr>
               <a:t>and do: </a:t>
@@ -22921,7 +22573,7 @@
               </a:lnSpc>
             </a:pPr>
             <a:r>
-              <a:rPr lang="en-US" altLang="en-US" sz="2000" dirty="0" smtClean="0">
+              <a:rPr lang="en-US" altLang="en-US" sz="2000" dirty="0">
                 <a:latin typeface="Calibri (Body)"/>
               </a:rPr>
               <a:t>When the first symbol of input is in upper case, then translate entire string to the lower case;</a:t>
@@ -22937,25 +22589,7 @@
               <a:rPr lang="en-US" altLang="en-US" sz="2000" dirty="0">
                 <a:latin typeface="Calibri (Body)"/>
               </a:rPr>
-              <a:t>When the first symbol of input is in </a:t>
-            </a:r>
-            <a:r>
-              <a:rPr lang="en-US" altLang="en-US" sz="2000" dirty="0" smtClean="0">
-                <a:latin typeface="Calibri (Body)"/>
-              </a:rPr>
-              <a:t>lower case</a:t>
-            </a:r>
-            <a:r>
-              <a:rPr lang="en-US" altLang="en-US" sz="2000" dirty="0">
-                <a:latin typeface="Calibri (Body)"/>
-              </a:rPr>
-              <a:t>, then translate entire string to the upper</a:t>
-            </a:r>
-            <a:r>
-              <a:rPr lang="en-US" altLang="en-US" sz="2000" dirty="0" smtClean="0">
-                <a:latin typeface="Calibri (Body)"/>
-              </a:rPr>
-              <a:t> case;</a:t>
+              <a:t>When the first symbol of input is in lower case, then translate entire string to the upper case;</a:t>
             </a:r>
           </a:p>
           <a:p>
@@ -22965,7 +22599,7 @@
               </a:lnSpc>
             </a:pPr>
             <a:r>
-              <a:rPr lang="en-US" altLang="en-US" sz="2000" dirty="0" smtClean="0">
+              <a:rPr lang="en-US" altLang="en-US" sz="2000" dirty="0">
                 <a:latin typeface="Calibri (Body)"/>
               </a:rPr>
               <a:t>When first symbol is not an English letter – return input as is;</a:t>
@@ -22978,7 +22612,7 @@
               </a:lnSpc>
             </a:pPr>
             <a:r>
-              <a:rPr lang="en-US" altLang="en-US" sz="2000" dirty="0" smtClean="0">
+              <a:rPr lang="en-US" altLang="en-US" sz="2000" dirty="0">
                 <a:latin typeface="Calibri (Body)"/>
               </a:rPr>
               <a:t>All tests in </a:t>
@@ -22994,14 +22628,11 @@
               <a:t>StringUtilsTest</a:t>
             </a:r>
             <a:r>
-              <a:rPr lang="en-US" altLang="en-US" sz="2000" dirty="0" smtClean="0">
+              <a:rPr lang="en-US" altLang="en-US" sz="2000" dirty="0">
                 <a:latin typeface="Calibri (Body)"/>
               </a:rPr>
               <a:t> should pass successfully.</a:t>
             </a:r>
-            <a:endParaRPr lang="en-US" altLang="en-US" sz="2000" dirty="0">
-              <a:latin typeface="Calibri (Body)"/>
-            </a:endParaRPr>
           </a:p>
         </p:txBody>
       </p:sp>
@@ -23075,7 +22706,7 @@
               <a:buNone/>
               <a:tabLst/>
             </a:pPr>
-            <a:endParaRPr kumimoji="0" lang="en-US" altLang="en-US" sz="1800" b="0" i="0" u="none" strike="noStrike" cap="none" normalizeH="0" baseline="0" dirty="0" smtClean="0">
+            <a:endParaRPr kumimoji="0" lang="en-US" altLang="en-US" sz="1800" b="0" i="0" u="none" strike="noStrike" cap="none" normalizeH="0" baseline="0" dirty="0">
               <a:ln>
                 <a:noFill/>
               </a:ln>
@@ -23170,7 +22801,7 @@
               <a:buNone/>
             </a:pPr>
             <a:r>
-              <a:rPr lang="en-US" altLang="en-US" sz="2000" dirty="0" smtClean="0">
+              <a:rPr lang="en-US" altLang="en-US" sz="2000" dirty="0">
                 <a:latin typeface="Calibri (Body)"/>
               </a:rPr>
               <a:t>Implement a performance tests of the concatenation methods. Find the most efficient data structure: </a:t>
@@ -23183,7 +22814,7 @@
               </a:lnSpc>
             </a:pPr>
             <a:r>
-              <a:rPr lang="en-US" altLang="en-US" sz="2000" dirty="0" smtClean="0">
+              <a:rPr lang="en-US" altLang="en-US" sz="2000" dirty="0">
                 <a:latin typeface="Courier New" panose="02070309020205020404" pitchFamily="49" charset="0"/>
                 <a:cs typeface="Courier New" panose="02070309020205020404" pitchFamily="49" charset="0"/>
               </a:rPr>
@@ -23197,20 +22828,20 @@
               </a:lnSpc>
             </a:pPr>
             <a:r>
-              <a:rPr lang="en-US" altLang="en-US" sz="2000" dirty="0" smtClean="0">
+              <a:rPr lang="en-US" altLang="en-US" sz="2000" dirty="0">
                 <a:latin typeface="Courier New" panose="02070309020205020404" pitchFamily="49" charset="0"/>
                 <a:cs typeface="Courier New" panose="02070309020205020404" pitchFamily="49" charset="0"/>
               </a:rPr>
               <a:t>String::</a:t>
             </a:r>
             <a:r>
-              <a:rPr lang="en-US" altLang="en-US" sz="2000" dirty="0" err="1" smtClean="0">
+              <a:rPr lang="en-US" altLang="en-US" sz="2000" dirty="0" err="1">
                 <a:latin typeface="Courier New" panose="02070309020205020404" pitchFamily="49" charset="0"/>
                 <a:cs typeface="Courier New" panose="02070309020205020404" pitchFamily="49" charset="0"/>
               </a:rPr>
               <a:t>concat</a:t>
             </a:r>
-            <a:endParaRPr lang="en-US" altLang="en-US" sz="2000" dirty="0" smtClean="0">
+            <a:endParaRPr lang="en-US" altLang="en-US" sz="2000" dirty="0">
               <a:latin typeface="Courier New" panose="02070309020205020404" pitchFamily="49" charset="0"/>
               <a:cs typeface="Courier New" panose="02070309020205020404" pitchFamily="49" charset="0"/>
             </a:endParaRPr>
@@ -23222,14 +22853,14 @@
               </a:lnSpc>
             </a:pPr>
             <a:r>
-              <a:rPr lang="en-US" altLang="en-US" sz="2000" dirty="0" err="1" smtClean="0">
+              <a:rPr lang="en-US" altLang="en-US" sz="2000" dirty="0" err="1">
                 <a:latin typeface="Courier New" panose="02070309020205020404" pitchFamily="49" charset="0"/>
                 <a:cs typeface="Courier New" panose="02070309020205020404" pitchFamily="49" charset="0"/>
               </a:rPr>
               <a:t>StringBuffer</a:t>
             </a:r>
             <a:r>
-              <a:rPr lang="en-US" altLang="en-US" sz="2000" dirty="0" smtClean="0">
+              <a:rPr lang="en-US" altLang="en-US" sz="2000" dirty="0">
                 <a:latin typeface="Courier New" panose="02070309020205020404" pitchFamily="49" charset="0"/>
                 <a:cs typeface="Courier New" panose="02070309020205020404" pitchFamily="49" charset="0"/>
               </a:rPr>
@@ -23243,25 +22874,18 @@
               </a:lnSpc>
             </a:pPr>
             <a:r>
-              <a:rPr lang="en-US" altLang="en-US" sz="2000" dirty="0" err="1" smtClean="0">
+              <a:rPr lang="en-US" altLang="en-US" sz="2000" dirty="0" err="1">
                 <a:latin typeface="Courier New" panose="02070309020205020404" pitchFamily="49" charset="0"/>
                 <a:cs typeface="Courier New" panose="02070309020205020404" pitchFamily="49" charset="0"/>
               </a:rPr>
               <a:t>StringBuilder</a:t>
             </a:r>
             <a:r>
-              <a:rPr lang="en-US" altLang="en-US" sz="2000" dirty="0" smtClean="0">
-                <a:latin typeface="Courier New" panose="02070309020205020404" pitchFamily="49" charset="0"/>
-                <a:cs typeface="Courier New" panose="02070309020205020404" pitchFamily="49" charset="0"/>
-              </a:rPr>
-              <a:t>::</a:t>
-            </a:r>
-            <a:r>
               <a:rPr lang="en-US" altLang="en-US" sz="2000" dirty="0">
                 <a:latin typeface="Courier New" panose="02070309020205020404" pitchFamily="49" charset="0"/>
                 <a:cs typeface="Courier New" panose="02070309020205020404" pitchFamily="49" charset="0"/>
               </a:rPr>
-              <a:t>append</a:t>
+              <a:t>::append</a:t>
             </a:r>
           </a:p>
           <a:p>
@@ -23271,20 +22895,20 @@
               </a:lnSpc>
             </a:pPr>
             <a:r>
-              <a:rPr lang="en-US" altLang="en-US" sz="2000" dirty="0" smtClean="0">
+              <a:rPr lang="en-US" altLang="en-US" sz="2000" dirty="0">
                 <a:latin typeface="Calibri (Body)"/>
               </a:rPr>
               <a:t>To measure runtime, use </a:t>
             </a:r>
             <a:r>
-              <a:rPr lang="en-US" altLang="en-US" sz="2000" dirty="0" err="1" smtClean="0">
+              <a:rPr lang="en-US" altLang="en-US" sz="2000" dirty="0" err="1">
                 <a:latin typeface="Courier New" panose="02070309020205020404" pitchFamily="49" charset="0"/>
                 <a:cs typeface="Courier New" panose="02070309020205020404" pitchFamily="49" charset="0"/>
               </a:rPr>
               <a:t>System.nanoTime</a:t>
             </a:r>
             <a:r>
-              <a:rPr lang="en-US" altLang="en-US" sz="2000" dirty="0" smtClean="0">
+              <a:rPr lang="en-US" altLang="en-US" sz="2000" dirty="0">
                 <a:latin typeface="Courier New" panose="02070309020205020404" pitchFamily="49" charset="0"/>
                 <a:cs typeface="Courier New" panose="02070309020205020404" pitchFamily="49" charset="0"/>
               </a:rPr>
@@ -23298,26 +22922,20 @@
               </a:lnSpc>
             </a:pPr>
             <a:r>
-              <a:rPr lang="en-US" altLang="en-US" sz="2000" dirty="0" smtClean="0">
-                <a:latin typeface="Calibri (Body)"/>
-              </a:rPr>
-              <a:t>All </a:t>
-            </a:r>
-            <a:r>
               <a:rPr lang="en-US" altLang="en-US" sz="2000" dirty="0">
                 <a:latin typeface="Calibri (Body)"/>
               </a:rPr>
-              <a:t>tests in </a:t>
-            </a:r>
-            <a:r>
-              <a:rPr lang="en-US" altLang="en-US" sz="2000" dirty="0" err="1" smtClean="0">
+              <a:t>All tests in </a:t>
+            </a:r>
+            <a:r>
+              <a:rPr lang="en-US" altLang="en-US" sz="2000" dirty="0" err="1">
                 <a:latin typeface="Courier New" panose="02070309020205020404" pitchFamily="49" charset="0"/>
                 <a:cs typeface="Courier New" panose="02070309020205020404" pitchFamily="49" charset="0"/>
               </a:rPr>
               <a:t>StringRepeaterTest</a:t>
             </a:r>
             <a:r>
-              <a:rPr lang="en-US" altLang="en-US" sz="2000" dirty="0" smtClean="0">
+              <a:rPr lang="en-US" altLang="en-US" sz="2000" dirty="0">
                 <a:latin typeface="Calibri (Body)"/>
               </a:rPr>
               <a:t> should pass successfully</a:t>
@@ -23395,7 +23013,7 @@
               <a:buNone/>
               <a:tabLst/>
             </a:pPr>
-            <a:endParaRPr kumimoji="0" lang="en-US" altLang="en-US" sz="1800" b="0" i="0" u="none" strike="noStrike" cap="none" normalizeH="0" baseline="0" dirty="0" smtClean="0">
+            <a:endParaRPr kumimoji="0" lang="en-US" altLang="en-US" sz="1800" b="0" i="0" u="none" strike="noStrike" cap="none" normalizeH="0" baseline="0" dirty="0">
               <a:ln>
                 <a:noFill/>
               </a:ln>
@@ -23455,11 +23073,7 @@
           <a:p>
             <a:r>
               <a:rPr lang="en-US" dirty="0"/>
-              <a:t>Homework </a:t>
-            </a:r>
-            <a:r>
-              <a:rPr lang="en-US" dirty="0" smtClean="0"/>
-              <a:t>Task 3</a:t>
+              <a:t>Homework Task 3</a:t>
             </a:r>
             <a:endParaRPr lang="ru-RU" dirty="0"/>
           </a:p>
@@ -23494,7 +23108,7 @@
               <a:buNone/>
             </a:pPr>
             <a:r>
-              <a:rPr lang="en-US" altLang="en-US" sz="2000" dirty="0" smtClean="0">
+              <a:rPr lang="en-US" altLang="en-US" sz="2000" dirty="0">
                 <a:latin typeface="Calibri (Body)"/>
               </a:rPr>
               <a:t>Implement program to print out user PC info:</a:t>
@@ -23507,7 +23121,7 @@
               </a:lnSpc>
             </a:pPr>
             <a:r>
-              <a:rPr lang="en-US" altLang="en-US" sz="1800" dirty="0" smtClean="0">
+              <a:rPr lang="en-US" altLang="en-US" sz="1800" dirty="0">
                 <a:latin typeface="Calibri (Body)"/>
               </a:rPr>
               <a:t>Number of CPU cores;</a:t>
@@ -23520,7 +23134,7 @@
               </a:lnSpc>
             </a:pPr>
             <a:r>
-              <a:rPr lang="en-US" altLang="en-US" sz="1800" dirty="0" smtClean="0">
+              <a:rPr lang="en-US" altLang="en-US" sz="1800" dirty="0">
                 <a:latin typeface="Calibri (Body)"/>
               </a:rPr>
               <a:t>Free RAM (for all system, but not only JVM) in megabytes;</a:t>
@@ -23533,7 +23147,7 @@
               </a:lnSpc>
             </a:pPr>
             <a:r>
-              <a:rPr lang="en-US" altLang="en-US" sz="1800" dirty="0" smtClean="0">
+              <a:rPr lang="en-US" altLang="en-US" sz="1800" dirty="0">
                 <a:latin typeface="Calibri (Body)"/>
               </a:rPr>
               <a:t>Total RAM (for all system, but not only JVM) in megabytes;</a:t>
@@ -23546,7 +23160,7 @@
               </a:lnSpc>
             </a:pPr>
             <a:r>
-              <a:rPr lang="en-US" altLang="en-US" sz="1800" dirty="0" smtClean="0">
+              <a:rPr lang="en-US" altLang="en-US" sz="1800" dirty="0">
                 <a:latin typeface="Calibri (Body)"/>
               </a:rPr>
               <a:t>Hard drive memory info free/total for all drives in megabytes;</a:t>
@@ -23559,7 +23173,7 @@
               </a:lnSpc>
             </a:pPr>
             <a:r>
-              <a:rPr lang="en-US" altLang="en-US" sz="1800" dirty="0" smtClean="0">
+              <a:rPr lang="en-US" altLang="en-US" sz="1800" dirty="0">
                 <a:latin typeface="Calibri (Body)"/>
               </a:rPr>
               <a:t>Java version;</a:t>
@@ -23572,7 +23186,7 @@
               </a:lnSpc>
             </a:pPr>
             <a:r>
-              <a:rPr lang="en-US" altLang="en-US" sz="1800" dirty="0" smtClean="0">
+              <a:rPr lang="en-US" altLang="en-US" sz="1800" dirty="0">
                 <a:latin typeface="Calibri (Body)"/>
               </a:rPr>
               <a:t>User name;</a:t>
@@ -23585,7 +23199,7 @@
               </a:lnSpc>
             </a:pPr>
             <a:r>
-              <a:rPr lang="en-US" altLang="en-US" sz="1800" dirty="0" smtClean="0">
+              <a:rPr lang="en-US" altLang="en-US" sz="1800" dirty="0">
                 <a:latin typeface="Calibri (Body)"/>
               </a:rPr>
               <a:t>User home directory;</a:t>
@@ -23598,7 +23212,7 @@
               </a:lnSpc>
             </a:pPr>
             <a:r>
-              <a:rPr lang="en-US" altLang="en-US" sz="1800" dirty="0" smtClean="0">
+              <a:rPr lang="en-US" altLang="en-US" sz="1800" dirty="0">
                 <a:latin typeface="Calibri (Body)"/>
               </a:rPr>
               <a:t>OS Name.</a:t>
@@ -23612,27 +23226,24 @@
               <a:buNone/>
             </a:pPr>
             <a:r>
-              <a:rPr lang="en-US" altLang="en-US" sz="2000" dirty="0" smtClean="0">
+              <a:rPr lang="en-US" altLang="en-US" sz="2000" dirty="0">
                 <a:latin typeface="Calibri (Body)"/>
               </a:rPr>
               <a:t>All tests in </a:t>
             </a:r>
             <a:r>
-              <a:rPr lang="en-US" altLang="en-US" sz="2000" dirty="0" err="1" smtClean="0">
+              <a:rPr lang="en-US" altLang="en-US" sz="2000" dirty="0" err="1">
                 <a:latin typeface="Courier New" panose="02070309020205020404" pitchFamily="49" charset="0"/>
                 <a:cs typeface="Courier New" panose="02070309020205020404" pitchFamily="49" charset="0"/>
               </a:rPr>
               <a:t>SystemInfoProviderTest</a:t>
             </a:r>
             <a:r>
-              <a:rPr lang="en-US" altLang="en-US" sz="2000" dirty="0" smtClean="0">
+              <a:rPr lang="en-US" altLang="en-US" sz="2000" dirty="0">
                 <a:latin typeface="Calibri (Body)"/>
               </a:rPr>
               <a:t> should pass successfully</a:t>
             </a:r>
-            <a:endParaRPr lang="en-US" altLang="en-US" sz="2000" dirty="0">
-              <a:latin typeface="Calibri (Body)"/>
-            </a:endParaRPr>
           </a:p>
         </p:txBody>
       </p:sp>
@@ -23706,7 +23317,7 @@
               <a:buNone/>
               <a:tabLst/>
             </a:pPr>
-            <a:endParaRPr kumimoji="0" lang="en-US" altLang="en-US" sz="1800" b="0" i="0" u="none" strike="noStrike" cap="none" normalizeH="0" baseline="0" dirty="0" smtClean="0">
+            <a:endParaRPr kumimoji="0" lang="en-US" altLang="en-US" sz="1800" b="0" i="0" u="none" strike="noStrike" cap="none" normalizeH="0" baseline="0" dirty="0">
               <a:ln>
                 <a:noFill/>
               </a:ln>
@@ -23765,7 +23376,7 @@
           <a:lstStyle/>
           <a:p>
             <a:r>
-              <a:rPr lang="en-US" dirty="0" smtClean="0"/>
+              <a:rPr lang="en-US" dirty="0"/>
               <a:t>Homework Task 4</a:t>
             </a:r>
             <a:endParaRPr lang="ru-RU" dirty="0"/>
@@ -23803,22 +23414,10 @@
                   <a:buNone/>
                 </a:pPr>
                 <a:r>
-                  <a:rPr lang="en-US" altLang="en-US" sz="2000" dirty="0" smtClean="0">
-                    <a:latin typeface="Calibri (Body)"/>
-                  </a:rPr>
-                  <a:t>	Implement polynom </a:t>
-                </a:r>
-                <a:r>
                   <a:rPr lang="en-US" altLang="en-US" sz="2000" dirty="0">
                     <a:latin typeface="Calibri (Body)"/>
                   </a:rPr>
-                  <a:t>with degree 2 </a:t>
-                </a:r>
-                <a:r>
-                  <a:rPr lang="en-US" altLang="en-US" sz="2000" dirty="0" smtClean="0">
-                    <a:latin typeface="Calibri (Body)"/>
-                  </a:rPr>
-                  <a:t>solver. Solve quadratic function like </a:t>
+                  <a:t>	Implement polynom with degree 2 solver. Solve quadratic function like </a:t>
                 </a:r>
                 <a14:m>
                   <m:oMath xmlns:m="http://schemas.openxmlformats.org/officeDocument/2006/math">
@@ -23889,16 +23488,10 @@
                   <a:rPr lang="en-US" altLang="en-US" sz="2000" dirty="0">
                     <a:latin typeface="Calibri (Body)"/>
                   </a:rPr>
-                  <a:t>. Use </a:t>
+                  <a:t>. Use discriminant for roots calculation. All tests in </a:t>
                 </a:r>
                 <a:r>
-                  <a:rPr lang="en-US" altLang="en-US" sz="2000" dirty="0" smtClean="0">
-                    <a:latin typeface="Calibri (Body)"/>
-                  </a:rPr>
-                  <a:t>discriminant for roots calculation. All tests in </a:t>
-                </a:r>
-                <a:r>
-                  <a:rPr lang="en-US" altLang="en-US" sz="2000" dirty="0" smtClean="0">
+                  <a:rPr lang="en-US" altLang="en-US" sz="2000" dirty="0">
                     <a:solidFill>
                       <a:srgbClr val="000000"/>
                     </a:solidFill>
@@ -23907,7 +23500,7 @@
                   </a:rPr>
                   <a:t>PolynomialSolverTest should pass successfully</a:t>
                 </a:r>
-                <a:endParaRPr lang="en-US" altLang="en-US" sz="2000" dirty="0" smtClean="0">
+                <a:endParaRPr lang="en-US" altLang="en-US" sz="2000" dirty="0">
                   <a:latin typeface="Calibri (Body)"/>
                 </a:endParaRPr>
               </a:p>
@@ -23929,16 +23522,9 @@
                     <a:latin typeface="Calibri (Body)"/>
                     <a:hlinkClick r:id="rId3"/>
                   </a:rPr>
-                  <a:t>https://</a:t>
+                  <a:t>https://en.wikipedia.org/wiki/Quadratic_function</a:t>
                 </a:r>
-                <a:r>
-                  <a:rPr lang="en-US" altLang="en-US" sz="2000" dirty="0" smtClean="0">
-                    <a:latin typeface="Calibri (Body)"/>
-                    <a:hlinkClick r:id="rId3"/>
-                  </a:rPr>
-                  <a:t>en.wikipedia.org/wiki/Quadratic_function</a:t>
-                </a:r>
-                <a:endParaRPr lang="en-US" altLang="en-US" sz="2000" dirty="0" smtClean="0">
+                <a:endParaRPr lang="en-US" altLang="en-US" sz="2000" dirty="0">
                   <a:latin typeface="Calibri (Body)"/>
                 </a:endParaRPr>
               </a:p>
@@ -23950,16 +23536,10 @@
                   <a:buNone/>
                 </a:pPr>
                 <a:r>
-                  <a:rPr lang="en-US" altLang="en-US" sz="2000" dirty="0" smtClean="0">
-                    <a:latin typeface="Calibri (Body)"/>
-                  </a:rPr>
-                  <a:t>	</a:t>
-                </a:r>
-                <a:r>
                   <a:rPr lang="en-US" altLang="en-US" sz="2000" dirty="0">
                     <a:latin typeface="Calibri (Body)"/>
                   </a:rPr>
-                  <a:t>All tests in </a:t>
+                  <a:t>	All tests in </a:t>
                 </a:r>
                 <a:r>
                   <a:rPr lang="en-US" altLang="en-US" sz="2000" dirty="0">
@@ -23969,26 +23549,11 @@
                   <a:t>PolynomialSolverTest</a:t>
                 </a:r>
                 <a:r>
-                  <a:rPr lang="en-US" altLang="en-US" sz="2000" dirty="0" smtClean="0">
-                    <a:latin typeface="Calibri (Body)"/>
-                  </a:rPr>
-                  <a:t> </a:t>
-                </a:r>
-                <a:r>
                   <a:rPr lang="en-US" altLang="en-US" sz="2000" dirty="0">
                     <a:latin typeface="Calibri (Body)"/>
                   </a:rPr>
-                  <a:t>should pass </a:t>
+                  <a:t> should pass successfully</a:t>
                 </a:r>
-                <a:r>
-                  <a:rPr lang="en-US" altLang="en-US" sz="2000" dirty="0" smtClean="0">
-                    <a:latin typeface="Calibri (Body)"/>
-                  </a:rPr>
-                  <a:t>successfully</a:t>
-                </a:r>
-                <a:endParaRPr lang="en-US" altLang="en-US" sz="2000" dirty="0">
-                  <a:latin typeface="Calibri (Body)"/>
-                </a:endParaRPr>
               </a:p>
             </p:txBody>
           </p:sp>
@@ -24082,7 +23647,7 @@
               <a:buNone/>
             </a:pPr>
             <a:r>
-              <a:rPr lang="en-US" sz="13800" dirty="0" smtClean="0"/>
+              <a:rPr lang="en-US" sz="13800" dirty="0"/>
               <a:t>Q&amp;A</a:t>
             </a:r>
             <a:endParaRPr lang="uk-UA" sz="13800" dirty="0"/>
@@ -24099,13 +23664,6 @@
   <p:clrMapOvr>
     <a:masterClrMapping/>
   </p:clrMapOvr>
-  <p:timing>
-    <p:tnLst>
-      <p:par>
-        <p:cTn id="1" dur="indefinite" restart="never" nodeType="tmRoot"/>
-      </p:par>
-    </p:tnLst>
-  </p:timing>
 </p:sld>
 </file>
 
@@ -24327,17 +23885,7 @@
                 <a:latin typeface="Courier New" panose="02070309020205020404" pitchFamily="49" charset="0"/>
                 <a:cs typeface="Courier New" panose="02070309020205020404" pitchFamily="49" charset="0"/>
               </a:rPr>
-              <a:t> </a:t>
-            </a:r>
-            <a:r>
-              <a:rPr lang="en-US" altLang="en-US" sz="2400" dirty="0" smtClean="0">
-                <a:solidFill>
-                  <a:srgbClr val="000000"/>
-                </a:solidFill>
-                <a:latin typeface="Courier New" panose="02070309020205020404" pitchFamily="49" charset="0"/>
-                <a:cs typeface="Courier New" panose="02070309020205020404" pitchFamily="49" charset="0"/>
-              </a:rPr>
-              <a:t>();</a:t>
+              <a:t> ();</a:t>
             </a:r>
           </a:p>
           <a:p>
@@ -24353,7 +23901,7 @@
               </a:spcAft>
             </a:pPr>
             <a:r>
-              <a:rPr lang="en-US" altLang="en-US" sz="2400" dirty="0" smtClean="0">
+              <a:rPr lang="en-US" altLang="en-US" sz="2400" dirty="0">
                 <a:solidFill>
                   <a:srgbClr val="000000"/>
                 </a:solidFill>
@@ -24373,7 +23921,7 @@
           <p:cNvPr id="4" name="Rectangle 1">
             <a:extLst>
               <a:ext uri="{FF2B5EF4-FFF2-40B4-BE49-F238E27FC236}">
-                <a16:creationId xmlns:a16="http://schemas.microsoft.com/office/drawing/2014/main" xmlns="" id="{9F88C462-7FB5-495A-A08E-BBB23A368CF4}"/>
+                <a16:creationId xmlns:a16="http://schemas.microsoft.com/office/drawing/2014/main" id="{9F88C462-7FB5-495A-A08E-BBB23A368CF4}"/>
               </a:ext>
             </a:extLst>
           </p:cNvPr>
@@ -24546,13 +24094,8 @@
             </a:pPr>
             <a:r>
               <a:rPr lang="en-US" altLang="en-US" sz="2600" dirty="0"/>
-              <a:t>String is a container for 16-bit Unicode </a:t>
-            </a:r>
-            <a:r>
-              <a:rPr lang="en-US" altLang="en-US" sz="2600" dirty="0" smtClean="0"/>
-              <a:t>characters.</a:t>
-            </a:r>
-            <a:endParaRPr lang="en-US" altLang="en-US" sz="2600" dirty="0"/>
+              <a:t>String is a container for 16-bit Unicode characters.</a:t>
+            </a:r>
           </a:p>
           <a:p>
             <a:pPr marL="0" lvl="0" indent="0" eaLnBrk="0" fontAlgn="base" hangingPunct="0">
@@ -24936,7 +24479,7 @@
           <p:cNvPr id="4" name="Rectangle 1">
             <a:extLst>
               <a:ext uri="{FF2B5EF4-FFF2-40B4-BE49-F238E27FC236}">
-                <a16:creationId xmlns:a16="http://schemas.microsoft.com/office/drawing/2014/main" xmlns="" id="{49FA7502-C7F3-4D88-90B1-11FA533A3F80}"/>
+                <a16:creationId xmlns:a16="http://schemas.microsoft.com/office/drawing/2014/main" id="{49FA7502-C7F3-4D88-90B1-11FA533A3F80}"/>
               </a:ext>
             </a:extLst>
           </p:cNvPr>
@@ -25025,7 +24568,7 @@
           <p:cNvPr id="5" name="Rectangle 1">
             <a:extLst>
               <a:ext uri="{FF2B5EF4-FFF2-40B4-BE49-F238E27FC236}">
-                <a16:creationId xmlns:a16="http://schemas.microsoft.com/office/drawing/2014/main" xmlns="" id="{C177939B-D70B-47A3-A4A9-6AF0F29F2F0B}"/>
+                <a16:creationId xmlns:a16="http://schemas.microsoft.com/office/drawing/2014/main" id="{C177939B-D70B-47A3-A4A9-6AF0F29F2F0B}"/>
               </a:ext>
             </a:extLst>
           </p:cNvPr>
@@ -25197,7 +24740,7 @@
               <a:buNone/>
             </a:pPr>
             <a:r>
-              <a:rPr lang="en-US" altLang="en-US" sz="1600" b="1" dirty="0" err="1" smtClean="0">
+              <a:rPr lang="en-US" altLang="en-US" sz="1600" b="1" dirty="0" err="1">
                 <a:solidFill>
                   <a:srgbClr val="000080"/>
                 </a:solidFill>
@@ -25207,7 +24750,7 @@
               <a:t>int</a:t>
             </a:r>
             <a:r>
-              <a:rPr lang="en-US" altLang="en-US" sz="1600" b="1" dirty="0" smtClean="0">
+              <a:rPr lang="en-US" altLang="en-US" sz="1600" b="1" dirty="0">
                 <a:solidFill>
                   <a:srgbClr val="000080"/>
                 </a:solidFill>
@@ -25236,7 +24779,7 @@
               </a:rPr>
             </a:br>
             <a:r>
-              <a:rPr lang="en-US" altLang="en-US" sz="1600" b="1" dirty="0" smtClean="0">
+              <a:rPr lang="en-US" altLang="en-US" sz="1600" b="1" dirty="0">
                 <a:solidFill>
                   <a:srgbClr val="000080"/>
                 </a:solidFill>
@@ -25246,7 +24789,7 @@
               <a:t>boolean </a:t>
             </a:r>
             <a:r>
-              <a:rPr lang="en-US" altLang="en-US" sz="1600" dirty="0" err="1" smtClean="0">
+              <a:rPr lang="en-US" altLang="en-US" sz="1600" dirty="0" err="1">
                 <a:solidFill>
                   <a:srgbClr val="000000"/>
                 </a:solidFill>
@@ -25256,7 +24799,7 @@
               <a:t>isEmpty</a:t>
             </a:r>
             <a:r>
-              <a:rPr lang="en-US" altLang="en-US" sz="1600" dirty="0" smtClean="0">
+              <a:rPr lang="en-US" altLang="en-US" sz="1600" dirty="0">
                 <a:solidFill>
                   <a:srgbClr val="000000"/>
                 </a:solidFill>
@@ -25265,7 +24808,7 @@
               </a:rPr>
               <a:t>();</a:t>
             </a:r>
-            <a:endParaRPr lang="aa-ET" altLang="en-US" sz="1600" dirty="0" smtClean="0">
+            <a:endParaRPr lang="aa-ET" altLang="en-US" sz="1600" dirty="0">
               <a:solidFill>
                 <a:srgbClr val="000000"/>
               </a:solidFill>
@@ -25297,7 +24840,7 @@
               <a:t>boolean </a:t>
             </a:r>
             <a:r>
-              <a:rPr lang="en-US" altLang="en-US" sz="1600" dirty="0" err="1" smtClean="0">
+              <a:rPr lang="en-US" altLang="en-US" sz="1600" dirty="0" err="1">
                 <a:solidFill>
                   <a:srgbClr val="000000"/>
                 </a:solidFill>
@@ -25307,7 +24850,7 @@
               <a:t>isBlank</a:t>
             </a:r>
             <a:r>
-              <a:rPr lang="aa-ET" altLang="en-US" sz="1600" dirty="0" smtClean="0">
+              <a:rPr lang="aa-ET" altLang="en-US" sz="1600" dirty="0">
                 <a:solidFill>
                   <a:srgbClr val="000000"/>
                 </a:solidFill>
@@ -25317,7 +24860,7 @@
               <a:t>(</a:t>
             </a:r>
             <a:r>
-              <a:rPr lang="en-US" altLang="en-US" sz="1600" dirty="0" smtClean="0">
+              <a:rPr lang="en-US" altLang="en-US" sz="1600" dirty="0">
                 <a:solidFill>
                   <a:srgbClr val="000000"/>
                 </a:solidFill>
@@ -25325,16 +24868,6 @@
                 <a:cs typeface="Courier New" panose="02070309020205020404" pitchFamily="49" charset="0"/>
               </a:rPr>
               <a:t>);</a:t>
-            </a:r>
-            <a:r>
-              <a:rPr lang="en-US" altLang="en-US" sz="1600" dirty="0">
-                <a:solidFill>
-                  <a:srgbClr val="000000"/>
-                </a:solidFill>
-                <a:latin typeface="Courier New" panose="02070309020205020404" pitchFamily="49" charset="0"/>
-                <a:cs typeface="Courier New" panose="02070309020205020404" pitchFamily="49" charset="0"/>
-              </a:rPr>
-              <a:t/>
             </a:r>
             <a:br>
               <a:rPr lang="en-US" altLang="en-US" sz="1600" dirty="0">
@@ -25346,7 +24879,7 @@
               </a:rPr>
             </a:br>
             <a:r>
-              <a:rPr lang="en-US" altLang="en-US" sz="1600" b="1" dirty="0" smtClean="0">
+              <a:rPr lang="en-US" altLang="en-US" sz="1600" b="1" dirty="0">
                 <a:solidFill>
                   <a:srgbClr val="000080"/>
                 </a:solidFill>
@@ -25395,7 +24928,7 @@
               </a:rPr>
             </a:br>
             <a:r>
-              <a:rPr lang="en-US" altLang="en-US" sz="1600" b="1" dirty="0" smtClean="0">
+              <a:rPr lang="en-US" altLang="en-US" sz="1600" b="1" dirty="0">
                 <a:solidFill>
                   <a:srgbClr val="000080"/>
                 </a:solidFill>
@@ -25434,7 +24967,7 @@
               </a:rPr>
             </a:br>
             <a:r>
-              <a:rPr lang="en-US" altLang="en-US" sz="1600" b="1" dirty="0" err="1" smtClean="0">
+              <a:rPr lang="en-US" altLang="en-US" sz="1600" b="1" dirty="0" err="1">
                 <a:solidFill>
                   <a:srgbClr val="000080"/>
                 </a:solidFill>
@@ -25444,7 +24977,7 @@
               <a:t>int</a:t>
             </a:r>
             <a:r>
-              <a:rPr lang="en-US" altLang="en-US" sz="1600" b="1" dirty="0" smtClean="0">
+              <a:rPr lang="en-US" altLang="en-US" sz="1600" b="1" dirty="0">
                 <a:solidFill>
                   <a:srgbClr val="000080"/>
                 </a:solidFill>
@@ -25504,7 +25037,7 @@
               <a:t>ch</a:t>
             </a:r>
             <a:r>
-              <a:rPr lang="en-US" altLang="en-US" sz="1600" dirty="0" smtClean="0">
+              <a:rPr lang="en-US" altLang="en-US" sz="1600" dirty="0">
                 <a:solidFill>
                   <a:srgbClr val="000000"/>
                 </a:solidFill>
@@ -25538,7 +25071,7 @@
               <a:t>String</a:t>
             </a:r>
             <a:r>
-              <a:rPr lang="en-US" altLang="en-US" sz="1600" b="1" dirty="0" smtClean="0">
+              <a:rPr lang="en-US" altLang="en-US" sz="1600" b="1" dirty="0">
                 <a:solidFill>
                   <a:srgbClr val="000080"/>
                 </a:solidFill>
@@ -25548,7 +25081,7 @@
               <a:t> </a:t>
             </a:r>
             <a:r>
-              <a:rPr lang="en-US" altLang="en-US" sz="1600" dirty="0" smtClean="0">
+              <a:rPr lang="en-US" altLang="en-US" sz="1600" dirty="0">
                 <a:solidFill>
                   <a:srgbClr val="000000"/>
                 </a:solidFill>
@@ -25558,7 +25091,7 @@
               <a:t>repeat(</a:t>
             </a:r>
             <a:r>
-              <a:rPr lang="en-US" altLang="en-US" sz="1600" b="1" dirty="0" err="1" smtClean="0">
+              <a:rPr lang="en-US" altLang="en-US" sz="1600" b="1" dirty="0" err="1">
                 <a:solidFill>
                   <a:srgbClr val="000080"/>
                 </a:solidFill>
@@ -25568,7 +25101,7 @@
               <a:t>int</a:t>
             </a:r>
             <a:r>
-              <a:rPr lang="en-US" altLang="en-US" sz="1600" b="1" dirty="0" smtClean="0">
+              <a:rPr lang="en-US" altLang="en-US" sz="1600" b="1" dirty="0">
                 <a:solidFill>
                   <a:srgbClr val="000080"/>
                 </a:solidFill>
@@ -25578,7 +25111,7 @@
               <a:t> </a:t>
             </a:r>
             <a:r>
-              <a:rPr lang="en-US" altLang="en-US" sz="1600" dirty="0" smtClean="0">
+              <a:rPr lang="en-US" altLang="en-US" sz="1600" dirty="0">
                 <a:solidFill>
                   <a:srgbClr val="000000"/>
                 </a:solidFill>
@@ -25586,16 +25119,6 @@
                 <a:cs typeface="Courier New" panose="02070309020205020404" pitchFamily="49" charset="0"/>
               </a:rPr>
               <a:t>count);</a:t>
-            </a:r>
-            <a:r>
-              <a:rPr lang="en-US" altLang="en-US" sz="1600" dirty="0">
-                <a:solidFill>
-                  <a:srgbClr val="000000"/>
-                </a:solidFill>
-                <a:latin typeface="Courier New" panose="02070309020205020404" pitchFamily="49" charset="0"/>
-                <a:cs typeface="Courier New" panose="02070309020205020404" pitchFamily="49" charset="0"/>
-              </a:rPr>
-              <a:t/>
             </a:r>
             <a:br>
               <a:rPr lang="en-US" altLang="en-US" sz="1600" dirty="0">
@@ -25607,16 +25130,6 @@
               </a:rPr>
             </a:br>
             <a:r>
-              <a:rPr lang="en-US" altLang="en-US" sz="1600" dirty="0" smtClean="0">
-                <a:solidFill>
-                  <a:srgbClr val="000000"/>
-                </a:solidFill>
-                <a:latin typeface="Courier New" panose="02070309020205020404" pitchFamily="49" charset="0"/>
-                <a:cs typeface="Courier New" panose="02070309020205020404" pitchFamily="49" charset="0"/>
-              </a:rPr>
-              <a:t>String </a:t>
-            </a:r>
-            <a:r>
               <a:rPr lang="en-US" altLang="en-US" sz="1600" dirty="0">
                 <a:solidFill>
                   <a:srgbClr val="000000"/>
@@ -25624,7 +25137,7 @@
                 <a:latin typeface="Courier New" panose="02070309020205020404" pitchFamily="49" charset="0"/>
                 <a:cs typeface="Courier New" panose="02070309020205020404" pitchFamily="49" charset="0"/>
               </a:rPr>
-              <a:t>substring(</a:t>
+              <a:t>String substring(</a:t>
             </a:r>
             <a:r>
               <a:rPr lang="en-US" altLang="en-US" sz="1600" b="1" dirty="0" err="1">
@@ -25697,7 +25210,7 @@
               <a:t>endIndex</a:t>
             </a:r>
             <a:r>
-              <a:rPr lang="en-US" altLang="en-US" sz="1600" dirty="0" smtClean="0">
+              <a:rPr lang="en-US" altLang="en-US" sz="1600" dirty="0">
                 <a:solidFill>
                   <a:srgbClr val="000000"/>
                 </a:solidFill>
@@ -25721,16 +25234,6 @@
               <a:buNone/>
             </a:pPr>
             <a:r>
-              <a:rPr lang="en-US" altLang="en-US" sz="1600" dirty="0" smtClean="0">
-                <a:solidFill>
-                  <a:srgbClr val="000000"/>
-                </a:solidFill>
-                <a:latin typeface="Courier New" panose="02070309020205020404" pitchFamily="49" charset="0"/>
-                <a:cs typeface="Courier New" panose="02070309020205020404" pitchFamily="49" charset="0"/>
-              </a:rPr>
-              <a:t>Stream&lt;String</a:t>
-            </a:r>
-            <a:r>
               <a:rPr lang="en-US" altLang="en-US" sz="1600" dirty="0">
                 <a:solidFill>
                   <a:srgbClr val="000000"/>
@@ -25738,27 +25241,7 @@
                 <a:latin typeface="Courier New" panose="02070309020205020404" pitchFamily="49" charset="0"/>
                 <a:cs typeface="Courier New" panose="02070309020205020404" pitchFamily="49" charset="0"/>
               </a:rPr>
-              <a:t>&gt; lines</a:t>
-            </a:r>
-            <a:r>
-              <a:rPr lang="en-US" altLang="en-US" sz="1600" dirty="0" smtClean="0">
-                <a:solidFill>
-                  <a:srgbClr val="000000"/>
-                </a:solidFill>
-                <a:latin typeface="Courier New" panose="02070309020205020404" pitchFamily="49" charset="0"/>
-                <a:cs typeface="Courier New" panose="02070309020205020404" pitchFamily="49" charset="0"/>
-              </a:rPr>
-              <a:t>();</a:t>
-            </a:r>
-            <a:r>
-              <a:rPr lang="en-US" altLang="en-US" sz="1600" dirty="0">
-                <a:solidFill>
-                  <a:srgbClr val="000000"/>
-                </a:solidFill>
-                <a:latin typeface="Courier New" panose="02070309020205020404" pitchFamily="49" charset="0"/>
-                <a:cs typeface="Courier New" panose="02070309020205020404" pitchFamily="49" charset="0"/>
-              </a:rPr>
-              <a:t/>
+              <a:t>Stream&lt;String&gt; lines();</a:t>
             </a:r>
             <a:br>
               <a:rPr lang="en-US" altLang="en-US" sz="1600" dirty="0">
@@ -25770,7 +25253,7 @@
               </a:rPr>
             </a:br>
             <a:r>
-              <a:rPr lang="en-US" altLang="en-US" sz="1600" dirty="0" smtClean="0">
+              <a:rPr lang="en-US" altLang="en-US" sz="1600" dirty="0">
                 <a:solidFill>
                   <a:srgbClr val="000000"/>
                 </a:solidFill>
@@ -25829,7 +25312,7 @@
               </a:rPr>
             </a:br>
             <a:r>
-              <a:rPr lang="en-US" altLang="en-US" sz="1600" b="1" dirty="0" smtClean="0">
+              <a:rPr lang="en-US" altLang="en-US" sz="1600" b="1" dirty="0">
                 <a:solidFill>
                   <a:srgbClr val="000080"/>
                 </a:solidFill>
@@ -25878,16 +25361,6 @@
               </a:rPr>
             </a:br>
             <a:r>
-              <a:rPr lang="en-US" altLang="en-US" sz="1600" dirty="0" smtClean="0">
-                <a:solidFill>
-                  <a:srgbClr val="000000"/>
-                </a:solidFill>
-                <a:latin typeface="Courier New" panose="02070309020205020404" pitchFamily="49" charset="0"/>
-                <a:cs typeface="Courier New" panose="02070309020205020404" pitchFamily="49" charset="0"/>
-              </a:rPr>
-              <a:t>String </a:t>
-            </a:r>
-            <a:r>
               <a:rPr lang="en-US" altLang="en-US" sz="1600" dirty="0">
                 <a:solidFill>
                   <a:srgbClr val="000000"/>
@@ -25895,7 +25368,7 @@
                 <a:latin typeface="Courier New" panose="02070309020205020404" pitchFamily="49" charset="0"/>
                 <a:cs typeface="Courier New" panose="02070309020205020404" pitchFamily="49" charset="0"/>
               </a:rPr>
-              <a:t>replace(</a:t>
+              <a:t>String replace(</a:t>
             </a:r>
             <a:r>
               <a:rPr lang="en-US" altLang="en-US" sz="1600" b="1" dirty="0">
@@ -25967,16 +25440,6 @@
               </a:rPr>
             </a:br>
             <a:r>
-              <a:rPr lang="en-US" altLang="en-US" sz="1600" dirty="0" smtClean="0">
-                <a:solidFill>
-                  <a:srgbClr val="000000"/>
-                </a:solidFill>
-                <a:latin typeface="Courier New" panose="02070309020205020404" pitchFamily="49" charset="0"/>
-                <a:cs typeface="Courier New" panose="02070309020205020404" pitchFamily="49" charset="0"/>
-              </a:rPr>
-              <a:t>String </a:t>
-            </a:r>
-            <a:r>
               <a:rPr lang="en-US" altLang="en-US" sz="1600" dirty="0">
                 <a:solidFill>
                   <a:srgbClr val="000000"/>
@@ -25984,27 +25447,7 @@
                 <a:latin typeface="Courier New" panose="02070309020205020404" pitchFamily="49" charset="0"/>
                 <a:cs typeface="Courier New" panose="02070309020205020404" pitchFamily="49" charset="0"/>
               </a:rPr>
-              <a:t>strip</a:t>
-            </a:r>
-            <a:r>
-              <a:rPr lang="en-US" altLang="en-US" sz="1600" dirty="0" smtClean="0">
-                <a:solidFill>
-                  <a:srgbClr val="000000"/>
-                </a:solidFill>
-                <a:latin typeface="Courier New" panose="02070309020205020404" pitchFamily="49" charset="0"/>
-                <a:cs typeface="Courier New" panose="02070309020205020404" pitchFamily="49" charset="0"/>
-              </a:rPr>
-              <a:t>();</a:t>
-            </a:r>
-            <a:r>
-              <a:rPr lang="en-US" altLang="en-US" sz="1600" dirty="0">
-                <a:solidFill>
-                  <a:srgbClr val="000000"/>
-                </a:solidFill>
-                <a:latin typeface="Courier New" panose="02070309020205020404" pitchFamily="49" charset="0"/>
-                <a:cs typeface="Courier New" panose="02070309020205020404" pitchFamily="49" charset="0"/>
-              </a:rPr>
-              <a:t/>
+              <a:t>String strip();</a:t>
             </a:r>
             <a:br>
               <a:rPr lang="en-US" altLang="en-US" sz="1600" dirty="0">
@@ -26016,16 +25459,6 @@
               </a:rPr>
             </a:br>
             <a:r>
-              <a:rPr lang="en-US" altLang="en-US" sz="1600" dirty="0" smtClean="0">
-                <a:solidFill>
-                  <a:srgbClr val="000000"/>
-                </a:solidFill>
-                <a:latin typeface="Courier New" panose="02070309020205020404" pitchFamily="49" charset="0"/>
-                <a:cs typeface="Courier New" panose="02070309020205020404" pitchFamily="49" charset="0"/>
-              </a:rPr>
-              <a:t>String</a:t>
-            </a:r>
-            <a:r>
               <a:rPr lang="en-US" altLang="en-US" sz="1600" dirty="0">
                 <a:solidFill>
                   <a:srgbClr val="000000"/>
@@ -26033,17 +25466,7 @@
                 <a:latin typeface="Courier New" panose="02070309020205020404" pitchFamily="49" charset="0"/>
                 <a:cs typeface="Courier New" panose="02070309020205020404" pitchFamily="49" charset="0"/>
               </a:rPr>
-              <a:t>[] split(String regex</a:t>
-            </a:r>
-            <a:r>
-              <a:rPr lang="en-US" altLang="en-US" sz="1600" dirty="0" smtClean="0">
-                <a:solidFill>
-                  <a:srgbClr val="000000"/>
-                </a:solidFill>
-                <a:latin typeface="Courier New" panose="02070309020205020404" pitchFamily="49" charset="0"/>
-                <a:cs typeface="Courier New" panose="02070309020205020404" pitchFamily="49" charset="0"/>
-              </a:rPr>
-              <a:t>);</a:t>
+              <a:t>String[] split(String regex);</a:t>
             </a:r>
           </a:p>
           <a:p>
@@ -26060,7 +25483,7 @@
               <a:buNone/>
             </a:pPr>
             <a:r>
-              <a:rPr lang="en-US" altLang="en-US" sz="1600" b="1" dirty="0" smtClean="0">
+              <a:rPr lang="en-US" altLang="en-US" sz="1600" b="1" dirty="0">
                 <a:solidFill>
                   <a:srgbClr val="000080"/>
                 </a:solidFill>
@@ -26097,17 +25520,7 @@
                 <a:latin typeface="Courier New" panose="02070309020205020404" pitchFamily="49" charset="0"/>
                 <a:cs typeface="Courier New" panose="02070309020205020404" pitchFamily="49" charset="0"/>
               </a:rPr>
-              <a:t> delimiter</a:t>
-            </a:r>
-            <a:r>
-              <a:rPr lang="en-US" altLang="en-US" sz="1600" dirty="0" smtClean="0">
-                <a:solidFill>
-                  <a:srgbClr val="000000"/>
-                </a:solidFill>
-                <a:latin typeface="Courier New" panose="02070309020205020404" pitchFamily="49" charset="0"/>
-                <a:cs typeface="Courier New" panose="02070309020205020404" pitchFamily="49" charset="0"/>
-              </a:rPr>
-              <a:t>, </a:t>
+              <a:t> delimiter, </a:t>
             </a:r>
             <a:r>
               <a:rPr lang="en-US" altLang="en-US" sz="1600" dirty="0" err="1">
@@ -26174,7 +25587,7 @@
               <a:buNone/>
             </a:pPr>
             <a:r>
-              <a:rPr lang="en-US" altLang="en-US" sz="1600" dirty="0" smtClean="0">
+              <a:rPr lang="en-US" altLang="en-US" sz="1600" dirty="0">
                 <a:solidFill>
                   <a:srgbClr val="000000"/>
                 </a:solidFill>
@@ -26194,7 +25607,7 @@
           <p:cNvPr id="4" name="Rectangle 1">
             <a:extLst>
               <a:ext uri="{FF2B5EF4-FFF2-40B4-BE49-F238E27FC236}">
-                <a16:creationId xmlns:a16="http://schemas.microsoft.com/office/drawing/2014/main" xmlns="" id="{49FA7502-C7F3-4D88-90B1-11FA533A3F80}"/>
+                <a16:creationId xmlns:a16="http://schemas.microsoft.com/office/drawing/2014/main" id="{49FA7502-C7F3-4D88-90B1-11FA533A3F80}"/>
               </a:ext>
             </a:extLst>
           </p:cNvPr>
@@ -26283,7 +25696,7 @@
           <p:cNvPr id="5" name="Rectangle 1">
             <a:extLst>
               <a:ext uri="{FF2B5EF4-FFF2-40B4-BE49-F238E27FC236}">
-                <a16:creationId xmlns:a16="http://schemas.microsoft.com/office/drawing/2014/main" xmlns="" id="{C177939B-D70B-47A3-A4A9-6AF0F29F2F0B}"/>
+                <a16:creationId xmlns:a16="http://schemas.microsoft.com/office/drawing/2014/main" id="{C177939B-D70B-47A3-A4A9-6AF0F29F2F0B}"/>
               </a:ext>
             </a:extLst>
           </p:cNvPr>
@@ -26372,7 +25785,7 @@
           <p:cNvPr id="6" name="Rectangle 1">
             <a:extLst>
               <a:ext uri="{FF2B5EF4-FFF2-40B4-BE49-F238E27FC236}">
-                <a16:creationId xmlns:a16="http://schemas.microsoft.com/office/drawing/2014/main" xmlns="" id="{7681AF85-EE99-42E3-9B45-F88BCD1E401F}"/>
+                <a16:creationId xmlns:a16="http://schemas.microsoft.com/office/drawing/2014/main" id="{7681AF85-EE99-42E3-9B45-F88BCD1E401F}"/>
               </a:ext>
             </a:extLst>
           </p:cNvPr>
@@ -26526,7 +25939,7 @@
               <a:buNone/>
               <a:tabLst/>
             </a:pPr>
-            <a:endParaRPr kumimoji="0" lang="en-US" altLang="en-US" sz="1800" b="0" i="0" u="none" strike="noStrike" cap="none" normalizeH="0" baseline="0" dirty="0" smtClean="0">
+            <a:endParaRPr kumimoji="0" lang="en-US" altLang="en-US" sz="1800" b="0" i="0" u="none" strike="noStrike" cap="none" normalizeH="0" baseline="0" dirty="0">
               <a:ln>
                 <a:noFill/>
               </a:ln>
@@ -26609,7 +26022,7 @@
               <a:buNone/>
               <a:tabLst/>
             </a:pPr>
-            <a:endParaRPr kumimoji="0" lang="en-US" altLang="en-US" sz="1800" b="0" i="0" u="none" strike="noStrike" cap="none" normalizeH="0" baseline="0" dirty="0" smtClean="0">
+            <a:endParaRPr kumimoji="0" lang="en-US" altLang="en-US" sz="1800" b="0" i="0" u="none" strike="noStrike" cap="none" normalizeH="0" baseline="0" dirty="0">
               <a:ln>
                 <a:noFill/>
               </a:ln>
@@ -26692,7 +26105,7 @@
               <a:buNone/>
               <a:tabLst/>
             </a:pPr>
-            <a:endParaRPr kumimoji="0" lang="en-US" altLang="en-US" sz="1800" b="0" i="0" u="none" strike="noStrike" cap="none" normalizeH="0" baseline="0" dirty="0" smtClean="0">
+            <a:endParaRPr kumimoji="0" lang="en-US" altLang="en-US" sz="1800" b="0" i="0" u="none" strike="noStrike" cap="none" normalizeH="0" baseline="0" dirty="0">
               <a:ln>
                 <a:noFill/>
               </a:ln>
@@ -26775,7 +26188,7 @@
               <a:buNone/>
               <a:tabLst/>
             </a:pPr>
-            <a:endParaRPr kumimoji="0" lang="en-US" altLang="en-US" sz="1800" b="0" i="0" u="none" strike="noStrike" cap="none" normalizeH="0" baseline="0" dirty="0" smtClean="0">
+            <a:endParaRPr kumimoji="0" lang="en-US" altLang="en-US" sz="1800" b="0" i="0" u="none" strike="noStrike" cap="none" normalizeH="0" baseline="0" dirty="0">
               <a:ln>
                 <a:noFill/>
               </a:ln>
@@ -27650,7 +27063,7 @@
           <p:cNvPr id="4" name="Rectangle 1">
             <a:extLst>
               <a:ext uri="{FF2B5EF4-FFF2-40B4-BE49-F238E27FC236}">
-                <a16:creationId xmlns:a16="http://schemas.microsoft.com/office/drawing/2014/main" xmlns="" id="{49FA7502-C7F3-4D88-90B1-11FA533A3F80}"/>
+                <a16:creationId xmlns:a16="http://schemas.microsoft.com/office/drawing/2014/main" id="{49FA7502-C7F3-4D88-90B1-11FA533A3F80}"/>
               </a:ext>
             </a:extLst>
           </p:cNvPr>
@@ -27739,7 +27152,7 @@
           <p:cNvPr id="5" name="Rectangle 1">
             <a:extLst>
               <a:ext uri="{FF2B5EF4-FFF2-40B4-BE49-F238E27FC236}">
-                <a16:creationId xmlns:a16="http://schemas.microsoft.com/office/drawing/2014/main" xmlns="" id="{C177939B-D70B-47A3-A4A9-6AF0F29F2F0B}"/>
+                <a16:creationId xmlns:a16="http://schemas.microsoft.com/office/drawing/2014/main" id="{C177939B-D70B-47A3-A4A9-6AF0F29F2F0B}"/>
               </a:ext>
             </a:extLst>
           </p:cNvPr>
@@ -27828,7 +27241,7 @@
           <p:cNvPr id="6" name="Rectangle 1">
             <a:extLst>
               <a:ext uri="{FF2B5EF4-FFF2-40B4-BE49-F238E27FC236}">
-                <a16:creationId xmlns:a16="http://schemas.microsoft.com/office/drawing/2014/main" xmlns="" id="{7681AF85-EE99-42E3-9B45-F88BCD1E401F}"/>
+                <a16:creationId xmlns:a16="http://schemas.microsoft.com/office/drawing/2014/main" id="{7681AF85-EE99-42E3-9B45-F88BCD1E401F}"/>
               </a:ext>
             </a:extLst>
           </p:cNvPr>
@@ -27917,7 +27330,7 @@
           <p:cNvPr id="7" name="Rectangle 1">
             <a:extLst>
               <a:ext uri="{FF2B5EF4-FFF2-40B4-BE49-F238E27FC236}">
-                <a16:creationId xmlns:a16="http://schemas.microsoft.com/office/drawing/2014/main" xmlns="" id="{5FFAA8C0-C8AD-4F0B-A1C7-F01A3053241E}"/>
+                <a16:creationId xmlns:a16="http://schemas.microsoft.com/office/drawing/2014/main" id="{5FFAA8C0-C8AD-4F0B-A1C7-F01A3053241E}"/>
               </a:ext>
             </a:extLst>
           </p:cNvPr>
@@ -28075,7 +27488,7 @@
           <p:cNvPr id="4" name="Rectangle 1">
             <a:extLst>
               <a:ext uri="{FF2B5EF4-FFF2-40B4-BE49-F238E27FC236}">
-                <a16:creationId xmlns:a16="http://schemas.microsoft.com/office/drawing/2014/main" xmlns="" id="{49FA7502-C7F3-4D88-90B1-11FA533A3F80}"/>
+                <a16:creationId xmlns:a16="http://schemas.microsoft.com/office/drawing/2014/main" id="{49FA7502-C7F3-4D88-90B1-11FA533A3F80}"/>
               </a:ext>
             </a:extLst>
           </p:cNvPr>
@@ -28164,7 +27577,7 @@
           <p:cNvPr id="5" name="Rectangle 1">
             <a:extLst>
               <a:ext uri="{FF2B5EF4-FFF2-40B4-BE49-F238E27FC236}">
-                <a16:creationId xmlns:a16="http://schemas.microsoft.com/office/drawing/2014/main" xmlns="" id="{C177939B-D70B-47A3-A4A9-6AF0F29F2F0B}"/>
+                <a16:creationId xmlns:a16="http://schemas.microsoft.com/office/drawing/2014/main" id="{C177939B-D70B-47A3-A4A9-6AF0F29F2F0B}"/>
               </a:ext>
             </a:extLst>
           </p:cNvPr>
@@ -28253,7 +27666,7 @@
           <p:cNvPr id="6" name="Rectangle 1">
             <a:extLst>
               <a:ext uri="{FF2B5EF4-FFF2-40B4-BE49-F238E27FC236}">
-                <a16:creationId xmlns:a16="http://schemas.microsoft.com/office/drawing/2014/main" xmlns="" id="{7681AF85-EE99-42E3-9B45-F88BCD1E401F}"/>
+                <a16:creationId xmlns:a16="http://schemas.microsoft.com/office/drawing/2014/main" id="{7681AF85-EE99-42E3-9B45-F88BCD1E401F}"/>
               </a:ext>
             </a:extLst>
           </p:cNvPr>
@@ -28342,7 +27755,7 @@
           <p:cNvPr id="16386" name="Picture 2" descr="Картинки по запросу string vs stringbuilder vs stringbuffer java">
             <a:extLst>
               <a:ext uri="{FF2B5EF4-FFF2-40B4-BE49-F238E27FC236}">
-                <a16:creationId xmlns:a16="http://schemas.microsoft.com/office/drawing/2014/main" xmlns="" id="{DD815080-F001-4623-9682-64E1BF9D2F13}"/>
+                <a16:creationId xmlns:a16="http://schemas.microsoft.com/office/drawing/2014/main" id="{DD815080-F001-4623-9682-64E1BF9D2F13}"/>
               </a:ext>
             </a:extLst>
           </p:cNvPr>
@@ -28458,7 +27871,7 @@
           <p:cNvPr id="4" name="Rectangle 1">
             <a:extLst>
               <a:ext uri="{FF2B5EF4-FFF2-40B4-BE49-F238E27FC236}">
-                <a16:creationId xmlns:a16="http://schemas.microsoft.com/office/drawing/2014/main" xmlns="" id="{49FA7502-C7F3-4D88-90B1-11FA533A3F80}"/>
+                <a16:creationId xmlns:a16="http://schemas.microsoft.com/office/drawing/2014/main" id="{49FA7502-C7F3-4D88-90B1-11FA533A3F80}"/>
               </a:ext>
             </a:extLst>
           </p:cNvPr>
@@ -28547,7 +27960,7 @@
           <p:cNvPr id="5" name="Rectangle 1">
             <a:extLst>
               <a:ext uri="{FF2B5EF4-FFF2-40B4-BE49-F238E27FC236}">
-                <a16:creationId xmlns:a16="http://schemas.microsoft.com/office/drawing/2014/main" xmlns="" id="{C177939B-D70B-47A3-A4A9-6AF0F29F2F0B}"/>
+                <a16:creationId xmlns:a16="http://schemas.microsoft.com/office/drawing/2014/main" id="{C177939B-D70B-47A3-A4A9-6AF0F29F2F0B}"/>
               </a:ext>
             </a:extLst>
           </p:cNvPr>
@@ -28636,7 +28049,7 @@
           <p:cNvPr id="6" name="Rectangle 1">
             <a:extLst>
               <a:ext uri="{FF2B5EF4-FFF2-40B4-BE49-F238E27FC236}">
-                <a16:creationId xmlns:a16="http://schemas.microsoft.com/office/drawing/2014/main" xmlns="" id="{7681AF85-EE99-42E3-9B45-F88BCD1E401F}"/>
+                <a16:creationId xmlns:a16="http://schemas.microsoft.com/office/drawing/2014/main" id="{7681AF85-EE99-42E3-9B45-F88BCD1E401F}"/>
               </a:ext>
             </a:extLst>
           </p:cNvPr>
@@ -28725,7 +28138,7 @@
           <p:cNvPr id="9" name="Таблиця 8">
             <a:extLst>
               <a:ext uri="{FF2B5EF4-FFF2-40B4-BE49-F238E27FC236}">
-                <a16:creationId xmlns:a16="http://schemas.microsoft.com/office/drawing/2014/main" xmlns="" id="{34AE852B-75AB-4692-BD18-44216962BC39}"/>
+                <a16:creationId xmlns:a16="http://schemas.microsoft.com/office/drawing/2014/main" id="{34AE852B-75AB-4692-BD18-44216962BC39}"/>
               </a:ext>
             </a:extLst>
           </p:cNvPr>
@@ -28754,28 +28167,28 @@
                 <a:gridCol w="2286000">
                   <a:extLst>
                     <a:ext uri="{9D8B030D-6E8A-4147-A177-3AD203B41FA5}">
-                      <a16:colId xmlns:a16="http://schemas.microsoft.com/office/drawing/2014/main" xmlns="" val="6845744"/>
+                      <a16:colId xmlns:a16="http://schemas.microsoft.com/office/drawing/2014/main" val="6845744"/>
                     </a:ext>
                   </a:extLst>
                 </a:gridCol>
                 <a:gridCol w="2286000">
                   <a:extLst>
                     <a:ext uri="{9D8B030D-6E8A-4147-A177-3AD203B41FA5}">
-                      <a16:colId xmlns:a16="http://schemas.microsoft.com/office/drawing/2014/main" xmlns="" val="3388244049"/>
+                      <a16:colId xmlns:a16="http://schemas.microsoft.com/office/drawing/2014/main" val="3388244049"/>
                     </a:ext>
                   </a:extLst>
                 </a:gridCol>
                 <a:gridCol w="2286000">
                   <a:extLst>
                     <a:ext uri="{9D8B030D-6E8A-4147-A177-3AD203B41FA5}">
-                      <a16:colId xmlns:a16="http://schemas.microsoft.com/office/drawing/2014/main" xmlns="" val="928790593"/>
+                      <a16:colId xmlns:a16="http://schemas.microsoft.com/office/drawing/2014/main" val="928790593"/>
                     </a:ext>
                   </a:extLst>
                 </a:gridCol>
                 <a:gridCol w="2286000">
                   <a:extLst>
                     <a:ext uri="{9D8B030D-6E8A-4147-A177-3AD203B41FA5}">
-                      <a16:colId xmlns:a16="http://schemas.microsoft.com/office/drawing/2014/main" xmlns="" val="2994235315"/>
+                      <a16:colId xmlns:a16="http://schemas.microsoft.com/office/drawing/2014/main" val="2994235315"/>
                     </a:ext>
                   </a:extLst>
                 </a:gridCol>
@@ -28867,7 +28280,7 @@
                 </a:tc>
                 <a:extLst>
                   <a:ext uri="{0D108BD9-81ED-4DB2-BD59-A6C34878D82A}">
-                    <a16:rowId xmlns:a16="http://schemas.microsoft.com/office/drawing/2014/main" xmlns="" val="1521795023"/>
+                    <a16:rowId xmlns:a16="http://schemas.microsoft.com/office/drawing/2014/main" val="1521795023"/>
                   </a:ext>
                 </a:extLst>
               </a:tr>
@@ -28879,10 +28292,9 @@
                     <a:p>
                       <a:pPr algn="l"/>
                       <a:r>
-                        <a:rPr lang="en-US" dirty="0" smtClean="0"/>
+                        <a:rPr lang="en-US" dirty="0"/>
                         <a:t>Storage</a:t>
                       </a:r>
-                      <a:endParaRPr lang="en-US" dirty="0"/>
                     </a:p>
                   </a:txBody>
                   <a:tcPr/>
@@ -28894,11 +28306,11 @@
                     <a:p>
                       <a:pPr algn="l"/>
                       <a:r>
-                        <a:rPr lang="en-US" dirty="0" smtClean="0"/>
+                        <a:rPr lang="en-US" dirty="0"/>
                         <a:t>String</a:t>
                       </a:r>
                       <a:r>
-                        <a:rPr lang="en-US" baseline="0" dirty="0" smtClean="0"/>
+                        <a:rPr lang="en-US" baseline="0" dirty="0"/>
                         <a:t> pool</a:t>
                       </a:r>
                       <a:endParaRPr lang="en-US" dirty="0"/>
@@ -28913,10 +28325,9 @@
                     <a:p>
                       <a:pPr algn="l"/>
                       <a:r>
-                        <a:rPr lang="en-US" dirty="0" smtClean="0"/>
+                        <a:rPr lang="en-US" dirty="0"/>
                         <a:t>Heap</a:t>
                       </a:r>
-                      <a:endParaRPr lang="en-US" dirty="0"/>
                     </a:p>
                   </a:txBody>
                   <a:tcPr/>
@@ -28928,17 +28339,16 @@
                     <a:p>
                       <a:pPr algn="l"/>
                       <a:r>
-                        <a:rPr lang="en-US" dirty="0" smtClean="0"/>
+                        <a:rPr lang="en-US" dirty="0"/>
                         <a:t>Heap</a:t>
                       </a:r>
-                      <a:endParaRPr lang="en-US" dirty="0"/>
                     </a:p>
                   </a:txBody>
                   <a:tcPr/>
                 </a:tc>
                 <a:extLst>
                   <a:ext uri="{0D108BD9-81ED-4DB2-BD59-A6C34878D82A}">
-                    <a16:rowId xmlns:a16="http://schemas.microsoft.com/office/drawing/2014/main" xmlns="" val="3279341362"/>
+                    <a16:rowId xmlns:a16="http://schemas.microsoft.com/office/drawing/2014/main" val="3279341362"/>
                   </a:ext>
                 </a:extLst>
               </a:tr>
@@ -28950,10 +28360,9 @@
                     <a:p>
                       <a:pPr algn="l"/>
                       <a:r>
-                        <a:rPr lang="en-US" dirty="0" smtClean="0"/>
+                        <a:rPr lang="en-US" dirty="0"/>
                         <a:t>Mutability</a:t>
                       </a:r>
-                      <a:endParaRPr lang="en-US" dirty="0"/>
                     </a:p>
                   </a:txBody>
                   <a:tcPr/>
@@ -28965,7 +28374,7 @@
                     <a:p>
                       <a:pPr algn="l"/>
                       <a:r>
-                        <a:rPr lang="en-US" sz="1800" b="0" i="0" kern="1200" dirty="0" smtClean="0">
+                        <a:rPr lang="en-US" sz="1800" b="0" i="0" kern="1200" dirty="0">
                           <a:solidFill>
                             <a:schemeClr val="dk1"/>
                           </a:solidFill>
@@ -28977,10 +28386,9 @@
                         <a:t>immutable</a:t>
                       </a:r>
                       <a:r>
-                        <a:rPr lang="en-US" dirty="0" smtClean="0"/>
+                        <a:rPr lang="en-US" dirty="0"/>
                         <a:t> </a:t>
                       </a:r>
-                      <a:endParaRPr lang="en-US" dirty="0"/>
                     </a:p>
                   </a:txBody>
                   <a:tcPr/>
@@ -29018,7 +28426,7 @@
                     <a:p>
                       <a:pPr algn="l"/>
                       <a:r>
-                        <a:rPr lang="en-US" sz="1800" b="0" i="0" kern="1200" dirty="0" smtClean="0">
+                        <a:rPr lang="en-US" sz="1800" b="0" i="0" kern="1200" dirty="0">
                           <a:solidFill>
                             <a:schemeClr val="dk1"/>
                           </a:solidFill>
@@ -29036,7 +28444,7 @@
                 </a:tc>
                 <a:extLst>
                   <a:ext uri="{0D108BD9-81ED-4DB2-BD59-A6C34878D82A}">
-                    <a16:rowId xmlns:a16="http://schemas.microsoft.com/office/drawing/2014/main" xmlns="" val="3582882400"/>
+                    <a16:rowId xmlns:a16="http://schemas.microsoft.com/office/drawing/2014/main" val="3582882400"/>
                   </a:ext>
                 </a:extLst>
               </a:tr>
@@ -29048,10 +28456,9 @@
                     <a:p>
                       <a:pPr algn="l"/>
                       <a:r>
-                        <a:rPr lang="en-US" dirty="0" smtClean="0"/>
+                        <a:rPr lang="en-US" dirty="0"/>
                         <a:t>Specific</a:t>
                       </a:r>
-                      <a:endParaRPr lang="en-US" dirty="0"/>
                     </a:p>
                   </a:txBody>
                   <a:tcPr/>
@@ -29108,20 +28515,15 @@
                       </a:pPr>
                       <a:r>
                         <a:rPr lang="en-US" dirty="0"/>
-                        <a:t>No overloaded </a:t>
+                        <a:t>No overloaded operators</a:t>
                       </a:r>
-                      <a:r>
-                        <a:rPr lang="en-US" dirty="0" smtClean="0"/>
-                        <a:t>operators</a:t>
-                      </a:r>
-                      <a:endParaRPr lang="en-US" dirty="0"/>
                     </a:p>
                   </a:txBody>
                   <a:tcPr/>
                 </a:tc>
                 <a:extLst>
                   <a:ext uri="{0D108BD9-81ED-4DB2-BD59-A6C34878D82A}">
-                    <a16:rowId xmlns:a16="http://schemas.microsoft.com/office/drawing/2014/main" xmlns="" val="683457254"/>
+                    <a16:rowId xmlns:a16="http://schemas.microsoft.com/office/drawing/2014/main" val="683457254"/>
                   </a:ext>
                 </a:extLst>
               </a:tr>
@@ -29133,10 +28535,9 @@
                     <a:p>
                       <a:pPr algn="l"/>
                       <a:r>
-                        <a:rPr lang="en-US" dirty="0" smtClean="0"/>
+                        <a:rPr lang="en-US" dirty="0"/>
                         <a:t>Purpose</a:t>
                       </a:r>
-                      <a:endParaRPr lang="en-US" dirty="0"/>
                     </a:p>
                   </a:txBody>
                   <a:tcPr/>
@@ -29157,19 +28558,7 @@
                           <a:ea typeface="+mn-ea"/>
                           <a:cs typeface="+mn-cs"/>
                         </a:rPr>
-                        <a:t>Good for temporary literals and </a:t>
-                      </a:r>
-                      <a:r>
-                        <a:rPr lang="en-US" sz="1800" b="0" i="0" kern="1200" dirty="0" smtClean="0">
-                          <a:solidFill>
-                            <a:schemeClr val="dk1"/>
-                          </a:solidFill>
-                          <a:effectLst/>
-                          <a:latin typeface="+mn-lt"/>
-                          <a:ea typeface="+mn-ea"/>
-                          <a:cs typeface="+mn-cs"/>
-                        </a:rPr>
-                        <a:t>constants</a:t>
+                        <a:t>Good for temporary literals and constants</a:t>
                       </a:r>
                       <a:endParaRPr lang="en-US" dirty="0"/>
                     </a:p>
@@ -29231,19 +28620,7 @@
                           <a:ea typeface="+mn-ea"/>
                           <a:cs typeface="+mn-cs"/>
                         </a:rPr>
-                        <a:t>Good frequently changed </a:t>
-                      </a:r>
-                      <a:r>
-                        <a:rPr lang="en-US" sz="1800" b="0" i="0" kern="1200" dirty="0" smtClean="0">
-                          <a:solidFill>
-                            <a:schemeClr val="dk1"/>
-                          </a:solidFill>
-                          <a:effectLst/>
-                          <a:latin typeface="+mn-lt"/>
-                          <a:ea typeface="+mn-ea"/>
-                          <a:cs typeface="+mn-cs"/>
-                        </a:rPr>
-                        <a:t>strings</a:t>
+                        <a:t>Good frequently changed strings</a:t>
                       </a:r>
                       <a:endParaRPr lang="en-US" dirty="0"/>
                     </a:p>
@@ -29252,7 +28629,7 @@
                 </a:tc>
                 <a:extLst>
                   <a:ext uri="{0D108BD9-81ED-4DB2-BD59-A6C34878D82A}">
-                    <a16:rowId xmlns:a16="http://schemas.microsoft.com/office/drawing/2014/main" xmlns="" val="1969611214"/>
+                    <a16:rowId xmlns:a16="http://schemas.microsoft.com/office/drawing/2014/main" val="1969611214"/>
                   </a:ext>
                 </a:extLst>
               </a:tr>
@@ -29264,10 +28641,9 @@
                     <a:p>
                       <a:pPr algn="l"/>
                       <a:r>
-                        <a:rPr lang="en-US" dirty="0" smtClean="0"/>
+                        <a:rPr lang="en-US" dirty="0"/>
                         <a:t>Thread safety</a:t>
                       </a:r>
-                      <a:endParaRPr lang="en-US" dirty="0"/>
                     </a:p>
                   </a:txBody>
                   <a:tcPr/>
@@ -29279,10 +28655,9 @@
                     <a:p>
                       <a:pPr algn="l"/>
                       <a:r>
-                        <a:rPr lang="en-US" dirty="0" smtClean="0"/>
+                        <a:rPr lang="en-US" dirty="0"/>
                         <a:t>Yes</a:t>
                       </a:r>
-                      <a:endParaRPr lang="en-US" dirty="0"/>
                     </a:p>
                   </a:txBody>
                   <a:tcPr/>
@@ -29310,10 +28685,9 @@
                         <a:defRPr/>
                       </a:pPr>
                       <a:r>
-                        <a:rPr lang="en-US" dirty="0" smtClean="0"/>
+                        <a:rPr lang="en-US" dirty="0"/>
                         <a:t>No</a:t>
                       </a:r>
-                      <a:endParaRPr lang="en-US" dirty="0"/>
                     </a:p>
                   </a:txBody>
                   <a:tcPr/>
@@ -29341,17 +28715,16 @@
                         <a:defRPr/>
                       </a:pPr>
                       <a:r>
-                        <a:rPr lang="en-US" dirty="0" smtClean="0"/>
+                        <a:rPr lang="en-US" dirty="0"/>
                         <a:t>Yes</a:t>
                       </a:r>
-                      <a:endParaRPr lang="en-US" dirty="0"/>
                     </a:p>
                   </a:txBody>
                   <a:tcPr/>
                 </a:tc>
                 <a:extLst>
                   <a:ext uri="{0D108BD9-81ED-4DB2-BD59-A6C34878D82A}">
-                    <a16:rowId xmlns:a16="http://schemas.microsoft.com/office/drawing/2014/main" xmlns="" val="1684209653"/>
+                    <a16:rowId xmlns:a16="http://schemas.microsoft.com/office/drawing/2014/main" val="1684209653"/>
                   </a:ext>
                 </a:extLst>
               </a:tr>
@@ -29363,10 +28736,9 @@
                     <a:p>
                       <a:pPr algn="l"/>
                       <a:r>
-                        <a:rPr lang="en-US" dirty="0" smtClean="0"/>
+                        <a:rPr lang="en-US" dirty="0"/>
                         <a:t>Performance</a:t>
                       </a:r>
-                      <a:endParaRPr lang="en-US" dirty="0"/>
                     </a:p>
                   </a:txBody>
                   <a:tcPr/>
@@ -29378,10 +28750,9 @@
                     <a:p>
                       <a:pPr algn="l"/>
                       <a:r>
-                        <a:rPr lang="en-US" dirty="0" smtClean="0"/>
+                        <a:rPr lang="en-US" dirty="0"/>
                         <a:t>Fast for literals</a:t>
                       </a:r>
-                      <a:endParaRPr lang="en-US" dirty="0"/>
                     </a:p>
                   </a:txBody>
                   <a:tcPr/>
@@ -29393,10 +28764,9 @@
                     <a:p>
                       <a:pPr algn="l"/>
                       <a:r>
-                        <a:rPr lang="en-US" dirty="0" smtClean="0"/>
+                        <a:rPr lang="en-US" dirty="0"/>
                         <a:t>Fast</a:t>
                       </a:r>
-                      <a:endParaRPr lang="en-US" dirty="0"/>
                     </a:p>
                   </a:txBody>
                   <a:tcPr/>
@@ -29408,17 +28778,16 @@
                     <a:p>
                       <a:pPr algn="l"/>
                       <a:r>
-                        <a:rPr lang="en-US" dirty="0" smtClean="0"/>
+                        <a:rPr lang="en-US" dirty="0"/>
                         <a:t>Slow</a:t>
                       </a:r>
-                      <a:endParaRPr lang="en-US" dirty="0"/>
                     </a:p>
                   </a:txBody>
                   <a:tcPr/>
                 </a:tc>
                 <a:extLst>
                   <a:ext uri="{0D108BD9-81ED-4DB2-BD59-A6C34878D82A}">
-                    <a16:rowId xmlns:a16="http://schemas.microsoft.com/office/drawing/2014/main" xmlns="" val="199399117"/>
+                    <a16:rowId xmlns:a16="http://schemas.microsoft.com/office/drawing/2014/main" val="199399117"/>
                   </a:ext>
                 </a:extLst>
               </a:tr>

--- a/Lectures/Lesson 02 - Built-In Classes.pptx
+++ b/Lectures/Lesson 02 - Built-In Classes.pptx
@@ -33,7 +33,7 @@
     <p:sldId id="281" r:id="rId24"/>
     <p:sldId id="283" r:id="rId25"/>
     <p:sldId id="284" r:id="rId26"/>
-    <p:sldId id="285" r:id="rId27"/>
+    <p:sldId id="297" r:id="rId27"/>
     <p:sldId id="286" r:id="rId28"/>
     <p:sldId id="288" r:id="rId29"/>
     <p:sldId id="289" r:id="rId30"/>
@@ -231,7 +231,7 @@
           <a:p>
             <a:fld id="{E02A8A83-6CB5-4597-88C8-473182A1D80C}" type="datetimeFigureOut">
               <a:rPr lang="en-US" smtClean="0"/>
-              <a:t>30-Oct-18</a:t>
+              <a:t>12/9/2018</a:t>
             </a:fld>
             <a:endParaRPr lang="en-US"/>
           </a:p>
@@ -389,7 +389,7 @@
           <a:p>
             <a:fld id="{A2894658-6FB3-43D6-804A-F306B9C561BF}" type="slidenum">
               <a:rPr lang="en-US" smtClean="0"/>
-              <a:t>‹№›</a:t>
+              <a:t>‹#›</a:t>
             </a:fld>
             <a:endParaRPr lang="en-US"/>
           </a:p>
@@ -3212,7 +3212,7 @@
           <a:p>
             <a:fld id="{EEB28C23-52B7-4DED-9EA2-9F92B91AC614}" type="datetimeFigureOut">
               <a:rPr lang="en-US" smtClean="0"/>
-              <a:t>30-Oct-18</a:t>
+              <a:t>12/9/2018</a:t>
             </a:fld>
             <a:endParaRPr lang="en-US"/>
           </a:p>
@@ -3254,7 +3254,7 @@
           <a:p>
             <a:fld id="{FD3F9752-28EF-4474-AF58-DD23A8EE3509}" type="slidenum">
               <a:rPr lang="en-US" smtClean="0"/>
-              <a:t>‹№›</a:t>
+              <a:t>‹#›</a:t>
             </a:fld>
             <a:endParaRPr lang="en-US"/>
           </a:p>
@@ -3380,7 +3380,7 @@
           <a:p>
             <a:fld id="{EEB28C23-52B7-4DED-9EA2-9F92B91AC614}" type="datetimeFigureOut">
               <a:rPr lang="en-US" smtClean="0"/>
-              <a:t>30-Oct-18</a:t>
+              <a:t>12/9/2018</a:t>
             </a:fld>
             <a:endParaRPr lang="en-US"/>
           </a:p>
@@ -3422,7 +3422,7 @@
           <a:p>
             <a:fld id="{FD3F9752-28EF-4474-AF58-DD23A8EE3509}" type="slidenum">
               <a:rPr lang="en-US" smtClean="0"/>
-              <a:t>‹№›</a:t>
+              <a:t>‹#›</a:t>
             </a:fld>
             <a:endParaRPr lang="en-US"/>
           </a:p>
@@ -3558,7 +3558,7 @@
           <a:p>
             <a:fld id="{EEB28C23-52B7-4DED-9EA2-9F92B91AC614}" type="datetimeFigureOut">
               <a:rPr lang="en-US" smtClean="0"/>
-              <a:t>30-Oct-18</a:t>
+              <a:t>12/9/2018</a:t>
             </a:fld>
             <a:endParaRPr lang="en-US"/>
           </a:p>
@@ -3600,7 +3600,7 @@
           <a:p>
             <a:fld id="{FD3F9752-28EF-4474-AF58-DD23A8EE3509}" type="slidenum">
               <a:rPr lang="en-US" smtClean="0"/>
-              <a:t>‹№›</a:t>
+              <a:t>‹#›</a:t>
             </a:fld>
             <a:endParaRPr lang="en-US"/>
           </a:p>
@@ -3726,7 +3726,7 @@
           <a:p>
             <a:fld id="{EEB28C23-52B7-4DED-9EA2-9F92B91AC614}" type="datetimeFigureOut">
               <a:rPr lang="en-US" smtClean="0"/>
-              <a:t>30-Oct-18</a:t>
+              <a:t>12/9/2018</a:t>
             </a:fld>
             <a:endParaRPr lang="en-US"/>
           </a:p>
@@ -3768,7 +3768,7 @@
           <a:p>
             <a:fld id="{FD3F9752-28EF-4474-AF58-DD23A8EE3509}" type="slidenum">
               <a:rPr lang="en-US" smtClean="0"/>
-              <a:t>‹№›</a:t>
+              <a:t>‹#›</a:t>
             </a:fld>
             <a:endParaRPr lang="en-US"/>
           </a:p>
@@ -3971,7 +3971,7 @@
           <a:p>
             <a:fld id="{EEB28C23-52B7-4DED-9EA2-9F92B91AC614}" type="datetimeFigureOut">
               <a:rPr lang="en-US" smtClean="0"/>
-              <a:t>30-Oct-18</a:t>
+              <a:t>12/9/2018</a:t>
             </a:fld>
             <a:endParaRPr lang="en-US"/>
           </a:p>
@@ -4013,7 +4013,7 @@
           <a:p>
             <a:fld id="{FD3F9752-28EF-4474-AF58-DD23A8EE3509}" type="slidenum">
               <a:rPr lang="en-US" smtClean="0"/>
-              <a:t>‹№›</a:t>
+              <a:t>‹#›</a:t>
             </a:fld>
             <a:endParaRPr lang="en-US"/>
           </a:p>
@@ -4200,7 +4200,7 @@
           <a:p>
             <a:fld id="{EEB28C23-52B7-4DED-9EA2-9F92B91AC614}" type="datetimeFigureOut">
               <a:rPr lang="en-US" smtClean="0"/>
-              <a:t>30-Oct-18</a:t>
+              <a:t>12/9/2018</a:t>
             </a:fld>
             <a:endParaRPr lang="en-US"/>
           </a:p>
@@ -4242,7 +4242,7 @@
           <a:p>
             <a:fld id="{FD3F9752-28EF-4474-AF58-DD23A8EE3509}" type="slidenum">
               <a:rPr lang="en-US" smtClean="0"/>
-              <a:t>‹№›</a:t>
+              <a:t>‹#›</a:t>
             </a:fld>
             <a:endParaRPr lang="en-US"/>
           </a:p>
@@ -4564,7 +4564,7 @@
           <a:p>
             <a:fld id="{EEB28C23-52B7-4DED-9EA2-9F92B91AC614}" type="datetimeFigureOut">
               <a:rPr lang="en-US" smtClean="0"/>
-              <a:t>30-Oct-18</a:t>
+              <a:t>12/9/2018</a:t>
             </a:fld>
             <a:endParaRPr lang="en-US"/>
           </a:p>
@@ -4606,7 +4606,7 @@
           <a:p>
             <a:fld id="{FD3F9752-28EF-4474-AF58-DD23A8EE3509}" type="slidenum">
               <a:rPr lang="en-US" smtClean="0"/>
-              <a:t>‹№›</a:t>
+              <a:t>‹#›</a:t>
             </a:fld>
             <a:endParaRPr lang="en-US"/>
           </a:p>
@@ -4681,7 +4681,7 @@
           <a:p>
             <a:fld id="{EEB28C23-52B7-4DED-9EA2-9F92B91AC614}" type="datetimeFigureOut">
               <a:rPr lang="en-US" smtClean="0"/>
-              <a:t>30-Oct-18</a:t>
+              <a:t>12/9/2018</a:t>
             </a:fld>
             <a:endParaRPr lang="en-US"/>
           </a:p>
@@ -4723,7 +4723,7 @@
           <a:p>
             <a:fld id="{FD3F9752-28EF-4474-AF58-DD23A8EE3509}" type="slidenum">
               <a:rPr lang="en-US" smtClean="0"/>
-              <a:t>‹№›</a:t>
+              <a:t>‹#›</a:t>
             </a:fld>
             <a:endParaRPr lang="en-US"/>
           </a:p>
@@ -4776,7 +4776,7 @@
           <a:p>
             <a:fld id="{EEB28C23-52B7-4DED-9EA2-9F92B91AC614}" type="datetimeFigureOut">
               <a:rPr lang="en-US" smtClean="0"/>
-              <a:t>30-Oct-18</a:t>
+              <a:t>12/9/2018</a:t>
             </a:fld>
             <a:endParaRPr lang="en-US"/>
           </a:p>
@@ -4818,7 +4818,7 @@
           <a:p>
             <a:fld id="{FD3F9752-28EF-4474-AF58-DD23A8EE3509}" type="slidenum">
               <a:rPr lang="en-US" smtClean="0"/>
-              <a:t>‹№›</a:t>
+              <a:t>‹#›</a:t>
             </a:fld>
             <a:endParaRPr lang="en-US"/>
           </a:p>
@@ -5051,7 +5051,7 @@
           <a:p>
             <a:fld id="{EEB28C23-52B7-4DED-9EA2-9F92B91AC614}" type="datetimeFigureOut">
               <a:rPr lang="en-US" smtClean="0"/>
-              <a:t>30-Oct-18</a:t>
+              <a:t>12/9/2018</a:t>
             </a:fld>
             <a:endParaRPr lang="en-US"/>
           </a:p>
@@ -5093,7 +5093,7 @@
           <a:p>
             <a:fld id="{FD3F9752-28EF-4474-AF58-DD23A8EE3509}" type="slidenum">
               <a:rPr lang="en-US" smtClean="0"/>
-              <a:t>‹№›</a:t>
+              <a:t>‹#›</a:t>
             </a:fld>
             <a:endParaRPr lang="en-US"/>
           </a:p>
@@ -5303,7 +5303,7 @@
           <a:p>
             <a:fld id="{EEB28C23-52B7-4DED-9EA2-9F92B91AC614}" type="datetimeFigureOut">
               <a:rPr lang="en-US" smtClean="0"/>
-              <a:t>30-Oct-18</a:t>
+              <a:t>12/9/2018</a:t>
             </a:fld>
             <a:endParaRPr lang="en-US"/>
           </a:p>
@@ -5345,7 +5345,7 @@
           <a:p>
             <a:fld id="{FD3F9752-28EF-4474-AF58-DD23A8EE3509}" type="slidenum">
               <a:rPr lang="en-US" smtClean="0"/>
-              <a:t>‹№›</a:t>
+              <a:t>‹#›</a:t>
             </a:fld>
             <a:endParaRPr lang="en-US"/>
           </a:p>
@@ -5514,7 +5514,7 @@
           <a:p>
             <a:fld id="{EEB28C23-52B7-4DED-9EA2-9F92B91AC614}" type="datetimeFigureOut">
               <a:rPr lang="en-US" smtClean="0"/>
-              <a:t>30-Oct-18</a:t>
+              <a:t>12/9/2018</a:t>
             </a:fld>
             <a:endParaRPr lang="en-US"/>
           </a:p>
@@ -5592,7 +5592,7 @@
           <a:p>
             <a:fld id="{FD3F9752-28EF-4474-AF58-DD23A8EE3509}" type="slidenum">
               <a:rPr lang="en-US" smtClean="0"/>
-              <a:t>‹№›</a:t>
+              <a:t>‹#›</a:t>
             </a:fld>
             <a:endParaRPr lang="en-US"/>
           </a:p>
@@ -7267,6 +7267,16 @@
                 <a:cs typeface="Courier New" panose="02070309020205020404" pitchFamily="49" charset="0"/>
               </a:rPr>
             </a:br>
+            <a:r>
+              <a:rPr lang="en-US" altLang="en-US" dirty="0">
+                <a:solidFill>
+                  <a:srgbClr val="000000"/>
+                </a:solidFill>
+                <a:latin typeface="Courier New" panose="02070309020205020404" pitchFamily="49" charset="0"/>
+                <a:cs typeface="Courier New" panose="02070309020205020404" pitchFamily="49" charset="0"/>
+              </a:rPr>
+              <a:t/>
+            </a:r>
             <a:br>
               <a:rPr lang="en-US" altLang="en-US" dirty="0">
                 <a:solidFill>
@@ -8243,6 +8253,16 @@
                 <a:cs typeface="Courier New" panose="02070309020205020404" pitchFamily="49" charset="0"/>
               </a:rPr>
             </a:br>
+            <a:r>
+              <a:rPr lang="en-US" altLang="en-US" sz="1700" dirty="0">
+                <a:solidFill>
+                  <a:srgbClr val="000000"/>
+                </a:solidFill>
+                <a:latin typeface="Courier New" panose="02070309020205020404" pitchFamily="49" charset="0"/>
+                <a:cs typeface="Courier New" panose="02070309020205020404" pitchFamily="49" charset="0"/>
+              </a:rPr>
+              <a:t/>
+            </a:r>
             <a:br>
               <a:rPr lang="en-US" altLang="en-US" sz="1700" dirty="0">
                 <a:solidFill>
@@ -9141,6 +9161,16 @@
                 <a:cs typeface="Courier New" panose="02070309020205020404" pitchFamily="49" charset="0"/>
               </a:rPr>
             </a:br>
+            <a:r>
+              <a:rPr lang="en-US" altLang="en-US" sz="1200" dirty="0">
+                <a:solidFill>
+                  <a:srgbClr val="000000"/>
+                </a:solidFill>
+                <a:latin typeface="Courier New" panose="02070309020205020404" pitchFamily="49" charset="0"/>
+                <a:cs typeface="Courier New" panose="02070309020205020404" pitchFamily="49" charset="0"/>
+              </a:rPr>
+              <a:t/>
+            </a:r>
             <a:br>
               <a:rPr lang="en-US" altLang="en-US" sz="1200" dirty="0">
                 <a:solidFill>
@@ -9384,6 +9414,16 @@
                 <a:cs typeface="Courier New" panose="02070309020205020404" pitchFamily="49" charset="0"/>
               </a:rPr>
             </a:br>
+            <a:r>
+              <a:rPr lang="en-US" altLang="en-US" sz="1200" dirty="0">
+                <a:solidFill>
+                  <a:srgbClr val="000000"/>
+                </a:solidFill>
+                <a:latin typeface="Courier New" panose="02070309020205020404" pitchFamily="49" charset="0"/>
+                <a:cs typeface="Courier New" panose="02070309020205020404" pitchFamily="49" charset="0"/>
+              </a:rPr>
+              <a:t/>
+            </a:r>
             <a:br>
               <a:rPr lang="en-US" altLang="en-US" sz="1200" dirty="0">
                 <a:solidFill>
@@ -9393,6 +9433,16 @@
                 <a:cs typeface="Courier New" panose="02070309020205020404" pitchFamily="49" charset="0"/>
               </a:rPr>
             </a:br>
+            <a:r>
+              <a:rPr lang="en-US" altLang="en-US" sz="1200" dirty="0">
+                <a:solidFill>
+                  <a:srgbClr val="000000"/>
+                </a:solidFill>
+                <a:latin typeface="Courier New" panose="02070309020205020404" pitchFamily="49" charset="0"/>
+                <a:cs typeface="Courier New" panose="02070309020205020404" pitchFamily="49" charset="0"/>
+              </a:rPr>
+              <a:t/>
+            </a:r>
             <a:br>
               <a:rPr lang="en-US" altLang="en-US" sz="1200" dirty="0">
                 <a:solidFill>
@@ -10242,6 +10292,20 @@
               </a:rPr>
               <a:t>//1</a:t>
             </a:r>
+            <a:r>
+              <a:rPr kumimoji="0" lang="en-US" altLang="en-US" sz="1200" b="0" i="0" u="none" strike="noStrike" cap="none" normalizeH="0" baseline="0" dirty="0">
+                <a:ln>
+                  <a:noFill/>
+                </a:ln>
+                <a:solidFill>
+                  <a:srgbClr val="000000"/>
+                </a:solidFill>
+                <a:effectLst/>
+                <a:latin typeface="Courier New" panose="02070309020205020404" pitchFamily="49" charset="0"/>
+                <a:cs typeface="Courier New" panose="02070309020205020404" pitchFamily="49" charset="0"/>
+              </a:rPr>
+              <a:t/>
+            </a:r>
             <a:br>
               <a:rPr kumimoji="0" lang="en-US" altLang="en-US" sz="1200" b="0" i="0" u="none" strike="noStrike" cap="none" normalizeH="0" baseline="0" dirty="0">
                 <a:ln>
@@ -10515,6 +10579,20 @@
               </a:rPr>
               <a:t>//2</a:t>
             </a:r>
+            <a:r>
+              <a:rPr kumimoji="0" lang="en-US" altLang="en-US" sz="1200" b="0" i="1" u="none" strike="noStrike" cap="none" normalizeH="0" baseline="0" dirty="0">
+                <a:ln>
+                  <a:noFill/>
+                </a:ln>
+                <a:solidFill>
+                  <a:srgbClr val="808080"/>
+                </a:solidFill>
+                <a:effectLst/>
+                <a:latin typeface="Courier New" panose="02070309020205020404" pitchFamily="49" charset="0"/>
+                <a:cs typeface="Courier New" panose="02070309020205020404" pitchFamily="49" charset="0"/>
+              </a:rPr>
+              <a:t/>
+            </a:r>
             <a:br>
               <a:rPr kumimoji="0" lang="en-US" altLang="en-US" sz="1200" b="0" i="1" u="none" strike="noStrike" cap="none" normalizeH="0" baseline="0" dirty="0">
                 <a:ln>
@@ -10721,6 +10799,20 @@
                 <a:cs typeface="Courier New" panose="02070309020205020404" pitchFamily="49" charset="0"/>
               </a:rPr>
               <a:t>ClassCastException</a:t>
+            </a:r>
+            <a:r>
+              <a:rPr kumimoji="0" lang="en-US" altLang="en-US" sz="1200" b="0" i="1" u="none" strike="noStrike" cap="none" normalizeH="0" baseline="0" dirty="0">
+                <a:ln>
+                  <a:noFill/>
+                </a:ln>
+                <a:solidFill>
+                  <a:srgbClr val="808080"/>
+                </a:solidFill>
+                <a:effectLst/>
+                <a:latin typeface="Courier New" panose="02070309020205020404" pitchFamily="49" charset="0"/>
+                <a:cs typeface="Courier New" panose="02070309020205020404" pitchFamily="49" charset="0"/>
+              </a:rPr>
+              <a:t/>
             </a:r>
             <a:br>
               <a:rPr kumimoji="0" lang="en-US" altLang="en-US" sz="1200" b="0" i="1" u="none" strike="noStrike" cap="none" normalizeH="0" baseline="0" dirty="0">
@@ -10773,6 +10865,20 @@
                 <a:cs typeface="Courier New" panose="02070309020205020404" pitchFamily="49" charset="0"/>
               </a:rPr>
               <a:t>//3</a:t>
+            </a:r>
+            <a:r>
+              <a:rPr kumimoji="0" lang="en-US" altLang="en-US" sz="1200" b="0" i="1" u="none" strike="noStrike" cap="none" normalizeH="0" baseline="0" dirty="0">
+                <a:ln>
+                  <a:noFill/>
+                </a:ln>
+                <a:solidFill>
+                  <a:srgbClr val="808080"/>
+                </a:solidFill>
+                <a:effectLst/>
+                <a:latin typeface="Courier New" panose="02070309020205020404" pitchFamily="49" charset="0"/>
+                <a:cs typeface="Courier New" panose="02070309020205020404" pitchFamily="49" charset="0"/>
+              </a:rPr>
+              <a:t/>
             </a:r>
             <a:br>
               <a:rPr kumimoji="0" lang="en-US" altLang="en-US" sz="1200" b="0" i="1" u="none" strike="noStrike" cap="none" normalizeH="0" baseline="0" dirty="0">
@@ -11208,6 +11314,16 @@
                 <a:cs typeface="Courier New" panose="02070309020205020404" pitchFamily="49" charset="0"/>
               </a:rPr>
             </a:br>
+            <a:r>
+              <a:rPr lang="en-US" altLang="en-US" sz="2000" i="1" dirty="0">
+                <a:solidFill>
+                  <a:srgbClr val="808080"/>
+                </a:solidFill>
+                <a:latin typeface="Courier New" panose="02070309020205020404" pitchFamily="49" charset="0"/>
+                <a:cs typeface="Courier New" panose="02070309020205020404" pitchFamily="49" charset="0"/>
+              </a:rPr>
+              <a:t/>
+            </a:r>
             <a:br>
               <a:rPr lang="en-US" altLang="en-US" sz="2000" i="1" dirty="0">
                 <a:solidFill>
@@ -11474,6 +11590,16 @@
                 <a:cs typeface="Courier New" panose="02070309020205020404" pitchFamily="49" charset="0"/>
               </a:rPr>
             </a:br>
+            <a:r>
+              <a:rPr lang="en-US" altLang="en-US" sz="2000" i="1" dirty="0">
+                <a:solidFill>
+                  <a:srgbClr val="808080"/>
+                </a:solidFill>
+                <a:latin typeface="Courier New" panose="02070309020205020404" pitchFamily="49" charset="0"/>
+                <a:cs typeface="Courier New" panose="02070309020205020404" pitchFamily="49" charset="0"/>
+              </a:rPr>
+              <a:t/>
+            </a:r>
             <a:br>
               <a:rPr lang="en-US" altLang="en-US" sz="2000" i="1" dirty="0">
                 <a:solidFill>
@@ -16087,6 +16213,16 @@
             <a:pPr marL="0" indent="0">
               <a:buNone/>
             </a:pPr>
+            <a:r>
+              <a:rPr lang="en-US" altLang="en-US" sz="2400" dirty="0">
+                <a:solidFill>
+                  <a:srgbClr val="000000"/>
+                </a:solidFill>
+                <a:latin typeface="Courier New" panose="02070309020205020404" pitchFamily="49" charset="0"/>
+                <a:cs typeface="Courier New" panose="02070309020205020404" pitchFamily="49" charset="0"/>
+              </a:rPr>
+              <a:t/>
+            </a:r>
             <a:br>
               <a:rPr lang="en-US" altLang="en-US" sz="2400" dirty="0">
                 <a:solidFill>
@@ -16928,20 +17064,10 @@
               <a:t>Optional.empty</a:t>
             </a:r>
             <a:r>
-              <a:rPr lang="en-US" dirty="0"/>
+              <a:rPr lang="en-US" dirty="0" smtClean="0"/>
               <a:t>()</a:t>
             </a:r>
-          </a:p>
-          <a:p>
-            <a:pPr>
-              <a:lnSpc>
-                <a:spcPct val="150000"/>
-              </a:lnSpc>
-            </a:pPr>
-            <a:r>
-              <a:rPr lang="en-US" dirty="0"/>
-              <a:t>From stream terminal operation</a:t>
-            </a:r>
+            <a:endParaRPr lang="en-US" dirty="0"/>
           </a:p>
         </p:txBody>
       </p:sp>
@@ -17539,42 +17665,1673 @@
           </a:p>
         </p:txBody>
       </p:sp>
-      <p:pic>
-        <p:nvPicPr>
-          <p:cNvPr id="4" name="Shape 138" descr="p16_4_1.gif"/>
-          <p:cNvPicPr preferRelativeResize="0">
-            <a:picLocks noGrp="1"/>
-          </p:cNvPicPr>
-          <p:nvPr>
-            <p:ph idx="1"/>
-          </p:nvPr>
-        </p:nvPicPr>
-        <p:blipFill>
-          <a:blip r:embed="rId2">
-            <a:alphaModFix/>
-          </a:blip>
-          <a:stretch>
-            <a:fillRect/>
-          </a:stretch>
-        </p:blipFill>
-        <p:spPr>
+      <p:sp>
+        <p:nvSpPr>
+          <p:cNvPr id="6" name="Rectangle 2"/>
+          <p:cNvSpPr>
+            <a:spLocks noChangeArrowheads="1"/>
+          </p:cNvSpPr>
+          <p:nvPr/>
+        </p:nvSpPr>
+        <p:spPr bwMode="auto">
           <a:xfrm>
-            <a:off x="1488152" y="1886465"/>
-            <a:ext cx="9215696" cy="4580237"/>
+            <a:off x="0" y="43934"/>
+            <a:ext cx="184731" cy="369332"/>
           </a:xfrm>
           <a:prstGeom prst="rect">
             <a:avLst/>
           </a:prstGeom>
-          <a:noFill/>
+          <a:solidFill>
+            <a:srgbClr val="FFFFFF"/>
+          </a:solidFill>
           <a:ln>
             <a:noFill/>
           </a:ln>
+          <a:effectLst/>
+          <a:extLst>
+            <a:ext uri="{91240B29-F687-4F45-9708-019B960494DF}">
+              <a14:hiddenLine xmlns:a14="http://schemas.microsoft.com/office/drawing/2010/main" w="9525">
+                <a:solidFill>
+                  <a:schemeClr val="tx1"/>
+                </a:solidFill>
+                <a:miter lim="800000"/>
+                <a:headEnd/>
+                <a:tailEnd/>
+              </a14:hiddenLine>
+            </a:ext>
+            <a:ext uri="{AF507438-7753-43E0-B8FC-AC1667EBCBE1}">
+              <a14:hiddenEffects xmlns:a14="http://schemas.microsoft.com/office/drawing/2010/main">
+                <a:effectLst>
+                  <a:outerShdw dist="35921" dir="2700000" algn="ctr" rotWithShape="0">
+                    <a:schemeClr val="bg2"/>
+                  </a:outerShdw>
+                </a:effectLst>
+              </a14:hiddenEffects>
+            </a:ext>
+          </a:extLst>
         </p:spPr>
-      </p:pic>
+        <p:txBody>
+          <a:bodyPr vert="horz" wrap="none" lIns="91440" tIns="45720" rIns="91440" bIns="45720" numCol="1" anchor="ctr" anchorCtr="0" compatLnSpc="1">
+            <a:prstTxWarp prst="textNoShape">
+              <a:avLst/>
+            </a:prstTxWarp>
+            <a:spAutoFit/>
+          </a:bodyPr>
+          <a:lstStyle/>
+          <a:p>
+            <a:pPr marL="0" marR="0" lvl="0" indent="0" algn="l" defTabSz="914400" rtl="0" eaLnBrk="0" fontAlgn="base" latinLnBrk="0" hangingPunct="0">
+              <a:lnSpc>
+                <a:spcPct val="100000"/>
+              </a:lnSpc>
+              <a:spcBef>
+                <a:spcPct val="0"/>
+              </a:spcBef>
+              <a:spcAft>
+                <a:spcPct val="0"/>
+              </a:spcAft>
+              <a:buClrTx/>
+              <a:buSzTx/>
+              <a:buFontTx/>
+              <a:buNone/>
+              <a:tabLst/>
+            </a:pPr>
+            <a:endParaRPr kumimoji="0" lang="en-US" altLang="en-US" sz="1800" b="0" i="0" u="none" strike="noStrike" cap="none" normalizeH="0" baseline="0" dirty="0" smtClean="0">
+              <a:ln>
+                <a:noFill/>
+              </a:ln>
+              <a:solidFill>
+                <a:schemeClr val="tx1"/>
+              </a:solidFill>
+              <a:effectLst/>
+              <a:latin typeface="Arial" panose="020B0604020202020204" pitchFamily="34" charset="0"/>
+            </a:endParaRPr>
+          </a:p>
+        </p:txBody>
+      </p:sp>
+      <p:sp>
+        <p:nvSpPr>
+          <p:cNvPr id="7" name="Rectangle 3"/>
+          <p:cNvSpPr>
+            <a:spLocks noGrp="1" noChangeArrowheads="1"/>
+          </p:cNvSpPr>
+          <p:nvPr>
+            <p:ph idx="1"/>
+          </p:nvPr>
+        </p:nvSpPr>
+        <p:spPr bwMode="auto">
+          <a:xfrm>
+            <a:off x="838200" y="1626631"/>
+            <a:ext cx="10799751" cy="5231369"/>
+          </a:xfrm>
+          <a:prstGeom prst="rect">
+            <a:avLst/>
+          </a:prstGeom>
+          <a:solidFill>
+            <a:srgbClr val="FFFFFF"/>
+          </a:solidFill>
+          <a:ln>
+            <a:noFill/>
+          </a:ln>
+          <a:effectLst/>
+          <a:extLst>
+            <a:ext uri="{91240B29-F687-4F45-9708-019B960494DF}">
+              <a14:hiddenLine xmlns:a14="http://schemas.microsoft.com/office/drawing/2010/main" w="9525">
+                <a:solidFill>
+                  <a:schemeClr val="tx1"/>
+                </a:solidFill>
+                <a:miter lim="800000"/>
+                <a:headEnd/>
+                <a:tailEnd/>
+              </a14:hiddenLine>
+            </a:ext>
+            <a:ext uri="{AF507438-7753-43E0-B8FC-AC1667EBCBE1}">
+              <a14:hiddenEffects xmlns:a14="http://schemas.microsoft.com/office/drawing/2010/main">
+                <a:effectLst>
+                  <a:outerShdw dist="35921" dir="2700000" algn="ctr" rotWithShape="0">
+                    <a:schemeClr val="bg2"/>
+                  </a:outerShdw>
+                </a:effectLst>
+              </a14:hiddenEffects>
+            </a:ext>
+          </a:extLst>
+        </p:spPr>
+        <p:txBody>
+          <a:bodyPr vert="horz" wrap="none" lIns="91440" tIns="45720" rIns="91440" bIns="45720" numCol="1" anchor="ctr" anchorCtr="0" compatLnSpc="1">
+            <a:prstTxWarp prst="textNoShape">
+              <a:avLst/>
+            </a:prstTxWarp>
+            <a:spAutoFit/>
+          </a:bodyPr>
+          <a:lstStyle/>
+          <a:p>
+            <a:pPr marL="0" indent="0" eaLnBrk="0" fontAlgn="base" hangingPunct="0">
+              <a:lnSpc>
+                <a:spcPct val="150000"/>
+              </a:lnSpc>
+              <a:spcBef>
+                <a:spcPct val="0"/>
+              </a:spcBef>
+              <a:spcAft>
+                <a:spcPct val="0"/>
+              </a:spcAft>
+              <a:buNone/>
+            </a:pPr>
+            <a:r>
+              <a:rPr kumimoji="0" lang="en-US" altLang="en-US" sz="1600" b="0" i="0" u="none" strike="noStrike" cap="none" normalizeH="0" baseline="0" dirty="0" smtClean="0">
+                <a:ln>
+                  <a:noFill/>
+                </a:ln>
+                <a:solidFill>
+                  <a:srgbClr val="20999D"/>
+                </a:solidFill>
+                <a:effectLst/>
+                <a:latin typeface="Courier New" panose="02070309020205020404" pitchFamily="49" charset="0"/>
+                <a:cs typeface="Courier New" panose="02070309020205020404" pitchFamily="49" charset="0"/>
+              </a:rPr>
+              <a:t>T </a:t>
+            </a:r>
+            <a:r>
+              <a:rPr kumimoji="0" lang="en-US" altLang="en-US" sz="1600" b="0" i="0" u="none" strike="noStrike" cap="none" normalizeH="0" baseline="0" dirty="0" smtClean="0">
+                <a:ln>
+                  <a:noFill/>
+                </a:ln>
+                <a:solidFill>
+                  <a:srgbClr val="000000"/>
+                </a:solidFill>
+                <a:effectLst/>
+                <a:latin typeface="Courier New" panose="02070309020205020404" pitchFamily="49" charset="0"/>
+                <a:cs typeface="Courier New" panose="02070309020205020404" pitchFamily="49" charset="0"/>
+              </a:rPr>
+              <a:t>get();</a:t>
+            </a:r>
+            <a:br>
+              <a:rPr kumimoji="0" lang="en-US" altLang="en-US" sz="1600" b="0" i="0" u="none" strike="noStrike" cap="none" normalizeH="0" baseline="0" dirty="0" smtClean="0">
+                <a:ln>
+                  <a:noFill/>
+                </a:ln>
+                <a:solidFill>
+                  <a:srgbClr val="000000"/>
+                </a:solidFill>
+                <a:effectLst/>
+                <a:latin typeface="Courier New" panose="02070309020205020404" pitchFamily="49" charset="0"/>
+                <a:cs typeface="Courier New" panose="02070309020205020404" pitchFamily="49" charset="0"/>
+              </a:rPr>
+            </a:br>
+            <a:r>
+              <a:rPr kumimoji="0" lang="en-US" altLang="en-US" sz="1600" b="1" i="0" u="none" strike="noStrike" cap="none" normalizeH="0" baseline="0" dirty="0" smtClean="0">
+                <a:ln>
+                  <a:noFill/>
+                </a:ln>
+                <a:solidFill>
+                  <a:srgbClr val="000080"/>
+                </a:solidFill>
+                <a:effectLst/>
+                <a:latin typeface="Courier New" panose="02070309020205020404" pitchFamily="49" charset="0"/>
+                <a:cs typeface="Courier New" panose="02070309020205020404" pitchFamily="49" charset="0"/>
+              </a:rPr>
+              <a:t>boolean </a:t>
+            </a:r>
+            <a:r>
+              <a:rPr kumimoji="0" lang="en-US" altLang="en-US" sz="1600" b="0" i="0" u="none" strike="noStrike" cap="none" normalizeH="0" baseline="0" dirty="0" err="1" smtClean="0">
+                <a:ln>
+                  <a:noFill/>
+                </a:ln>
+                <a:solidFill>
+                  <a:srgbClr val="000000"/>
+                </a:solidFill>
+                <a:effectLst/>
+                <a:latin typeface="Courier New" panose="02070309020205020404" pitchFamily="49" charset="0"/>
+                <a:cs typeface="Courier New" panose="02070309020205020404" pitchFamily="49" charset="0"/>
+              </a:rPr>
+              <a:t>isPresent</a:t>
+            </a:r>
+            <a:r>
+              <a:rPr kumimoji="0" lang="en-US" altLang="en-US" sz="1600" b="0" i="0" u="none" strike="noStrike" cap="none" normalizeH="0" baseline="0" dirty="0" smtClean="0">
+                <a:ln>
+                  <a:noFill/>
+                </a:ln>
+                <a:solidFill>
+                  <a:srgbClr val="000000"/>
+                </a:solidFill>
+                <a:effectLst/>
+                <a:latin typeface="Courier New" panose="02070309020205020404" pitchFamily="49" charset="0"/>
+                <a:cs typeface="Courier New" panose="02070309020205020404" pitchFamily="49" charset="0"/>
+              </a:rPr>
+              <a:t>();</a:t>
+            </a:r>
+            <a:br>
+              <a:rPr kumimoji="0" lang="en-US" altLang="en-US" sz="1600" b="0" i="0" u="none" strike="noStrike" cap="none" normalizeH="0" baseline="0" dirty="0" smtClean="0">
+                <a:ln>
+                  <a:noFill/>
+                </a:ln>
+                <a:solidFill>
+                  <a:srgbClr val="000000"/>
+                </a:solidFill>
+                <a:effectLst/>
+                <a:latin typeface="Courier New" panose="02070309020205020404" pitchFamily="49" charset="0"/>
+                <a:cs typeface="Courier New" panose="02070309020205020404" pitchFamily="49" charset="0"/>
+              </a:rPr>
+            </a:br>
+            <a:r>
+              <a:rPr kumimoji="0" lang="en-US" altLang="en-US" sz="1600" b="1" i="0" u="none" strike="noStrike" cap="none" normalizeH="0" baseline="0" dirty="0" smtClean="0">
+                <a:ln>
+                  <a:noFill/>
+                </a:ln>
+                <a:solidFill>
+                  <a:srgbClr val="000080"/>
+                </a:solidFill>
+                <a:effectLst/>
+                <a:latin typeface="Courier New" panose="02070309020205020404" pitchFamily="49" charset="0"/>
+                <a:cs typeface="Courier New" panose="02070309020205020404" pitchFamily="49" charset="0"/>
+              </a:rPr>
+              <a:t>boolean </a:t>
+            </a:r>
+            <a:r>
+              <a:rPr kumimoji="0" lang="en-US" altLang="en-US" sz="1600" b="0" i="0" u="none" strike="noStrike" cap="none" normalizeH="0" baseline="0" dirty="0" err="1" smtClean="0">
+                <a:ln>
+                  <a:noFill/>
+                </a:ln>
+                <a:solidFill>
+                  <a:srgbClr val="000000"/>
+                </a:solidFill>
+                <a:effectLst/>
+                <a:latin typeface="Courier New" panose="02070309020205020404" pitchFamily="49" charset="0"/>
+                <a:cs typeface="Courier New" panose="02070309020205020404" pitchFamily="49" charset="0"/>
+              </a:rPr>
+              <a:t>isEmpty</a:t>
+            </a:r>
+            <a:r>
+              <a:rPr kumimoji="0" lang="en-US" altLang="en-US" sz="1600" b="0" i="0" u="none" strike="noStrike" cap="none" normalizeH="0" baseline="0" dirty="0" smtClean="0">
+                <a:ln>
+                  <a:noFill/>
+                </a:ln>
+                <a:solidFill>
+                  <a:srgbClr val="000000"/>
+                </a:solidFill>
+                <a:effectLst/>
+                <a:latin typeface="Courier New" panose="02070309020205020404" pitchFamily="49" charset="0"/>
+                <a:cs typeface="Courier New" panose="02070309020205020404" pitchFamily="49" charset="0"/>
+              </a:rPr>
+              <a:t>();</a:t>
+            </a:r>
+            <a:br>
+              <a:rPr kumimoji="0" lang="en-US" altLang="en-US" sz="1600" b="0" i="0" u="none" strike="noStrike" cap="none" normalizeH="0" baseline="0" dirty="0" smtClean="0">
+                <a:ln>
+                  <a:noFill/>
+                </a:ln>
+                <a:solidFill>
+                  <a:srgbClr val="000000"/>
+                </a:solidFill>
+                <a:effectLst/>
+                <a:latin typeface="Courier New" panose="02070309020205020404" pitchFamily="49" charset="0"/>
+                <a:cs typeface="Courier New" panose="02070309020205020404" pitchFamily="49" charset="0"/>
+              </a:rPr>
+            </a:br>
+            <a:r>
+              <a:rPr kumimoji="0" lang="en-US" altLang="en-US" sz="1600" b="1" i="0" u="none" strike="noStrike" cap="none" normalizeH="0" baseline="0" dirty="0" smtClean="0">
+                <a:ln>
+                  <a:noFill/>
+                </a:ln>
+                <a:solidFill>
+                  <a:srgbClr val="000080"/>
+                </a:solidFill>
+                <a:effectLst/>
+                <a:latin typeface="Courier New" panose="02070309020205020404" pitchFamily="49" charset="0"/>
+                <a:cs typeface="Courier New" panose="02070309020205020404" pitchFamily="49" charset="0"/>
+              </a:rPr>
+              <a:t>void </a:t>
+            </a:r>
+            <a:r>
+              <a:rPr kumimoji="0" lang="en-US" altLang="en-US" sz="1600" b="0" i="0" u="none" strike="noStrike" cap="none" normalizeH="0" baseline="0" dirty="0" err="1" smtClean="0">
+                <a:ln>
+                  <a:noFill/>
+                </a:ln>
+                <a:solidFill>
+                  <a:srgbClr val="000000"/>
+                </a:solidFill>
+                <a:effectLst/>
+                <a:latin typeface="Courier New" panose="02070309020205020404" pitchFamily="49" charset="0"/>
+                <a:cs typeface="Courier New" panose="02070309020205020404" pitchFamily="49" charset="0"/>
+              </a:rPr>
+              <a:t>ifPresent</a:t>
+            </a:r>
+            <a:r>
+              <a:rPr kumimoji="0" lang="en-US" altLang="en-US" sz="1600" b="0" i="0" u="none" strike="noStrike" cap="none" normalizeH="0" baseline="0" dirty="0" smtClean="0">
+                <a:ln>
+                  <a:noFill/>
+                </a:ln>
+                <a:solidFill>
+                  <a:srgbClr val="000000"/>
+                </a:solidFill>
+                <a:effectLst/>
+                <a:latin typeface="Courier New" panose="02070309020205020404" pitchFamily="49" charset="0"/>
+                <a:cs typeface="Courier New" panose="02070309020205020404" pitchFamily="49" charset="0"/>
+              </a:rPr>
+              <a:t>(Consumer&lt;? </a:t>
+            </a:r>
+            <a:r>
+              <a:rPr kumimoji="0" lang="en-US" altLang="en-US" sz="1600" b="1" i="0" u="none" strike="noStrike" cap="none" normalizeH="0" baseline="0" dirty="0" smtClean="0">
+                <a:ln>
+                  <a:noFill/>
+                </a:ln>
+                <a:solidFill>
+                  <a:srgbClr val="000080"/>
+                </a:solidFill>
+                <a:effectLst/>
+                <a:latin typeface="Courier New" panose="02070309020205020404" pitchFamily="49" charset="0"/>
+                <a:cs typeface="Courier New" panose="02070309020205020404" pitchFamily="49" charset="0"/>
+              </a:rPr>
+              <a:t>super </a:t>
+            </a:r>
+            <a:r>
+              <a:rPr kumimoji="0" lang="en-US" altLang="en-US" sz="1600" b="0" i="0" u="none" strike="noStrike" cap="none" normalizeH="0" baseline="0" dirty="0" smtClean="0">
+                <a:ln>
+                  <a:noFill/>
+                </a:ln>
+                <a:solidFill>
+                  <a:srgbClr val="20999D"/>
+                </a:solidFill>
+                <a:effectLst/>
+                <a:latin typeface="Courier New" panose="02070309020205020404" pitchFamily="49" charset="0"/>
+                <a:cs typeface="Courier New" panose="02070309020205020404" pitchFamily="49" charset="0"/>
+              </a:rPr>
+              <a:t>T</a:t>
+            </a:r>
+            <a:r>
+              <a:rPr kumimoji="0" lang="en-US" altLang="en-US" sz="1600" b="0" i="0" u="none" strike="noStrike" cap="none" normalizeH="0" baseline="0" dirty="0" smtClean="0">
+                <a:ln>
+                  <a:noFill/>
+                </a:ln>
+                <a:solidFill>
+                  <a:srgbClr val="000000"/>
+                </a:solidFill>
+                <a:effectLst/>
+                <a:latin typeface="Courier New" panose="02070309020205020404" pitchFamily="49" charset="0"/>
+                <a:cs typeface="Courier New" panose="02070309020205020404" pitchFamily="49" charset="0"/>
+              </a:rPr>
+              <a:t>&gt; action);</a:t>
+            </a:r>
+            <a:br>
+              <a:rPr kumimoji="0" lang="en-US" altLang="en-US" sz="1600" b="0" i="0" u="none" strike="noStrike" cap="none" normalizeH="0" baseline="0" dirty="0" smtClean="0">
+                <a:ln>
+                  <a:noFill/>
+                </a:ln>
+                <a:solidFill>
+                  <a:srgbClr val="000000"/>
+                </a:solidFill>
+                <a:effectLst/>
+                <a:latin typeface="Courier New" panose="02070309020205020404" pitchFamily="49" charset="0"/>
+                <a:cs typeface="Courier New" panose="02070309020205020404" pitchFamily="49" charset="0"/>
+              </a:rPr>
+            </a:br>
+            <a:r>
+              <a:rPr kumimoji="0" lang="en-US" altLang="en-US" sz="1600" b="1" i="0" u="none" strike="noStrike" cap="none" normalizeH="0" baseline="0" dirty="0" smtClean="0">
+                <a:ln>
+                  <a:noFill/>
+                </a:ln>
+                <a:solidFill>
+                  <a:srgbClr val="000080"/>
+                </a:solidFill>
+                <a:effectLst/>
+                <a:latin typeface="Courier New" panose="02070309020205020404" pitchFamily="49" charset="0"/>
+                <a:cs typeface="Courier New" panose="02070309020205020404" pitchFamily="49" charset="0"/>
+              </a:rPr>
+              <a:t>void </a:t>
+            </a:r>
+            <a:r>
+              <a:rPr kumimoji="0" lang="en-US" altLang="en-US" sz="1600" b="0" i="0" u="none" strike="noStrike" cap="none" normalizeH="0" baseline="0" dirty="0" err="1" smtClean="0">
+                <a:ln>
+                  <a:noFill/>
+                </a:ln>
+                <a:solidFill>
+                  <a:srgbClr val="000000"/>
+                </a:solidFill>
+                <a:effectLst/>
+                <a:latin typeface="Courier New" panose="02070309020205020404" pitchFamily="49" charset="0"/>
+                <a:cs typeface="Courier New" panose="02070309020205020404" pitchFamily="49" charset="0"/>
+              </a:rPr>
+              <a:t>ifPresentOrElse</a:t>
+            </a:r>
+            <a:r>
+              <a:rPr kumimoji="0" lang="en-US" altLang="en-US" sz="1600" b="0" i="0" u="none" strike="noStrike" cap="none" normalizeH="0" baseline="0" dirty="0" smtClean="0">
+                <a:ln>
+                  <a:noFill/>
+                </a:ln>
+                <a:solidFill>
+                  <a:srgbClr val="000000"/>
+                </a:solidFill>
+                <a:effectLst/>
+                <a:latin typeface="Courier New" panose="02070309020205020404" pitchFamily="49" charset="0"/>
+                <a:cs typeface="Courier New" panose="02070309020205020404" pitchFamily="49" charset="0"/>
+              </a:rPr>
+              <a:t>(Consumer&lt;? </a:t>
+            </a:r>
+            <a:r>
+              <a:rPr kumimoji="0" lang="en-US" altLang="en-US" sz="1600" b="1" i="0" u="none" strike="noStrike" cap="none" normalizeH="0" baseline="0" dirty="0" smtClean="0">
+                <a:ln>
+                  <a:noFill/>
+                </a:ln>
+                <a:solidFill>
+                  <a:srgbClr val="000080"/>
+                </a:solidFill>
+                <a:effectLst/>
+                <a:latin typeface="Courier New" panose="02070309020205020404" pitchFamily="49" charset="0"/>
+                <a:cs typeface="Courier New" panose="02070309020205020404" pitchFamily="49" charset="0"/>
+              </a:rPr>
+              <a:t>super </a:t>
+            </a:r>
+            <a:r>
+              <a:rPr kumimoji="0" lang="en-US" altLang="en-US" sz="1600" b="0" i="0" u="none" strike="noStrike" cap="none" normalizeH="0" baseline="0" dirty="0" smtClean="0">
+                <a:ln>
+                  <a:noFill/>
+                </a:ln>
+                <a:solidFill>
+                  <a:srgbClr val="20999D"/>
+                </a:solidFill>
+                <a:effectLst/>
+                <a:latin typeface="Courier New" panose="02070309020205020404" pitchFamily="49" charset="0"/>
+                <a:cs typeface="Courier New" panose="02070309020205020404" pitchFamily="49" charset="0"/>
+              </a:rPr>
+              <a:t>T</a:t>
+            </a:r>
+            <a:r>
+              <a:rPr kumimoji="0" lang="en-US" altLang="en-US" sz="1600" b="0" i="0" u="none" strike="noStrike" cap="none" normalizeH="0" baseline="0" dirty="0" smtClean="0">
+                <a:ln>
+                  <a:noFill/>
+                </a:ln>
+                <a:solidFill>
+                  <a:srgbClr val="000000"/>
+                </a:solidFill>
+                <a:effectLst/>
+                <a:latin typeface="Courier New" panose="02070309020205020404" pitchFamily="49" charset="0"/>
+                <a:cs typeface="Courier New" panose="02070309020205020404" pitchFamily="49" charset="0"/>
+              </a:rPr>
+              <a:t>&gt; action, Runnable </a:t>
+            </a:r>
+            <a:r>
+              <a:rPr kumimoji="0" lang="en-US" altLang="en-US" sz="1600" b="0" i="0" u="none" strike="noStrike" cap="none" normalizeH="0" baseline="0" dirty="0" err="1" smtClean="0">
+                <a:ln>
+                  <a:noFill/>
+                </a:ln>
+                <a:solidFill>
+                  <a:srgbClr val="000000"/>
+                </a:solidFill>
+                <a:effectLst/>
+                <a:latin typeface="Courier New" panose="02070309020205020404" pitchFamily="49" charset="0"/>
+                <a:cs typeface="Courier New" panose="02070309020205020404" pitchFamily="49" charset="0"/>
+              </a:rPr>
+              <a:t>emptyAction</a:t>
+            </a:r>
+            <a:r>
+              <a:rPr kumimoji="0" lang="en-US" altLang="en-US" sz="1600" b="0" i="0" u="none" strike="noStrike" cap="none" normalizeH="0" baseline="0" dirty="0" smtClean="0">
+                <a:ln>
+                  <a:noFill/>
+                </a:ln>
+                <a:solidFill>
+                  <a:srgbClr val="000000"/>
+                </a:solidFill>
+                <a:effectLst/>
+                <a:latin typeface="Courier New" panose="02070309020205020404" pitchFamily="49" charset="0"/>
+                <a:cs typeface="Courier New" panose="02070309020205020404" pitchFamily="49" charset="0"/>
+              </a:rPr>
+              <a:t>);</a:t>
+            </a:r>
+            <a:br>
+              <a:rPr kumimoji="0" lang="en-US" altLang="en-US" sz="1600" b="0" i="0" u="none" strike="noStrike" cap="none" normalizeH="0" baseline="0" dirty="0" smtClean="0">
+                <a:ln>
+                  <a:noFill/>
+                </a:ln>
+                <a:solidFill>
+                  <a:srgbClr val="000000"/>
+                </a:solidFill>
+                <a:effectLst/>
+                <a:latin typeface="Courier New" panose="02070309020205020404" pitchFamily="49" charset="0"/>
+                <a:cs typeface="Courier New" panose="02070309020205020404" pitchFamily="49" charset="0"/>
+              </a:rPr>
+            </a:br>
+            <a:r>
+              <a:rPr kumimoji="0" lang="en-US" altLang="en-US" sz="1600" b="0" i="0" u="none" strike="noStrike" cap="none" normalizeH="0" baseline="0" dirty="0" smtClean="0">
+                <a:ln>
+                  <a:noFill/>
+                </a:ln>
+                <a:solidFill>
+                  <a:srgbClr val="000000"/>
+                </a:solidFill>
+                <a:effectLst/>
+                <a:latin typeface="Courier New" panose="02070309020205020404" pitchFamily="49" charset="0"/>
+                <a:cs typeface="Courier New" panose="02070309020205020404" pitchFamily="49" charset="0"/>
+              </a:rPr>
+              <a:t>Optional&lt;</a:t>
+            </a:r>
+            <a:r>
+              <a:rPr kumimoji="0" lang="en-US" altLang="en-US" sz="1600" b="0" i="0" u="none" strike="noStrike" cap="none" normalizeH="0" baseline="0" dirty="0" smtClean="0">
+                <a:ln>
+                  <a:noFill/>
+                </a:ln>
+                <a:solidFill>
+                  <a:srgbClr val="20999D"/>
+                </a:solidFill>
+                <a:effectLst/>
+                <a:latin typeface="Courier New" panose="02070309020205020404" pitchFamily="49" charset="0"/>
+                <a:cs typeface="Courier New" panose="02070309020205020404" pitchFamily="49" charset="0"/>
+              </a:rPr>
+              <a:t>T</a:t>
+            </a:r>
+            <a:r>
+              <a:rPr kumimoji="0" lang="en-US" altLang="en-US" sz="1600" b="0" i="0" u="none" strike="noStrike" cap="none" normalizeH="0" baseline="0" dirty="0" smtClean="0">
+                <a:ln>
+                  <a:noFill/>
+                </a:ln>
+                <a:solidFill>
+                  <a:srgbClr val="000000"/>
+                </a:solidFill>
+                <a:effectLst/>
+                <a:latin typeface="Courier New" panose="02070309020205020404" pitchFamily="49" charset="0"/>
+                <a:cs typeface="Courier New" panose="02070309020205020404" pitchFamily="49" charset="0"/>
+              </a:rPr>
+              <a:t>&gt; filter(Predicate&lt;? </a:t>
+            </a:r>
+            <a:r>
+              <a:rPr kumimoji="0" lang="en-US" altLang="en-US" sz="1600" b="1" i="0" u="none" strike="noStrike" cap="none" normalizeH="0" baseline="0" dirty="0" smtClean="0">
+                <a:ln>
+                  <a:noFill/>
+                </a:ln>
+                <a:solidFill>
+                  <a:srgbClr val="000080"/>
+                </a:solidFill>
+                <a:effectLst/>
+                <a:latin typeface="Courier New" panose="02070309020205020404" pitchFamily="49" charset="0"/>
+                <a:cs typeface="Courier New" panose="02070309020205020404" pitchFamily="49" charset="0"/>
+              </a:rPr>
+              <a:t>super </a:t>
+            </a:r>
+            <a:r>
+              <a:rPr kumimoji="0" lang="en-US" altLang="en-US" sz="1600" b="0" i="0" u="none" strike="noStrike" cap="none" normalizeH="0" baseline="0" dirty="0" smtClean="0">
+                <a:ln>
+                  <a:noFill/>
+                </a:ln>
+                <a:solidFill>
+                  <a:srgbClr val="20999D"/>
+                </a:solidFill>
+                <a:effectLst/>
+                <a:latin typeface="Courier New" panose="02070309020205020404" pitchFamily="49" charset="0"/>
+                <a:cs typeface="Courier New" panose="02070309020205020404" pitchFamily="49" charset="0"/>
+              </a:rPr>
+              <a:t>T</a:t>
+            </a:r>
+            <a:r>
+              <a:rPr kumimoji="0" lang="en-US" altLang="en-US" sz="1600" b="0" i="0" u="none" strike="noStrike" cap="none" normalizeH="0" baseline="0" dirty="0" smtClean="0">
+                <a:ln>
+                  <a:noFill/>
+                </a:ln>
+                <a:solidFill>
+                  <a:srgbClr val="000000"/>
+                </a:solidFill>
+                <a:effectLst/>
+                <a:latin typeface="Courier New" panose="02070309020205020404" pitchFamily="49" charset="0"/>
+                <a:cs typeface="Courier New" panose="02070309020205020404" pitchFamily="49" charset="0"/>
+              </a:rPr>
+              <a:t>&gt; predicate);</a:t>
+            </a:r>
+            <a:br>
+              <a:rPr kumimoji="0" lang="en-US" altLang="en-US" sz="1600" b="0" i="0" u="none" strike="noStrike" cap="none" normalizeH="0" baseline="0" dirty="0" smtClean="0">
+                <a:ln>
+                  <a:noFill/>
+                </a:ln>
+                <a:solidFill>
+                  <a:srgbClr val="000000"/>
+                </a:solidFill>
+                <a:effectLst/>
+                <a:latin typeface="Courier New" panose="02070309020205020404" pitchFamily="49" charset="0"/>
+                <a:cs typeface="Courier New" panose="02070309020205020404" pitchFamily="49" charset="0"/>
+              </a:rPr>
+            </a:br>
+            <a:r>
+              <a:rPr kumimoji="0" lang="en-US" altLang="en-US" sz="1600" b="0" i="0" u="none" strike="noStrike" cap="none" normalizeH="0" baseline="0" dirty="0" smtClean="0">
+                <a:ln>
+                  <a:noFill/>
+                </a:ln>
+                <a:solidFill>
+                  <a:srgbClr val="000000"/>
+                </a:solidFill>
+                <a:effectLst/>
+                <a:latin typeface="Courier New" panose="02070309020205020404" pitchFamily="49" charset="0"/>
+                <a:cs typeface="Courier New" panose="02070309020205020404" pitchFamily="49" charset="0"/>
+              </a:rPr>
+              <a:t>&lt;</a:t>
+            </a:r>
+            <a:r>
+              <a:rPr kumimoji="0" lang="en-US" altLang="en-US" sz="1600" b="0" i="0" u="none" strike="noStrike" cap="none" normalizeH="0" baseline="0" dirty="0" smtClean="0">
+                <a:ln>
+                  <a:noFill/>
+                </a:ln>
+                <a:solidFill>
+                  <a:srgbClr val="20999D"/>
+                </a:solidFill>
+                <a:effectLst/>
+                <a:latin typeface="Courier New" panose="02070309020205020404" pitchFamily="49" charset="0"/>
+                <a:cs typeface="Courier New" panose="02070309020205020404" pitchFamily="49" charset="0"/>
+              </a:rPr>
+              <a:t>U</a:t>
+            </a:r>
+            <a:r>
+              <a:rPr kumimoji="0" lang="en-US" altLang="en-US" sz="1600" b="0" i="0" u="none" strike="noStrike" cap="none" normalizeH="0" baseline="0" dirty="0" smtClean="0">
+                <a:ln>
+                  <a:noFill/>
+                </a:ln>
+                <a:solidFill>
+                  <a:srgbClr val="000000"/>
+                </a:solidFill>
+                <a:effectLst/>
+                <a:latin typeface="Courier New" panose="02070309020205020404" pitchFamily="49" charset="0"/>
+                <a:cs typeface="Courier New" panose="02070309020205020404" pitchFamily="49" charset="0"/>
+              </a:rPr>
+              <a:t>&gt; Optional&lt;</a:t>
+            </a:r>
+            <a:r>
+              <a:rPr kumimoji="0" lang="en-US" altLang="en-US" sz="1600" b="0" i="0" u="none" strike="noStrike" cap="none" normalizeH="0" baseline="0" dirty="0" smtClean="0">
+                <a:ln>
+                  <a:noFill/>
+                </a:ln>
+                <a:solidFill>
+                  <a:srgbClr val="20999D"/>
+                </a:solidFill>
+                <a:effectLst/>
+                <a:latin typeface="Courier New" panose="02070309020205020404" pitchFamily="49" charset="0"/>
+                <a:cs typeface="Courier New" panose="02070309020205020404" pitchFamily="49" charset="0"/>
+              </a:rPr>
+              <a:t>U</a:t>
+            </a:r>
+            <a:r>
+              <a:rPr kumimoji="0" lang="en-US" altLang="en-US" sz="1600" b="0" i="0" u="none" strike="noStrike" cap="none" normalizeH="0" baseline="0" dirty="0" smtClean="0">
+                <a:ln>
+                  <a:noFill/>
+                </a:ln>
+                <a:solidFill>
+                  <a:srgbClr val="000000"/>
+                </a:solidFill>
+                <a:effectLst/>
+                <a:latin typeface="Courier New" panose="02070309020205020404" pitchFamily="49" charset="0"/>
+                <a:cs typeface="Courier New" panose="02070309020205020404" pitchFamily="49" charset="0"/>
+              </a:rPr>
+              <a:t>&gt; map(Function&lt;? </a:t>
+            </a:r>
+            <a:r>
+              <a:rPr kumimoji="0" lang="en-US" altLang="en-US" sz="1600" b="1" i="0" u="none" strike="noStrike" cap="none" normalizeH="0" baseline="0" dirty="0" smtClean="0">
+                <a:ln>
+                  <a:noFill/>
+                </a:ln>
+                <a:solidFill>
+                  <a:srgbClr val="000080"/>
+                </a:solidFill>
+                <a:effectLst/>
+                <a:latin typeface="Courier New" panose="02070309020205020404" pitchFamily="49" charset="0"/>
+                <a:cs typeface="Courier New" panose="02070309020205020404" pitchFamily="49" charset="0"/>
+              </a:rPr>
+              <a:t>super </a:t>
+            </a:r>
+            <a:r>
+              <a:rPr kumimoji="0" lang="en-US" altLang="en-US" sz="1600" b="0" i="0" u="none" strike="noStrike" cap="none" normalizeH="0" baseline="0" dirty="0" smtClean="0">
+                <a:ln>
+                  <a:noFill/>
+                </a:ln>
+                <a:solidFill>
+                  <a:srgbClr val="20999D"/>
+                </a:solidFill>
+                <a:effectLst/>
+                <a:latin typeface="Courier New" panose="02070309020205020404" pitchFamily="49" charset="0"/>
+                <a:cs typeface="Courier New" panose="02070309020205020404" pitchFamily="49" charset="0"/>
+              </a:rPr>
+              <a:t>T</a:t>
+            </a:r>
+            <a:r>
+              <a:rPr kumimoji="0" lang="en-US" altLang="en-US" sz="1600" b="0" i="0" u="none" strike="noStrike" cap="none" normalizeH="0" baseline="0" dirty="0" smtClean="0">
+                <a:ln>
+                  <a:noFill/>
+                </a:ln>
+                <a:solidFill>
+                  <a:srgbClr val="000000"/>
+                </a:solidFill>
+                <a:effectLst/>
+                <a:latin typeface="Courier New" panose="02070309020205020404" pitchFamily="49" charset="0"/>
+                <a:cs typeface="Courier New" panose="02070309020205020404" pitchFamily="49" charset="0"/>
+              </a:rPr>
+              <a:t>, ? </a:t>
+            </a:r>
+            <a:r>
+              <a:rPr kumimoji="0" lang="en-US" altLang="en-US" sz="1600" b="1" i="0" u="none" strike="noStrike" cap="none" normalizeH="0" baseline="0" dirty="0" smtClean="0">
+                <a:ln>
+                  <a:noFill/>
+                </a:ln>
+                <a:solidFill>
+                  <a:srgbClr val="000080"/>
+                </a:solidFill>
+                <a:effectLst/>
+                <a:latin typeface="Courier New" panose="02070309020205020404" pitchFamily="49" charset="0"/>
+                <a:cs typeface="Courier New" panose="02070309020205020404" pitchFamily="49" charset="0"/>
+              </a:rPr>
+              <a:t>extends </a:t>
+            </a:r>
+            <a:r>
+              <a:rPr kumimoji="0" lang="en-US" altLang="en-US" sz="1600" b="0" i="0" u="none" strike="noStrike" cap="none" normalizeH="0" baseline="0" dirty="0" smtClean="0">
+                <a:ln>
+                  <a:noFill/>
+                </a:ln>
+                <a:solidFill>
+                  <a:srgbClr val="20999D"/>
+                </a:solidFill>
+                <a:effectLst/>
+                <a:latin typeface="Courier New" panose="02070309020205020404" pitchFamily="49" charset="0"/>
+                <a:cs typeface="Courier New" panose="02070309020205020404" pitchFamily="49" charset="0"/>
+              </a:rPr>
+              <a:t>U</a:t>
+            </a:r>
+            <a:r>
+              <a:rPr kumimoji="0" lang="en-US" altLang="en-US" sz="1600" b="0" i="0" u="none" strike="noStrike" cap="none" normalizeH="0" baseline="0" dirty="0" smtClean="0">
+                <a:ln>
+                  <a:noFill/>
+                </a:ln>
+                <a:solidFill>
+                  <a:srgbClr val="000000"/>
+                </a:solidFill>
+                <a:effectLst/>
+                <a:latin typeface="Courier New" panose="02070309020205020404" pitchFamily="49" charset="0"/>
+                <a:cs typeface="Courier New" panose="02070309020205020404" pitchFamily="49" charset="0"/>
+              </a:rPr>
+              <a:t>&gt; mapper);</a:t>
+            </a:r>
+            <a:br>
+              <a:rPr kumimoji="0" lang="en-US" altLang="en-US" sz="1600" b="0" i="0" u="none" strike="noStrike" cap="none" normalizeH="0" baseline="0" dirty="0" smtClean="0">
+                <a:ln>
+                  <a:noFill/>
+                </a:ln>
+                <a:solidFill>
+                  <a:srgbClr val="000000"/>
+                </a:solidFill>
+                <a:effectLst/>
+                <a:latin typeface="Courier New" panose="02070309020205020404" pitchFamily="49" charset="0"/>
+                <a:cs typeface="Courier New" panose="02070309020205020404" pitchFamily="49" charset="0"/>
+              </a:rPr>
+            </a:br>
+            <a:r>
+              <a:rPr kumimoji="0" lang="en-US" altLang="en-US" sz="1600" b="0" i="0" u="none" strike="noStrike" cap="none" normalizeH="0" baseline="0" dirty="0" smtClean="0">
+                <a:ln>
+                  <a:noFill/>
+                </a:ln>
+                <a:solidFill>
+                  <a:srgbClr val="000000"/>
+                </a:solidFill>
+                <a:effectLst/>
+                <a:latin typeface="Courier New" panose="02070309020205020404" pitchFamily="49" charset="0"/>
+                <a:cs typeface="Courier New" panose="02070309020205020404" pitchFamily="49" charset="0"/>
+              </a:rPr>
+              <a:t>&lt;</a:t>
+            </a:r>
+            <a:r>
+              <a:rPr kumimoji="0" lang="en-US" altLang="en-US" sz="1600" b="0" i="0" u="none" strike="noStrike" cap="none" normalizeH="0" baseline="0" dirty="0" smtClean="0">
+                <a:ln>
+                  <a:noFill/>
+                </a:ln>
+                <a:solidFill>
+                  <a:srgbClr val="20999D"/>
+                </a:solidFill>
+                <a:effectLst/>
+                <a:latin typeface="Courier New" panose="02070309020205020404" pitchFamily="49" charset="0"/>
+                <a:cs typeface="Courier New" panose="02070309020205020404" pitchFamily="49" charset="0"/>
+              </a:rPr>
+              <a:t>U</a:t>
+            </a:r>
+            <a:r>
+              <a:rPr kumimoji="0" lang="en-US" altLang="en-US" sz="1600" b="0" i="0" u="none" strike="noStrike" cap="none" normalizeH="0" baseline="0" dirty="0" smtClean="0">
+                <a:ln>
+                  <a:noFill/>
+                </a:ln>
+                <a:solidFill>
+                  <a:srgbClr val="000000"/>
+                </a:solidFill>
+                <a:effectLst/>
+                <a:latin typeface="Courier New" panose="02070309020205020404" pitchFamily="49" charset="0"/>
+                <a:cs typeface="Courier New" panose="02070309020205020404" pitchFamily="49" charset="0"/>
+              </a:rPr>
+              <a:t>&gt; Optional&lt;</a:t>
+            </a:r>
+            <a:r>
+              <a:rPr kumimoji="0" lang="en-US" altLang="en-US" sz="1600" b="0" i="0" u="none" strike="noStrike" cap="none" normalizeH="0" baseline="0" dirty="0" smtClean="0">
+                <a:ln>
+                  <a:noFill/>
+                </a:ln>
+                <a:solidFill>
+                  <a:srgbClr val="20999D"/>
+                </a:solidFill>
+                <a:effectLst/>
+                <a:latin typeface="Courier New" panose="02070309020205020404" pitchFamily="49" charset="0"/>
+                <a:cs typeface="Courier New" panose="02070309020205020404" pitchFamily="49" charset="0"/>
+              </a:rPr>
+              <a:t>U</a:t>
+            </a:r>
+            <a:r>
+              <a:rPr kumimoji="0" lang="en-US" altLang="en-US" sz="1600" b="0" i="0" u="none" strike="noStrike" cap="none" normalizeH="0" baseline="0" dirty="0" smtClean="0">
+                <a:ln>
+                  <a:noFill/>
+                </a:ln>
+                <a:solidFill>
+                  <a:srgbClr val="000000"/>
+                </a:solidFill>
+                <a:effectLst/>
+                <a:latin typeface="Courier New" panose="02070309020205020404" pitchFamily="49" charset="0"/>
+                <a:cs typeface="Courier New" panose="02070309020205020404" pitchFamily="49" charset="0"/>
+              </a:rPr>
+              <a:t>&gt; </a:t>
+            </a:r>
+            <a:r>
+              <a:rPr kumimoji="0" lang="en-US" altLang="en-US" sz="1600" b="0" i="0" u="none" strike="noStrike" cap="none" normalizeH="0" baseline="0" dirty="0" err="1" smtClean="0">
+                <a:ln>
+                  <a:noFill/>
+                </a:ln>
+                <a:solidFill>
+                  <a:srgbClr val="000000"/>
+                </a:solidFill>
+                <a:effectLst/>
+                <a:latin typeface="Courier New" panose="02070309020205020404" pitchFamily="49" charset="0"/>
+                <a:cs typeface="Courier New" panose="02070309020205020404" pitchFamily="49" charset="0"/>
+              </a:rPr>
+              <a:t>flatMap</a:t>
+            </a:r>
+            <a:r>
+              <a:rPr kumimoji="0" lang="en-US" altLang="en-US" sz="1600" b="0" i="0" u="none" strike="noStrike" cap="none" normalizeH="0" baseline="0" dirty="0" smtClean="0">
+                <a:ln>
+                  <a:noFill/>
+                </a:ln>
+                <a:solidFill>
+                  <a:srgbClr val="000000"/>
+                </a:solidFill>
+                <a:effectLst/>
+                <a:latin typeface="Courier New" panose="02070309020205020404" pitchFamily="49" charset="0"/>
+                <a:cs typeface="Courier New" panose="02070309020205020404" pitchFamily="49" charset="0"/>
+              </a:rPr>
+              <a:t>(Function&lt;? </a:t>
+            </a:r>
+            <a:r>
+              <a:rPr kumimoji="0" lang="en-US" altLang="en-US" sz="1600" b="1" i="0" u="none" strike="noStrike" cap="none" normalizeH="0" baseline="0" dirty="0" smtClean="0">
+                <a:ln>
+                  <a:noFill/>
+                </a:ln>
+                <a:solidFill>
+                  <a:srgbClr val="000080"/>
+                </a:solidFill>
+                <a:effectLst/>
+                <a:latin typeface="Courier New" panose="02070309020205020404" pitchFamily="49" charset="0"/>
+                <a:cs typeface="Courier New" panose="02070309020205020404" pitchFamily="49" charset="0"/>
+              </a:rPr>
+              <a:t>super </a:t>
+            </a:r>
+            <a:r>
+              <a:rPr kumimoji="0" lang="en-US" altLang="en-US" sz="1600" b="0" i="0" u="none" strike="noStrike" cap="none" normalizeH="0" baseline="0" dirty="0" smtClean="0">
+                <a:ln>
+                  <a:noFill/>
+                </a:ln>
+                <a:solidFill>
+                  <a:srgbClr val="20999D"/>
+                </a:solidFill>
+                <a:effectLst/>
+                <a:latin typeface="Courier New" panose="02070309020205020404" pitchFamily="49" charset="0"/>
+                <a:cs typeface="Courier New" panose="02070309020205020404" pitchFamily="49" charset="0"/>
+              </a:rPr>
+              <a:t>T</a:t>
+            </a:r>
+            <a:r>
+              <a:rPr kumimoji="0" lang="en-US" altLang="en-US" sz="1600" b="0" i="0" u="none" strike="noStrike" cap="none" normalizeH="0" baseline="0" dirty="0" smtClean="0">
+                <a:ln>
+                  <a:noFill/>
+                </a:ln>
+                <a:solidFill>
+                  <a:srgbClr val="000000"/>
+                </a:solidFill>
+                <a:effectLst/>
+                <a:latin typeface="Courier New" panose="02070309020205020404" pitchFamily="49" charset="0"/>
+                <a:cs typeface="Courier New" panose="02070309020205020404" pitchFamily="49" charset="0"/>
+              </a:rPr>
+              <a:t>, ? </a:t>
+            </a:r>
+            <a:r>
+              <a:rPr kumimoji="0" lang="en-US" altLang="en-US" sz="1600" b="1" i="0" u="none" strike="noStrike" cap="none" normalizeH="0" baseline="0" dirty="0" smtClean="0">
+                <a:ln>
+                  <a:noFill/>
+                </a:ln>
+                <a:solidFill>
+                  <a:srgbClr val="000080"/>
+                </a:solidFill>
+                <a:effectLst/>
+                <a:latin typeface="Courier New" panose="02070309020205020404" pitchFamily="49" charset="0"/>
+                <a:cs typeface="Courier New" panose="02070309020205020404" pitchFamily="49" charset="0"/>
+              </a:rPr>
+              <a:t>extends </a:t>
+            </a:r>
+            <a:r>
+              <a:rPr kumimoji="0" lang="en-US" altLang="en-US" sz="1600" b="0" i="0" u="none" strike="noStrike" cap="none" normalizeH="0" baseline="0" dirty="0" smtClean="0">
+                <a:ln>
+                  <a:noFill/>
+                </a:ln>
+                <a:solidFill>
+                  <a:srgbClr val="000000"/>
+                </a:solidFill>
+                <a:effectLst/>
+                <a:latin typeface="Courier New" panose="02070309020205020404" pitchFamily="49" charset="0"/>
+                <a:cs typeface="Courier New" panose="02070309020205020404" pitchFamily="49" charset="0"/>
+              </a:rPr>
+              <a:t>Optional&lt;? </a:t>
+            </a:r>
+            <a:r>
+              <a:rPr kumimoji="0" lang="en-US" altLang="en-US" sz="1600" b="1" i="0" u="none" strike="noStrike" cap="none" normalizeH="0" baseline="0" dirty="0" smtClean="0">
+                <a:ln>
+                  <a:noFill/>
+                </a:ln>
+                <a:solidFill>
+                  <a:srgbClr val="000080"/>
+                </a:solidFill>
+                <a:effectLst/>
+                <a:latin typeface="Courier New" panose="02070309020205020404" pitchFamily="49" charset="0"/>
+                <a:cs typeface="Courier New" panose="02070309020205020404" pitchFamily="49" charset="0"/>
+              </a:rPr>
+              <a:t>extends </a:t>
+            </a:r>
+            <a:r>
+              <a:rPr kumimoji="0" lang="en-US" altLang="en-US" sz="1600" b="0" i="0" u="none" strike="noStrike" cap="none" normalizeH="0" baseline="0" dirty="0" smtClean="0">
+                <a:ln>
+                  <a:noFill/>
+                </a:ln>
+                <a:solidFill>
+                  <a:srgbClr val="20999D"/>
+                </a:solidFill>
+                <a:effectLst/>
+                <a:latin typeface="Courier New" panose="02070309020205020404" pitchFamily="49" charset="0"/>
+                <a:cs typeface="Courier New" panose="02070309020205020404" pitchFamily="49" charset="0"/>
+              </a:rPr>
+              <a:t>U</a:t>
+            </a:r>
+            <a:r>
+              <a:rPr kumimoji="0" lang="en-US" altLang="en-US" sz="1600" b="0" i="0" u="none" strike="noStrike" cap="none" normalizeH="0" baseline="0" dirty="0" smtClean="0">
+                <a:ln>
+                  <a:noFill/>
+                </a:ln>
+                <a:solidFill>
+                  <a:srgbClr val="000000"/>
+                </a:solidFill>
+                <a:effectLst/>
+                <a:latin typeface="Courier New" panose="02070309020205020404" pitchFamily="49" charset="0"/>
+                <a:cs typeface="Courier New" panose="02070309020205020404" pitchFamily="49" charset="0"/>
+              </a:rPr>
+              <a:t>&gt;&gt; mapper);</a:t>
+            </a:r>
+            <a:br>
+              <a:rPr kumimoji="0" lang="en-US" altLang="en-US" sz="1600" b="0" i="0" u="none" strike="noStrike" cap="none" normalizeH="0" baseline="0" dirty="0" smtClean="0">
+                <a:ln>
+                  <a:noFill/>
+                </a:ln>
+                <a:solidFill>
+                  <a:srgbClr val="000000"/>
+                </a:solidFill>
+                <a:effectLst/>
+                <a:latin typeface="Courier New" panose="02070309020205020404" pitchFamily="49" charset="0"/>
+                <a:cs typeface="Courier New" panose="02070309020205020404" pitchFamily="49" charset="0"/>
+              </a:rPr>
+            </a:br>
+            <a:r>
+              <a:rPr kumimoji="0" lang="en-US" altLang="en-US" sz="1600" b="0" i="0" u="none" strike="noStrike" cap="none" normalizeH="0" baseline="0" dirty="0" smtClean="0">
+                <a:ln>
+                  <a:noFill/>
+                </a:ln>
+                <a:solidFill>
+                  <a:srgbClr val="000000"/>
+                </a:solidFill>
+                <a:effectLst/>
+                <a:latin typeface="Courier New" panose="02070309020205020404" pitchFamily="49" charset="0"/>
+                <a:cs typeface="Courier New" panose="02070309020205020404" pitchFamily="49" charset="0"/>
+              </a:rPr>
+              <a:t>Optional&lt;</a:t>
+            </a:r>
+            <a:r>
+              <a:rPr kumimoji="0" lang="en-US" altLang="en-US" sz="1600" b="0" i="0" u="none" strike="noStrike" cap="none" normalizeH="0" baseline="0" dirty="0" smtClean="0">
+                <a:ln>
+                  <a:noFill/>
+                </a:ln>
+                <a:solidFill>
+                  <a:srgbClr val="20999D"/>
+                </a:solidFill>
+                <a:effectLst/>
+                <a:latin typeface="Courier New" panose="02070309020205020404" pitchFamily="49" charset="0"/>
+                <a:cs typeface="Courier New" panose="02070309020205020404" pitchFamily="49" charset="0"/>
+              </a:rPr>
+              <a:t>T</a:t>
+            </a:r>
+            <a:r>
+              <a:rPr kumimoji="0" lang="en-US" altLang="en-US" sz="1600" b="0" i="0" u="none" strike="noStrike" cap="none" normalizeH="0" baseline="0" dirty="0" smtClean="0">
+                <a:ln>
+                  <a:noFill/>
+                </a:ln>
+                <a:solidFill>
+                  <a:srgbClr val="000000"/>
+                </a:solidFill>
+                <a:effectLst/>
+                <a:latin typeface="Courier New" panose="02070309020205020404" pitchFamily="49" charset="0"/>
+                <a:cs typeface="Courier New" panose="02070309020205020404" pitchFamily="49" charset="0"/>
+              </a:rPr>
+              <a:t>&gt; or(Supplier&lt;? </a:t>
+            </a:r>
+            <a:r>
+              <a:rPr kumimoji="0" lang="en-US" altLang="en-US" sz="1600" b="1" i="0" u="none" strike="noStrike" cap="none" normalizeH="0" baseline="0" dirty="0" smtClean="0">
+                <a:ln>
+                  <a:noFill/>
+                </a:ln>
+                <a:solidFill>
+                  <a:srgbClr val="000080"/>
+                </a:solidFill>
+                <a:effectLst/>
+                <a:latin typeface="Courier New" panose="02070309020205020404" pitchFamily="49" charset="0"/>
+                <a:cs typeface="Courier New" panose="02070309020205020404" pitchFamily="49" charset="0"/>
+              </a:rPr>
+              <a:t>extends </a:t>
+            </a:r>
+            <a:r>
+              <a:rPr kumimoji="0" lang="en-US" altLang="en-US" sz="1600" b="0" i="0" u="none" strike="noStrike" cap="none" normalizeH="0" baseline="0" dirty="0" smtClean="0">
+                <a:ln>
+                  <a:noFill/>
+                </a:ln>
+                <a:solidFill>
+                  <a:srgbClr val="000000"/>
+                </a:solidFill>
+                <a:effectLst/>
+                <a:latin typeface="Courier New" panose="02070309020205020404" pitchFamily="49" charset="0"/>
+                <a:cs typeface="Courier New" panose="02070309020205020404" pitchFamily="49" charset="0"/>
+              </a:rPr>
+              <a:t>Optional&lt;? </a:t>
+            </a:r>
+            <a:r>
+              <a:rPr kumimoji="0" lang="en-US" altLang="en-US" sz="1600" b="1" i="0" u="none" strike="noStrike" cap="none" normalizeH="0" baseline="0" dirty="0" smtClean="0">
+                <a:ln>
+                  <a:noFill/>
+                </a:ln>
+                <a:solidFill>
+                  <a:srgbClr val="000080"/>
+                </a:solidFill>
+                <a:effectLst/>
+                <a:latin typeface="Courier New" panose="02070309020205020404" pitchFamily="49" charset="0"/>
+                <a:cs typeface="Courier New" panose="02070309020205020404" pitchFamily="49" charset="0"/>
+              </a:rPr>
+              <a:t>extends </a:t>
+            </a:r>
+            <a:r>
+              <a:rPr kumimoji="0" lang="en-US" altLang="en-US" sz="1600" b="0" i="0" u="none" strike="noStrike" cap="none" normalizeH="0" baseline="0" dirty="0" smtClean="0">
+                <a:ln>
+                  <a:noFill/>
+                </a:ln>
+                <a:solidFill>
+                  <a:srgbClr val="20999D"/>
+                </a:solidFill>
+                <a:effectLst/>
+                <a:latin typeface="Courier New" panose="02070309020205020404" pitchFamily="49" charset="0"/>
+                <a:cs typeface="Courier New" panose="02070309020205020404" pitchFamily="49" charset="0"/>
+              </a:rPr>
+              <a:t>T</a:t>
+            </a:r>
+            <a:r>
+              <a:rPr kumimoji="0" lang="en-US" altLang="en-US" sz="1600" b="0" i="0" u="none" strike="noStrike" cap="none" normalizeH="0" baseline="0" dirty="0" smtClean="0">
+                <a:ln>
+                  <a:noFill/>
+                </a:ln>
+                <a:solidFill>
+                  <a:srgbClr val="000000"/>
+                </a:solidFill>
+                <a:effectLst/>
+                <a:latin typeface="Courier New" panose="02070309020205020404" pitchFamily="49" charset="0"/>
+                <a:cs typeface="Courier New" panose="02070309020205020404" pitchFamily="49" charset="0"/>
+              </a:rPr>
+              <a:t>&gt;&gt; supplier);</a:t>
+            </a:r>
+            <a:br>
+              <a:rPr kumimoji="0" lang="en-US" altLang="en-US" sz="1600" b="0" i="0" u="none" strike="noStrike" cap="none" normalizeH="0" baseline="0" dirty="0" smtClean="0">
+                <a:ln>
+                  <a:noFill/>
+                </a:ln>
+                <a:solidFill>
+                  <a:srgbClr val="000000"/>
+                </a:solidFill>
+                <a:effectLst/>
+                <a:latin typeface="Courier New" panose="02070309020205020404" pitchFamily="49" charset="0"/>
+                <a:cs typeface="Courier New" panose="02070309020205020404" pitchFamily="49" charset="0"/>
+              </a:rPr>
+            </a:br>
+            <a:r>
+              <a:rPr kumimoji="0" lang="en-US" altLang="en-US" sz="1600" b="0" i="0" u="none" strike="noStrike" cap="none" normalizeH="0" baseline="0" dirty="0" smtClean="0">
+                <a:ln>
+                  <a:noFill/>
+                </a:ln>
+                <a:solidFill>
+                  <a:srgbClr val="000000"/>
+                </a:solidFill>
+                <a:effectLst/>
+                <a:latin typeface="Courier New" panose="02070309020205020404" pitchFamily="49" charset="0"/>
+                <a:cs typeface="Courier New" panose="02070309020205020404" pitchFamily="49" charset="0"/>
+              </a:rPr>
+              <a:t>Stream&lt;</a:t>
+            </a:r>
+            <a:r>
+              <a:rPr kumimoji="0" lang="en-US" altLang="en-US" sz="1600" b="0" i="0" u="none" strike="noStrike" cap="none" normalizeH="0" baseline="0" dirty="0" smtClean="0">
+                <a:ln>
+                  <a:noFill/>
+                </a:ln>
+                <a:solidFill>
+                  <a:srgbClr val="20999D"/>
+                </a:solidFill>
+                <a:effectLst/>
+                <a:latin typeface="Courier New" panose="02070309020205020404" pitchFamily="49" charset="0"/>
+                <a:cs typeface="Courier New" panose="02070309020205020404" pitchFamily="49" charset="0"/>
+              </a:rPr>
+              <a:t>T</a:t>
+            </a:r>
+            <a:r>
+              <a:rPr kumimoji="0" lang="en-US" altLang="en-US" sz="1600" b="0" i="0" u="none" strike="noStrike" cap="none" normalizeH="0" baseline="0" dirty="0" smtClean="0">
+                <a:ln>
+                  <a:noFill/>
+                </a:ln>
+                <a:solidFill>
+                  <a:srgbClr val="000000"/>
+                </a:solidFill>
+                <a:effectLst/>
+                <a:latin typeface="Courier New" panose="02070309020205020404" pitchFamily="49" charset="0"/>
+                <a:cs typeface="Courier New" panose="02070309020205020404" pitchFamily="49" charset="0"/>
+              </a:rPr>
+              <a:t>&gt; stream();</a:t>
+            </a:r>
+            <a:br>
+              <a:rPr kumimoji="0" lang="en-US" altLang="en-US" sz="1600" b="0" i="0" u="none" strike="noStrike" cap="none" normalizeH="0" baseline="0" dirty="0" smtClean="0">
+                <a:ln>
+                  <a:noFill/>
+                </a:ln>
+                <a:solidFill>
+                  <a:srgbClr val="000000"/>
+                </a:solidFill>
+                <a:effectLst/>
+                <a:latin typeface="Courier New" panose="02070309020205020404" pitchFamily="49" charset="0"/>
+                <a:cs typeface="Courier New" panose="02070309020205020404" pitchFamily="49" charset="0"/>
+              </a:rPr>
+            </a:br>
+            <a:r>
+              <a:rPr kumimoji="0" lang="en-US" altLang="en-US" sz="1600" b="0" i="0" u="none" strike="noStrike" cap="none" normalizeH="0" baseline="0" dirty="0" smtClean="0">
+                <a:ln>
+                  <a:noFill/>
+                </a:ln>
+                <a:solidFill>
+                  <a:srgbClr val="20999D"/>
+                </a:solidFill>
+                <a:effectLst/>
+                <a:latin typeface="Courier New" panose="02070309020205020404" pitchFamily="49" charset="0"/>
+                <a:cs typeface="Courier New" panose="02070309020205020404" pitchFamily="49" charset="0"/>
+              </a:rPr>
+              <a:t>T </a:t>
+            </a:r>
+            <a:r>
+              <a:rPr kumimoji="0" lang="en-US" altLang="en-US" sz="1600" b="0" i="0" u="none" strike="noStrike" cap="none" normalizeH="0" baseline="0" dirty="0" err="1" smtClean="0">
+                <a:ln>
+                  <a:noFill/>
+                </a:ln>
+                <a:solidFill>
+                  <a:srgbClr val="000000"/>
+                </a:solidFill>
+                <a:effectLst/>
+                <a:latin typeface="Courier New" panose="02070309020205020404" pitchFamily="49" charset="0"/>
+                <a:cs typeface="Courier New" panose="02070309020205020404" pitchFamily="49" charset="0"/>
+              </a:rPr>
+              <a:t>orElse</a:t>
+            </a:r>
+            <a:r>
+              <a:rPr kumimoji="0" lang="en-US" altLang="en-US" sz="1600" b="0" i="0" u="none" strike="noStrike" cap="none" normalizeH="0" baseline="0" dirty="0" smtClean="0">
+                <a:ln>
+                  <a:noFill/>
+                </a:ln>
+                <a:solidFill>
+                  <a:srgbClr val="000000"/>
+                </a:solidFill>
+                <a:effectLst/>
+                <a:latin typeface="Courier New" panose="02070309020205020404" pitchFamily="49" charset="0"/>
+                <a:cs typeface="Courier New" panose="02070309020205020404" pitchFamily="49" charset="0"/>
+              </a:rPr>
+              <a:t>(</a:t>
+            </a:r>
+            <a:r>
+              <a:rPr kumimoji="0" lang="en-US" altLang="en-US" sz="1600" b="0" i="0" u="none" strike="noStrike" cap="none" normalizeH="0" baseline="0" dirty="0" smtClean="0">
+                <a:ln>
+                  <a:noFill/>
+                </a:ln>
+                <a:solidFill>
+                  <a:srgbClr val="20999D"/>
+                </a:solidFill>
+                <a:effectLst/>
+                <a:latin typeface="Courier New" panose="02070309020205020404" pitchFamily="49" charset="0"/>
+                <a:cs typeface="Courier New" panose="02070309020205020404" pitchFamily="49" charset="0"/>
+              </a:rPr>
+              <a:t>T </a:t>
+            </a:r>
+            <a:r>
+              <a:rPr kumimoji="0" lang="en-US" altLang="en-US" sz="1600" b="0" i="0" u="none" strike="noStrike" cap="none" normalizeH="0" baseline="0" dirty="0" smtClean="0">
+                <a:ln>
+                  <a:noFill/>
+                </a:ln>
+                <a:solidFill>
+                  <a:srgbClr val="000000"/>
+                </a:solidFill>
+                <a:effectLst/>
+                <a:latin typeface="Courier New" panose="02070309020205020404" pitchFamily="49" charset="0"/>
+                <a:cs typeface="Courier New" panose="02070309020205020404" pitchFamily="49" charset="0"/>
+              </a:rPr>
+              <a:t>other);</a:t>
+            </a:r>
+            <a:br>
+              <a:rPr kumimoji="0" lang="en-US" altLang="en-US" sz="1600" b="0" i="0" u="none" strike="noStrike" cap="none" normalizeH="0" baseline="0" dirty="0" smtClean="0">
+                <a:ln>
+                  <a:noFill/>
+                </a:ln>
+                <a:solidFill>
+                  <a:srgbClr val="000000"/>
+                </a:solidFill>
+                <a:effectLst/>
+                <a:latin typeface="Courier New" panose="02070309020205020404" pitchFamily="49" charset="0"/>
+                <a:cs typeface="Courier New" panose="02070309020205020404" pitchFamily="49" charset="0"/>
+              </a:rPr>
+            </a:br>
+            <a:r>
+              <a:rPr kumimoji="0" lang="en-US" altLang="en-US" sz="1600" b="0" i="0" u="none" strike="noStrike" cap="none" normalizeH="0" baseline="0" dirty="0" smtClean="0">
+                <a:ln>
+                  <a:noFill/>
+                </a:ln>
+                <a:solidFill>
+                  <a:srgbClr val="20999D"/>
+                </a:solidFill>
+                <a:effectLst/>
+                <a:latin typeface="Courier New" panose="02070309020205020404" pitchFamily="49" charset="0"/>
+                <a:cs typeface="Courier New" panose="02070309020205020404" pitchFamily="49" charset="0"/>
+              </a:rPr>
+              <a:t>T </a:t>
+            </a:r>
+            <a:r>
+              <a:rPr kumimoji="0" lang="en-US" altLang="en-US" sz="1600" b="0" i="0" u="none" strike="noStrike" cap="none" normalizeH="0" baseline="0" dirty="0" err="1" smtClean="0">
+                <a:ln>
+                  <a:noFill/>
+                </a:ln>
+                <a:solidFill>
+                  <a:srgbClr val="000000"/>
+                </a:solidFill>
+                <a:effectLst/>
+                <a:latin typeface="Courier New" panose="02070309020205020404" pitchFamily="49" charset="0"/>
+                <a:cs typeface="Courier New" panose="02070309020205020404" pitchFamily="49" charset="0"/>
+              </a:rPr>
+              <a:t>orElseGet</a:t>
+            </a:r>
+            <a:r>
+              <a:rPr kumimoji="0" lang="en-US" altLang="en-US" sz="1600" b="0" i="0" u="none" strike="noStrike" cap="none" normalizeH="0" baseline="0" dirty="0" smtClean="0">
+                <a:ln>
+                  <a:noFill/>
+                </a:ln>
+                <a:solidFill>
+                  <a:srgbClr val="000000"/>
+                </a:solidFill>
+                <a:effectLst/>
+                <a:latin typeface="Courier New" panose="02070309020205020404" pitchFamily="49" charset="0"/>
+                <a:cs typeface="Courier New" panose="02070309020205020404" pitchFamily="49" charset="0"/>
+              </a:rPr>
+              <a:t>(Supplier&lt;? </a:t>
+            </a:r>
+            <a:r>
+              <a:rPr kumimoji="0" lang="en-US" altLang="en-US" sz="1600" b="1" i="0" u="none" strike="noStrike" cap="none" normalizeH="0" baseline="0" dirty="0" smtClean="0">
+                <a:ln>
+                  <a:noFill/>
+                </a:ln>
+                <a:solidFill>
+                  <a:srgbClr val="000080"/>
+                </a:solidFill>
+                <a:effectLst/>
+                <a:latin typeface="Courier New" panose="02070309020205020404" pitchFamily="49" charset="0"/>
+                <a:cs typeface="Courier New" panose="02070309020205020404" pitchFamily="49" charset="0"/>
+              </a:rPr>
+              <a:t>extends </a:t>
+            </a:r>
+            <a:r>
+              <a:rPr kumimoji="0" lang="en-US" altLang="en-US" sz="1600" b="0" i="0" u="none" strike="noStrike" cap="none" normalizeH="0" baseline="0" dirty="0" smtClean="0">
+                <a:ln>
+                  <a:noFill/>
+                </a:ln>
+                <a:solidFill>
+                  <a:srgbClr val="20999D"/>
+                </a:solidFill>
+                <a:effectLst/>
+                <a:latin typeface="Courier New" panose="02070309020205020404" pitchFamily="49" charset="0"/>
+                <a:cs typeface="Courier New" panose="02070309020205020404" pitchFamily="49" charset="0"/>
+              </a:rPr>
+              <a:t>T</a:t>
+            </a:r>
+            <a:r>
+              <a:rPr kumimoji="0" lang="en-US" altLang="en-US" sz="1600" b="0" i="0" u="none" strike="noStrike" cap="none" normalizeH="0" baseline="0" dirty="0" smtClean="0">
+                <a:ln>
+                  <a:noFill/>
+                </a:ln>
+                <a:solidFill>
+                  <a:srgbClr val="000000"/>
+                </a:solidFill>
+                <a:effectLst/>
+                <a:latin typeface="Courier New" panose="02070309020205020404" pitchFamily="49" charset="0"/>
+                <a:cs typeface="Courier New" panose="02070309020205020404" pitchFamily="49" charset="0"/>
+              </a:rPr>
+              <a:t>&gt; supplier);</a:t>
+            </a:r>
+            <a:br>
+              <a:rPr kumimoji="0" lang="en-US" altLang="en-US" sz="1600" b="0" i="0" u="none" strike="noStrike" cap="none" normalizeH="0" baseline="0" dirty="0" smtClean="0">
+                <a:ln>
+                  <a:noFill/>
+                </a:ln>
+                <a:solidFill>
+                  <a:srgbClr val="000000"/>
+                </a:solidFill>
+                <a:effectLst/>
+                <a:latin typeface="Courier New" panose="02070309020205020404" pitchFamily="49" charset="0"/>
+                <a:cs typeface="Courier New" panose="02070309020205020404" pitchFamily="49" charset="0"/>
+              </a:rPr>
+            </a:br>
+            <a:r>
+              <a:rPr kumimoji="0" lang="en-US" altLang="en-US" sz="1600" b="0" i="0" u="none" strike="noStrike" cap="none" normalizeH="0" baseline="0" dirty="0" smtClean="0">
+                <a:ln>
+                  <a:noFill/>
+                </a:ln>
+                <a:solidFill>
+                  <a:srgbClr val="20999D"/>
+                </a:solidFill>
+                <a:effectLst/>
+                <a:latin typeface="Courier New" panose="02070309020205020404" pitchFamily="49" charset="0"/>
+                <a:cs typeface="Courier New" panose="02070309020205020404" pitchFamily="49" charset="0"/>
+              </a:rPr>
+              <a:t>T </a:t>
+            </a:r>
+            <a:r>
+              <a:rPr kumimoji="0" lang="en-US" altLang="en-US" sz="1600" b="0" i="0" u="none" strike="noStrike" cap="none" normalizeH="0" baseline="0" dirty="0" err="1" smtClean="0">
+                <a:ln>
+                  <a:noFill/>
+                </a:ln>
+                <a:solidFill>
+                  <a:srgbClr val="000000"/>
+                </a:solidFill>
+                <a:effectLst/>
+                <a:latin typeface="Courier New" panose="02070309020205020404" pitchFamily="49" charset="0"/>
+                <a:cs typeface="Courier New" panose="02070309020205020404" pitchFamily="49" charset="0"/>
+              </a:rPr>
+              <a:t>orElseThrow</a:t>
+            </a:r>
+            <a:r>
+              <a:rPr kumimoji="0" lang="en-US" altLang="en-US" sz="1600" b="0" i="0" u="none" strike="noStrike" cap="none" normalizeH="0" baseline="0" dirty="0" smtClean="0">
+                <a:ln>
+                  <a:noFill/>
+                </a:ln>
+                <a:solidFill>
+                  <a:srgbClr val="000000"/>
+                </a:solidFill>
+                <a:effectLst/>
+                <a:latin typeface="Courier New" panose="02070309020205020404" pitchFamily="49" charset="0"/>
+                <a:cs typeface="Courier New" panose="02070309020205020404" pitchFamily="49" charset="0"/>
+              </a:rPr>
+              <a:t>();</a:t>
+            </a:r>
+            <a:br>
+              <a:rPr kumimoji="0" lang="en-US" altLang="en-US" sz="1600" b="0" i="0" u="none" strike="noStrike" cap="none" normalizeH="0" baseline="0" dirty="0" smtClean="0">
+                <a:ln>
+                  <a:noFill/>
+                </a:ln>
+                <a:solidFill>
+                  <a:srgbClr val="000000"/>
+                </a:solidFill>
+                <a:effectLst/>
+                <a:latin typeface="Courier New" panose="02070309020205020404" pitchFamily="49" charset="0"/>
+                <a:cs typeface="Courier New" panose="02070309020205020404" pitchFamily="49" charset="0"/>
+              </a:rPr>
+            </a:br>
+            <a:r>
+              <a:rPr kumimoji="0" lang="en-US" altLang="en-US" sz="1600" b="0" i="0" u="none" strike="noStrike" cap="none" normalizeH="0" baseline="0" dirty="0" smtClean="0">
+                <a:ln>
+                  <a:noFill/>
+                </a:ln>
+                <a:solidFill>
+                  <a:srgbClr val="000000"/>
+                </a:solidFill>
+                <a:effectLst/>
+                <a:latin typeface="Courier New" panose="02070309020205020404" pitchFamily="49" charset="0"/>
+                <a:cs typeface="Courier New" panose="02070309020205020404" pitchFamily="49" charset="0"/>
+              </a:rPr>
+              <a:t>&lt;</a:t>
+            </a:r>
+            <a:r>
+              <a:rPr kumimoji="0" lang="en-US" altLang="en-US" sz="1600" b="0" i="0" u="none" strike="noStrike" cap="none" normalizeH="0" baseline="0" dirty="0" smtClean="0">
+                <a:ln>
+                  <a:noFill/>
+                </a:ln>
+                <a:solidFill>
+                  <a:srgbClr val="20999D"/>
+                </a:solidFill>
+                <a:effectLst/>
+                <a:latin typeface="Courier New" panose="02070309020205020404" pitchFamily="49" charset="0"/>
+                <a:cs typeface="Courier New" panose="02070309020205020404" pitchFamily="49" charset="0"/>
+              </a:rPr>
+              <a:t>X </a:t>
+            </a:r>
+            <a:r>
+              <a:rPr kumimoji="0" lang="en-US" altLang="en-US" sz="1600" b="1" i="0" u="none" strike="noStrike" cap="none" normalizeH="0" baseline="0" dirty="0" smtClean="0">
+                <a:ln>
+                  <a:noFill/>
+                </a:ln>
+                <a:solidFill>
+                  <a:srgbClr val="000080"/>
+                </a:solidFill>
+                <a:effectLst/>
+                <a:latin typeface="Courier New" panose="02070309020205020404" pitchFamily="49" charset="0"/>
+                <a:cs typeface="Courier New" panose="02070309020205020404" pitchFamily="49" charset="0"/>
+              </a:rPr>
+              <a:t>extends </a:t>
+            </a:r>
+            <a:r>
+              <a:rPr kumimoji="0" lang="en-US" altLang="en-US" sz="1600" b="0" i="0" u="none" strike="noStrike" cap="none" normalizeH="0" baseline="0" dirty="0" err="1" smtClean="0">
+                <a:ln>
+                  <a:noFill/>
+                </a:ln>
+                <a:solidFill>
+                  <a:srgbClr val="000000"/>
+                </a:solidFill>
+                <a:effectLst/>
+                <a:latin typeface="Courier New" panose="02070309020205020404" pitchFamily="49" charset="0"/>
+                <a:cs typeface="Courier New" panose="02070309020205020404" pitchFamily="49" charset="0"/>
+              </a:rPr>
+              <a:t>Throwable</a:t>
+            </a:r>
+            <a:r>
+              <a:rPr kumimoji="0" lang="en-US" altLang="en-US" sz="1600" b="0" i="0" u="none" strike="noStrike" cap="none" normalizeH="0" baseline="0" dirty="0" smtClean="0">
+                <a:ln>
+                  <a:noFill/>
+                </a:ln>
+                <a:solidFill>
+                  <a:srgbClr val="000000"/>
+                </a:solidFill>
+                <a:effectLst/>
+                <a:latin typeface="Courier New" panose="02070309020205020404" pitchFamily="49" charset="0"/>
+                <a:cs typeface="Courier New" panose="02070309020205020404" pitchFamily="49" charset="0"/>
+              </a:rPr>
+              <a:t>&gt; </a:t>
+            </a:r>
+            <a:r>
+              <a:rPr kumimoji="0" lang="en-US" altLang="en-US" sz="1600" b="0" i="0" u="none" strike="noStrike" cap="none" normalizeH="0" baseline="0" dirty="0" smtClean="0">
+                <a:ln>
+                  <a:noFill/>
+                </a:ln>
+                <a:solidFill>
+                  <a:srgbClr val="20999D"/>
+                </a:solidFill>
+                <a:effectLst/>
+                <a:latin typeface="Courier New" panose="02070309020205020404" pitchFamily="49" charset="0"/>
+                <a:cs typeface="Courier New" panose="02070309020205020404" pitchFamily="49" charset="0"/>
+              </a:rPr>
+              <a:t>T </a:t>
+            </a:r>
+            <a:r>
+              <a:rPr kumimoji="0" lang="en-US" altLang="en-US" sz="1600" b="0" i="0" u="none" strike="noStrike" cap="none" normalizeH="0" baseline="0" dirty="0" err="1" smtClean="0">
+                <a:ln>
+                  <a:noFill/>
+                </a:ln>
+                <a:solidFill>
+                  <a:srgbClr val="000000"/>
+                </a:solidFill>
+                <a:effectLst/>
+                <a:latin typeface="Courier New" panose="02070309020205020404" pitchFamily="49" charset="0"/>
+                <a:cs typeface="Courier New" panose="02070309020205020404" pitchFamily="49" charset="0"/>
+              </a:rPr>
+              <a:t>orElseThrow</a:t>
+            </a:r>
+            <a:r>
+              <a:rPr kumimoji="0" lang="en-US" altLang="en-US" sz="1600" b="0" i="0" u="none" strike="noStrike" cap="none" normalizeH="0" baseline="0" dirty="0" smtClean="0">
+                <a:ln>
+                  <a:noFill/>
+                </a:ln>
+                <a:solidFill>
+                  <a:srgbClr val="000000"/>
+                </a:solidFill>
+                <a:effectLst/>
+                <a:latin typeface="Courier New" panose="02070309020205020404" pitchFamily="49" charset="0"/>
+                <a:cs typeface="Courier New" panose="02070309020205020404" pitchFamily="49" charset="0"/>
+              </a:rPr>
+              <a:t>(Supplier&lt;? </a:t>
+            </a:r>
+            <a:r>
+              <a:rPr kumimoji="0" lang="en-US" altLang="en-US" sz="1600" b="1" i="0" u="none" strike="noStrike" cap="none" normalizeH="0" baseline="0" dirty="0" smtClean="0">
+                <a:ln>
+                  <a:noFill/>
+                </a:ln>
+                <a:solidFill>
+                  <a:srgbClr val="000080"/>
+                </a:solidFill>
+                <a:effectLst/>
+                <a:latin typeface="Courier New" panose="02070309020205020404" pitchFamily="49" charset="0"/>
+                <a:cs typeface="Courier New" panose="02070309020205020404" pitchFamily="49" charset="0"/>
+              </a:rPr>
+              <a:t>extends </a:t>
+            </a:r>
+            <a:r>
+              <a:rPr kumimoji="0" lang="en-US" altLang="en-US" sz="1600" b="0" i="0" u="none" strike="noStrike" cap="none" normalizeH="0" baseline="0" dirty="0" smtClean="0">
+                <a:ln>
+                  <a:noFill/>
+                </a:ln>
+                <a:solidFill>
+                  <a:srgbClr val="20999D"/>
+                </a:solidFill>
+                <a:effectLst/>
+                <a:latin typeface="Courier New" panose="02070309020205020404" pitchFamily="49" charset="0"/>
+                <a:cs typeface="Courier New" panose="02070309020205020404" pitchFamily="49" charset="0"/>
+              </a:rPr>
+              <a:t>X</a:t>
+            </a:r>
+            <a:r>
+              <a:rPr kumimoji="0" lang="en-US" altLang="en-US" sz="1600" b="0" i="0" u="none" strike="noStrike" cap="none" normalizeH="0" baseline="0" dirty="0" smtClean="0">
+                <a:ln>
+                  <a:noFill/>
+                </a:ln>
+                <a:solidFill>
+                  <a:srgbClr val="000000"/>
+                </a:solidFill>
+                <a:effectLst/>
+                <a:latin typeface="Courier New" panose="02070309020205020404" pitchFamily="49" charset="0"/>
+                <a:cs typeface="Courier New" panose="02070309020205020404" pitchFamily="49" charset="0"/>
+              </a:rPr>
+              <a:t>&gt; </a:t>
+            </a:r>
+            <a:r>
+              <a:rPr kumimoji="0" lang="en-US" altLang="en-US" sz="1600" b="0" i="0" u="none" strike="noStrike" cap="none" normalizeH="0" baseline="0" dirty="0" err="1" smtClean="0">
+                <a:ln>
+                  <a:noFill/>
+                </a:ln>
+                <a:solidFill>
+                  <a:srgbClr val="000000"/>
+                </a:solidFill>
+                <a:effectLst/>
+                <a:latin typeface="Courier New" panose="02070309020205020404" pitchFamily="49" charset="0"/>
+                <a:cs typeface="Courier New" panose="02070309020205020404" pitchFamily="49" charset="0"/>
+              </a:rPr>
+              <a:t>exceptionSupplier</a:t>
+            </a:r>
+            <a:r>
+              <a:rPr kumimoji="0" lang="en-US" altLang="en-US" sz="1600" b="0" i="0" u="none" strike="noStrike" cap="none" normalizeH="0" baseline="0" dirty="0" smtClean="0">
+                <a:ln>
+                  <a:noFill/>
+                </a:ln>
+                <a:solidFill>
+                  <a:srgbClr val="000000"/>
+                </a:solidFill>
+                <a:effectLst/>
+                <a:latin typeface="Courier New" panose="02070309020205020404" pitchFamily="49" charset="0"/>
+                <a:cs typeface="Courier New" panose="02070309020205020404" pitchFamily="49" charset="0"/>
+              </a:rPr>
+              <a:t>) </a:t>
+            </a:r>
+            <a:r>
+              <a:rPr kumimoji="0" lang="en-US" altLang="en-US" sz="1600" b="1" i="0" u="none" strike="noStrike" cap="none" normalizeH="0" baseline="0" dirty="0" smtClean="0">
+                <a:ln>
+                  <a:noFill/>
+                </a:ln>
+                <a:solidFill>
+                  <a:srgbClr val="000080"/>
+                </a:solidFill>
+                <a:effectLst/>
+                <a:latin typeface="Courier New" panose="02070309020205020404" pitchFamily="49" charset="0"/>
+                <a:cs typeface="Courier New" panose="02070309020205020404" pitchFamily="49" charset="0"/>
+              </a:rPr>
+              <a:t>throws </a:t>
+            </a:r>
+            <a:r>
+              <a:rPr kumimoji="0" lang="en-US" altLang="en-US" sz="1600" b="0" i="0" u="none" strike="noStrike" cap="none" normalizeH="0" baseline="0" dirty="0" smtClean="0">
+                <a:ln>
+                  <a:noFill/>
+                </a:ln>
+                <a:solidFill>
+                  <a:srgbClr val="20999D"/>
+                </a:solidFill>
+                <a:effectLst/>
+                <a:latin typeface="Courier New" panose="02070309020205020404" pitchFamily="49" charset="0"/>
+                <a:cs typeface="Courier New" panose="02070309020205020404" pitchFamily="49" charset="0"/>
+              </a:rPr>
+              <a:t>X</a:t>
+            </a:r>
+            <a:r>
+              <a:rPr kumimoji="0" lang="en-US" altLang="en-US" sz="1600" b="0" i="0" u="none" strike="noStrike" cap="none" normalizeH="0" baseline="0" dirty="0" smtClean="0">
+                <a:ln>
+                  <a:noFill/>
+                </a:ln>
+                <a:solidFill>
+                  <a:srgbClr val="000000"/>
+                </a:solidFill>
+                <a:effectLst/>
+                <a:latin typeface="Courier New" panose="02070309020205020404" pitchFamily="49" charset="0"/>
+                <a:cs typeface="Courier New" panose="02070309020205020404" pitchFamily="49" charset="0"/>
+              </a:rPr>
+              <a:t>;</a:t>
+            </a:r>
+            <a:endParaRPr kumimoji="0" lang="en-US" altLang="en-US" sz="4000" b="0" i="0" u="none" strike="noStrike" cap="none" normalizeH="0" baseline="0" dirty="0" smtClean="0">
+              <a:ln>
+                <a:noFill/>
+              </a:ln>
+              <a:solidFill>
+                <a:schemeClr val="tx1"/>
+              </a:solidFill>
+              <a:effectLst/>
+              <a:latin typeface="Arial" panose="020B0604020202020204" pitchFamily="34" charset="0"/>
+            </a:endParaRPr>
+          </a:p>
+        </p:txBody>
+      </p:sp>
     </p:spTree>
     <p:extLst>
       <p:ext uri="{BB962C8B-B14F-4D97-AF65-F5344CB8AC3E}">
-        <p14:creationId xmlns:p14="http://schemas.microsoft.com/office/powerpoint/2010/main" val="3801187224"/>
+        <p14:creationId xmlns:p14="http://schemas.microsoft.com/office/powerpoint/2010/main" val="1389866165"/>
       </p:ext>
     </p:extLst>
   </p:cSld>
@@ -18154,6 +19911,20 @@
                 <a:cs typeface="Courier New" panose="02070309020205020404" pitchFamily="49" charset="0"/>
               </a:rPr>
             </a:br>
+            <a:r>
+              <a:rPr kumimoji="0" lang="ru-RU" altLang="ru-RU" sz="1200" b="0" i="0" u="none" strike="noStrike" cap="none" normalizeH="0" baseline="0" dirty="0">
+                <a:ln>
+                  <a:noFill/>
+                </a:ln>
+                <a:solidFill>
+                  <a:srgbClr val="000000"/>
+                </a:solidFill>
+                <a:effectLst/>
+                <a:latin typeface="Courier New" panose="02070309020205020404" pitchFamily="49" charset="0"/>
+                <a:cs typeface="Courier New" panose="02070309020205020404" pitchFamily="49" charset="0"/>
+              </a:rPr>
+              <a:t/>
+            </a:r>
             <a:br>
               <a:rPr kumimoji="0" lang="ru-RU" altLang="ru-RU" sz="1200" b="0" i="0" u="none" strike="noStrike" cap="none" normalizeH="0" baseline="0" dirty="0">
                 <a:ln>
@@ -18541,6 +20312,20 @@
                 <a:cs typeface="Courier New" panose="02070309020205020404" pitchFamily="49" charset="0"/>
               </a:rPr>
             </a:br>
+            <a:r>
+              <a:rPr kumimoji="0" lang="ru-RU" altLang="ru-RU" sz="1200" b="0" i="0" u="none" strike="noStrike" cap="none" normalizeH="0" baseline="0" dirty="0">
+                <a:ln>
+                  <a:noFill/>
+                </a:ln>
+                <a:solidFill>
+                  <a:srgbClr val="000000"/>
+                </a:solidFill>
+                <a:effectLst/>
+                <a:latin typeface="Courier New" panose="02070309020205020404" pitchFamily="49" charset="0"/>
+                <a:cs typeface="Courier New" panose="02070309020205020404" pitchFamily="49" charset="0"/>
+              </a:rPr>
+              <a:t/>
+            </a:r>
             <a:br>
               <a:rPr kumimoji="0" lang="ru-RU" altLang="ru-RU" sz="1200" b="0" i="0" u="none" strike="noStrike" cap="none" normalizeH="0" baseline="0" dirty="0">
                 <a:ln>
@@ -19012,6 +20797,16 @@
               </a:rPr>
               <a:t>Optional.empty</a:t>
             </a:r>
+            <a:r>
+              <a:rPr lang="uk-UA" altLang="uk-UA" sz="1200" i="1" dirty="0">
+                <a:solidFill>
+                  <a:srgbClr val="808080"/>
+                </a:solidFill>
+                <a:latin typeface="Courier New" panose="02070309020205020404" pitchFamily="49" charset="0"/>
+                <a:cs typeface="Courier New" panose="02070309020205020404" pitchFamily="49" charset="0"/>
+              </a:rPr>
+              <a:t/>
+            </a:r>
             <a:br>
               <a:rPr lang="uk-UA" altLang="uk-UA" sz="1200" i="1" dirty="0">
                 <a:solidFill>
@@ -19021,6 +20816,16 @@
                 <a:cs typeface="Courier New" panose="02070309020205020404" pitchFamily="49" charset="0"/>
               </a:rPr>
             </a:br>
+            <a:r>
+              <a:rPr lang="uk-UA" altLang="uk-UA" sz="1200" i="1" dirty="0">
+                <a:solidFill>
+                  <a:srgbClr val="808080"/>
+                </a:solidFill>
+                <a:latin typeface="Courier New" panose="02070309020205020404" pitchFamily="49" charset="0"/>
+                <a:cs typeface="Courier New" panose="02070309020205020404" pitchFamily="49" charset="0"/>
+              </a:rPr>
+              <a:t/>
+            </a:r>
             <a:br>
               <a:rPr lang="uk-UA" altLang="uk-UA" sz="1200" i="1" dirty="0">
                 <a:solidFill>
@@ -19119,6 +20924,16 @@
                 <a:cs typeface="Courier New" panose="02070309020205020404" pitchFamily="49" charset="0"/>
               </a:rPr>
               <a:t>NoSuchElementException</a:t>
+            </a:r>
+            <a:r>
+              <a:rPr lang="uk-UA" altLang="uk-UA" sz="1200" i="1" dirty="0">
+                <a:solidFill>
+                  <a:srgbClr val="808080"/>
+                </a:solidFill>
+                <a:latin typeface="Courier New" panose="02070309020205020404" pitchFamily="49" charset="0"/>
+                <a:cs typeface="Courier New" panose="02070309020205020404" pitchFamily="49" charset="0"/>
+              </a:rPr>
+              <a:t/>
             </a:r>
             <a:br>
               <a:rPr lang="uk-UA" altLang="uk-UA" sz="1200" i="1" dirty="0">
@@ -19353,6 +21168,16 @@
               </a:rPr>
               <a:t>null</a:t>
             </a:r>
+            <a:r>
+              <a:rPr lang="uk-UA" altLang="uk-UA" sz="1200" i="1" dirty="0">
+                <a:solidFill>
+                  <a:srgbClr val="808080"/>
+                </a:solidFill>
+                <a:latin typeface="Courier New" panose="02070309020205020404" pitchFamily="49" charset="0"/>
+                <a:cs typeface="Courier New" panose="02070309020205020404" pitchFamily="49" charset="0"/>
+              </a:rPr>
+              <a:t/>
+            </a:r>
             <a:br>
               <a:rPr lang="uk-UA" altLang="uk-UA" sz="1200" i="1" dirty="0">
                 <a:solidFill>
@@ -19362,6 +21187,16 @@
                 <a:cs typeface="Courier New" panose="02070309020205020404" pitchFamily="49" charset="0"/>
               </a:rPr>
             </a:br>
+            <a:r>
+              <a:rPr lang="uk-UA" altLang="uk-UA" sz="1200" i="1" dirty="0">
+                <a:solidFill>
+                  <a:srgbClr val="808080"/>
+                </a:solidFill>
+                <a:latin typeface="Courier New" panose="02070309020205020404" pitchFamily="49" charset="0"/>
+                <a:cs typeface="Courier New" panose="02070309020205020404" pitchFamily="49" charset="0"/>
+              </a:rPr>
+              <a:t/>
+            </a:r>
             <a:br>
               <a:rPr lang="uk-UA" altLang="uk-UA" sz="1200" i="1" dirty="0">
                 <a:solidFill>
@@ -19609,6 +21444,16 @@
                 <a:cs typeface="Courier New" panose="02070309020205020404" pitchFamily="49" charset="0"/>
               </a:rPr>
             </a:br>
+            <a:r>
+              <a:rPr lang="uk-UA" altLang="uk-UA" sz="1200" i="1" dirty="0">
+                <a:solidFill>
+                  <a:srgbClr val="808080"/>
+                </a:solidFill>
+                <a:latin typeface="Courier New" panose="02070309020205020404" pitchFamily="49" charset="0"/>
+                <a:cs typeface="Courier New" panose="02070309020205020404" pitchFamily="49" charset="0"/>
+              </a:rPr>
+              <a:t/>
+            </a:r>
             <a:br>
               <a:rPr lang="uk-UA" altLang="uk-UA" sz="1200" i="1" dirty="0">
                 <a:solidFill>
@@ -19747,6 +21592,16 @@
                 <a:cs typeface="Courier New" panose="02070309020205020404" pitchFamily="49" charset="0"/>
               </a:rPr>
               <a:t>printed</a:t>
+            </a:r>
+            <a:r>
+              <a:rPr lang="uk-UA" altLang="uk-UA" sz="1200" i="1" dirty="0">
+                <a:solidFill>
+                  <a:srgbClr val="808080"/>
+                </a:solidFill>
+                <a:latin typeface="Courier New" panose="02070309020205020404" pitchFamily="49" charset="0"/>
+                <a:cs typeface="Courier New" panose="02070309020205020404" pitchFamily="49" charset="0"/>
+              </a:rPr>
+              <a:t/>
             </a:r>
             <a:br>
               <a:rPr lang="uk-UA" altLang="uk-UA" sz="1200" i="1" dirty="0">
